--- a/SupportFiles/Documents/SketchFlow.pptx
+++ b/SupportFiles/Documents/SketchFlow.pptx
@@ -7,7 +7,13 @@
   <p:sldIdLst>
     <p:sldId id="256" r:id="rId2"/>
     <p:sldId id="257" r:id="rId3"/>
-    <p:sldId id="258" r:id="rId4"/>
+    <p:sldId id="259" r:id="rId4"/>
+    <p:sldId id="260" r:id="rId5"/>
+    <p:sldId id="258" r:id="rId6"/>
+    <p:sldId id="261" r:id="rId7"/>
+    <p:sldId id="262" r:id="rId8"/>
+    <p:sldId id="263" r:id="rId9"/>
+    <p:sldId id="264" r:id="rId10"/>
   </p:sldIdLst>
   <p:sldSz cx="12192000" cy="6858000"/>
   <p:notesSz cx="6858000" cy="9144000"/>
@@ -245,7 +251,7 @@
           <a:p>
             <a:fld id="{B3A60D50-D8A2-4FF0-BC35-14BFC20D9FA3}" type="datetimeFigureOut">
               <a:rPr lang="en-GB" smtClean="0"/>
-              <a:t>12/02/2018</a:t>
+              <a:t>13/02/2018</a:t>
             </a:fld>
             <a:endParaRPr lang="en-GB"/>
           </a:p>
@@ -415,7 +421,7 @@
           <a:p>
             <a:fld id="{B3A60D50-D8A2-4FF0-BC35-14BFC20D9FA3}" type="datetimeFigureOut">
               <a:rPr lang="en-GB" smtClean="0"/>
-              <a:t>12/02/2018</a:t>
+              <a:t>13/02/2018</a:t>
             </a:fld>
             <a:endParaRPr lang="en-GB"/>
           </a:p>
@@ -595,7 +601,7 @@
           <a:p>
             <a:fld id="{B3A60D50-D8A2-4FF0-BC35-14BFC20D9FA3}" type="datetimeFigureOut">
               <a:rPr lang="en-GB" smtClean="0"/>
-              <a:t>12/02/2018</a:t>
+              <a:t>13/02/2018</a:t>
             </a:fld>
             <a:endParaRPr lang="en-GB"/>
           </a:p>
@@ -765,7 +771,7 @@
           <a:p>
             <a:fld id="{B3A60D50-D8A2-4FF0-BC35-14BFC20D9FA3}" type="datetimeFigureOut">
               <a:rPr lang="en-GB" smtClean="0"/>
-              <a:t>12/02/2018</a:t>
+              <a:t>13/02/2018</a:t>
             </a:fld>
             <a:endParaRPr lang="en-GB"/>
           </a:p>
@@ -1011,7 +1017,7 @@
           <a:p>
             <a:fld id="{B3A60D50-D8A2-4FF0-BC35-14BFC20D9FA3}" type="datetimeFigureOut">
               <a:rPr lang="en-GB" smtClean="0"/>
-              <a:t>12/02/2018</a:t>
+              <a:t>13/02/2018</a:t>
             </a:fld>
             <a:endParaRPr lang="en-GB"/>
           </a:p>
@@ -1243,7 +1249,7 @@
           <a:p>
             <a:fld id="{B3A60D50-D8A2-4FF0-BC35-14BFC20D9FA3}" type="datetimeFigureOut">
               <a:rPr lang="en-GB" smtClean="0"/>
-              <a:t>12/02/2018</a:t>
+              <a:t>13/02/2018</a:t>
             </a:fld>
             <a:endParaRPr lang="en-GB"/>
           </a:p>
@@ -1610,7 +1616,7 @@
           <a:p>
             <a:fld id="{B3A60D50-D8A2-4FF0-BC35-14BFC20D9FA3}" type="datetimeFigureOut">
               <a:rPr lang="en-GB" smtClean="0"/>
-              <a:t>12/02/2018</a:t>
+              <a:t>13/02/2018</a:t>
             </a:fld>
             <a:endParaRPr lang="en-GB"/>
           </a:p>
@@ -1728,7 +1734,7 @@
           <a:p>
             <a:fld id="{B3A60D50-D8A2-4FF0-BC35-14BFC20D9FA3}" type="datetimeFigureOut">
               <a:rPr lang="en-GB" smtClean="0"/>
-              <a:t>12/02/2018</a:t>
+              <a:t>13/02/2018</a:t>
             </a:fld>
             <a:endParaRPr lang="en-GB"/>
           </a:p>
@@ -1823,7 +1829,7 @@
           <a:p>
             <a:fld id="{B3A60D50-D8A2-4FF0-BC35-14BFC20D9FA3}" type="datetimeFigureOut">
               <a:rPr lang="en-GB" smtClean="0"/>
-              <a:t>12/02/2018</a:t>
+              <a:t>13/02/2018</a:t>
             </a:fld>
             <a:endParaRPr lang="en-GB"/>
           </a:p>
@@ -2100,7 +2106,7 @@
           <a:p>
             <a:fld id="{B3A60D50-D8A2-4FF0-BC35-14BFC20D9FA3}" type="datetimeFigureOut">
               <a:rPr lang="en-GB" smtClean="0"/>
-              <a:t>12/02/2018</a:t>
+              <a:t>13/02/2018</a:t>
             </a:fld>
             <a:endParaRPr lang="en-GB"/>
           </a:p>
@@ -2353,7 +2359,7 @@
           <a:p>
             <a:fld id="{B3A60D50-D8A2-4FF0-BC35-14BFC20D9FA3}" type="datetimeFigureOut">
               <a:rPr lang="en-GB" smtClean="0"/>
-              <a:t>12/02/2018</a:t>
+              <a:t>13/02/2018</a:t>
             </a:fld>
             <a:endParaRPr lang="en-GB"/>
           </a:p>
@@ -2566,7 +2572,7 @@
           <a:p>
             <a:fld id="{B3A60D50-D8A2-4FF0-BC35-14BFC20D9FA3}" type="datetimeFigureOut">
               <a:rPr lang="en-GB" smtClean="0"/>
-              <a:t>12/02/2018</a:t>
+              <a:t>13/02/2018</a:t>
             </a:fld>
             <a:endParaRPr lang="en-GB"/>
           </a:p>
@@ -6830,43 +6836,647 @@
           <a:chExt cx="0" cy="0"/>
         </a:xfrm>
       </p:grpSpPr>
-      <p:sp>
-        <p:nvSpPr>
-          <p:cNvPr id="2" name="Title 1"/>
-          <p:cNvSpPr>
-            <a:spLocks noGrp="1"/>
-          </p:cNvSpPr>
-          <p:nvPr>
-            <p:ph type="title"/>
-          </p:nvPr>
-        </p:nvSpPr>
-        <p:spPr>
-          <a:xfrm>
-            <a:off x="778741" y="311030"/>
-            <a:ext cx="10515600" cy="824960"/>
-          </a:xfrm>
-        </p:spPr>
-        <p:txBody>
-          <a:bodyPr/>
-          <a:lstStyle/>
-          <a:p>
-            <a:r>
-              <a:rPr lang="en-GB" dirty="0" smtClean="0"/>
-              <a:t>User Management</a:t>
-            </a:r>
-            <a:endParaRPr lang="en-GB" dirty="0"/>
-          </a:p>
-        </p:txBody>
-      </p:sp>
-      <p:sp>
-        <p:nvSpPr>
-          <p:cNvPr id="7" name="Rectangle 6"/>
+      <p:grpSp>
+        <p:nvGrpSpPr>
+          <p:cNvPr id="4" name="Group 3"/>
+          <p:cNvGrpSpPr/>
+          <p:nvPr/>
+        </p:nvGrpSpPr>
+        <p:grpSpPr>
+          <a:xfrm>
+            <a:off x="274152" y="2979449"/>
+            <a:ext cx="3657600" cy="2390115"/>
+            <a:chOff x="5720281" y="642796"/>
+            <a:chExt cx="3657600" cy="2390115"/>
+          </a:xfrm>
+        </p:grpSpPr>
+        <p:sp>
+          <p:nvSpPr>
+            <p:cNvPr id="5" name="Rectangle 4"/>
+            <p:cNvSpPr/>
+            <p:nvPr/>
+          </p:nvSpPr>
+          <p:spPr>
+            <a:xfrm>
+              <a:off x="5720281" y="642796"/>
+              <a:ext cx="3657600" cy="2390115"/>
+            </a:xfrm>
+            <a:prstGeom prst="rect">
+              <a:avLst/>
+            </a:prstGeom>
+          </p:spPr>
+          <p:style>
+            <a:lnRef idx="2">
+              <a:schemeClr val="accent1">
+                <a:shade val="50000"/>
+              </a:schemeClr>
+            </a:lnRef>
+            <a:fillRef idx="1">
+              <a:schemeClr val="accent1"/>
+            </a:fillRef>
+            <a:effectRef idx="0">
+              <a:schemeClr val="accent1"/>
+            </a:effectRef>
+            <a:fontRef idx="minor">
+              <a:schemeClr val="lt1"/>
+            </a:fontRef>
+          </p:style>
+          <p:txBody>
+            <a:bodyPr rtlCol="0" anchor="ctr"/>
+            <a:lstStyle/>
+            <a:p>
+              <a:pPr algn="ctr"/>
+              <a:endParaRPr lang="en-GB"/>
+            </a:p>
+          </p:txBody>
+        </p:sp>
+        <p:sp>
+          <p:nvSpPr>
+            <p:cNvPr id="6" name="TextBox 5"/>
+            <p:cNvSpPr txBox="1"/>
+            <p:nvPr/>
+          </p:nvSpPr>
+          <p:spPr>
+            <a:xfrm>
+              <a:off x="5801789" y="708030"/>
+              <a:ext cx="740908" cy="369332"/>
+            </a:xfrm>
+            <a:prstGeom prst="rect">
+              <a:avLst/>
+            </a:prstGeom>
+            <a:noFill/>
+          </p:spPr>
+          <p:txBody>
+            <a:bodyPr wrap="none" rtlCol="0">
+              <a:spAutoFit/>
+            </a:bodyPr>
+            <a:lstStyle/>
+            <a:p>
+              <a:r>
+                <a:rPr lang="en-GB" dirty="0" smtClean="0"/>
+                <a:t>Menu</a:t>
+              </a:r>
+              <a:endParaRPr lang="en-GB" dirty="0"/>
+            </a:p>
+          </p:txBody>
+        </p:sp>
+        <p:sp>
+          <p:nvSpPr>
+            <p:cNvPr id="7" name="Rectangle 6"/>
+            <p:cNvSpPr/>
+            <p:nvPr/>
+          </p:nvSpPr>
+          <p:spPr>
+            <a:xfrm>
+              <a:off x="5801790" y="1077362"/>
+              <a:ext cx="1087742" cy="235499"/>
+            </a:xfrm>
+            <a:prstGeom prst="rect">
+              <a:avLst/>
+            </a:prstGeom>
+          </p:spPr>
+          <p:style>
+            <a:lnRef idx="1">
+              <a:schemeClr val="accent2"/>
+            </a:lnRef>
+            <a:fillRef idx="2">
+              <a:schemeClr val="accent2"/>
+            </a:fillRef>
+            <a:effectRef idx="1">
+              <a:schemeClr val="accent2"/>
+            </a:effectRef>
+            <a:fontRef idx="minor">
+              <a:schemeClr val="dk1"/>
+            </a:fontRef>
+          </p:style>
+          <p:txBody>
+            <a:bodyPr rtlCol="0" anchor="ctr"/>
+            <a:lstStyle/>
+            <a:p>
+              <a:pPr algn="ctr"/>
+              <a:r>
+                <a:rPr lang="en-GB" dirty="0" smtClean="0"/>
+                <a:t>Schedule</a:t>
+              </a:r>
+              <a:endParaRPr lang="en-GB" dirty="0"/>
+            </a:p>
+          </p:txBody>
+        </p:sp>
+        <p:sp>
+          <p:nvSpPr>
+            <p:cNvPr id="8" name="Rectangle 7"/>
+            <p:cNvSpPr/>
+            <p:nvPr/>
+          </p:nvSpPr>
+          <p:spPr>
+            <a:xfrm>
+              <a:off x="5801790" y="1368898"/>
+              <a:ext cx="1087742" cy="235499"/>
+            </a:xfrm>
+            <a:prstGeom prst="rect">
+              <a:avLst/>
+            </a:prstGeom>
+          </p:spPr>
+          <p:style>
+            <a:lnRef idx="1">
+              <a:schemeClr val="accent2"/>
+            </a:lnRef>
+            <a:fillRef idx="2">
+              <a:schemeClr val="accent2"/>
+            </a:fillRef>
+            <a:effectRef idx="1">
+              <a:schemeClr val="accent2"/>
+            </a:effectRef>
+            <a:fontRef idx="minor">
+              <a:schemeClr val="dk1"/>
+            </a:fontRef>
+          </p:style>
+          <p:txBody>
+            <a:bodyPr rtlCol="0" anchor="ctr"/>
+            <a:lstStyle/>
+            <a:p>
+              <a:pPr algn="ctr"/>
+              <a:r>
+                <a:rPr lang="en-GB" dirty="0" smtClean="0"/>
+                <a:t>Client</a:t>
+              </a:r>
+              <a:endParaRPr lang="en-GB" dirty="0"/>
+            </a:p>
+          </p:txBody>
+        </p:sp>
+        <p:sp>
+          <p:nvSpPr>
+            <p:cNvPr id="9" name="Rectangle 8"/>
+            <p:cNvSpPr/>
+            <p:nvPr/>
+          </p:nvSpPr>
+          <p:spPr>
+            <a:xfrm>
+              <a:off x="5801789" y="1645547"/>
+              <a:ext cx="1087742" cy="235499"/>
+            </a:xfrm>
+            <a:prstGeom prst="rect">
+              <a:avLst/>
+            </a:prstGeom>
+          </p:spPr>
+          <p:style>
+            <a:lnRef idx="1">
+              <a:schemeClr val="accent2"/>
+            </a:lnRef>
+            <a:fillRef idx="2">
+              <a:schemeClr val="accent2"/>
+            </a:fillRef>
+            <a:effectRef idx="1">
+              <a:schemeClr val="accent2"/>
+            </a:effectRef>
+            <a:fontRef idx="minor">
+              <a:schemeClr val="dk1"/>
+            </a:fontRef>
+          </p:style>
+          <p:txBody>
+            <a:bodyPr rtlCol="0" anchor="ctr"/>
+            <a:lstStyle/>
+            <a:p>
+              <a:pPr algn="ctr"/>
+              <a:r>
+                <a:rPr lang="en-GB" dirty="0" smtClean="0"/>
+                <a:t>Staff</a:t>
+              </a:r>
+              <a:endParaRPr lang="en-GB" dirty="0"/>
+            </a:p>
+          </p:txBody>
+        </p:sp>
+        <p:sp>
+          <p:nvSpPr>
+            <p:cNvPr id="10" name="Rectangle 9"/>
+            <p:cNvSpPr/>
+            <p:nvPr/>
+          </p:nvSpPr>
+          <p:spPr>
+            <a:xfrm>
+              <a:off x="5801789" y="2263713"/>
+              <a:ext cx="1087742" cy="235499"/>
+            </a:xfrm>
+            <a:prstGeom prst="rect">
+              <a:avLst/>
+            </a:prstGeom>
+          </p:spPr>
+          <p:style>
+            <a:lnRef idx="1">
+              <a:schemeClr val="accent2"/>
+            </a:lnRef>
+            <a:fillRef idx="2">
+              <a:schemeClr val="accent2"/>
+            </a:fillRef>
+            <a:effectRef idx="1">
+              <a:schemeClr val="accent2"/>
+            </a:effectRef>
+            <a:fontRef idx="minor">
+              <a:schemeClr val="dk1"/>
+            </a:fontRef>
+          </p:style>
+          <p:txBody>
+            <a:bodyPr rtlCol="0" anchor="ctr"/>
+            <a:lstStyle/>
+            <a:p>
+              <a:pPr algn="ctr"/>
+              <a:r>
+                <a:rPr lang="en-GB" dirty="0" smtClean="0"/>
+                <a:t>Shop</a:t>
+              </a:r>
+              <a:endParaRPr lang="en-GB" dirty="0"/>
+            </a:p>
+          </p:txBody>
+        </p:sp>
+        <p:sp>
+          <p:nvSpPr>
+            <p:cNvPr id="11" name="Rectangle 10"/>
+            <p:cNvSpPr/>
+            <p:nvPr/>
+          </p:nvSpPr>
+          <p:spPr>
+            <a:xfrm>
+              <a:off x="5801790" y="2562130"/>
+              <a:ext cx="1087742" cy="235499"/>
+            </a:xfrm>
+            <a:prstGeom prst="rect">
+              <a:avLst/>
+            </a:prstGeom>
+          </p:spPr>
+          <p:style>
+            <a:lnRef idx="1">
+              <a:schemeClr val="accent2"/>
+            </a:lnRef>
+            <a:fillRef idx="2">
+              <a:schemeClr val="accent2"/>
+            </a:fillRef>
+            <a:effectRef idx="1">
+              <a:schemeClr val="accent2"/>
+            </a:effectRef>
+            <a:fontRef idx="minor">
+              <a:schemeClr val="dk1"/>
+            </a:fontRef>
+          </p:style>
+          <p:txBody>
+            <a:bodyPr rtlCol="0" anchor="ctr"/>
+            <a:lstStyle/>
+            <a:p>
+              <a:pPr algn="ctr"/>
+              <a:r>
+                <a:rPr lang="en-GB" dirty="0" smtClean="0"/>
+                <a:t>User</a:t>
+              </a:r>
+              <a:endParaRPr lang="en-GB" dirty="0"/>
+            </a:p>
+          </p:txBody>
+        </p:sp>
+        <p:sp>
+          <p:nvSpPr>
+            <p:cNvPr id="12" name="Rectangle 11"/>
+            <p:cNvSpPr/>
+            <p:nvPr/>
+          </p:nvSpPr>
+          <p:spPr>
+            <a:xfrm>
+              <a:off x="5801789" y="1965514"/>
+              <a:ext cx="1087742" cy="235499"/>
+            </a:xfrm>
+            <a:prstGeom prst="rect">
+              <a:avLst/>
+            </a:prstGeom>
+          </p:spPr>
+          <p:style>
+            <a:lnRef idx="1">
+              <a:schemeClr val="accent2"/>
+            </a:lnRef>
+            <a:fillRef idx="2">
+              <a:schemeClr val="accent2"/>
+            </a:fillRef>
+            <a:effectRef idx="1">
+              <a:schemeClr val="accent2"/>
+            </a:effectRef>
+            <a:fontRef idx="minor">
+              <a:schemeClr val="dk1"/>
+            </a:fontRef>
+          </p:style>
+          <p:txBody>
+            <a:bodyPr rtlCol="0" anchor="ctr"/>
+            <a:lstStyle/>
+            <a:p>
+              <a:pPr algn="ctr"/>
+              <a:r>
+                <a:rPr lang="en-GB" dirty="0" smtClean="0"/>
+                <a:t>Service</a:t>
+              </a:r>
+              <a:endParaRPr lang="en-GB" dirty="0"/>
+            </a:p>
+          </p:txBody>
+        </p:sp>
+        <p:sp>
+          <p:nvSpPr>
+            <p:cNvPr id="13" name="Rectangle 12"/>
+            <p:cNvSpPr/>
+            <p:nvPr/>
+          </p:nvSpPr>
+          <p:spPr>
+            <a:xfrm>
+              <a:off x="6971040" y="1077362"/>
+              <a:ext cx="2216504" cy="1720267"/>
+            </a:xfrm>
+            <a:prstGeom prst="rect">
+              <a:avLst/>
+            </a:prstGeom>
+          </p:spPr>
+          <p:style>
+            <a:lnRef idx="1">
+              <a:schemeClr val="accent5"/>
+            </a:lnRef>
+            <a:fillRef idx="2">
+              <a:schemeClr val="accent5"/>
+            </a:fillRef>
+            <a:effectRef idx="1">
+              <a:schemeClr val="accent5"/>
+            </a:effectRef>
+            <a:fontRef idx="minor">
+              <a:schemeClr val="dk1"/>
+            </a:fontRef>
+          </p:style>
+          <p:txBody>
+            <a:bodyPr rtlCol="0" anchor="ctr"/>
+            <a:lstStyle/>
+            <a:p>
+              <a:pPr algn="ctr"/>
+              <a:r>
+                <a:rPr lang="en-GB" dirty="0" smtClean="0"/>
+                <a:t>Dashboard</a:t>
+              </a:r>
+              <a:endParaRPr lang="en-GB" dirty="0"/>
+            </a:p>
+          </p:txBody>
+        </p:sp>
+      </p:grpSp>
+      <p:grpSp>
+        <p:nvGrpSpPr>
+          <p:cNvPr id="37" name="Group 36"/>
+          <p:cNvGrpSpPr/>
+          <p:nvPr/>
+        </p:nvGrpSpPr>
+        <p:grpSpPr>
+          <a:xfrm>
+            <a:off x="4252709" y="2995696"/>
+            <a:ext cx="3657600" cy="2390115"/>
+            <a:chOff x="4252709" y="2259096"/>
+            <a:chExt cx="3657600" cy="2390115"/>
+          </a:xfrm>
+        </p:grpSpPr>
+        <p:sp>
+          <p:nvSpPr>
+            <p:cNvPr id="15" name="Rectangle 14"/>
+            <p:cNvSpPr/>
+            <p:nvPr/>
+          </p:nvSpPr>
+          <p:spPr>
+            <a:xfrm>
+              <a:off x="4252709" y="2259096"/>
+              <a:ext cx="3657600" cy="2390115"/>
+            </a:xfrm>
+            <a:prstGeom prst="rect">
+              <a:avLst/>
+            </a:prstGeom>
+          </p:spPr>
+          <p:style>
+            <a:lnRef idx="2">
+              <a:schemeClr val="accent1">
+                <a:shade val="50000"/>
+              </a:schemeClr>
+            </a:lnRef>
+            <a:fillRef idx="1">
+              <a:schemeClr val="accent1"/>
+            </a:fillRef>
+            <a:effectRef idx="0">
+              <a:schemeClr val="accent1"/>
+            </a:effectRef>
+            <a:fontRef idx="minor">
+              <a:schemeClr val="lt1"/>
+            </a:fontRef>
+          </p:style>
+          <p:txBody>
+            <a:bodyPr rtlCol="0" anchor="ctr"/>
+            <a:lstStyle/>
+            <a:p>
+              <a:pPr algn="ctr"/>
+              <a:endParaRPr lang="en-GB"/>
+            </a:p>
+          </p:txBody>
+        </p:sp>
+        <p:sp>
+          <p:nvSpPr>
+            <p:cNvPr id="16" name="TextBox 15"/>
+            <p:cNvSpPr txBox="1"/>
+            <p:nvPr/>
+          </p:nvSpPr>
+          <p:spPr>
+            <a:xfrm>
+              <a:off x="4334217" y="2324330"/>
+              <a:ext cx="740908" cy="369332"/>
+            </a:xfrm>
+            <a:prstGeom prst="rect">
+              <a:avLst/>
+            </a:prstGeom>
+            <a:noFill/>
+          </p:spPr>
+          <p:txBody>
+            <a:bodyPr wrap="none" rtlCol="0">
+              <a:spAutoFit/>
+            </a:bodyPr>
+            <a:lstStyle/>
+            <a:p>
+              <a:r>
+                <a:rPr lang="en-GB" dirty="0" smtClean="0"/>
+                <a:t>Menu</a:t>
+              </a:r>
+              <a:endParaRPr lang="en-GB" dirty="0"/>
+            </a:p>
+          </p:txBody>
+        </p:sp>
+        <p:sp>
+          <p:nvSpPr>
+            <p:cNvPr id="17" name="Rectangle 16"/>
+            <p:cNvSpPr/>
+            <p:nvPr/>
+          </p:nvSpPr>
+          <p:spPr>
+            <a:xfrm>
+              <a:off x="4334218" y="2693662"/>
+              <a:ext cx="1087742" cy="235499"/>
+            </a:xfrm>
+            <a:prstGeom prst="rect">
+              <a:avLst/>
+            </a:prstGeom>
+          </p:spPr>
+          <p:style>
+            <a:lnRef idx="1">
+              <a:schemeClr val="accent2"/>
+            </a:lnRef>
+            <a:fillRef idx="2">
+              <a:schemeClr val="accent2"/>
+            </a:fillRef>
+            <a:effectRef idx="1">
+              <a:schemeClr val="accent2"/>
+            </a:effectRef>
+            <a:fontRef idx="minor">
+              <a:schemeClr val="dk1"/>
+            </a:fontRef>
+          </p:style>
+          <p:txBody>
+            <a:bodyPr rtlCol="0" anchor="ctr"/>
+            <a:lstStyle/>
+            <a:p>
+              <a:pPr algn="ctr"/>
+              <a:r>
+                <a:rPr lang="en-GB" dirty="0" smtClean="0"/>
+                <a:t>Schedule</a:t>
+              </a:r>
+              <a:endParaRPr lang="en-GB" dirty="0"/>
+            </a:p>
+          </p:txBody>
+        </p:sp>
+        <p:sp>
+          <p:nvSpPr>
+            <p:cNvPr id="18" name="Rectangle 17"/>
+            <p:cNvSpPr/>
+            <p:nvPr/>
+          </p:nvSpPr>
+          <p:spPr>
+            <a:xfrm>
+              <a:off x="4334218" y="2985198"/>
+              <a:ext cx="1087742" cy="235499"/>
+            </a:xfrm>
+            <a:prstGeom prst="rect">
+              <a:avLst/>
+            </a:prstGeom>
+          </p:spPr>
+          <p:style>
+            <a:lnRef idx="1">
+              <a:schemeClr val="accent2"/>
+            </a:lnRef>
+            <a:fillRef idx="2">
+              <a:schemeClr val="accent2"/>
+            </a:fillRef>
+            <a:effectRef idx="1">
+              <a:schemeClr val="accent2"/>
+            </a:effectRef>
+            <a:fontRef idx="minor">
+              <a:schemeClr val="dk1"/>
+            </a:fontRef>
+          </p:style>
+          <p:txBody>
+            <a:bodyPr rtlCol="0" anchor="ctr"/>
+            <a:lstStyle/>
+            <a:p>
+              <a:pPr algn="ctr"/>
+              <a:r>
+                <a:rPr lang="en-GB" dirty="0" smtClean="0"/>
+                <a:t>Client</a:t>
+              </a:r>
+              <a:endParaRPr lang="en-GB" dirty="0"/>
+            </a:p>
+          </p:txBody>
+        </p:sp>
+        <p:sp>
+          <p:nvSpPr>
+            <p:cNvPr id="19" name="Rectangle 18"/>
+            <p:cNvSpPr/>
+            <p:nvPr/>
+          </p:nvSpPr>
+          <p:spPr>
+            <a:xfrm>
+              <a:off x="4334217" y="3261847"/>
+              <a:ext cx="1087742" cy="235499"/>
+            </a:xfrm>
+            <a:prstGeom prst="rect">
+              <a:avLst/>
+            </a:prstGeom>
+          </p:spPr>
+          <p:style>
+            <a:lnRef idx="1">
+              <a:schemeClr val="accent2"/>
+            </a:lnRef>
+            <a:fillRef idx="2">
+              <a:schemeClr val="accent2"/>
+            </a:fillRef>
+            <a:effectRef idx="1">
+              <a:schemeClr val="accent2"/>
+            </a:effectRef>
+            <a:fontRef idx="minor">
+              <a:schemeClr val="dk1"/>
+            </a:fontRef>
+          </p:style>
+          <p:txBody>
+            <a:bodyPr rtlCol="0" anchor="ctr"/>
+            <a:lstStyle/>
+            <a:p>
+              <a:pPr algn="ctr"/>
+              <a:r>
+                <a:rPr lang="en-GB" dirty="0" smtClean="0"/>
+                <a:t>Staff</a:t>
+              </a:r>
+              <a:endParaRPr lang="en-GB" dirty="0"/>
+            </a:p>
+          </p:txBody>
+        </p:sp>
+        <p:sp>
+          <p:nvSpPr>
+            <p:cNvPr id="23" name="Rectangle 22"/>
+            <p:cNvSpPr/>
+            <p:nvPr/>
+          </p:nvSpPr>
+          <p:spPr>
+            <a:xfrm>
+              <a:off x="5503468" y="2693662"/>
+              <a:ext cx="2216504" cy="1720267"/>
+            </a:xfrm>
+            <a:prstGeom prst="rect">
+              <a:avLst/>
+            </a:prstGeom>
+          </p:spPr>
+          <p:style>
+            <a:lnRef idx="1">
+              <a:schemeClr val="accent5"/>
+            </a:lnRef>
+            <a:fillRef idx="2">
+              <a:schemeClr val="accent5"/>
+            </a:fillRef>
+            <a:effectRef idx="1">
+              <a:schemeClr val="accent5"/>
+            </a:effectRef>
+            <a:fontRef idx="minor">
+              <a:schemeClr val="dk1"/>
+            </a:fontRef>
+          </p:style>
+          <p:txBody>
+            <a:bodyPr rtlCol="0" anchor="ctr"/>
+            <a:lstStyle/>
+            <a:p>
+              <a:pPr algn="ctr"/>
+              <a:r>
+                <a:rPr lang="en-GB" dirty="0" smtClean="0"/>
+                <a:t>Dashboard</a:t>
+              </a:r>
+              <a:endParaRPr lang="en-GB" dirty="0"/>
+            </a:p>
+          </p:txBody>
+        </p:sp>
+      </p:grpSp>
+      <p:sp>
+        <p:nvSpPr>
+          <p:cNvPr id="25" name="Rectangle 24"/>
           <p:cNvSpPr/>
           <p:nvPr/>
         </p:nvSpPr>
         <p:spPr>
           <a:xfrm>
-            <a:off x="342545" y="1690688"/>
+            <a:off x="8231266" y="2979448"/>
             <a:ext cx="3657600" cy="2390115"/>
           </a:xfrm>
           <a:prstGeom prst="rect">
@@ -6900,13 +7510,13 @@
       </p:sp>
       <p:sp>
         <p:nvSpPr>
-          <p:cNvPr id="8" name="TextBox 7"/>
+          <p:cNvPr id="26" name="TextBox 25"/>
           <p:cNvSpPr txBox="1"/>
           <p:nvPr/>
         </p:nvSpPr>
         <p:spPr>
           <a:xfrm>
-            <a:off x="424053" y="1755922"/>
+            <a:off x="8312774" y="3044682"/>
             <a:ext cx="740908" cy="369332"/>
           </a:xfrm>
           <a:prstGeom prst="rect">
@@ -6930,13 +7540,13 @@
       </p:sp>
       <p:sp>
         <p:nvSpPr>
-          <p:cNvPr id="9" name="Rectangle 8"/>
+          <p:cNvPr id="27" name="Rectangle 26"/>
           <p:cNvSpPr/>
           <p:nvPr/>
         </p:nvSpPr>
         <p:spPr>
           <a:xfrm>
-            <a:off x="424054" y="2125254"/>
+            <a:off x="8312775" y="3414014"/>
             <a:ext cx="1087742" cy="235499"/>
           </a:xfrm>
           <a:prstGeom prst="rect">
@@ -6972,13 +7582,13 @@
       </p:sp>
       <p:sp>
         <p:nvSpPr>
-          <p:cNvPr id="10" name="Rectangle 9"/>
+          <p:cNvPr id="28" name="Rectangle 27"/>
           <p:cNvSpPr/>
           <p:nvPr/>
         </p:nvSpPr>
         <p:spPr>
           <a:xfrm>
-            <a:off x="424054" y="2416790"/>
+            <a:off x="8312775" y="3705550"/>
             <a:ext cx="1087742" cy="235499"/>
           </a:xfrm>
           <a:prstGeom prst="rect">
@@ -7014,181 +7624,13 @@
       </p:sp>
       <p:sp>
         <p:nvSpPr>
-          <p:cNvPr id="11" name="Rectangle 10"/>
+          <p:cNvPr id="33" name="Rectangle 32"/>
           <p:cNvSpPr/>
           <p:nvPr/>
         </p:nvSpPr>
         <p:spPr>
           <a:xfrm>
-            <a:off x="424053" y="2693439"/>
-            <a:ext cx="1087742" cy="235499"/>
-          </a:xfrm>
-          <a:prstGeom prst="rect">
-            <a:avLst/>
-          </a:prstGeom>
-        </p:spPr>
-        <p:style>
-          <a:lnRef idx="1">
-            <a:schemeClr val="accent2"/>
-          </a:lnRef>
-          <a:fillRef idx="2">
-            <a:schemeClr val="accent2"/>
-          </a:fillRef>
-          <a:effectRef idx="1">
-            <a:schemeClr val="accent2"/>
-          </a:effectRef>
-          <a:fontRef idx="minor">
-            <a:schemeClr val="dk1"/>
-          </a:fontRef>
-        </p:style>
-        <p:txBody>
-          <a:bodyPr rtlCol="0" anchor="ctr"/>
-          <a:lstStyle/>
-          <a:p>
-            <a:pPr algn="ctr"/>
-            <a:r>
-              <a:rPr lang="en-GB" dirty="0" smtClean="0"/>
-              <a:t>Staff</a:t>
-            </a:r>
-            <a:endParaRPr lang="en-GB" dirty="0"/>
-          </a:p>
-        </p:txBody>
-      </p:sp>
-      <p:sp>
-        <p:nvSpPr>
-          <p:cNvPr id="12" name="Rectangle 11"/>
-          <p:cNvSpPr/>
-          <p:nvPr/>
-        </p:nvSpPr>
-        <p:spPr>
-          <a:xfrm>
-            <a:off x="424053" y="3311605"/>
-            <a:ext cx="1087742" cy="235499"/>
-          </a:xfrm>
-          <a:prstGeom prst="rect">
-            <a:avLst/>
-          </a:prstGeom>
-        </p:spPr>
-        <p:style>
-          <a:lnRef idx="1">
-            <a:schemeClr val="accent2"/>
-          </a:lnRef>
-          <a:fillRef idx="2">
-            <a:schemeClr val="accent2"/>
-          </a:fillRef>
-          <a:effectRef idx="1">
-            <a:schemeClr val="accent2"/>
-          </a:effectRef>
-          <a:fontRef idx="minor">
-            <a:schemeClr val="dk1"/>
-          </a:fontRef>
-        </p:style>
-        <p:txBody>
-          <a:bodyPr rtlCol="0" anchor="ctr"/>
-          <a:lstStyle/>
-          <a:p>
-            <a:pPr algn="ctr"/>
-            <a:r>
-              <a:rPr lang="en-GB" dirty="0" smtClean="0"/>
-              <a:t>Shop</a:t>
-            </a:r>
-            <a:endParaRPr lang="en-GB" dirty="0"/>
-          </a:p>
-        </p:txBody>
-      </p:sp>
-      <p:sp>
-        <p:nvSpPr>
-          <p:cNvPr id="13" name="Rectangle 12"/>
-          <p:cNvSpPr/>
-          <p:nvPr/>
-        </p:nvSpPr>
-        <p:spPr>
-          <a:xfrm>
-            <a:off x="424054" y="3610022"/>
-            <a:ext cx="1087742" cy="235499"/>
-          </a:xfrm>
-          <a:prstGeom prst="rect">
-            <a:avLst/>
-          </a:prstGeom>
-        </p:spPr>
-        <p:style>
-          <a:lnRef idx="1">
-            <a:schemeClr val="accent2"/>
-          </a:lnRef>
-          <a:fillRef idx="2">
-            <a:schemeClr val="accent2"/>
-          </a:fillRef>
-          <a:effectRef idx="1">
-            <a:schemeClr val="accent2"/>
-          </a:effectRef>
-          <a:fontRef idx="minor">
-            <a:schemeClr val="dk1"/>
-          </a:fontRef>
-        </p:style>
-        <p:txBody>
-          <a:bodyPr rtlCol="0" anchor="ctr"/>
-          <a:lstStyle/>
-          <a:p>
-            <a:pPr algn="ctr"/>
-            <a:r>
-              <a:rPr lang="en-GB" dirty="0" smtClean="0"/>
-              <a:t>User</a:t>
-            </a:r>
-            <a:endParaRPr lang="en-GB" dirty="0"/>
-          </a:p>
-        </p:txBody>
-      </p:sp>
-      <p:sp>
-        <p:nvSpPr>
-          <p:cNvPr id="14" name="Rectangle 13"/>
-          <p:cNvSpPr/>
-          <p:nvPr/>
-        </p:nvSpPr>
-        <p:spPr>
-          <a:xfrm>
-            <a:off x="424053" y="3013406"/>
-            <a:ext cx="1087742" cy="235499"/>
-          </a:xfrm>
-          <a:prstGeom prst="rect">
-            <a:avLst/>
-          </a:prstGeom>
-        </p:spPr>
-        <p:style>
-          <a:lnRef idx="1">
-            <a:schemeClr val="accent2"/>
-          </a:lnRef>
-          <a:fillRef idx="2">
-            <a:schemeClr val="accent2"/>
-          </a:fillRef>
-          <a:effectRef idx="1">
-            <a:schemeClr val="accent2"/>
-          </a:effectRef>
-          <a:fontRef idx="minor">
-            <a:schemeClr val="dk1"/>
-          </a:fontRef>
-        </p:style>
-        <p:txBody>
-          <a:bodyPr rtlCol="0" anchor="ctr"/>
-          <a:lstStyle/>
-          <a:p>
-            <a:pPr algn="ctr"/>
-            <a:r>
-              <a:rPr lang="en-GB" dirty="0" smtClean="0"/>
-              <a:t>Service</a:t>
-            </a:r>
-            <a:endParaRPr lang="en-GB" dirty="0"/>
-          </a:p>
-        </p:txBody>
-      </p:sp>
-      <p:sp>
-        <p:nvSpPr>
-          <p:cNvPr id="15" name="Rectangle 14"/>
-          <p:cNvSpPr/>
-          <p:nvPr/>
-        </p:nvSpPr>
-        <p:spPr>
-          <a:xfrm>
-            <a:off x="1593304" y="2125254"/>
+            <a:off x="9482025" y="3414014"/>
             <a:ext cx="2216504" cy="1720267"/>
           </a:xfrm>
           <a:prstGeom prst="rect">
@@ -7216,43 +7658,219 @@
             <a:pPr algn="ctr"/>
             <a:r>
               <a:rPr lang="en-GB" dirty="0" smtClean="0"/>
-              <a:t>User List</a:t>
-            </a:r>
-          </a:p>
-          <a:p>
-            <a:pPr algn="ctr"/>
-            <a:endParaRPr lang="en-GB" dirty="0"/>
-          </a:p>
-          <a:p>
-            <a:pPr algn="ctr"/>
-            <a:endParaRPr lang="en-GB" dirty="0" smtClean="0"/>
-          </a:p>
-          <a:p>
-            <a:pPr algn="ctr"/>
-            <a:endParaRPr lang="en-GB" dirty="0"/>
-          </a:p>
-          <a:p>
-            <a:pPr algn="ctr"/>
-            <a:endParaRPr lang="en-GB" dirty="0" smtClean="0"/>
-          </a:p>
-          <a:p>
-            <a:pPr algn="ctr"/>
-            <a:endParaRPr lang="en-GB" dirty="0"/>
-          </a:p>
-        </p:txBody>
-      </p:sp>
-      <p:sp>
-        <p:nvSpPr>
-          <p:cNvPr id="6" name="Flowchart: Alternate Process 5"/>
+              <a:t>Dashboard</a:t>
+            </a:r>
+            <a:endParaRPr lang="en-GB" dirty="0"/>
+          </a:p>
+        </p:txBody>
+      </p:sp>
+      <p:sp>
+        <p:nvSpPr>
+          <p:cNvPr id="34" name="TextBox 33"/>
+          <p:cNvSpPr txBox="1"/>
+          <p:nvPr/>
+        </p:nvSpPr>
+        <p:spPr>
+          <a:xfrm>
+            <a:off x="1197095" y="2120609"/>
+            <a:ext cx="1811714" cy="461665"/>
+          </a:xfrm>
+          <a:prstGeom prst="rect">
+            <a:avLst/>
+          </a:prstGeom>
+          <a:noFill/>
+        </p:spPr>
+        <p:txBody>
+          <a:bodyPr wrap="none" rtlCol="0">
+            <a:spAutoFit/>
+          </a:bodyPr>
+          <a:lstStyle/>
+          <a:p>
+            <a:r>
+              <a:rPr lang="en-GB" sz="2400" dirty="0" smtClean="0"/>
+              <a:t>Admin Menu</a:t>
+            </a:r>
+            <a:endParaRPr lang="en-GB" sz="2400" dirty="0"/>
+          </a:p>
+        </p:txBody>
+      </p:sp>
+      <p:sp>
+        <p:nvSpPr>
+          <p:cNvPr id="35" name="TextBox 34"/>
+          <p:cNvSpPr txBox="1"/>
+          <p:nvPr/>
+        </p:nvSpPr>
+        <p:spPr>
+          <a:xfrm>
+            <a:off x="5023046" y="2120609"/>
+            <a:ext cx="2116926" cy="461665"/>
+          </a:xfrm>
+          <a:prstGeom prst="rect">
+            <a:avLst/>
+          </a:prstGeom>
+          <a:noFill/>
+        </p:spPr>
+        <p:txBody>
+          <a:bodyPr wrap="none" rtlCol="0">
+            <a:spAutoFit/>
+          </a:bodyPr>
+          <a:lstStyle/>
+          <a:p>
+            <a:r>
+              <a:rPr lang="en-GB" sz="2400" dirty="0" smtClean="0"/>
+              <a:t>Manager Menu</a:t>
+            </a:r>
+            <a:endParaRPr lang="en-GB" sz="2400" dirty="0"/>
+          </a:p>
+        </p:txBody>
+      </p:sp>
+      <p:sp>
+        <p:nvSpPr>
+          <p:cNvPr id="36" name="TextBox 35"/>
+          <p:cNvSpPr txBox="1"/>
+          <p:nvPr/>
+        </p:nvSpPr>
+        <p:spPr>
+          <a:xfrm>
+            <a:off x="9273633" y="2120609"/>
+            <a:ext cx="1572866" cy="461665"/>
+          </a:xfrm>
+          <a:prstGeom prst="rect">
+            <a:avLst/>
+          </a:prstGeom>
+          <a:noFill/>
+        </p:spPr>
+        <p:txBody>
+          <a:bodyPr wrap="none" rtlCol="0">
+            <a:spAutoFit/>
+          </a:bodyPr>
+          <a:lstStyle/>
+          <a:p>
+            <a:r>
+              <a:rPr lang="en-GB" sz="2400" dirty="0" smtClean="0"/>
+              <a:t>User Menu</a:t>
+            </a:r>
+            <a:endParaRPr lang="en-GB" sz="2400" dirty="0"/>
+          </a:p>
+        </p:txBody>
+      </p:sp>
+      <p:sp>
+        <p:nvSpPr>
+          <p:cNvPr id="39" name="Title 1"/>
+          <p:cNvSpPr>
+            <a:spLocks noGrp="1"/>
+          </p:cNvSpPr>
+          <p:nvPr>
+            <p:ph type="title"/>
+          </p:nvPr>
+        </p:nvSpPr>
+        <p:spPr>
+          <a:xfrm>
+            <a:off x="823709" y="187528"/>
+            <a:ext cx="10515600" cy="1325563"/>
+          </a:xfrm>
+        </p:spPr>
+        <p:txBody>
+          <a:bodyPr/>
+          <a:lstStyle/>
+          <a:p>
+            <a:r>
+              <a:rPr lang="en-GB" dirty="0" smtClean="0"/>
+              <a:t>Sketch window part </a:t>
+            </a:r>
+            <a:r>
+              <a:rPr lang="en-US" altLang="zh-CN" dirty="0" smtClean="0"/>
+              <a:t>3</a:t>
+            </a:r>
+            <a:br>
+              <a:rPr lang="en-US" altLang="zh-CN" dirty="0" smtClean="0"/>
+            </a:br>
+            <a:r>
+              <a:rPr lang="en-US" altLang="zh-CN" dirty="0" smtClean="0"/>
+              <a:t>User role </a:t>
+            </a:r>
+            <a:r>
+              <a:rPr lang="en-GB" altLang="zh-CN" dirty="0" smtClean="0"/>
+              <a:t>permission</a:t>
+            </a:r>
+            <a:endParaRPr lang="en-GB" dirty="0"/>
+          </a:p>
+        </p:txBody>
+      </p:sp>
+    </p:spTree>
+    <p:extLst>
+      <p:ext uri="{BB962C8B-B14F-4D97-AF65-F5344CB8AC3E}">
+        <p14:creationId xmlns:p14="http://schemas.microsoft.com/office/powerpoint/2010/main" val="1450782277"/>
+      </p:ext>
+    </p:extLst>
+  </p:cSld>
+  <p:clrMapOvr>
+    <a:masterClrMapping/>
+  </p:clrMapOvr>
+</p:sld>
+</file>
+
+<file path=ppt/slides/slide4.xml><?xml version="1.0" encoding="utf-8"?>
+<p:sld xmlns:a="http://schemas.openxmlformats.org/drawingml/2006/main" xmlns:r="http://schemas.openxmlformats.org/officeDocument/2006/relationships" xmlns:p="http://schemas.openxmlformats.org/presentationml/2006/main">
+  <p:cSld>
+    <p:spTree>
+      <p:nvGrpSpPr>
+        <p:cNvPr id="1" name=""/>
+        <p:cNvGrpSpPr/>
+        <p:nvPr/>
+      </p:nvGrpSpPr>
+      <p:grpSpPr>
+        <a:xfrm>
+          <a:off x="0" y="0"/>
+          <a:ext cx="0" cy="0"/>
+          <a:chOff x="0" y="0"/>
+          <a:chExt cx="0" cy="0"/>
+        </a:xfrm>
+      </p:grpSpPr>
+      <p:sp>
+        <p:nvSpPr>
+          <p:cNvPr id="2" name="Title 1"/>
+          <p:cNvSpPr>
+            <a:spLocks noGrp="1"/>
+          </p:cNvSpPr>
+          <p:nvPr>
+            <p:ph type="title"/>
+          </p:nvPr>
+        </p:nvSpPr>
+        <p:spPr>
+          <a:xfrm>
+            <a:off x="778741" y="311030"/>
+            <a:ext cx="10515600" cy="824960"/>
+          </a:xfrm>
+        </p:spPr>
+        <p:txBody>
+          <a:bodyPr/>
+          <a:lstStyle/>
+          <a:p>
+            <a:r>
+              <a:rPr lang="en-GB" dirty="0" smtClean="0"/>
+              <a:t>Shop </a:t>
+            </a:r>
+            <a:r>
+              <a:rPr lang="en-GB" dirty="0" smtClean="0"/>
+              <a:t>Management</a:t>
+            </a:r>
+            <a:endParaRPr lang="en-GB" dirty="0"/>
+          </a:p>
+        </p:txBody>
+      </p:sp>
+      <p:sp>
+        <p:nvSpPr>
+          <p:cNvPr id="7" name="Rectangle 6"/>
           <p:cNvSpPr/>
           <p:nvPr/>
         </p:nvSpPr>
         <p:spPr>
           <a:xfrm>
-            <a:off x="1771887" y="2693439"/>
-            <a:ext cx="1907692" cy="1034332"/>
-          </a:xfrm>
-          <a:prstGeom prst="flowChartAlternateProcess">
+            <a:off x="342545" y="1690688"/>
+            <a:ext cx="3657600" cy="2390115"/>
+          </a:xfrm>
+          <a:prstGeom prst="rect">
             <a:avLst/>
           </a:prstGeom>
         </p:spPr>
@@ -7283,14 +7901,44 @@
       </p:sp>
       <p:sp>
         <p:nvSpPr>
-          <p:cNvPr id="41" name="Rectangle 40"/>
+          <p:cNvPr id="8" name="TextBox 7"/>
+          <p:cNvSpPr txBox="1"/>
+          <p:nvPr/>
+        </p:nvSpPr>
+        <p:spPr>
+          <a:xfrm>
+            <a:off x="424053" y="1755922"/>
+            <a:ext cx="740908" cy="369332"/>
+          </a:xfrm>
+          <a:prstGeom prst="rect">
+            <a:avLst/>
+          </a:prstGeom>
+          <a:noFill/>
+        </p:spPr>
+        <p:txBody>
+          <a:bodyPr wrap="none" rtlCol="0">
+            <a:spAutoFit/>
+          </a:bodyPr>
+          <a:lstStyle/>
+          <a:p>
+            <a:r>
+              <a:rPr lang="en-GB" dirty="0" smtClean="0"/>
+              <a:t>Menu</a:t>
+            </a:r>
+            <a:endParaRPr lang="en-GB" dirty="0"/>
+          </a:p>
+        </p:txBody>
+      </p:sp>
+      <p:sp>
+        <p:nvSpPr>
+          <p:cNvPr id="9" name="Rectangle 8"/>
           <p:cNvSpPr/>
           <p:nvPr/>
         </p:nvSpPr>
         <p:spPr>
           <a:xfrm>
-            <a:off x="1771886" y="2442392"/>
-            <a:ext cx="1554637" cy="209898"/>
+            <a:off x="424054" y="2125254"/>
+            <a:ext cx="1087742" cy="235499"/>
           </a:xfrm>
           <a:prstGeom prst="rect">
             <a:avLst/>
@@ -7317,22 +7965,22 @@
             <a:pPr algn="ctr"/>
             <a:r>
               <a:rPr lang="en-GB" dirty="0" smtClean="0"/>
-              <a:t>Add New User</a:t>
-            </a:r>
-            <a:endParaRPr lang="en-GB" dirty="0"/>
-          </a:p>
-        </p:txBody>
-      </p:sp>
-      <p:sp>
-        <p:nvSpPr>
-          <p:cNvPr id="42" name="Rectangle 41"/>
+              <a:t>Schedule</a:t>
+            </a:r>
+            <a:endParaRPr lang="en-GB" dirty="0"/>
+          </a:p>
+        </p:txBody>
+      </p:sp>
+      <p:sp>
+        <p:nvSpPr>
+          <p:cNvPr id="10" name="Rectangle 9"/>
           <p:cNvSpPr/>
           <p:nvPr/>
         </p:nvSpPr>
         <p:spPr>
           <a:xfrm>
-            <a:off x="2978934" y="2848833"/>
-            <a:ext cx="617362" cy="238023"/>
+            <a:off x="424054" y="2416790"/>
+            <a:ext cx="1087742" cy="235499"/>
           </a:xfrm>
           <a:prstGeom prst="rect">
             <a:avLst/>
@@ -7359,24 +8007,261 @@
             <a:pPr algn="ctr"/>
             <a:r>
               <a:rPr lang="en-GB" dirty="0" smtClean="0"/>
-              <a:t>Edit</a:t>
-            </a:r>
-            <a:endParaRPr lang="en-GB" dirty="0"/>
-          </a:p>
-        </p:txBody>
-      </p:sp>
-      <p:sp>
-        <p:nvSpPr>
-          <p:cNvPr id="43" name="Rectangle 42"/>
+              <a:t>Client</a:t>
+            </a:r>
+            <a:endParaRPr lang="en-GB" dirty="0"/>
+          </a:p>
+        </p:txBody>
+      </p:sp>
+      <p:sp>
+        <p:nvSpPr>
+          <p:cNvPr id="11" name="Rectangle 10"/>
           <p:cNvSpPr/>
           <p:nvPr/>
         </p:nvSpPr>
         <p:spPr>
           <a:xfrm>
-            <a:off x="4373263" y="1690687"/>
-            <a:ext cx="3657600" cy="2390115"/>
-          </a:xfrm>
-          <a:prstGeom prst="rect">
+            <a:off x="424053" y="2693439"/>
+            <a:ext cx="1087742" cy="235499"/>
+          </a:xfrm>
+          <a:prstGeom prst="rect">
+            <a:avLst/>
+          </a:prstGeom>
+        </p:spPr>
+        <p:style>
+          <a:lnRef idx="1">
+            <a:schemeClr val="accent2"/>
+          </a:lnRef>
+          <a:fillRef idx="2">
+            <a:schemeClr val="accent2"/>
+          </a:fillRef>
+          <a:effectRef idx="1">
+            <a:schemeClr val="accent2"/>
+          </a:effectRef>
+          <a:fontRef idx="minor">
+            <a:schemeClr val="dk1"/>
+          </a:fontRef>
+        </p:style>
+        <p:txBody>
+          <a:bodyPr rtlCol="0" anchor="ctr"/>
+          <a:lstStyle/>
+          <a:p>
+            <a:pPr algn="ctr"/>
+            <a:r>
+              <a:rPr lang="en-GB" dirty="0" smtClean="0"/>
+              <a:t>Staff</a:t>
+            </a:r>
+            <a:endParaRPr lang="en-GB" dirty="0"/>
+          </a:p>
+        </p:txBody>
+      </p:sp>
+      <p:sp>
+        <p:nvSpPr>
+          <p:cNvPr id="12" name="Rectangle 11"/>
+          <p:cNvSpPr/>
+          <p:nvPr/>
+        </p:nvSpPr>
+        <p:spPr>
+          <a:xfrm>
+            <a:off x="424053" y="3311605"/>
+            <a:ext cx="1087742" cy="235499"/>
+          </a:xfrm>
+          <a:prstGeom prst="rect">
+            <a:avLst/>
+          </a:prstGeom>
+        </p:spPr>
+        <p:style>
+          <a:lnRef idx="1">
+            <a:schemeClr val="accent2"/>
+          </a:lnRef>
+          <a:fillRef idx="2">
+            <a:schemeClr val="accent2"/>
+          </a:fillRef>
+          <a:effectRef idx="1">
+            <a:schemeClr val="accent2"/>
+          </a:effectRef>
+          <a:fontRef idx="minor">
+            <a:schemeClr val="dk1"/>
+          </a:fontRef>
+        </p:style>
+        <p:txBody>
+          <a:bodyPr rtlCol="0" anchor="ctr"/>
+          <a:lstStyle/>
+          <a:p>
+            <a:pPr algn="ctr"/>
+            <a:r>
+              <a:rPr lang="en-GB" dirty="0" smtClean="0"/>
+              <a:t>Shop</a:t>
+            </a:r>
+            <a:endParaRPr lang="en-GB" dirty="0"/>
+          </a:p>
+        </p:txBody>
+      </p:sp>
+      <p:sp>
+        <p:nvSpPr>
+          <p:cNvPr id="13" name="Rectangle 12"/>
+          <p:cNvSpPr/>
+          <p:nvPr/>
+        </p:nvSpPr>
+        <p:spPr>
+          <a:xfrm>
+            <a:off x="424054" y="3610022"/>
+            <a:ext cx="1087742" cy="235499"/>
+          </a:xfrm>
+          <a:prstGeom prst="rect">
+            <a:avLst/>
+          </a:prstGeom>
+        </p:spPr>
+        <p:style>
+          <a:lnRef idx="1">
+            <a:schemeClr val="accent2"/>
+          </a:lnRef>
+          <a:fillRef idx="2">
+            <a:schemeClr val="accent2"/>
+          </a:fillRef>
+          <a:effectRef idx="1">
+            <a:schemeClr val="accent2"/>
+          </a:effectRef>
+          <a:fontRef idx="minor">
+            <a:schemeClr val="dk1"/>
+          </a:fontRef>
+        </p:style>
+        <p:txBody>
+          <a:bodyPr rtlCol="0" anchor="ctr"/>
+          <a:lstStyle/>
+          <a:p>
+            <a:pPr algn="ctr"/>
+            <a:r>
+              <a:rPr lang="en-GB" dirty="0" smtClean="0"/>
+              <a:t>User</a:t>
+            </a:r>
+            <a:endParaRPr lang="en-GB" dirty="0"/>
+          </a:p>
+        </p:txBody>
+      </p:sp>
+      <p:sp>
+        <p:nvSpPr>
+          <p:cNvPr id="14" name="Rectangle 13"/>
+          <p:cNvSpPr/>
+          <p:nvPr/>
+        </p:nvSpPr>
+        <p:spPr>
+          <a:xfrm>
+            <a:off x="424053" y="3013406"/>
+            <a:ext cx="1087742" cy="235499"/>
+          </a:xfrm>
+          <a:prstGeom prst="rect">
+            <a:avLst/>
+          </a:prstGeom>
+        </p:spPr>
+        <p:style>
+          <a:lnRef idx="1">
+            <a:schemeClr val="accent2"/>
+          </a:lnRef>
+          <a:fillRef idx="2">
+            <a:schemeClr val="accent2"/>
+          </a:fillRef>
+          <a:effectRef idx="1">
+            <a:schemeClr val="accent2"/>
+          </a:effectRef>
+          <a:fontRef idx="minor">
+            <a:schemeClr val="dk1"/>
+          </a:fontRef>
+        </p:style>
+        <p:txBody>
+          <a:bodyPr rtlCol="0" anchor="ctr"/>
+          <a:lstStyle/>
+          <a:p>
+            <a:pPr algn="ctr"/>
+            <a:r>
+              <a:rPr lang="en-GB" dirty="0" smtClean="0"/>
+              <a:t>Service</a:t>
+            </a:r>
+            <a:endParaRPr lang="en-GB" dirty="0"/>
+          </a:p>
+        </p:txBody>
+      </p:sp>
+      <p:sp>
+        <p:nvSpPr>
+          <p:cNvPr id="15" name="Rectangle 14"/>
+          <p:cNvSpPr/>
+          <p:nvPr/>
+        </p:nvSpPr>
+        <p:spPr>
+          <a:xfrm>
+            <a:off x="1593304" y="2125254"/>
+            <a:ext cx="2216504" cy="1720267"/>
+          </a:xfrm>
+          <a:prstGeom prst="rect">
+            <a:avLst/>
+          </a:prstGeom>
+        </p:spPr>
+        <p:style>
+          <a:lnRef idx="1">
+            <a:schemeClr val="accent5"/>
+          </a:lnRef>
+          <a:fillRef idx="2">
+            <a:schemeClr val="accent5"/>
+          </a:fillRef>
+          <a:effectRef idx="1">
+            <a:schemeClr val="accent5"/>
+          </a:effectRef>
+          <a:fontRef idx="minor">
+            <a:schemeClr val="dk1"/>
+          </a:fontRef>
+        </p:style>
+        <p:txBody>
+          <a:bodyPr rtlCol="0" anchor="ctr"/>
+          <a:lstStyle/>
+          <a:p>
+            <a:pPr algn="ctr"/>
+            <a:r>
+              <a:rPr lang="en-GB" dirty="0" smtClean="0"/>
+              <a:t>Shop</a:t>
+            </a:r>
+            <a:r>
+              <a:rPr lang="en-GB" dirty="0" smtClean="0"/>
+              <a:t> </a:t>
+            </a:r>
+            <a:r>
+              <a:rPr lang="en-GB" dirty="0" smtClean="0"/>
+              <a:t>List</a:t>
+            </a:r>
+          </a:p>
+          <a:p>
+            <a:pPr algn="ctr"/>
+            <a:endParaRPr lang="en-GB" dirty="0"/>
+          </a:p>
+          <a:p>
+            <a:pPr algn="ctr"/>
+            <a:endParaRPr lang="en-GB" dirty="0" smtClean="0"/>
+          </a:p>
+          <a:p>
+            <a:pPr algn="ctr"/>
+            <a:endParaRPr lang="en-GB" dirty="0"/>
+          </a:p>
+          <a:p>
+            <a:pPr algn="ctr"/>
+            <a:endParaRPr lang="en-GB" dirty="0" smtClean="0"/>
+          </a:p>
+          <a:p>
+            <a:pPr algn="ctr"/>
+            <a:endParaRPr lang="en-GB" dirty="0"/>
+          </a:p>
+        </p:txBody>
+      </p:sp>
+      <p:sp>
+        <p:nvSpPr>
+          <p:cNvPr id="6" name="Flowchart: Alternate Process 5"/>
+          <p:cNvSpPr/>
+          <p:nvPr/>
+        </p:nvSpPr>
+        <p:spPr>
+          <a:xfrm>
+            <a:off x="1771887" y="2693439"/>
+            <a:ext cx="1907692" cy="1034332"/>
+          </a:xfrm>
+          <a:prstGeom prst="flowChartAlternateProcess">
             <a:avLst/>
           </a:prstGeom>
         </p:spPr>
@@ -7407,14 +8292,142 @@
       </p:sp>
       <p:sp>
         <p:nvSpPr>
+          <p:cNvPr id="41" name="Rectangle 40"/>
+          <p:cNvSpPr/>
+          <p:nvPr/>
+        </p:nvSpPr>
+        <p:spPr>
+          <a:xfrm>
+            <a:off x="1771886" y="2442392"/>
+            <a:ext cx="1554637" cy="209898"/>
+          </a:xfrm>
+          <a:prstGeom prst="rect">
+            <a:avLst/>
+          </a:prstGeom>
+        </p:spPr>
+        <p:style>
+          <a:lnRef idx="1">
+            <a:schemeClr val="accent2"/>
+          </a:lnRef>
+          <a:fillRef idx="2">
+            <a:schemeClr val="accent2"/>
+          </a:fillRef>
+          <a:effectRef idx="1">
+            <a:schemeClr val="accent2"/>
+          </a:effectRef>
+          <a:fontRef idx="minor">
+            <a:schemeClr val="dk1"/>
+          </a:fontRef>
+        </p:style>
+        <p:txBody>
+          <a:bodyPr rtlCol="0" anchor="ctr"/>
+          <a:lstStyle/>
+          <a:p>
+            <a:pPr algn="ctr"/>
+            <a:r>
+              <a:rPr lang="en-GB" dirty="0" smtClean="0"/>
+              <a:t>Add New </a:t>
+            </a:r>
+            <a:r>
+              <a:rPr lang="en-GB" dirty="0" smtClean="0"/>
+              <a:t>Shop</a:t>
+            </a:r>
+            <a:endParaRPr lang="en-GB" dirty="0"/>
+          </a:p>
+        </p:txBody>
+      </p:sp>
+      <p:sp>
+        <p:nvSpPr>
+          <p:cNvPr id="42" name="Rectangle 41"/>
+          <p:cNvSpPr/>
+          <p:nvPr/>
+        </p:nvSpPr>
+        <p:spPr>
+          <a:xfrm>
+            <a:off x="2978934" y="2848833"/>
+            <a:ext cx="617362" cy="238023"/>
+          </a:xfrm>
+          <a:prstGeom prst="rect">
+            <a:avLst/>
+          </a:prstGeom>
+        </p:spPr>
+        <p:style>
+          <a:lnRef idx="1">
+            <a:schemeClr val="accent2"/>
+          </a:lnRef>
+          <a:fillRef idx="2">
+            <a:schemeClr val="accent2"/>
+          </a:fillRef>
+          <a:effectRef idx="1">
+            <a:schemeClr val="accent2"/>
+          </a:effectRef>
+          <a:fontRef idx="minor">
+            <a:schemeClr val="dk1"/>
+          </a:fontRef>
+        </p:style>
+        <p:txBody>
+          <a:bodyPr rtlCol="0" anchor="ctr"/>
+          <a:lstStyle/>
+          <a:p>
+            <a:pPr algn="ctr"/>
+            <a:r>
+              <a:rPr lang="en-GB" dirty="0" smtClean="0"/>
+              <a:t>Edit</a:t>
+            </a:r>
+            <a:endParaRPr lang="en-GB" dirty="0"/>
+          </a:p>
+        </p:txBody>
+      </p:sp>
+      <p:sp>
+        <p:nvSpPr>
+          <p:cNvPr id="43" name="Rectangle 42"/>
+          <p:cNvSpPr/>
+          <p:nvPr/>
+        </p:nvSpPr>
+        <p:spPr>
+          <a:xfrm>
+            <a:off x="4211828" y="1690687"/>
+            <a:ext cx="3657600" cy="4252913"/>
+          </a:xfrm>
+          <a:prstGeom prst="rect">
+            <a:avLst/>
+          </a:prstGeom>
+        </p:spPr>
+        <p:style>
+          <a:lnRef idx="2">
+            <a:schemeClr val="accent1">
+              <a:shade val="50000"/>
+            </a:schemeClr>
+          </a:lnRef>
+          <a:fillRef idx="1">
+            <a:schemeClr val="accent1"/>
+          </a:fillRef>
+          <a:effectRef idx="0">
+            <a:schemeClr val="accent1"/>
+          </a:effectRef>
+          <a:fontRef idx="minor">
+            <a:schemeClr val="lt1"/>
+          </a:fontRef>
+        </p:style>
+        <p:txBody>
+          <a:bodyPr rtlCol="0" anchor="ctr"/>
+          <a:lstStyle/>
+          <a:p>
+            <a:pPr algn="ctr"/>
+            <a:endParaRPr lang="en-GB"/>
+          </a:p>
+        </p:txBody>
+      </p:sp>
+      <p:sp>
+        <p:nvSpPr>
           <p:cNvPr id="44" name="TextBox 43"/>
           <p:cNvSpPr txBox="1"/>
           <p:nvPr/>
         </p:nvSpPr>
         <p:spPr>
           <a:xfrm>
-            <a:off x="4489997" y="1750860"/>
-            <a:ext cx="1047082" cy="369332"/>
+            <a:off x="4328562" y="1750860"/>
+            <a:ext cx="1085554" cy="369332"/>
           </a:xfrm>
           <a:prstGeom prst="rect">
             <a:avLst/>
@@ -7429,7 +8442,11 @@
           <a:p>
             <a:r>
               <a:rPr lang="en-GB" dirty="0" smtClean="0"/>
-              <a:t>Add User</a:t>
+              <a:t>Add </a:t>
+            </a:r>
+            <a:r>
+              <a:rPr lang="en-GB" dirty="0" smtClean="0"/>
+              <a:t>Shop</a:t>
             </a:r>
             <a:endParaRPr lang="en-GB" dirty="0"/>
           </a:p>
@@ -7443,7 +8460,7 @@
         </p:nvSpPr>
         <p:spPr>
           <a:xfrm>
-            <a:off x="5115978" y="2544195"/>
+            <a:off x="4954543" y="2544195"/>
             <a:ext cx="2163779" cy="325925"/>
           </a:xfrm>
           <a:prstGeom prst="rect">
@@ -7473,7 +8490,7 @@
             <a:pPr algn="ctr"/>
             <a:r>
               <a:rPr lang="en-GB" dirty="0" smtClean="0"/>
-              <a:t>Email</a:t>
+              <a:t>Description</a:t>
             </a:r>
             <a:endParaRPr lang="en-GB" dirty="0"/>
           </a:p>
@@ -7487,7 +8504,7 @@
         </p:nvSpPr>
         <p:spPr>
           <a:xfrm>
-            <a:off x="5115979" y="2180365"/>
+            <a:off x="4954544" y="2180365"/>
             <a:ext cx="2163779" cy="325925"/>
           </a:xfrm>
           <a:prstGeom prst="rect">
@@ -7517,7 +8534,11 @@
             <a:pPr algn="ctr"/>
             <a:r>
               <a:rPr lang="en-GB" dirty="0" smtClean="0"/>
-              <a:t>User name</a:t>
+              <a:t>Shop </a:t>
+            </a:r>
+            <a:r>
+              <a:rPr lang="en-GB" dirty="0" smtClean="0"/>
+              <a:t>name</a:t>
             </a:r>
             <a:endParaRPr lang="en-GB" dirty="0"/>
           </a:p>
@@ -7531,7 +8552,7 @@
         </p:nvSpPr>
         <p:spPr>
           <a:xfrm>
-            <a:off x="5115978" y="2933844"/>
+            <a:off x="4954543" y="2933844"/>
             <a:ext cx="2163779" cy="325925"/>
           </a:xfrm>
           <a:prstGeom prst="rect">
@@ -7561,7 +8582,7 @@
             <a:pPr algn="ctr"/>
             <a:r>
               <a:rPr lang="en-GB" dirty="0" smtClean="0"/>
-              <a:t>Password</a:t>
+              <a:t>Location</a:t>
             </a:r>
             <a:endParaRPr lang="en-GB" dirty="0"/>
           </a:p>
@@ -7575,7 +8596,7 @@
         </p:nvSpPr>
         <p:spPr>
           <a:xfrm>
-            <a:off x="6416566" y="3694942"/>
+            <a:off x="6255131" y="4876042"/>
             <a:ext cx="863192" cy="192704"/>
           </a:xfrm>
           <a:prstGeom prst="rect">
@@ -7617,7 +8638,1358 @@
         </p:nvSpPr>
         <p:spPr>
           <a:xfrm>
-            <a:off x="5421515" y="3694942"/>
+            <a:off x="4982520" y="4870570"/>
+            <a:ext cx="863192" cy="192704"/>
+          </a:xfrm>
+          <a:prstGeom prst="rect">
+            <a:avLst/>
+          </a:prstGeom>
+        </p:spPr>
+        <p:style>
+          <a:lnRef idx="1">
+            <a:schemeClr val="accent2"/>
+          </a:lnRef>
+          <a:fillRef idx="2">
+            <a:schemeClr val="accent2"/>
+          </a:fillRef>
+          <a:effectRef idx="1">
+            <a:schemeClr val="accent2"/>
+          </a:effectRef>
+          <a:fontRef idx="minor">
+            <a:schemeClr val="dk1"/>
+          </a:fontRef>
+        </p:style>
+        <p:txBody>
+          <a:bodyPr rtlCol="0" anchor="ctr"/>
+          <a:lstStyle/>
+          <a:p>
+            <a:pPr algn="ctr"/>
+            <a:r>
+              <a:rPr lang="en-GB" dirty="0" smtClean="0"/>
+              <a:t>Cancel</a:t>
+            </a:r>
+            <a:endParaRPr lang="en-GB" dirty="0"/>
+          </a:p>
+        </p:txBody>
+      </p:sp>
+      <p:sp>
+        <p:nvSpPr>
+          <p:cNvPr id="61" name="Rectangle 60"/>
+          <p:cNvSpPr/>
+          <p:nvPr/>
+        </p:nvSpPr>
+        <p:spPr>
+          <a:xfrm>
+            <a:off x="4954543" y="3323057"/>
+            <a:ext cx="2163779" cy="325925"/>
+          </a:xfrm>
+          <a:prstGeom prst="rect">
+            <a:avLst/>
+          </a:prstGeom>
+        </p:spPr>
+        <p:style>
+          <a:lnRef idx="2">
+            <a:schemeClr val="accent6">
+              <a:shade val="50000"/>
+            </a:schemeClr>
+          </a:lnRef>
+          <a:fillRef idx="1">
+            <a:schemeClr val="accent6"/>
+          </a:fillRef>
+          <a:effectRef idx="0">
+            <a:schemeClr val="accent6"/>
+          </a:effectRef>
+          <a:fontRef idx="minor">
+            <a:schemeClr val="lt1"/>
+          </a:fontRef>
+        </p:style>
+        <p:txBody>
+          <a:bodyPr rtlCol="0" anchor="ctr"/>
+          <a:lstStyle/>
+          <a:p>
+            <a:pPr algn="ctr"/>
+            <a:r>
+              <a:rPr lang="en-GB" dirty="0" smtClean="0"/>
+              <a:t>Open Time Start</a:t>
+            </a:r>
+            <a:endParaRPr lang="en-GB" dirty="0"/>
+          </a:p>
+        </p:txBody>
+      </p:sp>
+      <p:sp>
+        <p:nvSpPr>
+          <p:cNvPr id="31" name="Rectangle 30"/>
+          <p:cNvSpPr/>
+          <p:nvPr/>
+        </p:nvSpPr>
+        <p:spPr>
+          <a:xfrm>
+            <a:off x="4954542" y="3730993"/>
+            <a:ext cx="2163779" cy="325925"/>
+          </a:xfrm>
+          <a:prstGeom prst="rect">
+            <a:avLst/>
+          </a:prstGeom>
+        </p:spPr>
+        <p:style>
+          <a:lnRef idx="2">
+            <a:schemeClr val="accent6">
+              <a:shade val="50000"/>
+            </a:schemeClr>
+          </a:lnRef>
+          <a:fillRef idx="1">
+            <a:schemeClr val="accent6"/>
+          </a:fillRef>
+          <a:effectRef idx="0">
+            <a:schemeClr val="accent6"/>
+          </a:effectRef>
+          <a:fontRef idx="minor">
+            <a:schemeClr val="lt1"/>
+          </a:fontRef>
+        </p:style>
+        <p:txBody>
+          <a:bodyPr rtlCol="0" anchor="ctr"/>
+          <a:lstStyle/>
+          <a:p>
+            <a:pPr algn="ctr"/>
+            <a:r>
+              <a:rPr lang="en-GB" dirty="0" smtClean="0"/>
+              <a:t>Open Time End</a:t>
+            </a:r>
+            <a:endParaRPr lang="en-GB" dirty="0"/>
+          </a:p>
+        </p:txBody>
+      </p:sp>
+      <p:sp>
+        <p:nvSpPr>
+          <p:cNvPr id="33" name="Rectangle 32"/>
+          <p:cNvSpPr/>
+          <p:nvPr/>
+        </p:nvSpPr>
+        <p:spPr>
+          <a:xfrm>
+            <a:off x="8166573" y="1708513"/>
+            <a:ext cx="3657600" cy="4252913"/>
+          </a:xfrm>
+          <a:prstGeom prst="rect">
+            <a:avLst/>
+          </a:prstGeom>
+        </p:spPr>
+        <p:style>
+          <a:lnRef idx="2">
+            <a:schemeClr val="accent1">
+              <a:shade val="50000"/>
+            </a:schemeClr>
+          </a:lnRef>
+          <a:fillRef idx="1">
+            <a:schemeClr val="accent1"/>
+          </a:fillRef>
+          <a:effectRef idx="0">
+            <a:schemeClr val="accent1"/>
+          </a:effectRef>
+          <a:fontRef idx="minor">
+            <a:schemeClr val="lt1"/>
+          </a:fontRef>
+        </p:style>
+        <p:txBody>
+          <a:bodyPr rtlCol="0" anchor="ctr"/>
+          <a:lstStyle/>
+          <a:p>
+            <a:pPr algn="ctr"/>
+            <a:endParaRPr lang="en-GB" dirty="0"/>
+          </a:p>
+        </p:txBody>
+      </p:sp>
+      <p:sp>
+        <p:nvSpPr>
+          <p:cNvPr id="34" name="TextBox 33"/>
+          <p:cNvSpPr txBox="1"/>
+          <p:nvPr/>
+        </p:nvSpPr>
+        <p:spPr>
+          <a:xfrm>
+            <a:off x="8283307" y="1768686"/>
+            <a:ext cx="1069332" cy="369332"/>
+          </a:xfrm>
+          <a:prstGeom prst="rect">
+            <a:avLst/>
+          </a:prstGeom>
+          <a:noFill/>
+        </p:spPr>
+        <p:txBody>
+          <a:bodyPr wrap="none" rtlCol="0">
+            <a:spAutoFit/>
+          </a:bodyPr>
+          <a:lstStyle/>
+          <a:p>
+            <a:r>
+              <a:rPr lang="en-GB" dirty="0" smtClean="0"/>
+              <a:t>Edit</a:t>
+            </a:r>
+            <a:r>
+              <a:rPr lang="en-GB" dirty="0" smtClean="0"/>
+              <a:t> Shop</a:t>
+            </a:r>
+            <a:endParaRPr lang="en-GB" dirty="0"/>
+          </a:p>
+        </p:txBody>
+      </p:sp>
+      <p:sp>
+        <p:nvSpPr>
+          <p:cNvPr id="35" name="Rectangle 34"/>
+          <p:cNvSpPr/>
+          <p:nvPr/>
+        </p:nvSpPr>
+        <p:spPr>
+          <a:xfrm>
+            <a:off x="8909288" y="2904921"/>
+            <a:ext cx="2163779" cy="325925"/>
+          </a:xfrm>
+          <a:prstGeom prst="rect">
+            <a:avLst/>
+          </a:prstGeom>
+        </p:spPr>
+        <p:style>
+          <a:lnRef idx="2">
+            <a:schemeClr val="accent6">
+              <a:shade val="50000"/>
+            </a:schemeClr>
+          </a:lnRef>
+          <a:fillRef idx="1">
+            <a:schemeClr val="accent6"/>
+          </a:fillRef>
+          <a:effectRef idx="0">
+            <a:schemeClr val="accent6"/>
+          </a:effectRef>
+          <a:fontRef idx="minor">
+            <a:schemeClr val="lt1"/>
+          </a:fontRef>
+        </p:style>
+        <p:txBody>
+          <a:bodyPr rtlCol="0" anchor="ctr"/>
+          <a:lstStyle/>
+          <a:p>
+            <a:pPr algn="ctr"/>
+            <a:r>
+              <a:rPr lang="en-GB" dirty="0" smtClean="0"/>
+              <a:t>Description</a:t>
+            </a:r>
+            <a:endParaRPr lang="en-GB" dirty="0"/>
+          </a:p>
+        </p:txBody>
+      </p:sp>
+      <p:sp>
+        <p:nvSpPr>
+          <p:cNvPr id="36" name="Rectangle 35"/>
+          <p:cNvSpPr/>
+          <p:nvPr/>
+        </p:nvSpPr>
+        <p:spPr>
+          <a:xfrm>
+            <a:off x="8909289" y="2541091"/>
+            <a:ext cx="2163779" cy="325925"/>
+          </a:xfrm>
+          <a:prstGeom prst="rect">
+            <a:avLst/>
+          </a:prstGeom>
+        </p:spPr>
+        <p:style>
+          <a:lnRef idx="2">
+            <a:schemeClr val="accent6">
+              <a:shade val="50000"/>
+            </a:schemeClr>
+          </a:lnRef>
+          <a:fillRef idx="1">
+            <a:schemeClr val="accent6"/>
+          </a:fillRef>
+          <a:effectRef idx="0">
+            <a:schemeClr val="accent6"/>
+          </a:effectRef>
+          <a:fontRef idx="minor">
+            <a:schemeClr val="lt1"/>
+          </a:fontRef>
+        </p:style>
+        <p:txBody>
+          <a:bodyPr rtlCol="0" anchor="ctr"/>
+          <a:lstStyle/>
+          <a:p>
+            <a:pPr algn="ctr"/>
+            <a:r>
+              <a:rPr lang="en-GB" dirty="0" smtClean="0"/>
+              <a:t>Shop </a:t>
+            </a:r>
+            <a:r>
+              <a:rPr lang="en-GB" dirty="0" smtClean="0"/>
+              <a:t>name</a:t>
+            </a:r>
+            <a:endParaRPr lang="en-GB" dirty="0"/>
+          </a:p>
+        </p:txBody>
+      </p:sp>
+      <p:sp>
+        <p:nvSpPr>
+          <p:cNvPr id="37" name="Rectangle 36"/>
+          <p:cNvSpPr/>
+          <p:nvPr/>
+        </p:nvSpPr>
+        <p:spPr>
+          <a:xfrm>
+            <a:off x="8909288" y="3294570"/>
+            <a:ext cx="2163779" cy="325925"/>
+          </a:xfrm>
+          <a:prstGeom prst="rect">
+            <a:avLst/>
+          </a:prstGeom>
+        </p:spPr>
+        <p:style>
+          <a:lnRef idx="2">
+            <a:schemeClr val="accent6">
+              <a:shade val="50000"/>
+            </a:schemeClr>
+          </a:lnRef>
+          <a:fillRef idx="1">
+            <a:schemeClr val="accent6"/>
+          </a:fillRef>
+          <a:effectRef idx="0">
+            <a:schemeClr val="accent6"/>
+          </a:effectRef>
+          <a:fontRef idx="minor">
+            <a:schemeClr val="lt1"/>
+          </a:fontRef>
+        </p:style>
+        <p:txBody>
+          <a:bodyPr rtlCol="0" anchor="ctr"/>
+          <a:lstStyle/>
+          <a:p>
+            <a:pPr algn="ctr"/>
+            <a:r>
+              <a:rPr lang="en-GB" dirty="0" smtClean="0"/>
+              <a:t>Location</a:t>
+            </a:r>
+            <a:endParaRPr lang="en-GB" dirty="0"/>
+          </a:p>
+        </p:txBody>
+      </p:sp>
+      <p:sp>
+        <p:nvSpPr>
+          <p:cNvPr id="38" name="Rectangle 37"/>
+          <p:cNvSpPr/>
+          <p:nvPr/>
+        </p:nvSpPr>
+        <p:spPr>
+          <a:xfrm>
+            <a:off x="10172700" y="4893868"/>
+            <a:ext cx="900368" cy="192704"/>
+          </a:xfrm>
+          <a:prstGeom prst="rect">
+            <a:avLst/>
+          </a:prstGeom>
+        </p:spPr>
+        <p:style>
+          <a:lnRef idx="1">
+            <a:schemeClr val="accent2"/>
+          </a:lnRef>
+          <a:fillRef idx="2">
+            <a:schemeClr val="accent2"/>
+          </a:fillRef>
+          <a:effectRef idx="1">
+            <a:schemeClr val="accent2"/>
+          </a:effectRef>
+          <a:fontRef idx="minor">
+            <a:schemeClr val="dk1"/>
+          </a:fontRef>
+        </p:style>
+        <p:txBody>
+          <a:bodyPr rtlCol="0" anchor="ctr"/>
+          <a:lstStyle/>
+          <a:p>
+            <a:pPr algn="ctr"/>
+            <a:r>
+              <a:rPr lang="en-GB" dirty="0" smtClean="0"/>
+              <a:t>Update</a:t>
+            </a:r>
+            <a:endParaRPr lang="en-GB" dirty="0"/>
+          </a:p>
+        </p:txBody>
+      </p:sp>
+      <p:sp>
+        <p:nvSpPr>
+          <p:cNvPr id="39" name="Rectangle 38"/>
+          <p:cNvSpPr/>
+          <p:nvPr/>
+        </p:nvSpPr>
+        <p:spPr>
+          <a:xfrm>
+            <a:off x="8980664" y="4893868"/>
+            <a:ext cx="863192" cy="192704"/>
+          </a:xfrm>
+          <a:prstGeom prst="rect">
+            <a:avLst/>
+          </a:prstGeom>
+        </p:spPr>
+        <p:style>
+          <a:lnRef idx="1">
+            <a:schemeClr val="accent2"/>
+          </a:lnRef>
+          <a:fillRef idx="2">
+            <a:schemeClr val="accent2"/>
+          </a:fillRef>
+          <a:effectRef idx="1">
+            <a:schemeClr val="accent2"/>
+          </a:effectRef>
+          <a:fontRef idx="minor">
+            <a:schemeClr val="dk1"/>
+          </a:fontRef>
+        </p:style>
+        <p:txBody>
+          <a:bodyPr rtlCol="0" anchor="ctr"/>
+          <a:lstStyle/>
+          <a:p>
+            <a:pPr algn="ctr"/>
+            <a:r>
+              <a:rPr lang="en-GB" dirty="0" smtClean="0"/>
+              <a:t>Cancel</a:t>
+            </a:r>
+            <a:endParaRPr lang="en-GB" dirty="0"/>
+          </a:p>
+        </p:txBody>
+      </p:sp>
+      <p:sp>
+        <p:nvSpPr>
+          <p:cNvPr id="40" name="Rectangle 39"/>
+          <p:cNvSpPr/>
+          <p:nvPr/>
+        </p:nvSpPr>
+        <p:spPr>
+          <a:xfrm>
+            <a:off x="8909288" y="3683783"/>
+            <a:ext cx="2163779" cy="325925"/>
+          </a:xfrm>
+          <a:prstGeom prst="rect">
+            <a:avLst/>
+          </a:prstGeom>
+        </p:spPr>
+        <p:style>
+          <a:lnRef idx="2">
+            <a:schemeClr val="accent6">
+              <a:shade val="50000"/>
+            </a:schemeClr>
+          </a:lnRef>
+          <a:fillRef idx="1">
+            <a:schemeClr val="accent6"/>
+          </a:fillRef>
+          <a:effectRef idx="0">
+            <a:schemeClr val="accent6"/>
+          </a:effectRef>
+          <a:fontRef idx="minor">
+            <a:schemeClr val="lt1"/>
+          </a:fontRef>
+        </p:style>
+        <p:txBody>
+          <a:bodyPr rtlCol="0" anchor="ctr"/>
+          <a:lstStyle/>
+          <a:p>
+            <a:pPr algn="ctr"/>
+            <a:r>
+              <a:rPr lang="en-GB" dirty="0" smtClean="0"/>
+              <a:t>Open Time Start</a:t>
+            </a:r>
+            <a:endParaRPr lang="en-GB" dirty="0"/>
+          </a:p>
+        </p:txBody>
+      </p:sp>
+      <p:sp>
+        <p:nvSpPr>
+          <p:cNvPr id="45" name="Rectangle 44"/>
+          <p:cNvSpPr/>
+          <p:nvPr/>
+        </p:nvSpPr>
+        <p:spPr>
+          <a:xfrm>
+            <a:off x="8909287" y="4091719"/>
+            <a:ext cx="2163779" cy="325925"/>
+          </a:xfrm>
+          <a:prstGeom prst="rect">
+            <a:avLst/>
+          </a:prstGeom>
+        </p:spPr>
+        <p:style>
+          <a:lnRef idx="2">
+            <a:schemeClr val="accent6">
+              <a:shade val="50000"/>
+            </a:schemeClr>
+          </a:lnRef>
+          <a:fillRef idx="1">
+            <a:schemeClr val="accent6"/>
+          </a:fillRef>
+          <a:effectRef idx="0">
+            <a:schemeClr val="accent6"/>
+          </a:effectRef>
+          <a:fontRef idx="minor">
+            <a:schemeClr val="lt1"/>
+          </a:fontRef>
+        </p:style>
+        <p:txBody>
+          <a:bodyPr rtlCol="0" anchor="ctr"/>
+          <a:lstStyle/>
+          <a:p>
+            <a:pPr algn="ctr"/>
+            <a:r>
+              <a:rPr lang="en-GB" dirty="0" smtClean="0"/>
+              <a:t>Open Time End</a:t>
+            </a:r>
+            <a:endParaRPr lang="en-GB" dirty="0"/>
+          </a:p>
+        </p:txBody>
+      </p:sp>
+      <p:sp>
+        <p:nvSpPr>
+          <p:cNvPr id="3" name="TextBox 2"/>
+          <p:cNvSpPr txBox="1"/>
+          <p:nvPr/>
+        </p:nvSpPr>
+        <p:spPr>
+          <a:xfrm>
+            <a:off x="8861211" y="2154888"/>
+            <a:ext cx="888385" cy="369332"/>
+          </a:xfrm>
+          <a:prstGeom prst="rect">
+            <a:avLst/>
+          </a:prstGeom>
+          <a:noFill/>
+        </p:spPr>
+        <p:txBody>
+          <a:bodyPr wrap="none" rtlCol="0">
+            <a:spAutoFit/>
+          </a:bodyPr>
+          <a:lstStyle/>
+          <a:p>
+            <a:r>
+              <a:rPr lang="en-GB" dirty="0" smtClean="0"/>
+              <a:t>Shop Id</a:t>
+            </a:r>
+            <a:endParaRPr lang="en-GB" dirty="0"/>
+          </a:p>
+        </p:txBody>
+      </p:sp>
+    </p:spTree>
+    <p:extLst>
+      <p:ext uri="{BB962C8B-B14F-4D97-AF65-F5344CB8AC3E}">
+        <p14:creationId xmlns:p14="http://schemas.microsoft.com/office/powerpoint/2010/main" val="2790422262"/>
+      </p:ext>
+    </p:extLst>
+  </p:cSld>
+  <p:clrMapOvr>
+    <a:masterClrMapping/>
+  </p:clrMapOvr>
+</p:sld>
+</file>
+
+<file path=ppt/slides/slide5.xml><?xml version="1.0" encoding="utf-8"?>
+<p:sld xmlns:a="http://schemas.openxmlformats.org/drawingml/2006/main" xmlns:r="http://schemas.openxmlformats.org/officeDocument/2006/relationships" xmlns:p="http://schemas.openxmlformats.org/presentationml/2006/main">
+  <p:cSld>
+    <p:spTree>
+      <p:nvGrpSpPr>
+        <p:cNvPr id="1" name=""/>
+        <p:cNvGrpSpPr/>
+        <p:nvPr/>
+      </p:nvGrpSpPr>
+      <p:grpSpPr>
+        <a:xfrm>
+          <a:off x="0" y="0"/>
+          <a:ext cx="0" cy="0"/>
+          <a:chOff x="0" y="0"/>
+          <a:chExt cx="0" cy="0"/>
+        </a:xfrm>
+      </p:grpSpPr>
+      <p:sp>
+        <p:nvSpPr>
+          <p:cNvPr id="2" name="Title 1"/>
+          <p:cNvSpPr>
+            <a:spLocks noGrp="1"/>
+          </p:cNvSpPr>
+          <p:nvPr>
+            <p:ph type="title"/>
+          </p:nvPr>
+        </p:nvSpPr>
+        <p:spPr>
+          <a:xfrm>
+            <a:off x="778741" y="311030"/>
+            <a:ext cx="10515600" cy="824960"/>
+          </a:xfrm>
+        </p:spPr>
+        <p:txBody>
+          <a:bodyPr/>
+          <a:lstStyle/>
+          <a:p>
+            <a:r>
+              <a:rPr lang="en-GB" dirty="0" smtClean="0"/>
+              <a:t>User Management</a:t>
+            </a:r>
+            <a:endParaRPr lang="en-GB" dirty="0"/>
+          </a:p>
+        </p:txBody>
+      </p:sp>
+      <p:sp>
+        <p:nvSpPr>
+          <p:cNvPr id="7" name="Rectangle 6"/>
+          <p:cNvSpPr/>
+          <p:nvPr/>
+        </p:nvSpPr>
+        <p:spPr>
+          <a:xfrm>
+            <a:off x="342545" y="1690688"/>
+            <a:ext cx="3657600" cy="2390115"/>
+          </a:xfrm>
+          <a:prstGeom prst="rect">
+            <a:avLst/>
+          </a:prstGeom>
+        </p:spPr>
+        <p:style>
+          <a:lnRef idx="2">
+            <a:schemeClr val="accent1">
+              <a:shade val="50000"/>
+            </a:schemeClr>
+          </a:lnRef>
+          <a:fillRef idx="1">
+            <a:schemeClr val="accent1"/>
+          </a:fillRef>
+          <a:effectRef idx="0">
+            <a:schemeClr val="accent1"/>
+          </a:effectRef>
+          <a:fontRef idx="minor">
+            <a:schemeClr val="lt1"/>
+          </a:fontRef>
+        </p:style>
+        <p:txBody>
+          <a:bodyPr rtlCol="0" anchor="ctr"/>
+          <a:lstStyle/>
+          <a:p>
+            <a:pPr algn="ctr"/>
+            <a:endParaRPr lang="en-GB"/>
+          </a:p>
+        </p:txBody>
+      </p:sp>
+      <p:sp>
+        <p:nvSpPr>
+          <p:cNvPr id="8" name="TextBox 7"/>
+          <p:cNvSpPr txBox="1"/>
+          <p:nvPr/>
+        </p:nvSpPr>
+        <p:spPr>
+          <a:xfrm>
+            <a:off x="424053" y="1755922"/>
+            <a:ext cx="740908" cy="369332"/>
+          </a:xfrm>
+          <a:prstGeom prst="rect">
+            <a:avLst/>
+          </a:prstGeom>
+          <a:noFill/>
+        </p:spPr>
+        <p:txBody>
+          <a:bodyPr wrap="none" rtlCol="0">
+            <a:spAutoFit/>
+          </a:bodyPr>
+          <a:lstStyle/>
+          <a:p>
+            <a:r>
+              <a:rPr lang="en-GB" dirty="0" smtClean="0"/>
+              <a:t>Menu</a:t>
+            </a:r>
+            <a:endParaRPr lang="en-GB" dirty="0"/>
+          </a:p>
+        </p:txBody>
+      </p:sp>
+      <p:sp>
+        <p:nvSpPr>
+          <p:cNvPr id="9" name="Rectangle 8"/>
+          <p:cNvSpPr/>
+          <p:nvPr/>
+        </p:nvSpPr>
+        <p:spPr>
+          <a:xfrm>
+            <a:off x="424054" y="2125254"/>
+            <a:ext cx="1087742" cy="235499"/>
+          </a:xfrm>
+          <a:prstGeom prst="rect">
+            <a:avLst/>
+          </a:prstGeom>
+        </p:spPr>
+        <p:style>
+          <a:lnRef idx="1">
+            <a:schemeClr val="accent2"/>
+          </a:lnRef>
+          <a:fillRef idx="2">
+            <a:schemeClr val="accent2"/>
+          </a:fillRef>
+          <a:effectRef idx="1">
+            <a:schemeClr val="accent2"/>
+          </a:effectRef>
+          <a:fontRef idx="minor">
+            <a:schemeClr val="dk1"/>
+          </a:fontRef>
+        </p:style>
+        <p:txBody>
+          <a:bodyPr rtlCol="0" anchor="ctr"/>
+          <a:lstStyle/>
+          <a:p>
+            <a:pPr algn="ctr"/>
+            <a:r>
+              <a:rPr lang="en-GB" dirty="0" smtClean="0"/>
+              <a:t>Schedule</a:t>
+            </a:r>
+            <a:endParaRPr lang="en-GB" dirty="0"/>
+          </a:p>
+        </p:txBody>
+      </p:sp>
+      <p:sp>
+        <p:nvSpPr>
+          <p:cNvPr id="10" name="Rectangle 9"/>
+          <p:cNvSpPr/>
+          <p:nvPr/>
+        </p:nvSpPr>
+        <p:spPr>
+          <a:xfrm>
+            <a:off x="424054" y="2416790"/>
+            <a:ext cx="1087742" cy="235499"/>
+          </a:xfrm>
+          <a:prstGeom prst="rect">
+            <a:avLst/>
+          </a:prstGeom>
+        </p:spPr>
+        <p:style>
+          <a:lnRef idx="1">
+            <a:schemeClr val="accent2"/>
+          </a:lnRef>
+          <a:fillRef idx="2">
+            <a:schemeClr val="accent2"/>
+          </a:fillRef>
+          <a:effectRef idx="1">
+            <a:schemeClr val="accent2"/>
+          </a:effectRef>
+          <a:fontRef idx="minor">
+            <a:schemeClr val="dk1"/>
+          </a:fontRef>
+        </p:style>
+        <p:txBody>
+          <a:bodyPr rtlCol="0" anchor="ctr"/>
+          <a:lstStyle/>
+          <a:p>
+            <a:pPr algn="ctr"/>
+            <a:r>
+              <a:rPr lang="en-GB" dirty="0" smtClean="0"/>
+              <a:t>Client</a:t>
+            </a:r>
+            <a:endParaRPr lang="en-GB" dirty="0"/>
+          </a:p>
+        </p:txBody>
+      </p:sp>
+      <p:sp>
+        <p:nvSpPr>
+          <p:cNvPr id="11" name="Rectangle 10"/>
+          <p:cNvSpPr/>
+          <p:nvPr/>
+        </p:nvSpPr>
+        <p:spPr>
+          <a:xfrm>
+            <a:off x="424053" y="2693439"/>
+            <a:ext cx="1087742" cy="235499"/>
+          </a:xfrm>
+          <a:prstGeom prst="rect">
+            <a:avLst/>
+          </a:prstGeom>
+        </p:spPr>
+        <p:style>
+          <a:lnRef idx="1">
+            <a:schemeClr val="accent2"/>
+          </a:lnRef>
+          <a:fillRef idx="2">
+            <a:schemeClr val="accent2"/>
+          </a:fillRef>
+          <a:effectRef idx="1">
+            <a:schemeClr val="accent2"/>
+          </a:effectRef>
+          <a:fontRef idx="minor">
+            <a:schemeClr val="dk1"/>
+          </a:fontRef>
+        </p:style>
+        <p:txBody>
+          <a:bodyPr rtlCol="0" anchor="ctr"/>
+          <a:lstStyle/>
+          <a:p>
+            <a:pPr algn="ctr"/>
+            <a:r>
+              <a:rPr lang="en-GB" dirty="0" smtClean="0"/>
+              <a:t>Staff</a:t>
+            </a:r>
+            <a:endParaRPr lang="en-GB" dirty="0"/>
+          </a:p>
+        </p:txBody>
+      </p:sp>
+      <p:sp>
+        <p:nvSpPr>
+          <p:cNvPr id="12" name="Rectangle 11"/>
+          <p:cNvSpPr/>
+          <p:nvPr/>
+        </p:nvSpPr>
+        <p:spPr>
+          <a:xfrm>
+            <a:off x="424053" y="3311605"/>
+            <a:ext cx="1087742" cy="235499"/>
+          </a:xfrm>
+          <a:prstGeom prst="rect">
+            <a:avLst/>
+          </a:prstGeom>
+        </p:spPr>
+        <p:style>
+          <a:lnRef idx="1">
+            <a:schemeClr val="accent2"/>
+          </a:lnRef>
+          <a:fillRef idx="2">
+            <a:schemeClr val="accent2"/>
+          </a:fillRef>
+          <a:effectRef idx="1">
+            <a:schemeClr val="accent2"/>
+          </a:effectRef>
+          <a:fontRef idx="minor">
+            <a:schemeClr val="dk1"/>
+          </a:fontRef>
+        </p:style>
+        <p:txBody>
+          <a:bodyPr rtlCol="0" anchor="ctr"/>
+          <a:lstStyle/>
+          <a:p>
+            <a:pPr algn="ctr"/>
+            <a:r>
+              <a:rPr lang="en-GB" dirty="0" smtClean="0"/>
+              <a:t>Shop</a:t>
+            </a:r>
+            <a:endParaRPr lang="en-GB" dirty="0"/>
+          </a:p>
+        </p:txBody>
+      </p:sp>
+      <p:sp>
+        <p:nvSpPr>
+          <p:cNvPr id="13" name="Rectangle 12"/>
+          <p:cNvSpPr/>
+          <p:nvPr/>
+        </p:nvSpPr>
+        <p:spPr>
+          <a:xfrm>
+            <a:off x="424054" y="3610022"/>
+            <a:ext cx="1087742" cy="235499"/>
+          </a:xfrm>
+          <a:prstGeom prst="rect">
+            <a:avLst/>
+          </a:prstGeom>
+        </p:spPr>
+        <p:style>
+          <a:lnRef idx="1">
+            <a:schemeClr val="accent2"/>
+          </a:lnRef>
+          <a:fillRef idx="2">
+            <a:schemeClr val="accent2"/>
+          </a:fillRef>
+          <a:effectRef idx="1">
+            <a:schemeClr val="accent2"/>
+          </a:effectRef>
+          <a:fontRef idx="minor">
+            <a:schemeClr val="dk1"/>
+          </a:fontRef>
+        </p:style>
+        <p:txBody>
+          <a:bodyPr rtlCol="0" anchor="ctr"/>
+          <a:lstStyle/>
+          <a:p>
+            <a:pPr algn="ctr"/>
+            <a:r>
+              <a:rPr lang="en-GB" dirty="0" smtClean="0"/>
+              <a:t>User</a:t>
+            </a:r>
+            <a:endParaRPr lang="en-GB" dirty="0"/>
+          </a:p>
+        </p:txBody>
+      </p:sp>
+      <p:sp>
+        <p:nvSpPr>
+          <p:cNvPr id="14" name="Rectangle 13"/>
+          <p:cNvSpPr/>
+          <p:nvPr/>
+        </p:nvSpPr>
+        <p:spPr>
+          <a:xfrm>
+            <a:off x="424053" y="3013406"/>
+            <a:ext cx="1087742" cy="235499"/>
+          </a:xfrm>
+          <a:prstGeom prst="rect">
+            <a:avLst/>
+          </a:prstGeom>
+        </p:spPr>
+        <p:style>
+          <a:lnRef idx="1">
+            <a:schemeClr val="accent2"/>
+          </a:lnRef>
+          <a:fillRef idx="2">
+            <a:schemeClr val="accent2"/>
+          </a:fillRef>
+          <a:effectRef idx="1">
+            <a:schemeClr val="accent2"/>
+          </a:effectRef>
+          <a:fontRef idx="minor">
+            <a:schemeClr val="dk1"/>
+          </a:fontRef>
+        </p:style>
+        <p:txBody>
+          <a:bodyPr rtlCol="0" anchor="ctr"/>
+          <a:lstStyle/>
+          <a:p>
+            <a:pPr algn="ctr"/>
+            <a:r>
+              <a:rPr lang="en-GB" dirty="0" smtClean="0"/>
+              <a:t>Service</a:t>
+            </a:r>
+            <a:endParaRPr lang="en-GB" dirty="0"/>
+          </a:p>
+        </p:txBody>
+      </p:sp>
+      <p:sp>
+        <p:nvSpPr>
+          <p:cNvPr id="15" name="Rectangle 14"/>
+          <p:cNvSpPr/>
+          <p:nvPr/>
+        </p:nvSpPr>
+        <p:spPr>
+          <a:xfrm>
+            <a:off x="1593304" y="2125254"/>
+            <a:ext cx="2216504" cy="1720267"/>
+          </a:xfrm>
+          <a:prstGeom prst="rect">
+            <a:avLst/>
+          </a:prstGeom>
+        </p:spPr>
+        <p:style>
+          <a:lnRef idx="1">
+            <a:schemeClr val="accent5"/>
+          </a:lnRef>
+          <a:fillRef idx="2">
+            <a:schemeClr val="accent5"/>
+          </a:fillRef>
+          <a:effectRef idx="1">
+            <a:schemeClr val="accent5"/>
+          </a:effectRef>
+          <a:fontRef idx="minor">
+            <a:schemeClr val="dk1"/>
+          </a:fontRef>
+        </p:style>
+        <p:txBody>
+          <a:bodyPr rtlCol="0" anchor="ctr"/>
+          <a:lstStyle/>
+          <a:p>
+            <a:pPr algn="ctr"/>
+            <a:r>
+              <a:rPr lang="en-GB" dirty="0" smtClean="0"/>
+              <a:t>User List</a:t>
+            </a:r>
+          </a:p>
+          <a:p>
+            <a:pPr algn="ctr"/>
+            <a:endParaRPr lang="en-GB" dirty="0"/>
+          </a:p>
+          <a:p>
+            <a:pPr algn="ctr"/>
+            <a:endParaRPr lang="en-GB" dirty="0" smtClean="0"/>
+          </a:p>
+          <a:p>
+            <a:pPr algn="ctr"/>
+            <a:endParaRPr lang="en-GB" dirty="0"/>
+          </a:p>
+          <a:p>
+            <a:pPr algn="ctr"/>
+            <a:endParaRPr lang="en-GB" dirty="0" smtClean="0"/>
+          </a:p>
+          <a:p>
+            <a:pPr algn="ctr"/>
+            <a:endParaRPr lang="en-GB" dirty="0"/>
+          </a:p>
+        </p:txBody>
+      </p:sp>
+      <p:sp>
+        <p:nvSpPr>
+          <p:cNvPr id="6" name="Flowchart: Alternate Process 5"/>
+          <p:cNvSpPr/>
+          <p:nvPr/>
+        </p:nvSpPr>
+        <p:spPr>
+          <a:xfrm>
+            <a:off x="1771887" y="2693439"/>
+            <a:ext cx="1907692" cy="1034332"/>
+          </a:xfrm>
+          <a:prstGeom prst="flowChartAlternateProcess">
+            <a:avLst/>
+          </a:prstGeom>
+        </p:spPr>
+        <p:style>
+          <a:lnRef idx="2">
+            <a:schemeClr val="accent1">
+              <a:shade val="50000"/>
+            </a:schemeClr>
+          </a:lnRef>
+          <a:fillRef idx="1">
+            <a:schemeClr val="accent1"/>
+          </a:fillRef>
+          <a:effectRef idx="0">
+            <a:schemeClr val="accent1"/>
+          </a:effectRef>
+          <a:fontRef idx="minor">
+            <a:schemeClr val="lt1"/>
+          </a:fontRef>
+        </p:style>
+        <p:txBody>
+          <a:bodyPr rtlCol="0" anchor="ctr"/>
+          <a:lstStyle/>
+          <a:p>
+            <a:pPr algn="ctr"/>
+            <a:endParaRPr lang="en-GB"/>
+          </a:p>
+        </p:txBody>
+      </p:sp>
+      <p:sp>
+        <p:nvSpPr>
+          <p:cNvPr id="41" name="Rectangle 40"/>
+          <p:cNvSpPr/>
+          <p:nvPr/>
+        </p:nvSpPr>
+        <p:spPr>
+          <a:xfrm>
+            <a:off x="1771886" y="2442392"/>
+            <a:ext cx="1554637" cy="209898"/>
+          </a:xfrm>
+          <a:prstGeom prst="rect">
+            <a:avLst/>
+          </a:prstGeom>
+        </p:spPr>
+        <p:style>
+          <a:lnRef idx="1">
+            <a:schemeClr val="accent2"/>
+          </a:lnRef>
+          <a:fillRef idx="2">
+            <a:schemeClr val="accent2"/>
+          </a:fillRef>
+          <a:effectRef idx="1">
+            <a:schemeClr val="accent2"/>
+          </a:effectRef>
+          <a:fontRef idx="minor">
+            <a:schemeClr val="dk1"/>
+          </a:fontRef>
+        </p:style>
+        <p:txBody>
+          <a:bodyPr rtlCol="0" anchor="ctr"/>
+          <a:lstStyle/>
+          <a:p>
+            <a:pPr algn="ctr"/>
+            <a:r>
+              <a:rPr lang="en-GB" dirty="0" smtClean="0"/>
+              <a:t>Add New User</a:t>
+            </a:r>
+            <a:endParaRPr lang="en-GB" dirty="0"/>
+          </a:p>
+        </p:txBody>
+      </p:sp>
+      <p:sp>
+        <p:nvSpPr>
+          <p:cNvPr id="42" name="Rectangle 41"/>
+          <p:cNvSpPr/>
+          <p:nvPr/>
+        </p:nvSpPr>
+        <p:spPr>
+          <a:xfrm>
+            <a:off x="2978934" y="2848833"/>
+            <a:ext cx="617362" cy="238023"/>
+          </a:xfrm>
+          <a:prstGeom prst="rect">
+            <a:avLst/>
+          </a:prstGeom>
+        </p:spPr>
+        <p:style>
+          <a:lnRef idx="1">
+            <a:schemeClr val="accent2"/>
+          </a:lnRef>
+          <a:fillRef idx="2">
+            <a:schemeClr val="accent2"/>
+          </a:fillRef>
+          <a:effectRef idx="1">
+            <a:schemeClr val="accent2"/>
+          </a:effectRef>
+          <a:fontRef idx="minor">
+            <a:schemeClr val="dk1"/>
+          </a:fontRef>
+        </p:style>
+        <p:txBody>
+          <a:bodyPr rtlCol="0" anchor="ctr"/>
+          <a:lstStyle/>
+          <a:p>
+            <a:pPr algn="ctr"/>
+            <a:r>
+              <a:rPr lang="en-GB" dirty="0" smtClean="0"/>
+              <a:t>Edit</a:t>
+            </a:r>
+            <a:endParaRPr lang="en-GB" dirty="0"/>
+          </a:p>
+        </p:txBody>
+      </p:sp>
+      <p:sp>
+        <p:nvSpPr>
+          <p:cNvPr id="43" name="Rectangle 42"/>
+          <p:cNvSpPr/>
+          <p:nvPr/>
+        </p:nvSpPr>
+        <p:spPr>
+          <a:xfrm>
+            <a:off x="4373263" y="1690687"/>
+            <a:ext cx="3657600" cy="2390115"/>
+          </a:xfrm>
+          <a:prstGeom prst="rect">
+            <a:avLst/>
+          </a:prstGeom>
+        </p:spPr>
+        <p:style>
+          <a:lnRef idx="2">
+            <a:schemeClr val="accent1">
+              <a:shade val="50000"/>
+            </a:schemeClr>
+          </a:lnRef>
+          <a:fillRef idx="1">
+            <a:schemeClr val="accent1"/>
+          </a:fillRef>
+          <a:effectRef idx="0">
+            <a:schemeClr val="accent1"/>
+          </a:effectRef>
+          <a:fontRef idx="minor">
+            <a:schemeClr val="lt1"/>
+          </a:fontRef>
+        </p:style>
+        <p:txBody>
+          <a:bodyPr rtlCol="0" anchor="ctr"/>
+          <a:lstStyle/>
+          <a:p>
+            <a:pPr algn="ctr"/>
+            <a:endParaRPr lang="en-GB"/>
+          </a:p>
+        </p:txBody>
+      </p:sp>
+      <p:sp>
+        <p:nvSpPr>
+          <p:cNvPr id="44" name="TextBox 43"/>
+          <p:cNvSpPr txBox="1"/>
+          <p:nvPr/>
+        </p:nvSpPr>
+        <p:spPr>
+          <a:xfrm>
+            <a:off x="4489997" y="1750860"/>
+            <a:ext cx="1047082" cy="369332"/>
+          </a:xfrm>
+          <a:prstGeom prst="rect">
+            <a:avLst/>
+          </a:prstGeom>
+          <a:noFill/>
+        </p:spPr>
+        <p:txBody>
+          <a:bodyPr wrap="none" rtlCol="0">
+            <a:spAutoFit/>
+          </a:bodyPr>
+          <a:lstStyle/>
+          <a:p>
+            <a:r>
+              <a:rPr lang="en-GB" dirty="0" smtClean="0"/>
+              <a:t>Add User</a:t>
+            </a:r>
+            <a:endParaRPr lang="en-GB" dirty="0"/>
+          </a:p>
+        </p:txBody>
+      </p:sp>
+      <p:sp>
+        <p:nvSpPr>
+          <p:cNvPr id="46" name="Rectangle 45"/>
+          <p:cNvSpPr/>
+          <p:nvPr/>
+        </p:nvSpPr>
+        <p:spPr>
+          <a:xfrm>
+            <a:off x="5115978" y="2544195"/>
+            <a:ext cx="2163779" cy="325925"/>
+          </a:xfrm>
+          <a:prstGeom prst="rect">
+            <a:avLst/>
+          </a:prstGeom>
+        </p:spPr>
+        <p:style>
+          <a:lnRef idx="2">
+            <a:schemeClr val="accent6">
+              <a:shade val="50000"/>
+            </a:schemeClr>
+          </a:lnRef>
+          <a:fillRef idx="1">
+            <a:schemeClr val="accent6"/>
+          </a:fillRef>
+          <a:effectRef idx="0">
+            <a:schemeClr val="accent6"/>
+          </a:effectRef>
+          <a:fontRef idx="minor">
+            <a:schemeClr val="lt1"/>
+          </a:fontRef>
+        </p:style>
+        <p:txBody>
+          <a:bodyPr rtlCol="0" anchor="ctr"/>
+          <a:lstStyle/>
+          <a:p>
+            <a:pPr algn="ctr"/>
+            <a:r>
+              <a:rPr lang="en-GB" dirty="0" smtClean="0"/>
+              <a:t>Email</a:t>
+            </a:r>
+            <a:endParaRPr lang="en-GB" dirty="0"/>
+          </a:p>
+        </p:txBody>
+      </p:sp>
+      <p:sp>
+        <p:nvSpPr>
+          <p:cNvPr id="48" name="Rectangle 47"/>
+          <p:cNvSpPr/>
+          <p:nvPr/>
+        </p:nvSpPr>
+        <p:spPr>
+          <a:xfrm>
+            <a:off x="5115979" y="2180365"/>
+            <a:ext cx="2163779" cy="325925"/>
+          </a:xfrm>
+          <a:prstGeom prst="rect">
+            <a:avLst/>
+          </a:prstGeom>
+        </p:spPr>
+        <p:style>
+          <a:lnRef idx="2">
+            <a:schemeClr val="accent6">
+              <a:shade val="50000"/>
+            </a:schemeClr>
+          </a:lnRef>
+          <a:fillRef idx="1">
+            <a:schemeClr val="accent6"/>
+          </a:fillRef>
+          <a:effectRef idx="0">
+            <a:schemeClr val="accent6"/>
+          </a:effectRef>
+          <a:fontRef idx="minor">
+            <a:schemeClr val="lt1"/>
+          </a:fontRef>
+        </p:style>
+        <p:txBody>
+          <a:bodyPr rtlCol="0" anchor="ctr"/>
+          <a:lstStyle/>
+          <a:p>
+            <a:pPr algn="ctr"/>
+            <a:r>
+              <a:rPr lang="en-GB" dirty="0" smtClean="0"/>
+              <a:t>User name</a:t>
+            </a:r>
+            <a:endParaRPr lang="en-GB" dirty="0"/>
+          </a:p>
+        </p:txBody>
+      </p:sp>
+      <p:sp>
+        <p:nvSpPr>
+          <p:cNvPr id="49" name="Rectangle 48"/>
+          <p:cNvSpPr/>
+          <p:nvPr/>
+        </p:nvSpPr>
+        <p:spPr>
+          <a:xfrm>
+            <a:off x="5115978" y="2933844"/>
+            <a:ext cx="2163779" cy="325925"/>
+          </a:xfrm>
+          <a:prstGeom prst="rect">
+            <a:avLst/>
+          </a:prstGeom>
+        </p:spPr>
+        <p:style>
+          <a:lnRef idx="2">
+            <a:schemeClr val="accent6">
+              <a:shade val="50000"/>
+            </a:schemeClr>
+          </a:lnRef>
+          <a:fillRef idx="1">
+            <a:schemeClr val="accent6"/>
+          </a:fillRef>
+          <a:effectRef idx="0">
+            <a:schemeClr val="accent6"/>
+          </a:effectRef>
+          <a:fontRef idx="minor">
+            <a:schemeClr val="lt1"/>
+          </a:fontRef>
+        </p:style>
+        <p:txBody>
+          <a:bodyPr rtlCol="0" anchor="ctr"/>
+          <a:lstStyle/>
+          <a:p>
+            <a:pPr algn="ctr"/>
+            <a:r>
+              <a:rPr lang="en-GB" dirty="0" smtClean="0"/>
+              <a:t>Password</a:t>
+            </a:r>
+            <a:endParaRPr lang="en-GB" dirty="0"/>
+          </a:p>
+        </p:txBody>
+      </p:sp>
+      <p:sp>
+        <p:nvSpPr>
+          <p:cNvPr id="50" name="Rectangle 49"/>
+          <p:cNvSpPr/>
+          <p:nvPr/>
+        </p:nvSpPr>
+        <p:spPr>
+          <a:xfrm>
+            <a:off x="6416565" y="3727771"/>
+            <a:ext cx="863192" cy="192704"/>
+          </a:xfrm>
+          <a:prstGeom prst="rect">
+            <a:avLst/>
+          </a:prstGeom>
+        </p:spPr>
+        <p:style>
+          <a:lnRef idx="1">
+            <a:schemeClr val="accent2"/>
+          </a:lnRef>
+          <a:fillRef idx="2">
+            <a:schemeClr val="accent2"/>
+          </a:fillRef>
+          <a:effectRef idx="1">
+            <a:schemeClr val="accent2"/>
+          </a:effectRef>
+          <a:fontRef idx="minor">
+            <a:schemeClr val="dk1"/>
+          </a:fontRef>
+        </p:style>
+        <p:txBody>
+          <a:bodyPr rtlCol="0" anchor="ctr"/>
+          <a:lstStyle/>
+          <a:p>
+            <a:pPr algn="ctr"/>
+            <a:r>
+              <a:rPr lang="en-GB" dirty="0" smtClean="0"/>
+              <a:t>Create</a:t>
+            </a:r>
+            <a:endParaRPr lang="en-GB" dirty="0"/>
+          </a:p>
+        </p:txBody>
+      </p:sp>
+      <p:sp>
+        <p:nvSpPr>
+          <p:cNvPr id="51" name="Rectangle 50"/>
+          <p:cNvSpPr/>
+          <p:nvPr/>
+        </p:nvSpPr>
+        <p:spPr>
+          <a:xfrm>
+            <a:off x="5115978" y="3718114"/>
             <a:ext cx="863192" cy="192704"/>
           </a:xfrm>
           <a:prstGeom prst="rect">
@@ -7729,11 +10101,7 @@
             <a:p>
               <a:r>
                 <a:rPr lang="en-GB" dirty="0" smtClean="0"/>
-                <a:t>Edit</a:t>
-              </a:r>
-              <a:r>
-                <a:rPr lang="en-GB" dirty="0" smtClean="0"/>
-                <a:t> User</a:t>
+                <a:t>Edit User</a:t>
               </a:r>
               <a:endParaRPr lang="en-GB" dirty="0"/>
             </a:p>
@@ -7921,7 +10289,7 @@
           </p:nvSpPr>
           <p:spPr>
             <a:xfrm>
-              <a:off x="9246224" y="3694942"/>
+              <a:off x="9054974" y="3694942"/>
               <a:ext cx="863192" cy="192704"/>
             </a:xfrm>
             <a:prstGeom prst="rect">
@@ -8000,10 +10368,6087 @@
           </a:p>
         </p:txBody>
       </p:sp>
+      <p:sp>
+        <p:nvSpPr>
+          <p:cNvPr id="3" name="TextBox 2"/>
+          <p:cNvSpPr txBox="1"/>
+          <p:nvPr/>
+        </p:nvSpPr>
+        <p:spPr>
+          <a:xfrm>
+            <a:off x="8972111" y="2149463"/>
+            <a:ext cx="849913" cy="369332"/>
+          </a:xfrm>
+          <a:prstGeom prst="rect">
+            <a:avLst/>
+          </a:prstGeom>
+          <a:noFill/>
+        </p:spPr>
+        <p:txBody>
+          <a:bodyPr wrap="none" rtlCol="0">
+            <a:spAutoFit/>
+          </a:bodyPr>
+          <a:lstStyle/>
+          <a:p>
+            <a:r>
+              <a:rPr lang="en-GB" dirty="0" smtClean="0"/>
+              <a:t>User Id</a:t>
+            </a:r>
+            <a:endParaRPr lang="en-GB" dirty="0"/>
+          </a:p>
+        </p:txBody>
+      </p:sp>
     </p:spTree>
     <p:extLst>
       <p:ext uri="{BB962C8B-B14F-4D97-AF65-F5344CB8AC3E}">
         <p14:creationId xmlns:p14="http://schemas.microsoft.com/office/powerpoint/2010/main" val="1988535034"/>
+      </p:ext>
+    </p:extLst>
+  </p:cSld>
+  <p:clrMapOvr>
+    <a:masterClrMapping/>
+  </p:clrMapOvr>
+</p:sld>
+</file>
+
+<file path=ppt/slides/slide6.xml><?xml version="1.0" encoding="utf-8"?>
+<p:sld xmlns:a="http://schemas.openxmlformats.org/drawingml/2006/main" xmlns:r="http://schemas.openxmlformats.org/officeDocument/2006/relationships" xmlns:p="http://schemas.openxmlformats.org/presentationml/2006/main">
+  <p:cSld>
+    <p:spTree>
+      <p:nvGrpSpPr>
+        <p:cNvPr id="1" name=""/>
+        <p:cNvGrpSpPr/>
+        <p:nvPr/>
+      </p:nvGrpSpPr>
+      <p:grpSpPr>
+        <a:xfrm>
+          <a:off x="0" y="0"/>
+          <a:ext cx="0" cy="0"/>
+          <a:chOff x="0" y="0"/>
+          <a:chExt cx="0" cy="0"/>
+        </a:xfrm>
+      </p:grpSpPr>
+      <p:sp>
+        <p:nvSpPr>
+          <p:cNvPr id="16" name="Title 1"/>
+          <p:cNvSpPr>
+            <a:spLocks noGrp="1"/>
+          </p:cNvSpPr>
+          <p:nvPr>
+            <p:ph type="title"/>
+          </p:nvPr>
+        </p:nvSpPr>
+        <p:spPr>
+          <a:xfrm>
+            <a:off x="778741" y="311030"/>
+            <a:ext cx="10515600" cy="824960"/>
+          </a:xfrm>
+        </p:spPr>
+        <p:txBody>
+          <a:bodyPr/>
+          <a:lstStyle/>
+          <a:p>
+            <a:r>
+              <a:rPr lang="en-GB" dirty="0" smtClean="0"/>
+              <a:t>Service Management Part 1</a:t>
+            </a:r>
+            <a:endParaRPr lang="en-GB" dirty="0"/>
+          </a:p>
+        </p:txBody>
+      </p:sp>
+      <p:sp>
+        <p:nvSpPr>
+          <p:cNvPr id="28" name="Rectangle 27"/>
+          <p:cNvSpPr/>
+          <p:nvPr/>
+        </p:nvSpPr>
+        <p:spPr>
+          <a:xfrm>
+            <a:off x="266345" y="4129088"/>
+            <a:ext cx="3657600" cy="2390115"/>
+          </a:xfrm>
+          <a:prstGeom prst="rect">
+            <a:avLst/>
+          </a:prstGeom>
+        </p:spPr>
+        <p:style>
+          <a:lnRef idx="2">
+            <a:schemeClr val="accent1">
+              <a:shade val="50000"/>
+            </a:schemeClr>
+          </a:lnRef>
+          <a:fillRef idx="1">
+            <a:schemeClr val="accent1"/>
+          </a:fillRef>
+          <a:effectRef idx="0">
+            <a:schemeClr val="accent1"/>
+          </a:effectRef>
+          <a:fontRef idx="minor">
+            <a:schemeClr val="lt1"/>
+          </a:fontRef>
+        </p:style>
+        <p:txBody>
+          <a:bodyPr rtlCol="0" anchor="ctr"/>
+          <a:lstStyle/>
+          <a:p>
+            <a:pPr algn="ctr"/>
+            <a:endParaRPr lang="en-GB"/>
+          </a:p>
+        </p:txBody>
+      </p:sp>
+      <p:sp>
+        <p:nvSpPr>
+          <p:cNvPr id="29" name="TextBox 28"/>
+          <p:cNvSpPr txBox="1"/>
+          <p:nvPr/>
+        </p:nvSpPr>
+        <p:spPr>
+          <a:xfrm>
+            <a:off x="347853" y="4194322"/>
+            <a:ext cx="740908" cy="369332"/>
+          </a:xfrm>
+          <a:prstGeom prst="rect">
+            <a:avLst/>
+          </a:prstGeom>
+          <a:noFill/>
+        </p:spPr>
+        <p:txBody>
+          <a:bodyPr wrap="none" rtlCol="0">
+            <a:spAutoFit/>
+          </a:bodyPr>
+          <a:lstStyle/>
+          <a:p>
+            <a:r>
+              <a:rPr lang="en-GB" dirty="0" smtClean="0"/>
+              <a:t>Menu</a:t>
+            </a:r>
+            <a:endParaRPr lang="en-GB" dirty="0"/>
+          </a:p>
+        </p:txBody>
+      </p:sp>
+      <p:sp>
+        <p:nvSpPr>
+          <p:cNvPr id="30" name="Rectangle 29"/>
+          <p:cNvSpPr/>
+          <p:nvPr/>
+        </p:nvSpPr>
+        <p:spPr>
+          <a:xfrm>
+            <a:off x="347854" y="4563654"/>
+            <a:ext cx="1087742" cy="235499"/>
+          </a:xfrm>
+          <a:prstGeom prst="rect">
+            <a:avLst/>
+          </a:prstGeom>
+        </p:spPr>
+        <p:style>
+          <a:lnRef idx="1">
+            <a:schemeClr val="accent2"/>
+          </a:lnRef>
+          <a:fillRef idx="2">
+            <a:schemeClr val="accent2"/>
+          </a:fillRef>
+          <a:effectRef idx="1">
+            <a:schemeClr val="accent2"/>
+          </a:effectRef>
+          <a:fontRef idx="minor">
+            <a:schemeClr val="dk1"/>
+          </a:fontRef>
+        </p:style>
+        <p:txBody>
+          <a:bodyPr rtlCol="0" anchor="ctr"/>
+          <a:lstStyle/>
+          <a:p>
+            <a:pPr algn="ctr"/>
+            <a:r>
+              <a:rPr lang="en-GB" dirty="0" smtClean="0"/>
+              <a:t>Schedule</a:t>
+            </a:r>
+            <a:endParaRPr lang="en-GB" dirty="0"/>
+          </a:p>
+        </p:txBody>
+      </p:sp>
+      <p:sp>
+        <p:nvSpPr>
+          <p:cNvPr id="31" name="Rectangle 30"/>
+          <p:cNvSpPr/>
+          <p:nvPr/>
+        </p:nvSpPr>
+        <p:spPr>
+          <a:xfrm>
+            <a:off x="347854" y="4855190"/>
+            <a:ext cx="1087742" cy="235499"/>
+          </a:xfrm>
+          <a:prstGeom prst="rect">
+            <a:avLst/>
+          </a:prstGeom>
+        </p:spPr>
+        <p:style>
+          <a:lnRef idx="1">
+            <a:schemeClr val="accent2"/>
+          </a:lnRef>
+          <a:fillRef idx="2">
+            <a:schemeClr val="accent2"/>
+          </a:fillRef>
+          <a:effectRef idx="1">
+            <a:schemeClr val="accent2"/>
+          </a:effectRef>
+          <a:fontRef idx="minor">
+            <a:schemeClr val="dk1"/>
+          </a:fontRef>
+        </p:style>
+        <p:txBody>
+          <a:bodyPr rtlCol="0" anchor="ctr"/>
+          <a:lstStyle/>
+          <a:p>
+            <a:pPr algn="ctr"/>
+            <a:r>
+              <a:rPr lang="en-GB" dirty="0" smtClean="0"/>
+              <a:t>Client</a:t>
+            </a:r>
+            <a:endParaRPr lang="en-GB" dirty="0"/>
+          </a:p>
+        </p:txBody>
+      </p:sp>
+      <p:sp>
+        <p:nvSpPr>
+          <p:cNvPr id="32" name="Rectangle 31"/>
+          <p:cNvSpPr/>
+          <p:nvPr/>
+        </p:nvSpPr>
+        <p:spPr>
+          <a:xfrm>
+            <a:off x="347853" y="5131839"/>
+            <a:ext cx="1087742" cy="235499"/>
+          </a:xfrm>
+          <a:prstGeom prst="rect">
+            <a:avLst/>
+          </a:prstGeom>
+        </p:spPr>
+        <p:style>
+          <a:lnRef idx="1">
+            <a:schemeClr val="accent2"/>
+          </a:lnRef>
+          <a:fillRef idx="2">
+            <a:schemeClr val="accent2"/>
+          </a:fillRef>
+          <a:effectRef idx="1">
+            <a:schemeClr val="accent2"/>
+          </a:effectRef>
+          <a:fontRef idx="minor">
+            <a:schemeClr val="dk1"/>
+          </a:fontRef>
+        </p:style>
+        <p:txBody>
+          <a:bodyPr rtlCol="0" anchor="ctr"/>
+          <a:lstStyle/>
+          <a:p>
+            <a:pPr algn="ctr"/>
+            <a:r>
+              <a:rPr lang="en-GB" dirty="0" smtClean="0"/>
+              <a:t>Staff</a:t>
+            </a:r>
+            <a:endParaRPr lang="en-GB" dirty="0"/>
+          </a:p>
+        </p:txBody>
+      </p:sp>
+      <p:sp>
+        <p:nvSpPr>
+          <p:cNvPr id="33" name="Rectangle 32"/>
+          <p:cNvSpPr/>
+          <p:nvPr/>
+        </p:nvSpPr>
+        <p:spPr>
+          <a:xfrm>
+            <a:off x="347853" y="5750005"/>
+            <a:ext cx="1087742" cy="235499"/>
+          </a:xfrm>
+          <a:prstGeom prst="rect">
+            <a:avLst/>
+          </a:prstGeom>
+        </p:spPr>
+        <p:style>
+          <a:lnRef idx="1">
+            <a:schemeClr val="accent2"/>
+          </a:lnRef>
+          <a:fillRef idx="2">
+            <a:schemeClr val="accent2"/>
+          </a:fillRef>
+          <a:effectRef idx="1">
+            <a:schemeClr val="accent2"/>
+          </a:effectRef>
+          <a:fontRef idx="minor">
+            <a:schemeClr val="dk1"/>
+          </a:fontRef>
+        </p:style>
+        <p:txBody>
+          <a:bodyPr rtlCol="0" anchor="ctr"/>
+          <a:lstStyle/>
+          <a:p>
+            <a:pPr algn="ctr"/>
+            <a:r>
+              <a:rPr lang="en-GB" dirty="0" smtClean="0"/>
+              <a:t>Shop</a:t>
+            </a:r>
+            <a:endParaRPr lang="en-GB" dirty="0"/>
+          </a:p>
+        </p:txBody>
+      </p:sp>
+      <p:sp>
+        <p:nvSpPr>
+          <p:cNvPr id="34" name="Rectangle 33"/>
+          <p:cNvSpPr/>
+          <p:nvPr/>
+        </p:nvSpPr>
+        <p:spPr>
+          <a:xfrm>
+            <a:off x="347854" y="6048422"/>
+            <a:ext cx="1087742" cy="235499"/>
+          </a:xfrm>
+          <a:prstGeom prst="rect">
+            <a:avLst/>
+          </a:prstGeom>
+        </p:spPr>
+        <p:style>
+          <a:lnRef idx="1">
+            <a:schemeClr val="accent2"/>
+          </a:lnRef>
+          <a:fillRef idx="2">
+            <a:schemeClr val="accent2"/>
+          </a:fillRef>
+          <a:effectRef idx="1">
+            <a:schemeClr val="accent2"/>
+          </a:effectRef>
+          <a:fontRef idx="minor">
+            <a:schemeClr val="dk1"/>
+          </a:fontRef>
+        </p:style>
+        <p:txBody>
+          <a:bodyPr rtlCol="0" anchor="ctr"/>
+          <a:lstStyle/>
+          <a:p>
+            <a:pPr algn="ctr"/>
+            <a:r>
+              <a:rPr lang="en-GB" dirty="0" smtClean="0"/>
+              <a:t>User</a:t>
+            </a:r>
+            <a:endParaRPr lang="en-GB" dirty="0"/>
+          </a:p>
+        </p:txBody>
+      </p:sp>
+      <p:sp>
+        <p:nvSpPr>
+          <p:cNvPr id="35" name="Rectangle 34"/>
+          <p:cNvSpPr/>
+          <p:nvPr/>
+        </p:nvSpPr>
+        <p:spPr>
+          <a:xfrm>
+            <a:off x="347853" y="5451806"/>
+            <a:ext cx="1087742" cy="235499"/>
+          </a:xfrm>
+          <a:prstGeom prst="rect">
+            <a:avLst/>
+          </a:prstGeom>
+        </p:spPr>
+        <p:style>
+          <a:lnRef idx="1">
+            <a:schemeClr val="accent2"/>
+          </a:lnRef>
+          <a:fillRef idx="2">
+            <a:schemeClr val="accent2"/>
+          </a:fillRef>
+          <a:effectRef idx="1">
+            <a:schemeClr val="accent2"/>
+          </a:effectRef>
+          <a:fontRef idx="minor">
+            <a:schemeClr val="dk1"/>
+          </a:fontRef>
+        </p:style>
+        <p:txBody>
+          <a:bodyPr rtlCol="0" anchor="ctr"/>
+          <a:lstStyle/>
+          <a:p>
+            <a:pPr algn="ctr"/>
+            <a:r>
+              <a:rPr lang="en-GB" dirty="0" smtClean="0"/>
+              <a:t>Service</a:t>
+            </a:r>
+            <a:endParaRPr lang="en-GB" dirty="0"/>
+          </a:p>
+        </p:txBody>
+      </p:sp>
+      <p:sp>
+        <p:nvSpPr>
+          <p:cNvPr id="36" name="Rectangle 35"/>
+          <p:cNvSpPr/>
+          <p:nvPr/>
+        </p:nvSpPr>
+        <p:spPr>
+          <a:xfrm>
+            <a:off x="1517104" y="4563654"/>
+            <a:ext cx="2216504" cy="1720267"/>
+          </a:xfrm>
+          <a:prstGeom prst="rect">
+            <a:avLst/>
+          </a:prstGeom>
+        </p:spPr>
+        <p:style>
+          <a:lnRef idx="1">
+            <a:schemeClr val="accent5"/>
+          </a:lnRef>
+          <a:fillRef idx="2">
+            <a:schemeClr val="accent5"/>
+          </a:fillRef>
+          <a:effectRef idx="1">
+            <a:schemeClr val="accent5"/>
+          </a:effectRef>
+          <a:fontRef idx="minor">
+            <a:schemeClr val="dk1"/>
+          </a:fontRef>
+        </p:style>
+        <p:txBody>
+          <a:bodyPr rtlCol="0" anchor="ctr"/>
+          <a:lstStyle/>
+          <a:p>
+            <a:pPr algn="ctr"/>
+            <a:r>
+              <a:rPr lang="en-US" altLang="zh-CN" dirty="0" smtClean="0"/>
+              <a:t>Service</a:t>
+            </a:r>
+            <a:r>
+              <a:rPr lang="en-GB" dirty="0" smtClean="0"/>
+              <a:t> </a:t>
+            </a:r>
+            <a:r>
+              <a:rPr lang="en-GB" dirty="0" smtClean="0"/>
+              <a:t>List</a:t>
+            </a:r>
+          </a:p>
+          <a:p>
+            <a:pPr algn="ctr"/>
+            <a:endParaRPr lang="en-GB" dirty="0"/>
+          </a:p>
+          <a:p>
+            <a:pPr algn="ctr"/>
+            <a:endParaRPr lang="en-GB" dirty="0" smtClean="0"/>
+          </a:p>
+          <a:p>
+            <a:pPr algn="ctr"/>
+            <a:endParaRPr lang="en-GB" dirty="0"/>
+          </a:p>
+          <a:p>
+            <a:pPr algn="ctr"/>
+            <a:endParaRPr lang="en-GB" dirty="0" smtClean="0"/>
+          </a:p>
+          <a:p>
+            <a:pPr algn="ctr"/>
+            <a:endParaRPr lang="en-GB" dirty="0"/>
+          </a:p>
+        </p:txBody>
+      </p:sp>
+      <p:sp>
+        <p:nvSpPr>
+          <p:cNvPr id="37" name="Flowchart: Alternate Process 36"/>
+          <p:cNvSpPr/>
+          <p:nvPr/>
+        </p:nvSpPr>
+        <p:spPr>
+          <a:xfrm>
+            <a:off x="1695687" y="5131839"/>
+            <a:ext cx="1907692" cy="1034332"/>
+          </a:xfrm>
+          <a:prstGeom prst="flowChartAlternateProcess">
+            <a:avLst/>
+          </a:prstGeom>
+        </p:spPr>
+        <p:style>
+          <a:lnRef idx="2">
+            <a:schemeClr val="accent1">
+              <a:shade val="50000"/>
+            </a:schemeClr>
+          </a:lnRef>
+          <a:fillRef idx="1">
+            <a:schemeClr val="accent1"/>
+          </a:fillRef>
+          <a:effectRef idx="0">
+            <a:schemeClr val="accent1"/>
+          </a:effectRef>
+          <a:fontRef idx="minor">
+            <a:schemeClr val="lt1"/>
+          </a:fontRef>
+        </p:style>
+        <p:txBody>
+          <a:bodyPr rtlCol="0" anchor="ctr"/>
+          <a:lstStyle/>
+          <a:p>
+            <a:pPr algn="ctr"/>
+            <a:endParaRPr lang="en-GB"/>
+          </a:p>
+        </p:txBody>
+      </p:sp>
+      <p:sp>
+        <p:nvSpPr>
+          <p:cNvPr id="38" name="Rectangle 37"/>
+          <p:cNvSpPr/>
+          <p:nvPr/>
+        </p:nvSpPr>
+        <p:spPr>
+          <a:xfrm>
+            <a:off x="1695686" y="4880792"/>
+            <a:ext cx="1554637" cy="209898"/>
+          </a:xfrm>
+          <a:prstGeom prst="rect">
+            <a:avLst/>
+          </a:prstGeom>
+        </p:spPr>
+        <p:style>
+          <a:lnRef idx="1">
+            <a:schemeClr val="accent2"/>
+          </a:lnRef>
+          <a:fillRef idx="2">
+            <a:schemeClr val="accent2"/>
+          </a:fillRef>
+          <a:effectRef idx="1">
+            <a:schemeClr val="accent2"/>
+          </a:effectRef>
+          <a:fontRef idx="minor">
+            <a:schemeClr val="dk1"/>
+          </a:fontRef>
+        </p:style>
+        <p:txBody>
+          <a:bodyPr rtlCol="0" anchor="ctr"/>
+          <a:lstStyle/>
+          <a:p>
+            <a:pPr algn="ctr"/>
+            <a:r>
+              <a:rPr lang="en-GB" dirty="0" smtClean="0"/>
+              <a:t>Modify</a:t>
+            </a:r>
+            <a:endParaRPr lang="en-GB" dirty="0"/>
+          </a:p>
+        </p:txBody>
+      </p:sp>
+      <p:sp>
+        <p:nvSpPr>
+          <p:cNvPr id="52" name="Rectangle 51"/>
+          <p:cNvSpPr/>
+          <p:nvPr/>
+        </p:nvSpPr>
+        <p:spPr>
+          <a:xfrm>
+            <a:off x="1517104" y="4243111"/>
+            <a:ext cx="1554637" cy="209898"/>
+          </a:xfrm>
+          <a:prstGeom prst="rect">
+            <a:avLst/>
+          </a:prstGeom>
+        </p:spPr>
+        <p:style>
+          <a:lnRef idx="1">
+            <a:schemeClr val="accent2"/>
+          </a:lnRef>
+          <a:fillRef idx="2">
+            <a:schemeClr val="accent2"/>
+          </a:fillRef>
+          <a:effectRef idx="1">
+            <a:schemeClr val="accent2"/>
+          </a:effectRef>
+          <a:fontRef idx="minor">
+            <a:schemeClr val="dk1"/>
+          </a:fontRef>
+        </p:style>
+        <p:txBody>
+          <a:bodyPr rtlCol="0" anchor="ctr"/>
+          <a:lstStyle/>
+          <a:p>
+            <a:pPr algn="ctr"/>
+            <a:r>
+              <a:rPr lang="en-GB" dirty="0" smtClean="0"/>
+              <a:t>Shop</a:t>
+            </a:r>
+            <a:endParaRPr lang="en-GB" dirty="0"/>
+          </a:p>
+        </p:txBody>
+      </p:sp>
+      <p:sp>
+        <p:nvSpPr>
+          <p:cNvPr id="53" name="Rectangle 52"/>
+          <p:cNvSpPr/>
+          <p:nvPr/>
+        </p:nvSpPr>
+        <p:spPr>
+          <a:xfrm>
+            <a:off x="266345" y="1398431"/>
+            <a:ext cx="3657600" cy="2390115"/>
+          </a:xfrm>
+          <a:prstGeom prst="rect">
+            <a:avLst/>
+          </a:prstGeom>
+        </p:spPr>
+        <p:style>
+          <a:lnRef idx="2">
+            <a:schemeClr val="accent1">
+              <a:shade val="50000"/>
+            </a:schemeClr>
+          </a:lnRef>
+          <a:fillRef idx="1">
+            <a:schemeClr val="accent1"/>
+          </a:fillRef>
+          <a:effectRef idx="0">
+            <a:schemeClr val="accent1"/>
+          </a:effectRef>
+          <a:fontRef idx="minor">
+            <a:schemeClr val="lt1"/>
+          </a:fontRef>
+        </p:style>
+        <p:txBody>
+          <a:bodyPr rtlCol="0" anchor="ctr"/>
+          <a:lstStyle/>
+          <a:p>
+            <a:pPr algn="ctr"/>
+            <a:endParaRPr lang="en-GB"/>
+          </a:p>
+        </p:txBody>
+      </p:sp>
+      <p:sp>
+        <p:nvSpPr>
+          <p:cNvPr id="54" name="TextBox 53"/>
+          <p:cNvSpPr txBox="1"/>
+          <p:nvPr/>
+        </p:nvSpPr>
+        <p:spPr>
+          <a:xfrm>
+            <a:off x="347853" y="1463665"/>
+            <a:ext cx="740908" cy="369332"/>
+          </a:xfrm>
+          <a:prstGeom prst="rect">
+            <a:avLst/>
+          </a:prstGeom>
+          <a:noFill/>
+        </p:spPr>
+        <p:txBody>
+          <a:bodyPr wrap="none" rtlCol="0">
+            <a:spAutoFit/>
+          </a:bodyPr>
+          <a:lstStyle/>
+          <a:p>
+            <a:r>
+              <a:rPr lang="en-GB" dirty="0" smtClean="0"/>
+              <a:t>Menu</a:t>
+            </a:r>
+            <a:endParaRPr lang="en-GB" dirty="0"/>
+          </a:p>
+        </p:txBody>
+      </p:sp>
+      <p:sp>
+        <p:nvSpPr>
+          <p:cNvPr id="55" name="Rectangle 54"/>
+          <p:cNvSpPr/>
+          <p:nvPr/>
+        </p:nvSpPr>
+        <p:spPr>
+          <a:xfrm>
+            <a:off x="347854" y="1832997"/>
+            <a:ext cx="1087742" cy="235499"/>
+          </a:xfrm>
+          <a:prstGeom prst="rect">
+            <a:avLst/>
+          </a:prstGeom>
+        </p:spPr>
+        <p:style>
+          <a:lnRef idx="1">
+            <a:schemeClr val="accent2"/>
+          </a:lnRef>
+          <a:fillRef idx="2">
+            <a:schemeClr val="accent2"/>
+          </a:fillRef>
+          <a:effectRef idx="1">
+            <a:schemeClr val="accent2"/>
+          </a:effectRef>
+          <a:fontRef idx="minor">
+            <a:schemeClr val="dk1"/>
+          </a:fontRef>
+        </p:style>
+        <p:txBody>
+          <a:bodyPr rtlCol="0" anchor="ctr"/>
+          <a:lstStyle/>
+          <a:p>
+            <a:pPr algn="ctr"/>
+            <a:r>
+              <a:rPr lang="en-GB" dirty="0" smtClean="0"/>
+              <a:t>Schedule</a:t>
+            </a:r>
+            <a:endParaRPr lang="en-GB" dirty="0"/>
+          </a:p>
+        </p:txBody>
+      </p:sp>
+      <p:sp>
+        <p:nvSpPr>
+          <p:cNvPr id="56" name="Rectangle 55"/>
+          <p:cNvSpPr/>
+          <p:nvPr/>
+        </p:nvSpPr>
+        <p:spPr>
+          <a:xfrm>
+            <a:off x="347854" y="2124533"/>
+            <a:ext cx="1087742" cy="235499"/>
+          </a:xfrm>
+          <a:prstGeom prst="rect">
+            <a:avLst/>
+          </a:prstGeom>
+        </p:spPr>
+        <p:style>
+          <a:lnRef idx="1">
+            <a:schemeClr val="accent2"/>
+          </a:lnRef>
+          <a:fillRef idx="2">
+            <a:schemeClr val="accent2"/>
+          </a:fillRef>
+          <a:effectRef idx="1">
+            <a:schemeClr val="accent2"/>
+          </a:effectRef>
+          <a:fontRef idx="minor">
+            <a:schemeClr val="dk1"/>
+          </a:fontRef>
+        </p:style>
+        <p:txBody>
+          <a:bodyPr rtlCol="0" anchor="ctr"/>
+          <a:lstStyle/>
+          <a:p>
+            <a:pPr algn="ctr"/>
+            <a:r>
+              <a:rPr lang="en-GB" dirty="0" smtClean="0"/>
+              <a:t>Client</a:t>
+            </a:r>
+            <a:endParaRPr lang="en-GB" dirty="0"/>
+          </a:p>
+        </p:txBody>
+      </p:sp>
+      <p:sp>
+        <p:nvSpPr>
+          <p:cNvPr id="57" name="Rectangle 56"/>
+          <p:cNvSpPr/>
+          <p:nvPr/>
+        </p:nvSpPr>
+        <p:spPr>
+          <a:xfrm>
+            <a:off x="347853" y="2401182"/>
+            <a:ext cx="1087742" cy="235499"/>
+          </a:xfrm>
+          <a:prstGeom prst="rect">
+            <a:avLst/>
+          </a:prstGeom>
+        </p:spPr>
+        <p:style>
+          <a:lnRef idx="1">
+            <a:schemeClr val="accent2"/>
+          </a:lnRef>
+          <a:fillRef idx="2">
+            <a:schemeClr val="accent2"/>
+          </a:fillRef>
+          <a:effectRef idx="1">
+            <a:schemeClr val="accent2"/>
+          </a:effectRef>
+          <a:fontRef idx="minor">
+            <a:schemeClr val="dk1"/>
+          </a:fontRef>
+        </p:style>
+        <p:txBody>
+          <a:bodyPr rtlCol="0" anchor="ctr"/>
+          <a:lstStyle/>
+          <a:p>
+            <a:pPr algn="ctr"/>
+            <a:r>
+              <a:rPr lang="en-GB" dirty="0" smtClean="0"/>
+              <a:t>Staff</a:t>
+            </a:r>
+            <a:endParaRPr lang="en-GB" dirty="0"/>
+          </a:p>
+        </p:txBody>
+      </p:sp>
+      <p:sp>
+        <p:nvSpPr>
+          <p:cNvPr id="58" name="Rectangle 57"/>
+          <p:cNvSpPr/>
+          <p:nvPr/>
+        </p:nvSpPr>
+        <p:spPr>
+          <a:xfrm>
+            <a:off x="347853" y="3019348"/>
+            <a:ext cx="1087742" cy="235499"/>
+          </a:xfrm>
+          <a:prstGeom prst="rect">
+            <a:avLst/>
+          </a:prstGeom>
+        </p:spPr>
+        <p:style>
+          <a:lnRef idx="1">
+            <a:schemeClr val="accent2"/>
+          </a:lnRef>
+          <a:fillRef idx="2">
+            <a:schemeClr val="accent2"/>
+          </a:fillRef>
+          <a:effectRef idx="1">
+            <a:schemeClr val="accent2"/>
+          </a:effectRef>
+          <a:fontRef idx="minor">
+            <a:schemeClr val="dk1"/>
+          </a:fontRef>
+        </p:style>
+        <p:txBody>
+          <a:bodyPr rtlCol="0" anchor="ctr"/>
+          <a:lstStyle/>
+          <a:p>
+            <a:pPr algn="ctr"/>
+            <a:r>
+              <a:rPr lang="en-GB" dirty="0" smtClean="0"/>
+              <a:t>Shop</a:t>
+            </a:r>
+            <a:endParaRPr lang="en-GB" dirty="0"/>
+          </a:p>
+        </p:txBody>
+      </p:sp>
+      <p:sp>
+        <p:nvSpPr>
+          <p:cNvPr id="59" name="Rectangle 58"/>
+          <p:cNvSpPr/>
+          <p:nvPr/>
+        </p:nvSpPr>
+        <p:spPr>
+          <a:xfrm>
+            <a:off x="347854" y="3317765"/>
+            <a:ext cx="1087742" cy="235499"/>
+          </a:xfrm>
+          <a:prstGeom prst="rect">
+            <a:avLst/>
+          </a:prstGeom>
+        </p:spPr>
+        <p:style>
+          <a:lnRef idx="1">
+            <a:schemeClr val="accent2"/>
+          </a:lnRef>
+          <a:fillRef idx="2">
+            <a:schemeClr val="accent2"/>
+          </a:fillRef>
+          <a:effectRef idx="1">
+            <a:schemeClr val="accent2"/>
+          </a:effectRef>
+          <a:fontRef idx="minor">
+            <a:schemeClr val="dk1"/>
+          </a:fontRef>
+        </p:style>
+        <p:txBody>
+          <a:bodyPr rtlCol="0" anchor="ctr"/>
+          <a:lstStyle/>
+          <a:p>
+            <a:pPr algn="ctr"/>
+            <a:r>
+              <a:rPr lang="en-GB" dirty="0" smtClean="0"/>
+              <a:t>User</a:t>
+            </a:r>
+            <a:endParaRPr lang="en-GB" dirty="0"/>
+          </a:p>
+        </p:txBody>
+      </p:sp>
+      <p:sp>
+        <p:nvSpPr>
+          <p:cNvPr id="60" name="Rectangle 59"/>
+          <p:cNvSpPr/>
+          <p:nvPr/>
+        </p:nvSpPr>
+        <p:spPr>
+          <a:xfrm>
+            <a:off x="347853" y="2721149"/>
+            <a:ext cx="1087742" cy="235499"/>
+          </a:xfrm>
+          <a:prstGeom prst="rect">
+            <a:avLst/>
+          </a:prstGeom>
+        </p:spPr>
+        <p:style>
+          <a:lnRef idx="1">
+            <a:schemeClr val="accent2"/>
+          </a:lnRef>
+          <a:fillRef idx="2">
+            <a:schemeClr val="accent2"/>
+          </a:fillRef>
+          <a:effectRef idx="1">
+            <a:schemeClr val="accent2"/>
+          </a:effectRef>
+          <a:fontRef idx="minor">
+            <a:schemeClr val="dk1"/>
+          </a:fontRef>
+        </p:style>
+        <p:txBody>
+          <a:bodyPr rtlCol="0" anchor="ctr"/>
+          <a:lstStyle/>
+          <a:p>
+            <a:pPr algn="ctr"/>
+            <a:r>
+              <a:rPr lang="en-GB" dirty="0" smtClean="0"/>
+              <a:t>Service</a:t>
+            </a:r>
+            <a:endParaRPr lang="en-GB" dirty="0"/>
+          </a:p>
+        </p:txBody>
+      </p:sp>
+      <p:sp>
+        <p:nvSpPr>
+          <p:cNvPr id="61" name="Rectangle 60"/>
+          <p:cNvSpPr/>
+          <p:nvPr/>
+        </p:nvSpPr>
+        <p:spPr>
+          <a:xfrm>
+            <a:off x="1517104" y="1832997"/>
+            <a:ext cx="2216504" cy="1720267"/>
+          </a:xfrm>
+          <a:prstGeom prst="rect">
+            <a:avLst/>
+          </a:prstGeom>
+        </p:spPr>
+        <p:style>
+          <a:lnRef idx="1">
+            <a:schemeClr val="accent5"/>
+          </a:lnRef>
+          <a:fillRef idx="2">
+            <a:schemeClr val="accent5"/>
+          </a:fillRef>
+          <a:effectRef idx="1">
+            <a:schemeClr val="accent5"/>
+          </a:effectRef>
+          <a:fontRef idx="minor">
+            <a:schemeClr val="dk1"/>
+          </a:fontRef>
+        </p:style>
+        <p:txBody>
+          <a:bodyPr rtlCol="0" anchor="ctr"/>
+          <a:lstStyle/>
+          <a:p>
+            <a:pPr algn="ctr"/>
+            <a:r>
+              <a:rPr lang="en-US" altLang="zh-CN" dirty="0"/>
+              <a:t>Treatment</a:t>
+            </a:r>
+            <a:r>
+              <a:rPr lang="en-GB" dirty="0" smtClean="0"/>
+              <a:t> </a:t>
+            </a:r>
+            <a:r>
+              <a:rPr lang="en-GB" dirty="0" smtClean="0"/>
+              <a:t>List</a:t>
+            </a:r>
+          </a:p>
+          <a:p>
+            <a:pPr algn="ctr"/>
+            <a:endParaRPr lang="en-GB" dirty="0"/>
+          </a:p>
+          <a:p>
+            <a:pPr algn="ctr"/>
+            <a:endParaRPr lang="en-GB" dirty="0" smtClean="0"/>
+          </a:p>
+          <a:p>
+            <a:pPr algn="ctr"/>
+            <a:endParaRPr lang="en-GB" dirty="0"/>
+          </a:p>
+          <a:p>
+            <a:pPr algn="ctr"/>
+            <a:endParaRPr lang="en-GB" dirty="0" smtClean="0"/>
+          </a:p>
+          <a:p>
+            <a:pPr algn="ctr"/>
+            <a:endParaRPr lang="en-GB" dirty="0"/>
+          </a:p>
+        </p:txBody>
+      </p:sp>
+      <p:sp>
+        <p:nvSpPr>
+          <p:cNvPr id="62" name="Flowchart: Alternate Process 61"/>
+          <p:cNvSpPr/>
+          <p:nvPr/>
+        </p:nvSpPr>
+        <p:spPr>
+          <a:xfrm>
+            <a:off x="1695687" y="2401182"/>
+            <a:ext cx="1907692" cy="1034332"/>
+          </a:xfrm>
+          <a:prstGeom prst="flowChartAlternateProcess">
+            <a:avLst/>
+          </a:prstGeom>
+        </p:spPr>
+        <p:style>
+          <a:lnRef idx="2">
+            <a:schemeClr val="accent1">
+              <a:shade val="50000"/>
+            </a:schemeClr>
+          </a:lnRef>
+          <a:fillRef idx="1">
+            <a:schemeClr val="accent1"/>
+          </a:fillRef>
+          <a:effectRef idx="0">
+            <a:schemeClr val="accent1"/>
+          </a:effectRef>
+          <a:fontRef idx="minor">
+            <a:schemeClr val="lt1"/>
+          </a:fontRef>
+        </p:style>
+        <p:txBody>
+          <a:bodyPr rtlCol="0" anchor="ctr"/>
+          <a:lstStyle/>
+          <a:p>
+            <a:pPr algn="ctr"/>
+            <a:endParaRPr lang="en-GB"/>
+          </a:p>
+        </p:txBody>
+      </p:sp>
+      <p:sp>
+        <p:nvSpPr>
+          <p:cNvPr id="63" name="Rectangle 62"/>
+          <p:cNvSpPr/>
+          <p:nvPr/>
+        </p:nvSpPr>
+        <p:spPr>
+          <a:xfrm>
+            <a:off x="1695686" y="2124533"/>
+            <a:ext cx="1824410" cy="235500"/>
+          </a:xfrm>
+          <a:prstGeom prst="rect">
+            <a:avLst/>
+          </a:prstGeom>
+        </p:spPr>
+        <p:style>
+          <a:lnRef idx="1">
+            <a:schemeClr val="accent2"/>
+          </a:lnRef>
+          <a:fillRef idx="2">
+            <a:schemeClr val="accent2"/>
+          </a:fillRef>
+          <a:effectRef idx="1">
+            <a:schemeClr val="accent2"/>
+          </a:effectRef>
+          <a:fontRef idx="minor">
+            <a:schemeClr val="dk1"/>
+          </a:fontRef>
+        </p:style>
+        <p:txBody>
+          <a:bodyPr rtlCol="0" anchor="ctr"/>
+          <a:lstStyle/>
+          <a:p>
+            <a:pPr algn="ctr"/>
+            <a:r>
+              <a:rPr lang="en-GB" sz="1400" dirty="0" smtClean="0"/>
+              <a:t>Add New </a:t>
+            </a:r>
+            <a:r>
+              <a:rPr lang="en-US" altLang="zh-CN" sz="1400" dirty="0" smtClean="0"/>
+              <a:t>Treatment</a:t>
+            </a:r>
+            <a:endParaRPr lang="en-GB" sz="1400" dirty="0"/>
+          </a:p>
+        </p:txBody>
+      </p:sp>
+      <p:sp>
+        <p:nvSpPr>
+          <p:cNvPr id="64" name="Rectangle 63"/>
+          <p:cNvSpPr/>
+          <p:nvPr/>
+        </p:nvSpPr>
+        <p:spPr>
+          <a:xfrm>
+            <a:off x="2902734" y="2556576"/>
+            <a:ext cx="617362" cy="238023"/>
+          </a:xfrm>
+          <a:prstGeom prst="rect">
+            <a:avLst/>
+          </a:prstGeom>
+        </p:spPr>
+        <p:style>
+          <a:lnRef idx="1">
+            <a:schemeClr val="accent2"/>
+          </a:lnRef>
+          <a:fillRef idx="2">
+            <a:schemeClr val="accent2"/>
+          </a:fillRef>
+          <a:effectRef idx="1">
+            <a:schemeClr val="accent2"/>
+          </a:effectRef>
+          <a:fontRef idx="minor">
+            <a:schemeClr val="dk1"/>
+          </a:fontRef>
+        </p:style>
+        <p:txBody>
+          <a:bodyPr rtlCol="0" anchor="ctr"/>
+          <a:lstStyle/>
+          <a:p>
+            <a:pPr algn="ctr"/>
+            <a:r>
+              <a:rPr lang="en-GB" dirty="0" smtClean="0"/>
+              <a:t>Edit</a:t>
+            </a:r>
+            <a:endParaRPr lang="en-GB" dirty="0"/>
+          </a:p>
+        </p:txBody>
+      </p:sp>
+      <p:grpSp>
+        <p:nvGrpSpPr>
+          <p:cNvPr id="82" name="Group 81"/>
+          <p:cNvGrpSpPr/>
+          <p:nvPr/>
+        </p:nvGrpSpPr>
+        <p:grpSpPr>
+          <a:xfrm>
+            <a:off x="4145049" y="1398430"/>
+            <a:ext cx="3657600" cy="2390115"/>
+            <a:chOff x="4102527" y="1361518"/>
+            <a:chExt cx="3657600" cy="2390115"/>
+          </a:xfrm>
+        </p:grpSpPr>
+        <p:sp>
+          <p:nvSpPr>
+            <p:cNvPr id="74" name="Rectangle 73"/>
+            <p:cNvSpPr/>
+            <p:nvPr/>
+          </p:nvSpPr>
+          <p:spPr>
+            <a:xfrm>
+              <a:off x="4102527" y="1361518"/>
+              <a:ext cx="3657600" cy="2390115"/>
+            </a:xfrm>
+            <a:prstGeom prst="rect">
+              <a:avLst/>
+            </a:prstGeom>
+          </p:spPr>
+          <p:style>
+            <a:lnRef idx="2">
+              <a:schemeClr val="accent1">
+                <a:shade val="50000"/>
+              </a:schemeClr>
+            </a:lnRef>
+            <a:fillRef idx="1">
+              <a:schemeClr val="accent1"/>
+            </a:fillRef>
+            <a:effectRef idx="0">
+              <a:schemeClr val="accent1"/>
+            </a:effectRef>
+            <a:fontRef idx="minor">
+              <a:schemeClr val="lt1"/>
+            </a:fontRef>
+          </p:style>
+          <p:txBody>
+            <a:bodyPr rtlCol="0" anchor="ctr"/>
+            <a:lstStyle/>
+            <a:p>
+              <a:pPr algn="ctr"/>
+              <a:endParaRPr lang="en-GB"/>
+            </a:p>
+          </p:txBody>
+        </p:sp>
+        <p:sp>
+          <p:nvSpPr>
+            <p:cNvPr id="75" name="TextBox 74"/>
+            <p:cNvSpPr txBox="1"/>
+            <p:nvPr/>
+          </p:nvSpPr>
+          <p:spPr>
+            <a:xfrm>
+              <a:off x="4219261" y="1421691"/>
+              <a:ext cx="1586588" cy="369332"/>
+            </a:xfrm>
+            <a:prstGeom prst="rect">
+              <a:avLst/>
+            </a:prstGeom>
+            <a:noFill/>
+          </p:spPr>
+          <p:txBody>
+            <a:bodyPr wrap="none" rtlCol="0">
+              <a:spAutoFit/>
+            </a:bodyPr>
+            <a:lstStyle/>
+            <a:p>
+              <a:r>
+                <a:rPr lang="en-GB" dirty="0" smtClean="0"/>
+                <a:t>Add </a:t>
+              </a:r>
+              <a:r>
+                <a:rPr lang="en-US" altLang="zh-CN" dirty="0"/>
+                <a:t>Treatment</a:t>
+              </a:r>
+              <a:endParaRPr lang="en-GB" dirty="0"/>
+            </a:p>
+          </p:txBody>
+        </p:sp>
+        <p:sp>
+          <p:nvSpPr>
+            <p:cNvPr id="76" name="Rectangle 75"/>
+            <p:cNvSpPr/>
+            <p:nvPr/>
+          </p:nvSpPr>
+          <p:spPr>
+            <a:xfrm>
+              <a:off x="4845242" y="2215026"/>
+              <a:ext cx="2163779" cy="325925"/>
+            </a:xfrm>
+            <a:prstGeom prst="rect">
+              <a:avLst/>
+            </a:prstGeom>
+          </p:spPr>
+          <p:style>
+            <a:lnRef idx="2">
+              <a:schemeClr val="accent6">
+                <a:shade val="50000"/>
+              </a:schemeClr>
+            </a:lnRef>
+            <a:fillRef idx="1">
+              <a:schemeClr val="accent6"/>
+            </a:fillRef>
+            <a:effectRef idx="0">
+              <a:schemeClr val="accent6"/>
+            </a:effectRef>
+            <a:fontRef idx="minor">
+              <a:schemeClr val="lt1"/>
+            </a:fontRef>
+          </p:style>
+          <p:txBody>
+            <a:bodyPr rtlCol="0" anchor="ctr"/>
+            <a:lstStyle/>
+            <a:p>
+              <a:pPr algn="ctr"/>
+              <a:r>
+                <a:rPr lang="en-GB" dirty="0" smtClean="0"/>
+                <a:t>Description</a:t>
+              </a:r>
+              <a:endParaRPr lang="en-GB" dirty="0"/>
+            </a:p>
+          </p:txBody>
+        </p:sp>
+        <p:sp>
+          <p:nvSpPr>
+            <p:cNvPr id="77" name="Rectangle 76"/>
+            <p:cNvSpPr/>
+            <p:nvPr/>
+          </p:nvSpPr>
+          <p:spPr>
+            <a:xfrm>
+              <a:off x="4845243" y="1851196"/>
+              <a:ext cx="2163779" cy="325925"/>
+            </a:xfrm>
+            <a:prstGeom prst="rect">
+              <a:avLst/>
+            </a:prstGeom>
+          </p:spPr>
+          <p:style>
+            <a:lnRef idx="2">
+              <a:schemeClr val="accent6">
+                <a:shade val="50000"/>
+              </a:schemeClr>
+            </a:lnRef>
+            <a:fillRef idx="1">
+              <a:schemeClr val="accent6"/>
+            </a:fillRef>
+            <a:effectRef idx="0">
+              <a:schemeClr val="accent6"/>
+            </a:effectRef>
+            <a:fontRef idx="minor">
+              <a:schemeClr val="lt1"/>
+            </a:fontRef>
+          </p:style>
+          <p:txBody>
+            <a:bodyPr rtlCol="0" anchor="ctr"/>
+            <a:lstStyle/>
+            <a:p>
+              <a:pPr algn="ctr"/>
+              <a:r>
+                <a:rPr lang="en-US" altLang="zh-CN" dirty="0"/>
+                <a:t>Treatment</a:t>
+              </a:r>
+              <a:r>
+                <a:rPr lang="en-GB" dirty="0" smtClean="0"/>
+                <a:t> </a:t>
+              </a:r>
+              <a:r>
+                <a:rPr lang="en-GB" dirty="0" smtClean="0"/>
+                <a:t>name</a:t>
+              </a:r>
+              <a:endParaRPr lang="en-GB" dirty="0"/>
+            </a:p>
+          </p:txBody>
+        </p:sp>
+        <p:sp>
+          <p:nvSpPr>
+            <p:cNvPr id="78" name="Rectangle 77"/>
+            <p:cNvSpPr/>
+            <p:nvPr/>
+          </p:nvSpPr>
+          <p:spPr>
+            <a:xfrm>
+              <a:off x="4845242" y="2604675"/>
+              <a:ext cx="2163779" cy="325925"/>
+            </a:xfrm>
+            <a:prstGeom prst="rect">
+              <a:avLst/>
+            </a:prstGeom>
+          </p:spPr>
+          <p:style>
+            <a:lnRef idx="2">
+              <a:schemeClr val="accent6">
+                <a:shade val="50000"/>
+              </a:schemeClr>
+            </a:lnRef>
+            <a:fillRef idx="1">
+              <a:schemeClr val="accent6"/>
+            </a:fillRef>
+            <a:effectRef idx="0">
+              <a:schemeClr val="accent6"/>
+            </a:effectRef>
+            <a:fontRef idx="minor">
+              <a:schemeClr val="lt1"/>
+            </a:fontRef>
+          </p:style>
+          <p:txBody>
+            <a:bodyPr rtlCol="0" anchor="ctr"/>
+            <a:lstStyle/>
+            <a:p>
+              <a:pPr algn="ctr"/>
+              <a:r>
+                <a:rPr lang="en-GB" dirty="0" smtClean="0"/>
+                <a:t>Time Duration</a:t>
+              </a:r>
+              <a:endParaRPr lang="en-GB" dirty="0"/>
+            </a:p>
+          </p:txBody>
+        </p:sp>
+        <p:sp>
+          <p:nvSpPr>
+            <p:cNvPr id="79" name="Rectangle 78"/>
+            <p:cNvSpPr/>
+            <p:nvPr/>
+          </p:nvSpPr>
+          <p:spPr>
+            <a:xfrm>
+              <a:off x="6145830" y="3365773"/>
+              <a:ext cx="863192" cy="192704"/>
+            </a:xfrm>
+            <a:prstGeom prst="rect">
+              <a:avLst/>
+            </a:prstGeom>
+          </p:spPr>
+          <p:style>
+            <a:lnRef idx="1">
+              <a:schemeClr val="accent2"/>
+            </a:lnRef>
+            <a:fillRef idx="2">
+              <a:schemeClr val="accent2"/>
+            </a:fillRef>
+            <a:effectRef idx="1">
+              <a:schemeClr val="accent2"/>
+            </a:effectRef>
+            <a:fontRef idx="minor">
+              <a:schemeClr val="dk1"/>
+            </a:fontRef>
+          </p:style>
+          <p:txBody>
+            <a:bodyPr rtlCol="0" anchor="ctr"/>
+            <a:lstStyle/>
+            <a:p>
+              <a:pPr algn="ctr"/>
+              <a:r>
+                <a:rPr lang="en-GB" dirty="0" smtClean="0"/>
+                <a:t>Create</a:t>
+              </a:r>
+              <a:endParaRPr lang="en-GB" dirty="0"/>
+            </a:p>
+          </p:txBody>
+        </p:sp>
+        <p:sp>
+          <p:nvSpPr>
+            <p:cNvPr id="80" name="Rectangle 79"/>
+            <p:cNvSpPr/>
+            <p:nvPr/>
+          </p:nvSpPr>
+          <p:spPr>
+            <a:xfrm>
+              <a:off x="4878836" y="3365773"/>
+              <a:ext cx="863192" cy="192704"/>
+            </a:xfrm>
+            <a:prstGeom prst="rect">
+              <a:avLst/>
+            </a:prstGeom>
+          </p:spPr>
+          <p:style>
+            <a:lnRef idx="1">
+              <a:schemeClr val="accent2"/>
+            </a:lnRef>
+            <a:fillRef idx="2">
+              <a:schemeClr val="accent2"/>
+            </a:fillRef>
+            <a:effectRef idx="1">
+              <a:schemeClr val="accent2"/>
+            </a:effectRef>
+            <a:fontRef idx="minor">
+              <a:schemeClr val="dk1"/>
+            </a:fontRef>
+          </p:style>
+          <p:txBody>
+            <a:bodyPr rtlCol="0" anchor="ctr"/>
+            <a:lstStyle/>
+            <a:p>
+              <a:pPr algn="ctr"/>
+              <a:r>
+                <a:rPr lang="en-GB" dirty="0" smtClean="0"/>
+                <a:t>Cancel</a:t>
+              </a:r>
+              <a:endParaRPr lang="en-GB" dirty="0"/>
+            </a:p>
+          </p:txBody>
+        </p:sp>
+      </p:grpSp>
+      <p:sp>
+        <p:nvSpPr>
+          <p:cNvPr id="83" name="Rectangle 82"/>
+          <p:cNvSpPr/>
+          <p:nvPr/>
+        </p:nvSpPr>
+        <p:spPr>
+          <a:xfrm>
+            <a:off x="8057273" y="1398430"/>
+            <a:ext cx="3657600" cy="2390115"/>
+          </a:xfrm>
+          <a:prstGeom prst="rect">
+            <a:avLst/>
+          </a:prstGeom>
+        </p:spPr>
+        <p:style>
+          <a:lnRef idx="2">
+            <a:schemeClr val="accent1">
+              <a:shade val="50000"/>
+            </a:schemeClr>
+          </a:lnRef>
+          <a:fillRef idx="1">
+            <a:schemeClr val="accent1"/>
+          </a:fillRef>
+          <a:effectRef idx="0">
+            <a:schemeClr val="accent1"/>
+          </a:effectRef>
+          <a:fontRef idx="minor">
+            <a:schemeClr val="lt1"/>
+          </a:fontRef>
+        </p:style>
+        <p:txBody>
+          <a:bodyPr rtlCol="0" anchor="ctr"/>
+          <a:lstStyle/>
+          <a:p>
+            <a:pPr algn="ctr"/>
+            <a:endParaRPr lang="en-GB"/>
+          </a:p>
+        </p:txBody>
+      </p:sp>
+      <p:sp>
+        <p:nvSpPr>
+          <p:cNvPr id="84" name="TextBox 83"/>
+          <p:cNvSpPr txBox="1"/>
+          <p:nvPr/>
+        </p:nvSpPr>
+        <p:spPr>
+          <a:xfrm>
+            <a:off x="8174007" y="1458603"/>
+            <a:ext cx="1570366" cy="369332"/>
+          </a:xfrm>
+          <a:prstGeom prst="rect">
+            <a:avLst/>
+          </a:prstGeom>
+          <a:noFill/>
+        </p:spPr>
+        <p:txBody>
+          <a:bodyPr wrap="none" rtlCol="0">
+            <a:spAutoFit/>
+          </a:bodyPr>
+          <a:lstStyle/>
+          <a:p>
+            <a:r>
+              <a:rPr lang="en-GB" dirty="0" smtClean="0"/>
+              <a:t>Edit</a:t>
+            </a:r>
+            <a:r>
+              <a:rPr lang="en-GB" dirty="0" smtClean="0"/>
+              <a:t> </a:t>
+            </a:r>
+            <a:r>
+              <a:rPr lang="en-US" altLang="zh-CN" dirty="0"/>
+              <a:t>Treatment</a:t>
+            </a:r>
+            <a:endParaRPr lang="en-GB" dirty="0"/>
+          </a:p>
+        </p:txBody>
+      </p:sp>
+      <p:sp>
+        <p:nvSpPr>
+          <p:cNvPr id="85" name="Rectangle 84"/>
+          <p:cNvSpPr/>
+          <p:nvPr/>
+        </p:nvSpPr>
+        <p:spPr>
+          <a:xfrm>
+            <a:off x="8799988" y="2569438"/>
+            <a:ext cx="2163779" cy="325925"/>
+          </a:xfrm>
+          <a:prstGeom prst="rect">
+            <a:avLst/>
+          </a:prstGeom>
+        </p:spPr>
+        <p:style>
+          <a:lnRef idx="2">
+            <a:schemeClr val="accent6">
+              <a:shade val="50000"/>
+            </a:schemeClr>
+          </a:lnRef>
+          <a:fillRef idx="1">
+            <a:schemeClr val="accent6"/>
+          </a:fillRef>
+          <a:effectRef idx="0">
+            <a:schemeClr val="accent6"/>
+          </a:effectRef>
+          <a:fontRef idx="minor">
+            <a:schemeClr val="lt1"/>
+          </a:fontRef>
+        </p:style>
+        <p:txBody>
+          <a:bodyPr rtlCol="0" anchor="ctr"/>
+          <a:lstStyle/>
+          <a:p>
+            <a:pPr algn="ctr"/>
+            <a:r>
+              <a:rPr lang="en-GB" dirty="0" smtClean="0"/>
+              <a:t>Description</a:t>
+            </a:r>
+            <a:endParaRPr lang="en-GB" dirty="0"/>
+          </a:p>
+        </p:txBody>
+      </p:sp>
+      <p:sp>
+        <p:nvSpPr>
+          <p:cNvPr id="86" name="Rectangle 85"/>
+          <p:cNvSpPr/>
+          <p:nvPr/>
+        </p:nvSpPr>
+        <p:spPr>
+          <a:xfrm>
+            <a:off x="8799989" y="2205608"/>
+            <a:ext cx="2163779" cy="325925"/>
+          </a:xfrm>
+          <a:prstGeom prst="rect">
+            <a:avLst/>
+          </a:prstGeom>
+        </p:spPr>
+        <p:style>
+          <a:lnRef idx="2">
+            <a:schemeClr val="accent6">
+              <a:shade val="50000"/>
+            </a:schemeClr>
+          </a:lnRef>
+          <a:fillRef idx="1">
+            <a:schemeClr val="accent6"/>
+          </a:fillRef>
+          <a:effectRef idx="0">
+            <a:schemeClr val="accent6"/>
+          </a:effectRef>
+          <a:fontRef idx="minor">
+            <a:schemeClr val="lt1"/>
+          </a:fontRef>
+        </p:style>
+        <p:txBody>
+          <a:bodyPr rtlCol="0" anchor="ctr"/>
+          <a:lstStyle/>
+          <a:p>
+            <a:pPr algn="ctr"/>
+            <a:r>
+              <a:rPr lang="en-US" altLang="zh-CN" dirty="0"/>
+              <a:t>Treatment</a:t>
+            </a:r>
+            <a:r>
+              <a:rPr lang="en-GB" dirty="0" smtClean="0"/>
+              <a:t> </a:t>
+            </a:r>
+            <a:r>
+              <a:rPr lang="en-GB" dirty="0" smtClean="0"/>
+              <a:t>name</a:t>
+            </a:r>
+            <a:endParaRPr lang="en-GB" dirty="0"/>
+          </a:p>
+        </p:txBody>
+      </p:sp>
+      <p:sp>
+        <p:nvSpPr>
+          <p:cNvPr id="87" name="Rectangle 86"/>
+          <p:cNvSpPr/>
+          <p:nvPr/>
+        </p:nvSpPr>
+        <p:spPr>
+          <a:xfrm>
+            <a:off x="8799988" y="2959087"/>
+            <a:ext cx="2163779" cy="325925"/>
+          </a:xfrm>
+          <a:prstGeom prst="rect">
+            <a:avLst/>
+          </a:prstGeom>
+        </p:spPr>
+        <p:style>
+          <a:lnRef idx="2">
+            <a:schemeClr val="accent6">
+              <a:shade val="50000"/>
+            </a:schemeClr>
+          </a:lnRef>
+          <a:fillRef idx="1">
+            <a:schemeClr val="accent6"/>
+          </a:fillRef>
+          <a:effectRef idx="0">
+            <a:schemeClr val="accent6"/>
+          </a:effectRef>
+          <a:fontRef idx="minor">
+            <a:schemeClr val="lt1"/>
+          </a:fontRef>
+        </p:style>
+        <p:txBody>
+          <a:bodyPr rtlCol="0" anchor="ctr"/>
+          <a:lstStyle/>
+          <a:p>
+            <a:pPr algn="ctr"/>
+            <a:r>
+              <a:rPr lang="en-GB" dirty="0" smtClean="0"/>
+              <a:t>Time Duration</a:t>
+            </a:r>
+            <a:endParaRPr lang="en-GB" dirty="0"/>
+          </a:p>
+        </p:txBody>
+      </p:sp>
+      <p:sp>
+        <p:nvSpPr>
+          <p:cNvPr id="88" name="Rectangle 87"/>
+          <p:cNvSpPr/>
+          <p:nvPr/>
+        </p:nvSpPr>
+        <p:spPr>
+          <a:xfrm>
+            <a:off x="9982694" y="3402685"/>
+            <a:ext cx="981074" cy="192704"/>
+          </a:xfrm>
+          <a:prstGeom prst="rect">
+            <a:avLst/>
+          </a:prstGeom>
+        </p:spPr>
+        <p:style>
+          <a:lnRef idx="1">
+            <a:schemeClr val="accent2"/>
+          </a:lnRef>
+          <a:fillRef idx="2">
+            <a:schemeClr val="accent2"/>
+          </a:fillRef>
+          <a:effectRef idx="1">
+            <a:schemeClr val="accent2"/>
+          </a:effectRef>
+          <a:fontRef idx="minor">
+            <a:schemeClr val="dk1"/>
+          </a:fontRef>
+        </p:style>
+        <p:txBody>
+          <a:bodyPr rtlCol="0" anchor="ctr"/>
+          <a:lstStyle/>
+          <a:p>
+            <a:pPr algn="ctr"/>
+            <a:r>
+              <a:rPr lang="en-GB" dirty="0" smtClean="0"/>
+              <a:t>Update</a:t>
+            </a:r>
+            <a:endParaRPr lang="en-GB" dirty="0"/>
+          </a:p>
+        </p:txBody>
+      </p:sp>
+      <p:sp>
+        <p:nvSpPr>
+          <p:cNvPr id="89" name="Rectangle 88"/>
+          <p:cNvSpPr/>
+          <p:nvPr/>
+        </p:nvSpPr>
+        <p:spPr>
+          <a:xfrm>
+            <a:off x="8864878" y="3403928"/>
+            <a:ext cx="863192" cy="192704"/>
+          </a:xfrm>
+          <a:prstGeom prst="rect">
+            <a:avLst/>
+          </a:prstGeom>
+        </p:spPr>
+        <p:style>
+          <a:lnRef idx="1">
+            <a:schemeClr val="accent2"/>
+          </a:lnRef>
+          <a:fillRef idx="2">
+            <a:schemeClr val="accent2"/>
+          </a:fillRef>
+          <a:effectRef idx="1">
+            <a:schemeClr val="accent2"/>
+          </a:effectRef>
+          <a:fontRef idx="minor">
+            <a:schemeClr val="dk1"/>
+          </a:fontRef>
+        </p:style>
+        <p:txBody>
+          <a:bodyPr rtlCol="0" anchor="ctr"/>
+          <a:lstStyle/>
+          <a:p>
+            <a:pPr algn="ctr"/>
+            <a:r>
+              <a:rPr lang="en-GB" dirty="0" smtClean="0"/>
+              <a:t>Cancel</a:t>
+            </a:r>
+            <a:endParaRPr lang="en-GB" dirty="0"/>
+          </a:p>
+        </p:txBody>
+      </p:sp>
+      <p:sp>
+        <p:nvSpPr>
+          <p:cNvPr id="90" name="TextBox 89"/>
+          <p:cNvSpPr txBox="1"/>
+          <p:nvPr/>
+        </p:nvSpPr>
+        <p:spPr>
+          <a:xfrm>
+            <a:off x="8799988" y="1795081"/>
+            <a:ext cx="1389419" cy="369332"/>
+          </a:xfrm>
+          <a:prstGeom prst="rect">
+            <a:avLst/>
+          </a:prstGeom>
+          <a:noFill/>
+        </p:spPr>
+        <p:txBody>
+          <a:bodyPr wrap="none" rtlCol="0">
+            <a:spAutoFit/>
+          </a:bodyPr>
+          <a:lstStyle/>
+          <a:p>
+            <a:r>
+              <a:rPr lang="en-GB" dirty="0" smtClean="0"/>
+              <a:t>Treatment Id</a:t>
+            </a:r>
+            <a:endParaRPr lang="en-GB" dirty="0"/>
+          </a:p>
+        </p:txBody>
+      </p:sp>
+      <p:sp>
+        <p:nvSpPr>
+          <p:cNvPr id="91" name="Rectangle 90"/>
+          <p:cNvSpPr/>
+          <p:nvPr/>
+        </p:nvSpPr>
+        <p:spPr>
+          <a:xfrm>
+            <a:off x="4161951" y="4129088"/>
+            <a:ext cx="3657600" cy="2390115"/>
+          </a:xfrm>
+          <a:prstGeom prst="rect">
+            <a:avLst/>
+          </a:prstGeom>
+        </p:spPr>
+        <p:style>
+          <a:lnRef idx="2">
+            <a:schemeClr val="accent1">
+              <a:shade val="50000"/>
+            </a:schemeClr>
+          </a:lnRef>
+          <a:fillRef idx="1">
+            <a:schemeClr val="accent1"/>
+          </a:fillRef>
+          <a:effectRef idx="0">
+            <a:schemeClr val="accent1"/>
+          </a:effectRef>
+          <a:fontRef idx="minor">
+            <a:schemeClr val="lt1"/>
+          </a:fontRef>
+        </p:style>
+        <p:txBody>
+          <a:bodyPr rtlCol="0" anchor="ctr"/>
+          <a:lstStyle/>
+          <a:p>
+            <a:pPr algn="ctr"/>
+            <a:endParaRPr lang="en-GB"/>
+          </a:p>
+        </p:txBody>
+      </p:sp>
+      <p:sp>
+        <p:nvSpPr>
+          <p:cNvPr id="92" name="TextBox 91"/>
+          <p:cNvSpPr txBox="1"/>
+          <p:nvPr/>
+        </p:nvSpPr>
+        <p:spPr>
+          <a:xfrm>
+            <a:off x="4243459" y="4194322"/>
+            <a:ext cx="740908" cy="369332"/>
+          </a:xfrm>
+          <a:prstGeom prst="rect">
+            <a:avLst/>
+          </a:prstGeom>
+          <a:noFill/>
+        </p:spPr>
+        <p:txBody>
+          <a:bodyPr wrap="none" rtlCol="0">
+            <a:spAutoFit/>
+          </a:bodyPr>
+          <a:lstStyle/>
+          <a:p>
+            <a:r>
+              <a:rPr lang="en-GB" dirty="0" smtClean="0"/>
+              <a:t>Menu</a:t>
+            </a:r>
+            <a:endParaRPr lang="en-GB" dirty="0"/>
+          </a:p>
+        </p:txBody>
+      </p:sp>
+      <p:sp>
+        <p:nvSpPr>
+          <p:cNvPr id="93" name="Rectangle 92"/>
+          <p:cNvSpPr/>
+          <p:nvPr/>
+        </p:nvSpPr>
+        <p:spPr>
+          <a:xfrm>
+            <a:off x="4243460" y="4563654"/>
+            <a:ext cx="1087742" cy="235499"/>
+          </a:xfrm>
+          <a:prstGeom prst="rect">
+            <a:avLst/>
+          </a:prstGeom>
+        </p:spPr>
+        <p:style>
+          <a:lnRef idx="1">
+            <a:schemeClr val="accent2"/>
+          </a:lnRef>
+          <a:fillRef idx="2">
+            <a:schemeClr val="accent2"/>
+          </a:fillRef>
+          <a:effectRef idx="1">
+            <a:schemeClr val="accent2"/>
+          </a:effectRef>
+          <a:fontRef idx="minor">
+            <a:schemeClr val="dk1"/>
+          </a:fontRef>
+        </p:style>
+        <p:txBody>
+          <a:bodyPr rtlCol="0" anchor="ctr"/>
+          <a:lstStyle/>
+          <a:p>
+            <a:pPr algn="ctr"/>
+            <a:r>
+              <a:rPr lang="en-GB" dirty="0" smtClean="0"/>
+              <a:t>Schedule</a:t>
+            </a:r>
+            <a:endParaRPr lang="en-GB" dirty="0"/>
+          </a:p>
+        </p:txBody>
+      </p:sp>
+      <p:sp>
+        <p:nvSpPr>
+          <p:cNvPr id="94" name="Rectangle 93"/>
+          <p:cNvSpPr/>
+          <p:nvPr/>
+        </p:nvSpPr>
+        <p:spPr>
+          <a:xfrm>
+            <a:off x="4243460" y="4855190"/>
+            <a:ext cx="1087742" cy="235499"/>
+          </a:xfrm>
+          <a:prstGeom prst="rect">
+            <a:avLst/>
+          </a:prstGeom>
+        </p:spPr>
+        <p:style>
+          <a:lnRef idx="1">
+            <a:schemeClr val="accent2"/>
+          </a:lnRef>
+          <a:fillRef idx="2">
+            <a:schemeClr val="accent2"/>
+          </a:fillRef>
+          <a:effectRef idx="1">
+            <a:schemeClr val="accent2"/>
+          </a:effectRef>
+          <a:fontRef idx="minor">
+            <a:schemeClr val="dk1"/>
+          </a:fontRef>
+        </p:style>
+        <p:txBody>
+          <a:bodyPr rtlCol="0" anchor="ctr"/>
+          <a:lstStyle/>
+          <a:p>
+            <a:pPr algn="ctr"/>
+            <a:r>
+              <a:rPr lang="en-GB" dirty="0" smtClean="0"/>
+              <a:t>Client</a:t>
+            </a:r>
+            <a:endParaRPr lang="en-GB" dirty="0"/>
+          </a:p>
+        </p:txBody>
+      </p:sp>
+      <p:sp>
+        <p:nvSpPr>
+          <p:cNvPr id="95" name="Rectangle 94"/>
+          <p:cNvSpPr/>
+          <p:nvPr/>
+        </p:nvSpPr>
+        <p:spPr>
+          <a:xfrm>
+            <a:off x="4243459" y="5131839"/>
+            <a:ext cx="1087742" cy="235499"/>
+          </a:xfrm>
+          <a:prstGeom prst="rect">
+            <a:avLst/>
+          </a:prstGeom>
+        </p:spPr>
+        <p:style>
+          <a:lnRef idx="1">
+            <a:schemeClr val="accent2"/>
+          </a:lnRef>
+          <a:fillRef idx="2">
+            <a:schemeClr val="accent2"/>
+          </a:fillRef>
+          <a:effectRef idx="1">
+            <a:schemeClr val="accent2"/>
+          </a:effectRef>
+          <a:fontRef idx="minor">
+            <a:schemeClr val="dk1"/>
+          </a:fontRef>
+        </p:style>
+        <p:txBody>
+          <a:bodyPr rtlCol="0" anchor="ctr"/>
+          <a:lstStyle/>
+          <a:p>
+            <a:pPr algn="ctr"/>
+            <a:r>
+              <a:rPr lang="en-GB" dirty="0" smtClean="0"/>
+              <a:t>Staff</a:t>
+            </a:r>
+            <a:endParaRPr lang="en-GB" dirty="0"/>
+          </a:p>
+        </p:txBody>
+      </p:sp>
+      <p:sp>
+        <p:nvSpPr>
+          <p:cNvPr id="96" name="Rectangle 95"/>
+          <p:cNvSpPr/>
+          <p:nvPr/>
+        </p:nvSpPr>
+        <p:spPr>
+          <a:xfrm>
+            <a:off x="4243459" y="5750005"/>
+            <a:ext cx="1087742" cy="235499"/>
+          </a:xfrm>
+          <a:prstGeom prst="rect">
+            <a:avLst/>
+          </a:prstGeom>
+        </p:spPr>
+        <p:style>
+          <a:lnRef idx="1">
+            <a:schemeClr val="accent2"/>
+          </a:lnRef>
+          <a:fillRef idx="2">
+            <a:schemeClr val="accent2"/>
+          </a:fillRef>
+          <a:effectRef idx="1">
+            <a:schemeClr val="accent2"/>
+          </a:effectRef>
+          <a:fontRef idx="minor">
+            <a:schemeClr val="dk1"/>
+          </a:fontRef>
+        </p:style>
+        <p:txBody>
+          <a:bodyPr rtlCol="0" anchor="ctr"/>
+          <a:lstStyle/>
+          <a:p>
+            <a:pPr algn="ctr"/>
+            <a:r>
+              <a:rPr lang="en-GB" dirty="0" smtClean="0"/>
+              <a:t>Shop</a:t>
+            </a:r>
+            <a:endParaRPr lang="en-GB" dirty="0"/>
+          </a:p>
+        </p:txBody>
+      </p:sp>
+      <p:sp>
+        <p:nvSpPr>
+          <p:cNvPr id="97" name="Rectangle 96"/>
+          <p:cNvSpPr/>
+          <p:nvPr/>
+        </p:nvSpPr>
+        <p:spPr>
+          <a:xfrm>
+            <a:off x="4243460" y="6048422"/>
+            <a:ext cx="1087742" cy="235499"/>
+          </a:xfrm>
+          <a:prstGeom prst="rect">
+            <a:avLst/>
+          </a:prstGeom>
+        </p:spPr>
+        <p:style>
+          <a:lnRef idx="1">
+            <a:schemeClr val="accent2"/>
+          </a:lnRef>
+          <a:fillRef idx="2">
+            <a:schemeClr val="accent2"/>
+          </a:fillRef>
+          <a:effectRef idx="1">
+            <a:schemeClr val="accent2"/>
+          </a:effectRef>
+          <a:fontRef idx="minor">
+            <a:schemeClr val="dk1"/>
+          </a:fontRef>
+        </p:style>
+        <p:txBody>
+          <a:bodyPr rtlCol="0" anchor="ctr"/>
+          <a:lstStyle/>
+          <a:p>
+            <a:pPr algn="ctr"/>
+            <a:r>
+              <a:rPr lang="en-GB" dirty="0" smtClean="0"/>
+              <a:t>User</a:t>
+            </a:r>
+            <a:endParaRPr lang="en-GB" dirty="0"/>
+          </a:p>
+        </p:txBody>
+      </p:sp>
+      <p:sp>
+        <p:nvSpPr>
+          <p:cNvPr id="98" name="Rectangle 97"/>
+          <p:cNvSpPr/>
+          <p:nvPr/>
+        </p:nvSpPr>
+        <p:spPr>
+          <a:xfrm>
+            <a:off x="4243459" y="5451806"/>
+            <a:ext cx="1087742" cy="235499"/>
+          </a:xfrm>
+          <a:prstGeom prst="rect">
+            <a:avLst/>
+          </a:prstGeom>
+        </p:spPr>
+        <p:style>
+          <a:lnRef idx="1">
+            <a:schemeClr val="accent2"/>
+          </a:lnRef>
+          <a:fillRef idx="2">
+            <a:schemeClr val="accent2"/>
+          </a:fillRef>
+          <a:effectRef idx="1">
+            <a:schemeClr val="accent2"/>
+          </a:effectRef>
+          <a:fontRef idx="minor">
+            <a:schemeClr val="dk1"/>
+          </a:fontRef>
+        </p:style>
+        <p:txBody>
+          <a:bodyPr rtlCol="0" anchor="ctr"/>
+          <a:lstStyle/>
+          <a:p>
+            <a:pPr algn="ctr"/>
+            <a:r>
+              <a:rPr lang="en-GB" dirty="0" smtClean="0"/>
+              <a:t>Service</a:t>
+            </a:r>
+            <a:endParaRPr lang="en-GB" dirty="0"/>
+          </a:p>
+        </p:txBody>
+      </p:sp>
+      <p:sp>
+        <p:nvSpPr>
+          <p:cNvPr id="99" name="Rectangle 98"/>
+          <p:cNvSpPr/>
+          <p:nvPr/>
+        </p:nvSpPr>
+        <p:spPr>
+          <a:xfrm>
+            <a:off x="5412710" y="4563654"/>
+            <a:ext cx="2216504" cy="1720267"/>
+          </a:xfrm>
+          <a:prstGeom prst="rect">
+            <a:avLst/>
+          </a:prstGeom>
+        </p:spPr>
+        <p:style>
+          <a:lnRef idx="1">
+            <a:schemeClr val="accent5"/>
+          </a:lnRef>
+          <a:fillRef idx="2">
+            <a:schemeClr val="accent5"/>
+          </a:fillRef>
+          <a:effectRef idx="1">
+            <a:schemeClr val="accent5"/>
+          </a:effectRef>
+          <a:fontRef idx="minor">
+            <a:schemeClr val="dk1"/>
+          </a:fontRef>
+        </p:style>
+        <p:txBody>
+          <a:bodyPr rtlCol="0" anchor="ctr"/>
+          <a:lstStyle/>
+          <a:p>
+            <a:pPr algn="ctr"/>
+            <a:r>
+              <a:rPr lang="en-US" altLang="zh-CN" dirty="0" smtClean="0"/>
+              <a:t>Treatment</a:t>
+            </a:r>
+            <a:r>
+              <a:rPr lang="en-GB" dirty="0" smtClean="0"/>
+              <a:t> </a:t>
+            </a:r>
+            <a:r>
+              <a:rPr lang="en-GB" dirty="0" smtClean="0"/>
+              <a:t>List</a:t>
+            </a:r>
+          </a:p>
+          <a:p>
+            <a:pPr algn="ctr"/>
+            <a:endParaRPr lang="en-GB" dirty="0"/>
+          </a:p>
+          <a:p>
+            <a:pPr algn="ctr"/>
+            <a:endParaRPr lang="en-GB" dirty="0" smtClean="0"/>
+          </a:p>
+          <a:p>
+            <a:pPr algn="ctr"/>
+            <a:endParaRPr lang="en-GB" dirty="0"/>
+          </a:p>
+          <a:p>
+            <a:pPr algn="ctr"/>
+            <a:endParaRPr lang="en-GB" dirty="0" smtClean="0"/>
+          </a:p>
+          <a:p>
+            <a:pPr algn="ctr"/>
+            <a:endParaRPr lang="en-GB" dirty="0"/>
+          </a:p>
+        </p:txBody>
+      </p:sp>
+      <p:sp>
+        <p:nvSpPr>
+          <p:cNvPr id="100" name="Flowchart: Alternate Process 99"/>
+          <p:cNvSpPr/>
+          <p:nvPr/>
+        </p:nvSpPr>
+        <p:spPr>
+          <a:xfrm>
+            <a:off x="5569207" y="4878788"/>
+            <a:ext cx="1907692" cy="488550"/>
+          </a:xfrm>
+          <a:prstGeom prst="flowChartAlternateProcess">
+            <a:avLst/>
+          </a:prstGeom>
+        </p:spPr>
+        <p:style>
+          <a:lnRef idx="2">
+            <a:schemeClr val="accent1">
+              <a:shade val="50000"/>
+            </a:schemeClr>
+          </a:lnRef>
+          <a:fillRef idx="1">
+            <a:schemeClr val="accent1"/>
+          </a:fillRef>
+          <a:effectRef idx="0">
+            <a:schemeClr val="accent1"/>
+          </a:effectRef>
+          <a:fontRef idx="minor">
+            <a:schemeClr val="lt1"/>
+          </a:fontRef>
+        </p:style>
+        <p:txBody>
+          <a:bodyPr rtlCol="0" anchor="ctr"/>
+          <a:lstStyle/>
+          <a:p>
+            <a:pPr algn="ctr"/>
+            <a:endParaRPr lang="en-GB"/>
+          </a:p>
+        </p:txBody>
+      </p:sp>
+      <p:sp>
+        <p:nvSpPr>
+          <p:cNvPr id="103" name="TextBox 102"/>
+          <p:cNvSpPr txBox="1"/>
+          <p:nvPr/>
+        </p:nvSpPr>
+        <p:spPr>
+          <a:xfrm>
+            <a:off x="5341614" y="4208717"/>
+            <a:ext cx="1268296" cy="369332"/>
+          </a:xfrm>
+          <a:prstGeom prst="rect">
+            <a:avLst/>
+          </a:prstGeom>
+          <a:noFill/>
+        </p:spPr>
+        <p:txBody>
+          <a:bodyPr wrap="none" rtlCol="0">
+            <a:spAutoFit/>
+          </a:bodyPr>
+          <a:lstStyle/>
+          <a:p>
+            <a:r>
+              <a:rPr lang="en-GB" dirty="0" smtClean="0"/>
+              <a:t>Shop Name</a:t>
+            </a:r>
+            <a:endParaRPr lang="en-GB" dirty="0"/>
+          </a:p>
+        </p:txBody>
+      </p:sp>
+      <p:sp>
+        <p:nvSpPr>
+          <p:cNvPr id="104" name="Flowchart: Alternate Process 103"/>
+          <p:cNvSpPr/>
+          <p:nvPr/>
+        </p:nvSpPr>
+        <p:spPr>
+          <a:xfrm>
+            <a:off x="5569207" y="5668077"/>
+            <a:ext cx="1907692" cy="488550"/>
+          </a:xfrm>
+          <a:prstGeom prst="flowChartAlternateProcess">
+            <a:avLst/>
+          </a:prstGeom>
+        </p:spPr>
+        <p:style>
+          <a:lnRef idx="2">
+            <a:schemeClr val="accent1">
+              <a:shade val="50000"/>
+            </a:schemeClr>
+          </a:lnRef>
+          <a:fillRef idx="1">
+            <a:schemeClr val="accent1"/>
+          </a:fillRef>
+          <a:effectRef idx="0">
+            <a:schemeClr val="accent1"/>
+          </a:effectRef>
+          <a:fontRef idx="minor">
+            <a:schemeClr val="lt1"/>
+          </a:fontRef>
+        </p:style>
+        <p:txBody>
+          <a:bodyPr rtlCol="0" anchor="ctr"/>
+          <a:lstStyle/>
+          <a:p>
+            <a:pPr algn="ctr"/>
+            <a:endParaRPr lang="en-GB"/>
+          </a:p>
+        </p:txBody>
+      </p:sp>
+      <p:sp>
+        <p:nvSpPr>
+          <p:cNvPr id="105" name="TextBox 104"/>
+          <p:cNvSpPr txBox="1"/>
+          <p:nvPr/>
+        </p:nvSpPr>
+        <p:spPr>
+          <a:xfrm>
+            <a:off x="5951093" y="5324145"/>
+            <a:ext cx="1226170" cy="369332"/>
+          </a:xfrm>
+          <a:prstGeom prst="rect">
+            <a:avLst/>
+          </a:prstGeom>
+          <a:noFill/>
+        </p:spPr>
+        <p:txBody>
+          <a:bodyPr wrap="none" rtlCol="0">
+            <a:spAutoFit/>
+          </a:bodyPr>
+          <a:lstStyle/>
+          <a:p>
+            <a:r>
+              <a:rPr lang="en-GB" dirty="0" smtClean="0"/>
+              <a:t>Service List</a:t>
+            </a:r>
+            <a:endParaRPr lang="en-GB" dirty="0"/>
+          </a:p>
+        </p:txBody>
+      </p:sp>
+      <p:sp>
+        <p:nvSpPr>
+          <p:cNvPr id="106" name="Rectangle 105"/>
+          <p:cNvSpPr/>
+          <p:nvPr/>
+        </p:nvSpPr>
+        <p:spPr>
+          <a:xfrm>
+            <a:off x="6779329" y="5795997"/>
+            <a:ext cx="617362" cy="238023"/>
+          </a:xfrm>
+          <a:prstGeom prst="rect">
+            <a:avLst/>
+          </a:prstGeom>
+        </p:spPr>
+        <p:style>
+          <a:lnRef idx="1">
+            <a:schemeClr val="accent2"/>
+          </a:lnRef>
+          <a:fillRef idx="2">
+            <a:schemeClr val="accent2"/>
+          </a:fillRef>
+          <a:effectRef idx="1">
+            <a:schemeClr val="accent2"/>
+          </a:effectRef>
+          <a:fontRef idx="minor">
+            <a:schemeClr val="dk1"/>
+          </a:fontRef>
+        </p:style>
+        <p:txBody>
+          <a:bodyPr rtlCol="0" anchor="ctr"/>
+          <a:lstStyle/>
+          <a:p>
+            <a:pPr algn="ctr"/>
+            <a:r>
+              <a:rPr lang="en-GB" dirty="0" smtClean="0"/>
+              <a:t>Edit</a:t>
+            </a:r>
+            <a:endParaRPr lang="en-GB" dirty="0"/>
+          </a:p>
+        </p:txBody>
+      </p:sp>
+      <p:sp>
+        <p:nvSpPr>
+          <p:cNvPr id="107" name="Rectangle 106"/>
+          <p:cNvSpPr/>
+          <p:nvPr/>
+        </p:nvSpPr>
+        <p:spPr>
+          <a:xfrm>
+            <a:off x="2883723" y="5248326"/>
+            <a:ext cx="617362" cy="238023"/>
+          </a:xfrm>
+          <a:prstGeom prst="rect">
+            <a:avLst/>
+          </a:prstGeom>
+        </p:spPr>
+        <p:style>
+          <a:lnRef idx="1">
+            <a:schemeClr val="accent2"/>
+          </a:lnRef>
+          <a:fillRef idx="2">
+            <a:schemeClr val="accent2"/>
+          </a:fillRef>
+          <a:effectRef idx="1">
+            <a:schemeClr val="accent2"/>
+          </a:effectRef>
+          <a:fontRef idx="minor">
+            <a:schemeClr val="dk1"/>
+          </a:fontRef>
+        </p:style>
+        <p:txBody>
+          <a:bodyPr rtlCol="0" anchor="ctr"/>
+          <a:lstStyle/>
+          <a:p>
+            <a:pPr algn="ctr"/>
+            <a:r>
+              <a:rPr lang="en-GB" dirty="0" smtClean="0"/>
+              <a:t>Edit</a:t>
+            </a:r>
+            <a:endParaRPr lang="en-GB" dirty="0"/>
+          </a:p>
+        </p:txBody>
+      </p:sp>
+      <p:sp>
+        <p:nvSpPr>
+          <p:cNvPr id="108" name="Rectangle 107"/>
+          <p:cNvSpPr/>
+          <p:nvPr/>
+        </p:nvSpPr>
+        <p:spPr>
+          <a:xfrm>
+            <a:off x="8057273" y="4144670"/>
+            <a:ext cx="3657600" cy="2390115"/>
+          </a:xfrm>
+          <a:prstGeom prst="rect">
+            <a:avLst/>
+          </a:prstGeom>
+        </p:spPr>
+        <p:style>
+          <a:lnRef idx="2">
+            <a:schemeClr val="accent1">
+              <a:shade val="50000"/>
+            </a:schemeClr>
+          </a:lnRef>
+          <a:fillRef idx="1">
+            <a:schemeClr val="accent1"/>
+          </a:fillRef>
+          <a:effectRef idx="0">
+            <a:schemeClr val="accent1"/>
+          </a:effectRef>
+          <a:fontRef idx="minor">
+            <a:schemeClr val="lt1"/>
+          </a:fontRef>
+        </p:style>
+        <p:txBody>
+          <a:bodyPr rtlCol="0" anchor="ctr"/>
+          <a:lstStyle/>
+          <a:p>
+            <a:pPr algn="ctr"/>
+            <a:endParaRPr lang="en-GB"/>
+          </a:p>
+        </p:txBody>
+      </p:sp>
+      <p:sp>
+        <p:nvSpPr>
+          <p:cNvPr id="109" name="TextBox 108"/>
+          <p:cNvSpPr txBox="1"/>
+          <p:nvPr/>
+        </p:nvSpPr>
+        <p:spPr>
+          <a:xfrm>
+            <a:off x="8174007" y="4204843"/>
+            <a:ext cx="1271823" cy="369332"/>
+          </a:xfrm>
+          <a:prstGeom prst="rect">
+            <a:avLst/>
+          </a:prstGeom>
+          <a:noFill/>
+        </p:spPr>
+        <p:txBody>
+          <a:bodyPr wrap="none" rtlCol="0">
+            <a:spAutoFit/>
+          </a:bodyPr>
+          <a:lstStyle/>
+          <a:p>
+            <a:r>
+              <a:rPr lang="en-GB" dirty="0" smtClean="0"/>
+              <a:t>Edit</a:t>
+            </a:r>
+            <a:r>
+              <a:rPr lang="en-GB" dirty="0" smtClean="0"/>
+              <a:t> Service</a:t>
+            </a:r>
+            <a:endParaRPr lang="en-GB" dirty="0"/>
+          </a:p>
+        </p:txBody>
+      </p:sp>
+      <p:sp>
+        <p:nvSpPr>
+          <p:cNvPr id="110" name="Rectangle 109"/>
+          <p:cNvSpPr/>
+          <p:nvPr/>
+        </p:nvSpPr>
+        <p:spPr>
+          <a:xfrm>
+            <a:off x="8799988" y="5315678"/>
+            <a:ext cx="2163779" cy="325925"/>
+          </a:xfrm>
+          <a:prstGeom prst="rect">
+            <a:avLst/>
+          </a:prstGeom>
+        </p:spPr>
+        <p:style>
+          <a:lnRef idx="2">
+            <a:schemeClr val="accent6">
+              <a:shade val="50000"/>
+            </a:schemeClr>
+          </a:lnRef>
+          <a:fillRef idx="1">
+            <a:schemeClr val="accent6"/>
+          </a:fillRef>
+          <a:effectRef idx="0">
+            <a:schemeClr val="accent6"/>
+          </a:effectRef>
+          <a:fontRef idx="minor">
+            <a:schemeClr val="lt1"/>
+          </a:fontRef>
+        </p:style>
+        <p:txBody>
+          <a:bodyPr rtlCol="0" anchor="ctr"/>
+          <a:lstStyle/>
+          <a:p>
+            <a:pPr algn="ctr"/>
+            <a:r>
+              <a:rPr lang="en-GB" dirty="0" smtClean="0"/>
+              <a:t>Description</a:t>
+            </a:r>
+            <a:endParaRPr lang="en-GB" dirty="0"/>
+          </a:p>
+        </p:txBody>
+      </p:sp>
+      <p:sp>
+        <p:nvSpPr>
+          <p:cNvPr id="111" name="Rectangle 110"/>
+          <p:cNvSpPr/>
+          <p:nvPr/>
+        </p:nvSpPr>
+        <p:spPr>
+          <a:xfrm>
+            <a:off x="8799989" y="4951848"/>
+            <a:ext cx="2163779" cy="325925"/>
+          </a:xfrm>
+          <a:prstGeom prst="rect">
+            <a:avLst/>
+          </a:prstGeom>
+        </p:spPr>
+        <p:style>
+          <a:lnRef idx="2">
+            <a:schemeClr val="accent6">
+              <a:shade val="50000"/>
+            </a:schemeClr>
+          </a:lnRef>
+          <a:fillRef idx="1">
+            <a:schemeClr val="accent6"/>
+          </a:fillRef>
+          <a:effectRef idx="0">
+            <a:schemeClr val="accent6"/>
+          </a:effectRef>
+          <a:fontRef idx="minor">
+            <a:schemeClr val="lt1"/>
+          </a:fontRef>
+        </p:style>
+        <p:txBody>
+          <a:bodyPr rtlCol="0" anchor="ctr"/>
+          <a:lstStyle/>
+          <a:p>
+            <a:pPr algn="ctr"/>
+            <a:r>
+              <a:rPr lang="en-US" altLang="zh-CN" dirty="0"/>
+              <a:t>Treatment</a:t>
+            </a:r>
+            <a:r>
+              <a:rPr lang="en-GB" dirty="0" smtClean="0"/>
+              <a:t> </a:t>
+            </a:r>
+            <a:r>
+              <a:rPr lang="en-GB" dirty="0" smtClean="0"/>
+              <a:t>name</a:t>
+            </a:r>
+            <a:endParaRPr lang="en-GB" dirty="0"/>
+          </a:p>
+        </p:txBody>
+      </p:sp>
+      <p:sp>
+        <p:nvSpPr>
+          <p:cNvPr id="112" name="Rectangle 111"/>
+          <p:cNvSpPr/>
+          <p:nvPr/>
+        </p:nvSpPr>
+        <p:spPr>
+          <a:xfrm>
+            <a:off x="8799988" y="5705327"/>
+            <a:ext cx="2163779" cy="325925"/>
+          </a:xfrm>
+          <a:prstGeom prst="rect">
+            <a:avLst/>
+          </a:prstGeom>
+        </p:spPr>
+        <p:style>
+          <a:lnRef idx="2">
+            <a:schemeClr val="accent6">
+              <a:shade val="50000"/>
+            </a:schemeClr>
+          </a:lnRef>
+          <a:fillRef idx="1">
+            <a:schemeClr val="accent6"/>
+          </a:fillRef>
+          <a:effectRef idx="0">
+            <a:schemeClr val="accent6"/>
+          </a:effectRef>
+          <a:fontRef idx="minor">
+            <a:schemeClr val="lt1"/>
+          </a:fontRef>
+        </p:style>
+        <p:txBody>
+          <a:bodyPr rtlCol="0" anchor="ctr"/>
+          <a:lstStyle/>
+          <a:p>
+            <a:pPr algn="ctr"/>
+            <a:r>
+              <a:rPr lang="en-GB" dirty="0" smtClean="0"/>
+              <a:t>Time Duration</a:t>
+            </a:r>
+            <a:endParaRPr lang="en-GB" dirty="0"/>
+          </a:p>
+        </p:txBody>
+      </p:sp>
+      <p:sp>
+        <p:nvSpPr>
+          <p:cNvPr id="113" name="Rectangle 112"/>
+          <p:cNvSpPr/>
+          <p:nvPr/>
+        </p:nvSpPr>
+        <p:spPr>
+          <a:xfrm>
+            <a:off x="9982694" y="6148925"/>
+            <a:ext cx="981074" cy="192704"/>
+          </a:xfrm>
+          <a:prstGeom prst="rect">
+            <a:avLst/>
+          </a:prstGeom>
+        </p:spPr>
+        <p:style>
+          <a:lnRef idx="1">
+            <a:schemeClr val="accent2"/>
+          </a:lnRef>
+          <a:fillRef idx="2">
+            <a:schemeClr val="accent2"/>
+          </a:fillRef>
+          <a:effectRef idx="1">
+            <a:schemeClr val="accent2"/>
+          </a:effectRef>
+          <a:fontRef idx="minor">
+            <a:schemeClr val="dk1"/>
+          </a:fontRef>
+        </p:style>
+        <p:txBody>
+          <a:bodyPr rtlCol="0" anchor="ctr"/>
+          <a:lstStyle/>
+          <a:p>
+            <a:pPr algn="ctr"/>
+            <a:r>
+              <a:rPr lang="en-GB" dirty="0" smtClean="0"/>
+              <a:t>Update</a:t>
+            </a:r>
+            <a:endParaRPr lang="en-GB" dirty="0"/>
+          </a:p>
+        </p:txBody>
+      </p:sp>
+      <p:sp>
+        <p:nvSpPr>
+          <p:cNvPr id="114" name="Rectangle 113"/>
+          <p:cNvSpPr/>
+          <p:nvPr/>
+        </p:nvSpPr>
+        <p:spPr>
+          <a:xfrm>
+            <a:off x="8864878" y="6150168"/>
+            <a:ext cx="863192" cy="192704"/>
+          </a:xfrm>
+          <a:prstGeom prst="rect">
+            <a:avLst/>
+          </a:prstGeom>
+        </p:spPr>
+        <p:style>
+          <a:lnRef idx="1">
+            <a:schemeClr val="accent2"/>
+          </a:lnRef>
+          <a:fillRef idx="2">
+            <a:schemeClr val="accent2"/>
+          </a:fillRef>
+          <a:effectRef idx="1">
+            <a:schemeClr val="accent2"/>
+          </a:effectRef>
+          <a:fontRef idx="minor">
+            <a:schemeClr val="dk1"/>
+          </a:fontRef>
+        </p:style>
+        <p:txBody>
+          <a:bodyPr rtlCol="0" anchor="ctr"/>
+          <a:lstStyle/>
+          <a:p>
+            <a:pPr algn="ctr"/>
+            <a:r>
+              <a:rPr lang="en-GB" dirty="0" smtClean="0"/>
+              <a:t>Cancel</a:t>
+            </a:r>
+            <a:endParaRPr lang="en-GB" dirty="0"/>
+          </a:p>
+        </p:txBody>
+      </p:sp>
+      <p:sp>
+        <p:nvSpPr>
+          <p:cNvPr id="115" name="TextBox 114"/>
+          <p:cNvSpPr txBox="1"/>
+          <p:nvPr/>
+        </p:nvSpPr>
+        <p:spPr>
+          <a:xfrm>
+            <a:off x="8799988" y="4541321"/>
+            <a:ext cx="1090876" cy="369332"/>
+          </a:xfrm>
+          <a:prstGeom prst="rect">
+            <a:avLst/>
+          </a:prstGeom>
+          <a:noFill/>
+        </p:spPr>
+        <p:txBody>
+          <a:bodyPr wrap="none" rtlCol="0">
+            <a:spAutoFit/>
+          </a:bodyPr>
+          <a:lstStyle/>
+          <a:p>
+            <a:r>
+              <a:rPr lang="en-GB" dirty="0" smtClean="0"/>
+              <a:t>Service Id</a:t>
+            </a:r>
+            <a:endParaRPr lang="en-GB" dirty="0"/>
+          </a:p>
+        </p:txBody>
+      </p:sp>
+      <p:sp>
+        <p:nvSpPr>
+          <p:cNvPr id="116" name="TextBox 115"/>
+          <p:cNvSpPr txBox="1"/>
+          <p:nvPr/>
+        </p:nvSpPr>
+        <p:spPr>
+          <a:xfrm>
+            <a:off x="9868937" y="4550654"/>
+            <a:ext cx="1090876" cy="369332"/>
+          </a:xfrm>
+          <a:prstGeom prst="rect">
+            <a:avLst/>
+          </a:prstGeom>
+          <a:noFill/>
+        </p:spPr>
+        <p:txBody>
+          <a:bodyPr wrap="none" rtlCol="0">
+            <a:spAutoFit/>
+          </a:bodyPr>
+          <a:lstStyle/>
+          <a:p>
+            <a:r>
+              <a:rPr lang="en-GB" dirty="0" smtClean="0"/>
+              <a:t>Service Id</a:t>
+            </a:r>
+            <a:endParaRPr lang="en-GB" dirty="0"/>
+          </a:p>
+        </p:txBody>
+      </p:sp>
+    </p:spTree>
+    <p:extLst>
+      <p:ext uri="{BB962C8B-B14F-4D97-AF65-F5344CB8AC3E}">
+        <p14:creationId xmlns:p14="http://schemas.microsoft.com/office/powerpoint/2010/main" val="2469840861"/>
+      </p:ext>
+    </p:extLst>
+  </p:cSld>
+  <p:clrMapOvr>
+    <a:masterClrMapping/>
+  </p:clrMapOvr>
+</p:sld>
+</file>
+
+<file path=ppt/slides/slide7.xml><?xml version="1.0" encoding="utf-8"?>
+<p:sld xmlns:a="http://schemas.openxmlformats.org/drawingml/2006/main" xmlns:r="http://schemas.openxmlformats.org/officeDocument/2006/relationships" xmlns:p="http://schemas.openxmlformats.org/presentationml/2006/main">
+  <p:cSld>
+    <p:spTree>
+      <p:nvGrpSpPr>
+        <p:cNvPr id="1" name=""/>
+        <p:cNvGrpSpPr/>
+        <p:nvPr/>
+      </p:nvGrpSpPr>
+      <p:grpSpPr>
+        <a:xfrm>
+          <a:off x="0" y="0"/>
+          <a:ext cx="0" cy="0"/>
+          <a:chOff x="0" y="0"/>
+          <a:chExt cx="0" cy="0"/>
+        </a:xfrm>
+      </p:grpSpPr>
+      <p:sp>
+        <p:nvSpPr>
+          <p:cNvPr id="16" name="Title 1"/>
+          <p:cNvSpPr>
+            <a:spLocks noGrp="1"/>
+          </p:cNvSpPr>
+          <p:nvPr>
+            <p:ph type="title"/>
+          </p:nvPr>
+        </p:nvSpPr>
+        <p:spPr>
+          <a:xfrm>
+            <a:off x="778741" y="311030"/>
+            <a:ext cx="10515600" cy="824960"/>
+          </a:xfrm>
+        </p:spPr>
+        <p:txBody>
+          <a:bodyPr/>
+          <a:lstStyle/>
+          <a:p>
+            <a:r>
+              <a:rPr lang="en-GB" dirty="0" smtClean="0"/>
+              <a:t>Service Management Part 2</a:t>
+            </a:r>
+            <a:endParaRPr lang="en-GB" dirty="0"/>
+          </a:p>
+        </p:txBody>
+      </p:sp>
+      <p:sp>
+        <p:nvSpPr>
+          <p:cNvPr id="108" name="Rectangle 107"/>
+          <p:cNvSpPr/>
+          <p:nvPr/>
+        </p:nvSpPr>
+        <p:spPr>
+          <a:xfrm>
+            <a:off x="778741" y="1135990"/>
+            <a:ext cx="3657600" cy="4883810"/>
+          </a:xfrm>
+          <a:prstGeom prst="rect">
+            <a:avLst/>
+          </a:prstGeom>
+        </p:spPr>
+        <p:style>
+          <a:lnRef idx="2">
+            <a:schemeClr val="accent1">
+              <a:shade val="50000"/>
+            </a:schemeClr>
+          </a:lnRef>
+          <a:fillRef idx="1">
+            <a:schemeClr val="accent1"/>
+          </a:fillRef>
+          <a:effectRef idx="0">
+            <a:schemeClr val="accent1"/>
+          </a:effectRef>
+          <a:fontRef idx="minor">
+            <a:schemeClr val="lt1"/>
+          </a:fontRef>
+        </p:style>
+        <p:txBody>
+          <a:bodyPr rtlCol="0" anchor="ctr"/>
+          <a:lstStyle/>
+          <a:p>
+            <a:pPr algn="ctr"/>
+            <a:endParaRPr lang="en-GB"/>
+          </a:p>
+        </p:txBody>
+      </p:sp>
+      <p:sp>
+        <p:nvSpPr>
+          <p:cNvPr id="109" name="TextBox 108"/>
+          <p:cNvSpPr txBox="1"/>
+          <p:nvPr/>
+        </p:nvSpPr>
+        <p:spPr>
+          <a:xfrm>
+            <a:off x="895475" y="1196163"/>
+            <a:ext cx="1271823" cy="369332"/>
+          </a:xfrm>
+          <a:prstGeom prst="rect">
+            <a:avLst/>
+          </a:prstGeom>
+          <a:noFill/>
+        </p:spPr>
+        <p:txBody>
+          <a:bodyPr wrap="none" rtlCol="0">
+            <a:spAutoFit/>
+          </a:bodyPr>
+          <a:lstStyle/>
+          <a:p>
+            <a:r>
+              <a:rPr lang="en-GB" dirty="0" smtClean="0"/>
+              <a:t>Edit</a:t>
+            </a:r>
+            <a:r>
+              <a:rPr lang="en-GB" dirty="0" smtClean="0"/>
+              <a:t> Service</a:t>
+            </a:r>
+            <a:endParaRPr lang="en-GB" dirty="0"/>
+          </a:p>
+        </p:txBody>
+      </p:sp>
+      <p:sp>
+        <p:nvSpPr>
+          <p:cNvPr id="110" name="Rectangle 109"/>
+          <p:cNvSpPr/>
+          <p:nvPr/>
+        </p:nvSpPr>
+        <p:spPr>
+          <a:xfrm>
+            <a:off x="1508514" y="3569996"/>
+            <a:ext cx="2163779" cy="325925"/>
+          </a:xfrm>
+          <a:prstGeom prst="rect">
+            <a:avLst/>
+          </a:prstGeom>
+        </p:spPr>
+        <p:style>
+          <a:lnRef idx="2">
+            <a:schemeClr val="accent6">
+              <a:shade val="50000"/>
+            </a:schemeClr>
+          </a:lnRef>
+          <a:fillRef idx="1">
+            <a:schemeClr val="accent6"/>
+          </a:fillRef>
+          <a:effectRef idx="0">
+            <a:schemeClr val="accent6"/>
+          </a:effectRef>
+          <a:fontRef idx="minor">
+            <a:schemeClr val="lt1"/>
+          </a:fontRef>
+        </p:style>
+        <p:txBody>
+          <a:bodyPr rtlCol="0" anchor="ctr"/>
+          <a:lstStyle/>
+          <a:p>
+            <a:pPr algn="ctr"/>
+            <a:r>
+              <a:rPr lang="en-GB" dirty="0" smtClean="0"/>
+              <a:t>Description</a:t>
+            </a:r>
+            <a:endParaRPr lang="en-GB" dirty="0"/>
+          </a:p>
+        </p:txBody>
+      </p:sp>
+      <p:sp>
+        <p:nvSpPr>
+          <p:cNvPr id="111" name="Rectangle 110"/>
+          <p:cNvSpPr/>
+          <p:nvPr/>
+        </p:nvSpPr>
+        <p:spPr>
+          <a:xfrm>
+            <a:off x="1508515" y="3206166"/>
+            <a:ext cx="2163779" cy="325925"/>
+          </a:xfrm>
+          <a:prstGeom prst="rect">
+            <a:avLst/>
+          </a:prstGeom>
+        </p:spPr>
+        <p:style>
+          <a:lnRef idx="2">
+            <a:schemeClr val="accent6">
+              <a:shade val="50000"/>
+            </a:schemeClr>
+          </a:lnRef>
+          <a:fillRef idx="1">
+            <a:schemeClr val="accent6"/>
+          </a:fillRef>
+          <a:effectRef idx="0">
+            <a:schemeClr val="accent6"/>
+          </a:effectRef>
+          <a:fontRef idx="minor">
+            <a:schemeClr val="lt1"/>
+          </a:fontRef>
+        </p:style>
+        <p:txBody>
+          <a:bodyPr rtlCol="0" anchor="ctr"/>
+          <a:lstStyle/>
+          <a:p>
+            <a:pPr algn="ctr"/>
+            <a:r>
+              <a:rPr lang="en-US" altLang="zh-CN" dirty="0" smtClean="0"/>
+              <a:t>Service</a:t>
+            </a:r>
+            <a:r>
+              <a:rPr lang="en-GB" dirty="0" smtClean="0"/>
+              <a:t> </a:t>
+            </a:r>
+            <a:r>
+              <a:rPr lang="en-GB" dirty="0" smtClean="0"/>
+              <a:t>name</a:t>
+            </a:r>
+            <a:endParaRPr lang="en-GB" dirty="0"/>
+          </a:p>
+        </p:txBody>
+      </p:sp>
+      <p:sp>
+        <p:nvSpPr>
+          <p:cNvPr id="113" name="Rectangle 112"/>
+          <p:cNvSpPr/>
+          <p:nvPr/>
+        </p:nvSpPr>
+        <p:spPr>
+          <a:xfrm>
+            <a:off x="2691220" y="4822343"/>
+            <a:ext cx="981074" cy="192704"/>
+          </a:xfrm>
+          <a:prstGeom prst="rect">
+            <a:avLst/>
+          </a:prstGeom>
+        </p:spPr>
+        <p:style>
+          <a:lnRef idx="1">
+            <a:schemeClr val="accent2"/>
+          </a:lnRef>
+          <a:fillRef idx="2">
+            <a:schemeClr val="accent2"/>
+          </a:fillRef>
+          <a:effectRef idx="1">
+            <a:schemeClr val="accent2"/>
+          </a:effectRef>
+          <a:fontRef idx="minor">
+            <a:schemeClr val="dk1"/>
+          </a:fontRef>
+        </p:style>
+        <p:txBody>
+          <a:bodyPr rtlCol="0" anchor="ctr"/>
+          <a:lstStyle/>
+          <a:p>
+            <a:pPr algn="ctr"/>
+            <a:r>
+              <a:rPr lang="en-GB" dirty="0" smtClean="0"/>
+              <a:t>Update</a:t>
+            </a:r>
+            <a:endParaRPr lang="en-GB" dirty="0"/>
+          </a:p>
+        </p:txBody>
+      </p:sp>
+      <p:sp>
+        <p:nvSpPr>
+          <p:cNvPr id="114" name="Rectangle 113"/>
+          <p:cNvSpPr/>
+          <p:nvPr/>
+        </p:nvSpPr>
+        <p:spPr>
+          <a:xfrm>
+            <a:off x="1573404" y="4823586"/>
+            <a:ext cx="863192" cy="192704"/>
+          </a:xfrm>
+          <a:prstGeom prst="rect">
+            <a:avLst/>
+          </a:prstGeom>
+        </p:spPr>
+        <p:style>
+          <a:lnRef idx="1">
+            <a:schemeClr val="accent2"/>
+          </a:lnRef>
+          <a:fillRef idx="2">
+            <a:schemeClr val="accent2"/>
+          </a:fillRef>
+          <a:effectRef idx="1">
+            <a:schemeClr val="accent2"/>
+          </a:effectRef>
+          <a:fontRef idx="minor">
+            <a:schemeClr val="dk1"/>
+          </a:fontRef>
+        </p:style>
+        <p:txBody>
+          <a:bodyPr rtlCol="0" anchor="ctr"/>
+          <a:lstStyle/>
+          <a:p>
+            <a:pPr algn="ctr"/>
+            <a:r>
+              <a:rPr lang="en-GB" dirty="0" smtClean="0"/>
+              <a:t>Cancel</a:t>
+            </a:r>
+            <a:endParaRPr lang="en-GB" dirty="0"/>
+          </a:p>
+        </p:txBody>
+      </p:sp>
+      <p:sp>
+        <p:nvSpPr>
+          <p:cNvPr id="115" name="TextBox 114"/>
+          <p:cNvSpPr txBox="1"/>
+          <p:nvPr/>
+        </p:nvSpPr>
+        <p:spPr>
+          <a:xfrm>
+            <a:off x="1521456" y="1532641"/>
+            <a:ext cx="1090876" cy="369332"/>
+          </a:xfrm>
+          <a:prstGeom prst="rect">
+            <a:avLst/>
+          </a:prstGeom>
+          <a:noFill/>
+        </p:spPr>
+        <p:txBody>
+          <a:bodyPr wrap="none" rtlCol="0">
+            <a:spAutoFit/>
+          </a:bodyPr>
+          <a:lstStyle/>
+          <a:p>
+            <a:r>
+              <a:rPr lang="en-GB" dirty="0" smtClean="0"/>
+              <a:t>Service Id</a:t>
+            </a:r>
+            <a:endParaRPr lang="en-GB" dirty="0"/>
+          </a:p>
+        </p:txBody>
+      </p:sp>
+      <p:sp>
+        <p:nvSpPr>
+          <p:cNvPr id="116" name="TextBox 115"/>
+          <p:cNvSpPr txBox="1"/>
+          <p:nvPr/>
+        </p:nvSpPr>
+        <p:spPr>
+          <a:xfrm>
+            <a:off x="1531386" y="1827319"/>
+            <a:ext cx="1389419" cy="369332"/>
+          </a:xfrm>
+          <a:prstGeom prst="rect">
+            <a:avLst/>
+          </a:prstGeom>
+          <a:noFill/>
+        </p:spPr>
+        <p:txBody>
+          <a:bodyPr wrap="none" rtlCol="0">
+            <a:spAutoFit/>
+          </a:bodyPr>
+          <a:lstStyle/>
+          <a:p>
+            <a:r>
+              <a:rPr lang="en-US" altLang="zh-CN" dirty="0" smtClean="0"/>
+              <a:t>Treatment</a:t>
+            </a:r>
+            <a:r>
+              <a:rPr lang="en-GB" dirty="0" smtClean="0"/>
+              <a:t> Id</a:t>
+            </a:r>
+            <a:endParaRPr lang="en-GB" dirty="0"/>
+          </a:p>
+        </p:txBody>
+      </p:sp>
+      <p:sp>
+        <p:nvSpPr>
+          <p:cNvPr id="67" name="TextBox 66"/>
+          <p:cNvSpPr txBox="1"/>
+          <p:nvPr/>
+        </p:nvSpPr>
+        <p:spPr>
+          <a:xfrm>
+            <a:off x="1531386" y="2096341"/>
+            <a:ext cx="1769331" cy="369332"/>
+          </a:xfrm>
+          <a:prstGeom prst="rect">
+            <a:avLst/>
+          </a:prstGeom>
+          <a:noFill/>
+        </p:spPr>
+        <p:txBody>
+          <a:bodyPr wrap="none" rtlCol="0">
+            <a:spAutoFit/>
+          </a:bodyPr>
+          <a:lstStyle/>
+          <a:p>
+            <a:r>
+              <a:rPr lang="en-US" altLang="zh-CN" dirty="0" smtClean="0"/>
+              <a:t>Treatment</a:t>
+            </a:r>
+            <a:r>
+              <a:rPr lang="en-GB" dirty="0" smtClean="0"/>
+              <a:t> </a:t>
+            </a:r>
+            <a:r>
+              <a:rPr lang="en-US" altLang="zh-CN" dirty="0" smtClean="0"/>
+              <a:t>Name</a:t>
+            </a:r>
+            <a:endParaRPr lang="en-GB" dirty="0"/>
+          </a:p>
+        </p:txBody>
+      </p:sp>
+      <p:sp>
+        <p:nvSpPr>
+          <p:cNvPr id="68" name="Rectangle 67"/>
+          <p:cNvSpPr/>
+          <p:nvPr/>
+        </p:nvSpPr>
+        <p:spPr>
+          <a:xfrm>
+            <a:off x="1508513" y="2827448"/>
+            <a:ext cx="2163779" cy="325925"/>
+          </a:xfrm>
+          <a:prstGeom prst="rect">
+            <a:avLst/>
+          </a:prstGeom>
+        </p:spPr>
+        <p:style>
+          <a:lnRef idx="2">
+            <a:schemeClr val="accent6">
+              <a:shade val="50000"/>
+            </a:schemeClr>
+          </a:lnRef>
+          <a:fillRef idx="1">
+            <a:schemeClr val="accent6"/>
+          </a:fillRef>
+          <a:effectRef idx="0">
+            <a:schemeClr val="accent6"/>
+          </a:effectRef>
+          <a:fontRef idx="minor">
+            <a:schemeClr val="lt1"/>
+          </a:fontRef>
+        </p:style>
+        <p:txBody>
+          <a:bodyPr rtlCol="0" anchor="ctr"/>
+          <a:lstStyle/>
+          <a:p>
+            <a:pPr algn="ctr"/>
+            <a:r>
+              <a:rPr lang="en-US" altLang="zh-CN" dirty="0" smtClean="0"/>
+              <a:t>Treatment Type</a:t>
+            </a:r>
+            <a:endParaRPr lang="en-GB" dirty="0"/>
+          </a:p>
+        </p:txBody>
+      </p:sp>
+      <p:sp>
+        <p:nvSpPr>
+          <p:cNvPr id="69" name="TextBox 68"/>
+          <p:cNvSpPr txBox="1"/>
+          <p:nvPr/>
+        </p:nvSpPr>
+        <p:spPr>
+          <a:xfrm>
+            <a:off x="1551930" y="2401091"/>
+            <a:ext cx="1524328" cy="369332"/>
+          </a:xfrm>
+          <a:prstGeom prst="rect">
+            <a:avLst/>
+          </a:prstGeom>
+          <a:noFill/>
+        </p:spPr>
+        <p:txBody>
+          <a:bodyPr wrap="none" rtlCol="0">
+            <a:spAutoFit/>
+          </a:bodyPr>
+          <a:lstStyle/>
+          <a:p>
+            <a:r>
+              <a:rPr lang="en-US" altLang="zh-CN" dirty="0" smtClean="0"/>
+              <a:t>Time Duration</a:t>
+            </a:r>
+            <a:endParaRPr lang="en-GB" dirty="0"/>
+          </a:p>
+        </p:txBody>
+      </p:sp>
+      <p:sp>
+        <p:nvSpPr>
+          <p:cNvPr id="70" name="Rectangle 69"/>
+          <p:cNvSpPr/>
+          <p:nvPr/>
+        </p:nvSpPr>
+        <p:spPr>
+          <a:xfrm>
+            <a:off x="1508512" y="3948714"/>
+            <a:ext cx="2163779" cy="325925"/>
+          </a:xfrm>
+          <a:prstGeom prst="rect">
+            <a:avLst/>
+          </a:prstGeom>
+        </p:spPr>
+        <p:style>
+          <a:lnRef idx="2">
+            <a:schemeClr val="accent6">
+              <a:shade val="50000"/>
+            </a:schemeClr>
+          </a:lnRef>
+          <a:fillRef idx="1">
+            <a:schemeClr val="accent6"/>
+          </a:fillRef>
+          <a:effectRef idx="0">
+            <a:schemeClr val="accent6"/>
+          </a:effectRef>
+          <a:fontRef idx="minor">
+            <a:schemeClr val="lt1"/>
+          </a:fontRef>
+        </p:style>
+        <p:txBody>
+          <a:bodyPr rtlCol="0" anchor="ctr"/>
+          <a:lstStyle/>
+          <a:p>
+            <a:pPr algn="ctr"/>
+            <a:r>
+              <a:rPr lang="en-US" dirty="0" smtClean="0"/>
+              <a:t>Price</a:t>
+            </a:r>
+            <a:endParaRPr lang="en-GB" dirty="0"/>
+          </a:p>
+        </p:txBody>
+      </p:sp>
+    </p:spTree>
+    <p:extLst>
+      <p:ext uri="{BB962C8B-B14F-4D97-AF65-F5344CB8AC3E}">
+        <p14:creationId xmlns:p14="http://schemas.microsoft.com/office/powerpoint/2010/main" val="3116477471"/>
+      </p:ext>
+    </p:extLst>
+  </p:cSld>
+  <p:clrMapOvr>
+    <a:masterClrMapping/>
+  </p:clrMapOvr>
+</p:sld>
+</file>
+
+<file path=ppt/slides/slide8.xml><?xml version="1.0" encoding="utf-8"?>
+<p:sld xmlns:a="http://schemas.openxmlformats.org/drawingml/2006/main" xmlns:r="http://schemas.openxmlformats.org/officeDocument/2006/relationships" xmlns:p="http://schemas.openxmlformats.org/presentationml/2006/main">
+  <p:cSld>
+    <p:spTree>
+      <p:nvGrpSpPr>
+        <p:cNvPr id="1" name=""/>
+        <p:cNvGrpSpPr/>
+        <p:nvPr/>
+      </p:nvGrpSpPr>
+      <p:grpSpPr>
+        <a:xfrm>
+          <a:off x="0" y="0"/>
+          <a:ext cx="0" cy="0"/>
+          <a:chOff x="0" y="0"/>
+          <a:chExt cx="0" cy="0"/>
+        </a:xfrm>
+      </p:grpSpPr>
+      <p:sp>
+        <p:nvSpPr>
+          <p:cNvPr id="2" name="Title 1"/>
+          <p:cNvSpPr>
+            <a:spLocks noGrp="1"/>
+          </p:cNvSpPr>
+          <p:nvPr>
+            <p:ph type="title"/>
+          </p:nvPr>
+        </p:nvSpPr>
+        <p:spPr>
+          <a:xfrm>
+            <a:off x="778741" y="311030"/>
+            <a:ext cx="10515600" cy="824960"/>
+          </a:xfrm>
+        </p:spPr>
+        <p:txBody>
+          <a:bodyPr/>
+          <a:lstStyle/>
+          <a:p>
+            <a:r>
+              <a:rPr lang="en-US" altLang="zh-CN" dirty="0" smtClean="0"/>
+              <a:t>Staff</a:t>
+            </a:r>
+            <a:r>
+              <a:rPr lang="en-GB" dirty="0" smtClean="0"/>
+              <a:t> Management </a:t>
+            </a:r>
+            <a:r>
+              <a:rPr lang="en-US" altLang="zh-CN" dirty="0" smtClean="0"/>
+              <a:t>Part 1</a:t>
+            </a:r>
+            <a:endParaRPr lang="en-GB" dirty="0"/>
+          </a:p>
+        </p:txBody>
+      </p:sp>
+      <p:sp>
+        <p:nvSpPr>
+          <p:cNvPr id="7" name="Rectangle 6"/>
+          <p:cNvSpPr/>
+          <p:nvPr/>
+        </p:nvSpPr>
+        <p:spPr>
+          <a:xfrm>
+            <a:off x="342545" y="1690688"/>
+            <a:ext cx="3657600" cy="2390115"/>
+          </a:xfrm>
+          <a:prstGeom prst="rect">
+            <a:avLst/>
+          </a:prstGeom>
+        </p:spPr>
+        <p:style>
+          <a:lnRef idx="2">
+            <a:schemeClr val="accent1">
+              <a:shade val="50000"/>
+            </a:schemeClr>
+          </a:lnRef>
+          <a:fillRef idx="1">
+            <a:schemeClr val="accent1"/>
+          </a:fillRef>
+          <a:effectRef idx="0">
+            <a:schemeClr val="accent1"/>
+          </a:effectRef>
+          <a:fontRef idx="minor">
+            <a:schemeClr val="lt1"/>
+          </a:fontRef>
+        </p:style>
+        <p:txBody>
+          <a:bodyPr rtlCol="0" anchor="ctr"/>
+          <a:lstStyle/>
+          <a:p>
+            <a:pPr algn="ctr"/>
+            <a:endParaRPr lang="en-GB"/>
+          </a:p>
+        </p:txBody>
+      </p:sp>
+      <p:sp>
+        <p:nvSpPr>
+          <p:cNvPr id="8" name="TextBox 7"/>
+          <p:cNvSpPr txBox="1"/>
+          <p:nvPr/>
+        </p:nvSpPr>
+        <p:spPr>
+          <a:xfrm>
+            <a:off x="424053" y="1755922"/>
+            <a:ext cx="740908" cy="369332"/>
+          </a:xfrm>
+          <a:prstGeom prst="rect">
+            <a:avLst/>
+          </a:prstGeom>
+          <a:noFill/>
+        </p:spPr>
+        <p:txBody>
+          <a:bodyPr wrap="none" rtlCol="0">
+            <a:spAutoFit/>
+          </a:bodyPr>
+          <a:lstStyle/>
+          <a:p>
+            <a:r>
+              <a:rPr lang="en-GB" dirty="0" smtClean="0"/>
+              <a:t>Menu</a:t>
+            </a:r>
+            <a:endParaRPr lang="en-GB" dirty="0"/>
+          </a:p>
+        </p:txBody>
+      </p:sp>
+      <p:sp>
+        <p:nvSpPr>
+          <p:cNvPr id="9" name="Rectangle 8"/>
+          <p:cNvSpPr/>
+          <p:nvPr/>
+        </p:nvSpPr>
+        <p:spPr>
+          <a:xfrm>
+            <a:off x="424054" y="2125254"/>
+            <a:ext cx="1087742" cy="235499"/>
+          </a:xfrm>
+          <a:prstGeom prst="rect">
+            <a:avLst/>
+          </a:prstGeom>
+        </p:spPr>
+        <p:style>
+          <a:lnRef idx="1">
+            <a:schemeClr val="accent2"/>
+          </a:lnRef>
+          <a:fillRef idx="2">
+            <a:schemeClr val="accent2"/>
+          </a:fillRef>
+          <a:effectRef idx="1">
+            <a:schemeClr val="accent2"/>
+          </a:effectRef>
+          <a:fontRef idx="minor">
+            <a:schemeClr val="dk1"/>
+          </a:fontRef>
+        </p:style>
+        <p:txBody>
+          <a:bodyPr rtlCol="0" anchor="ctr"/>
+          <a:lstStyle/>
+          <a:p>
+            <a:pPr algn="ctr"/>
+            <a:r>
+              <a:rPr lang="en-GB" dirty="0" smtClean="0"/>
+              <a:t>Schedule</a:t>
+            </a:r>
+            <a:endParaRPr lang="en-GB" dirty="0"/>
+          </a:p>
+        </p:txBody>
+      </p:sp>
+      <p:sp>
+        <p:nvSpPr>
+          <p:cNvPr id="10" name="Rectangle 9"/>
+          <p:cNvSpPr/>
+          <p:nvPr/>
+        </p:nvSpPr>
+        <p:spPr>
+          <a:xfrm>
+            <a:off x="424054" y="2416790"/>
+            <a:ext cx="1087742" cy="235499"/>
+          </a:xfrm>
+          <a:prstGeom prst="rect">
+            <a:avLst/>
+          </a:prstGeom>
+        </p:spPr>
+        <p:style>
+          <a:lnRef idx="1">
+            <a:schemeClr val="accent2"/>
+          </a:lnRef>
+          <a:fillRef idx="2">
+            <a:schemeClr val="accent2"/>
+          </a:fillRef>
+          <a:effectRef idx="1">
+            <a:schemeClr val="accent2"/>
+          </a:effectRef>
+          <a:fontRef idx="minor">
+            <a:schemeClr val="dk1"/>
+          </a:fontRef>
+        </p:style>
+        <p:txBody>
+          <a:bodyPr rtlCol="0" anchor="ctr"/>
+          <a:lstStyle/>
+          <a:p>
+            <a:pPr algn="ctr"/>
+            <a:r>
+              <a:rPr lang="en-GB" dirty="0" smtClean="0"/>
+              <a:t>Client</a:t>
+            </a:r>
+            <a:endParaRPr lang="en-GB" dirty="0"/>
+          </a:p>
+        </p:txBody>
+      </p:sp>
+      <p:sp>
+        <p:nvSpPr>
+          <p:cNvPr id="11" name="Rectangle 10"/>
+          <p:cNvSpPr/>
+          <p:nvPr/>
+        </p:nvSpPr>
+        <p:spPr>
+          <a:xfrm>
+            <a:off x="424053" y="2693439"/>
+            <a:ext cx="1087742" cy="235499"/>
+          </a:xfrm>
+          <a:prstGeom prst="rect">
+            <a:avLst/>
+          </a:prstGeom>
+        </p:spPr>
+        <p:style>
+          <a:lnRef idx="1">
+            <a:schemeClr val="accent2"/>
+          </a:lnRef>
+          <a:fillRef idx="2">
+            <a:schemeClr val="accent2"/>
+          </a:fillRef>
+          <a:effectRef idx="1">
+            <a:schemeClr val="accent2"/>
+          </a:effectRef>
+          <a:fontRef idx="minor">
+            <a:schemeClr val="dk1"/>
+          </a:fontRef>
+        </p:style>
+        <p:txBody>
+          <a:bodyPr rtlCol="0" anchor="ctr"/>
+          <a:lstStyle/>
+          <a:p>
+            <a:pPr algn="ctr"/>
+            <a:r>
+              <a:rPr lang="en-GB" dirty="0" smtClean="0"/>
+              <a:t>Staff</a:t>
+            </a:r>
+            <a:endParaRPr lang="en-GB" dirty="0"/>
+          </a:p>
+        </p:txBody>
+      </p:sp>
+      <p:sp>
+        <p:nvSpPr>
+          <p:cNvPr id="12" name="Rectangle 11"/>
+          <p:cNvSpPr/>
+          <p:nvPr/>
+        </p:nvSpPr>
+        <p:spPr>
+          <a:xfrm>
+            <a:off x="424053" y="3311605"/>
+            <a:ext cx="1087742" cy="235499"/>
+          </a:xfrm>
+          <a:prstGeom prst="rect">
+            <a:avLst/>
+          </a:prstGeom>
+        </p:spPr>
+        <p:style>
+          <a:lnRef idx="1">
+            <a:schemeClr val="accent2"/>
+          </a:lnRef>
+          <a:fillRef idx="2">
+            <a:schemeClr val="accent2"/>
+          </a:fillRef>
+          <a:effectRef idx="1">
+            <a:schemeClr val="accent2"/>
+          </a:effectRef>
+          <a:fontRef idx="minor">
+            <a:schemeClr val="dk1"/>
+          </a:fontRef>
+        </p:style>
+        <p:txBody>
+          <a:bodyPr rtlCol="0" anchor="ctr"/>
+          <a:lstStyle/>
+          <a:p>
+            <a:pPr algn="ctr"/>
+            <a:r>
+              <a:rPr lang="en-GB" dirty="0" smtClean="0"/>
+              <a:t>Shop</a:t>
+            </a:r>
+            <a:endParaRPr lang="en-GB" dirty="0"/>
+          </a:p>
+        </p:txBody>
+      </p:sp>
+      <p:sp>
+        <p:nvSpPr>
+          <p:cNvPr id="13" name="Rectangle 12"/>
+          <p:cNvSpPr/>
+          <p:nvPr/>
+        </p:nvSpPr>
+        <p:spPr>
+          <a:xfrm>
+            <a:off x="424054" y="3610022"/>
+            <a:ext cx="1087742" cy="235499"/>
+          </a:xfrm>
+          <a:prstGeom prst="rect">
+            <a:avLst/>
+          </a:prstGeom>
+        </p:spPr>
+        <p:style>
+          <a:lnRef idx="1">
+            <a:schemeClr val="accent2"/>
+          </a:lnRef>
+          <a:fillRef idx="2">
+            <a:schemeClr val="accent2"/>
+          </a:fillRef>
+          <a:effectRef idx="1">
+            <a:schemeClr val="accent2"/>
+          </a:effectRef>
+          <a:fontRef idx="minor">
+            <a:schemeClr val="dk1"/>
+          </a:fontRef>
+        </p:style>
+        <p:txBody>
+          <a:bodyPr rtlCol="0" anchor="ctr"/>
+          <a:lstStyle/>
+          <a:p>
+            <a:pPr algn="ctr"/>
+            <a:r>
+              <a:rPr lang="en-GB" dirty="0" smtClean="0"/>
+              <a:t>User</a:t>
+            </a:r>
+            <a:endParaRPr lang="en-GB" dirty="0"/>
+          </a:p>
+        </p:txBody>
+      </p:sp>
+      <p:sp>
+        <p:nvSpPr>
+          <p:cNvPr id="14" name="Rectangle 13"/>
+          <p:cNvSpPr/>
+          <p:nvPr/>
+        </p:nvSpPr>
+        <p:spPr>
+          <a:xfrm>
+            <a:off x="424053" y="3013406"/>
+            <a:ext cx="1087742" cy="235499"/>
+          </a:xfrm>
+          <a:prstGeom prst="rect">
+            <a:avLst/>
+          </a:prstGeom>
+        </p:spPr>
+        <p:style>
+          <a:lnRef idx="1">
+            <a:schemeClr val="accent2"/>
+          </a:lnRef>
+          <a:fillRef idx="2">
+            <a:schemeClr val="accent2"/>
+          </a:fillRef>
+          <a:effectRef idx="1">
+            <a:schemeClr val="accent2"/>
+          </a:effectRef>
+          <a:fontRef idx="minor">
+            <a:schemeClr val="dk1"/>
+          </a:fontRef>
+        </p:style>
+        <p:txBody>
+          <a:bodyPr rtlCol="0" anchor="ctr"/>
+          <a:lstStyle/>
+          <a:p>
+            <a:pPr algn="ctr"/>
+            <a:r>
+              <a:rPr lang="en-GB" dirty="0" smtClean="0"/>
+              <a:t>Service</a:t>
+            </a:r>
+            <a:endParaRPr lang="en-GB" dirty="0"/>
+          </a:p>
+        </p:txBody>
+      </p:sp>
+      <p:sp>
+        <p:nvSpPr>
+          <p:cNvPr id="15" name="Rectangle 14"/>
+          <p:cNvSpPr/>
+          <p:nvPr/>
+        </p:nvSpPr>
+        <p:spPr>
+          <a:xfrm>
+            <a:off x="1593304" y="2125254"/>
+            <a:ext cx="2216504" cy="1720267"/>
+          </a:xfrm>
+          <a:prstGeom prst="rect">
+            <a:avLst/>
+          </a:prstGeom>
+        </p:spPr>
+        <p:style>
+          <a:lnRef idx="1">
+            <a:schemeClr val="accent5"/>
+          </a:lnRef>
+          <a:fillRef idx="2">
+            <a:schemeClr val="accent5"/>
+          </a:fillRef>
+          <a:effectRef idx="1">
+            <a:schemeClr val="accent5"/>
+          </a:effectRef>
+          <a:fontRef idx="minor">
+            <a:schemeClr val="dk1"/>
+          </a:fontRef>
+        </p:style>
+        <p:txBody>
+          <a:bodyPr rtlCol="0" anchor="ctr"/>
+          <a:lstStyle/>
+          <a:p>
+            <a:pPr algn="ctr"/>
+            <a:r>
+              <a:rPr lang="en-GB" dirty="0" smtClean="0"/>
+              <a:t>Staff</a:t>
+            </a:r>
+            <a:r>
+              <a:rPr lang="en-GB" dirty="0" smtClean="0"/>
+              <a:t> </a:t>
+            </a:r>
+            <a:r>
+              <a:rPr lang="en-GB" dirty="0" smtClean="0"/>
+              <a:t>List</a:t>
+            </a:r>
+          </a:p>
+          <a:p>
+            <a:pPr algn="ctr"/>
+            <a:endParaRPr lang="en-GB" dirty="0"/>
+          </a:p>
+          <a:p>
+            <a:pPr algn="ctr"/>
+            <a:endParaRPr lang="en-GB" dirty="0" smtClean="0"/>
+          </a:p>
+          <a:p>
+            <a:pPr algn="ctr"/>
+            <a:endParaRPr lang="en-GB" dirty="0"/>
+          </a:p>
+          <a:p>
+            <a:pPr algn="ctr"/>
+            <a:endParaRPr lang="en-GB" dirty="0" smtClean="0"/>
+          </a:p>
+          <a:p>
+            <a:pPr algn="ctr"/>
+            <a:endParaRPr lang="en-GB" dirty="0"/>
+          </a:p>
+        </p:txBody>
+      </p:sp>
+      <p:sp>
+        <p:nvSpPr>
+          <p:cNvPr id="6" name="Flowchart: Alternate Process 5"/>
+          <p:cNvSpPr/>
+          <p:nvPr/>
+        </p:nvSpPr>
+        <p:spPr>
+          <a:xfrm>
+            <a:off x="1771887" y="2928937"/>
+            <a:ext cx="1907692" cy="798833"/>
+          </a:xfrm>
+          <a:prstGeom prst="flowChartAlternateProcess">
+            <a:avLst/>
+          </a:prstGeom>
+        </p:spPr>
+        <p:style>
+          <a:lnRef idx="2">
+            <a:schemeClr val="accent1">
+              <a:shade val="50000"/>
+            </a:schemeClr>
+          </a:lnRef>
+          <a:fillRef idx="1">
+            <a:schemeClr val="accent1"/>
+          </a:fillRef>
+          <a:effectRef idx="0">
+            <a:schemeClr val="accent1"/>
+          </a:effectRef>
+          <a:fontRef idx="minor">
+            <a:schemeClr val="lt1"/>
+          </a:fontRef>
+        </p:style>
+        <p:txBody>
+          <a:bodyPr rtlCol="0" anchor="ctr"/>
+          <a:lstStyle/>
+          <a:p>
+            <a:pPr algn="ctr"/>
+            <a:endParaRPr lang="en-GB"/>
+          </a:p>
+        </p:txBody>
+      </p:sp>
+      <p:sp>
+        <p:nvSpPr>
+          <p:cNvPr id="41" name="Rectangle 40"/>
+          <p:cNvSpPr/>
+          <p:nvPr/>
+        </p:nvSpPr>
+        <p:spPr>
+          <a:xfrm>
+            <a:off x="1771886" y="2442392"/>
+            <a:ext cx="1554637" cy="209898"/>
+          </a:xfrm>
+          <a:prstGeom prst="rect">
+            <a:avLst/>
+          </a:prstGeom>
+        </p:spPr>
+        <p:style>
+          <a:lnRef idx="1">
+            <a:schemeClr val="accent2"/>
+          </a:lnRef>
+          <a:fillRef idx="2">
+            <a:schemeClr val="accent2"/>
+          </a:fillRef>
+          <a:effectRef idx="1">
+            <a:schemeClr val="accent2"/>
+          </a:effectRef>
+          <a:fontRef idx="minor">
+            <a:schemeClr val="dk1"/>
+          </a:fontRef>
+        </p:style>
+        <p:txBody>
+          <a:bodyPr rtlCol="0" anchor="ctr"/>
+          <a:lstStyle/>
+          <a:p>
+            <a:pPr algn="ctr"/>
+            <a:r>
+              <a:rPr lang="en-GB" dirty="0" smtClean="0"/>
+              <a:t>Add New </a:t>
+            </a:r>
+            <a:r>
+              <a:rPr lang="en-GB" dirty="0" smtClean="0"/>
+              <a:t>Staff</a:t>
+            </a:r>
+            <a:endParaRPr lang="en-GB" dirty="0"/>
+          </a:p>
+        </p:txBody>
+      </p:sp>
+      <p:sp>
+        <p:nvSpPr>
+          <p:cNvPr id="42" name="Rectangle 41"/>
+          <p:cNvSpPr/>
+          <p:nvPr/>
+        </p:nvSpPr>
+        <p:spPr>
+          <a:xfrm>
+            <a:off x="2978934" y="3039333"/>
+            <a:ext cx="617362" cy="238023"/>
+          </a:xfrm>
+          <a:prstGeom prst="rect">
+            <a:avLst/>
+          </a:prstGeom>
+        </p:spPr>
+        <p:style>
+          <a:lnRef idx="1">
+            <a:schemeClr val="accent2"/>
+          </a:lnRef>
+          <a:fillRef idx="2">
+            <a:schemeClr val="accent2"/>
+          </a:fillRef>
+          <a:effectRef idx="1">
+            <a:schemeClr val="accent2"/>
+          </a:effectRef>
+          <a:fontRef idx="minor">
+            <a:schemeClr val="dk1"/>
+          </a:fontRef>
+        </p:style>
+        <p:txBody>
+          <a:bodyPr rtlCol="0" anchor="ctr"/>
+          <a:lstStyle/>
+          <a:p>
+            <a:pPr algn="ctr"/>
+            <a:r>
+              <a:rPr lang="en-GB" dirty="0" smtClean="0"/>
+              <a:t>Edit</a:t>
+            </a:r>
+            <a:endParaRPr lang="en-GB" dirty="0"/>
+          </a:p>
+        </p:txBody>
+      </p:sp>
+      <p:sp>
+        <p:nvSpPr>
+          <p:cNvPr id="43" name="Rectangle 42"/>
+          <p:cNvSpPr/>
+          <p:nvPr/>
+        </p:nvSpPr>
+        <p:spPr>
+          <a:xfrm>
+            <a:off x="4373263" y="1690687"/>
+            <a:ext cx="3657600" cy="4913313"/>
+          </a:xfrm>
+          <a:prstGeom prst="rect">
+            <a:avLst/>
+          </a:prstGeom>
+        </p:spPr>
+        <p:style>
+          <a:lnRef idx="2">
+            <a:schemeClr val="accent1">
+              <a:shade val="50000"/>
+            </a:schemeClr>
+          </a:lnRef>
+          <a:fillRef idx="1">
+            <a:schemeClr val="accent1"/>
+          </a:fillRef>
+          <a:effectRef idx="0">
+            <a:schemeClr val="accent1"/>
+          </a:effectRef>
+          <a:fontRef idx="minor">
+            <a:schemeClr val="lt1"/>
+          </a:fontRef>
+        </p:style>
+        <p:txBody>
+          <a:bodyPr rtlCol="0" anchor="ctr"/>
+          <a:lstStyle/>
+          <a:p>
+            <a:pPr algn="ctr"/>
+            <a:endParaRPr lang="en-GB"/>
+          </a:p>
+        </p:txBody>
+      </p:sp>
+      <p:sp>
+        <p:nvSpPr>
+          <p:cNvPr id="44" name="TextBox 43"/>
+          <p:cNvSpPr txBox="1"/>
+          <p:nvPr/>
+        </p:nvSpPr>
+        <p:spPr>
+          <a:xfrm>
+            <a:off x="4489997" y="1750860"/>
+            <a:ext cx="1042273" cy="369332"/>
+          </a:xfrm>
+          <a:prstGeom prst="rect">
+            <a:avLst/>
+          </a:prstGeom>
+          <a:noFill/>
+        </p:spPr>
+        <p:txBody>
+          <a:bodyPr wrap="none" rtlCol="0">
+            <a:spAutoFit/>
+          </a:bodyPr>
+          <a:lstStyle/>
+          <a:p>
+            <a:r>
+              <a:rPr lang="en-GB" dirty="0" smtClean="0"/>
+              <a:t>Add </a:t>
+            </a:r>
+            <a:r>
+              <a:rPr lang="en-GB" dirty="0" smtClean="0"/>
+              <a:t>Staff</a:t>
+            </a:r>
+            <a:endParaRPr lang="en-GB" dirty="0"/>
+          </a:p>
+        </p:txBody>
+      </p:sp>
+      <p:sp>
+        <p:nvSpPr>
+          <p:cNvPr id="46" name="Rectangle 45"/>
+          <p:cNvSpPr/>
+          <p:nvPr/>
+        </p:nvSpPr>
+        <p:spPr>
+          <a:xfrm>
+            <a:off x="5115978" y="2544195"/>
+            <a:ext cx="2163779" cy="325925"/>
+          </a:xfrm>
+          <a:prstGeom prst="rect">
+            <a:avLst/>
+          </a:prstGeom>
+        </p:spPr>
+        <p:style>
+          <a:lnRef idx="2">
+            <a:schemeClr val="accent6">
+              <a:shade val="50000"/>
+            </a:schemeClr>
+          </a:lnRef>
+          <a:fillRef idx="1">
+            <a:schemeClr val="accent6"/>
+          </a:fillRef>
+          <a:effectRef idx="0">
+            <a:schemeClr val="accent6"/>
+          </a:effectRef>
+          <a:fontRef idx="minor">
+            <a:schemeClr val="lt1"/>
+          </a:fontRef>
+        </p:style>
+        <p:txBody>
+          <a:bodyPr rtlCol="0" anchor="ctr"/>
+          <a:lstStyle/>
+          <a:p>
+            <a:pPr algn="ctr"/>
+            <a:r>
+              <a:rPr lang="en-US" dirty="0" smtClean="0"/>
+              <a:t>Last name</a:t>
+            </a:r>
+            <a:endParaRPr lang="en-GB" dirty="0"/>
+          </a:p>
+        </p:txBody>
+      </p:sp>
+      <p:sp>
+        <p:nvSpPr>
+          <p:cNvPr id="48" name="Rectangle 47"/>
+          <p:cNvSpPr/>
+          <p:nvPr/>
+        </p:nvSpPr>
+        <p:spPr>
+          <a:xfrm>
+            <a:off x="5115979" y="2180365"/>
+            <a:ext cx="2163779" cy="325925"/>
+          </a:xfrm>
+          <a:prstGeom prst="rect">
+            <a:avLst/>
+          </a:prstGeom>
+        </p:spPr>
+        <p:style>
+          <a:lnRef idx="2">
+            <a:schemeClr val="accent6">
+              <a:shade val="50000"/>
+            </a:schemeClr>
+          </a:lnRef>
+          <a:fillRef idx="1">
+            <a:schemeClr val="accent6"/>
+          </a:fillRef>
+          <a:effectRef idx="0">
+            <a:schemeClr val="accent6"/>
+          </a:effectRef>
+          <a:fontRef idx="minor">
+            <a:schemeClr val="lt1"/>
+          </a:fontRef>
+        </p:style>
+        <p:txBody>
+          <a:bodyPr rtlCol="0" anchor="ctr"/>
+          <a:lstStyle/>
+          <a:p>
+            <a:pPr algn="ctr"/>
+            <a:r>
+              <a:rPr lang="en-GB" dirty="0" smtClean="0"/>
+              <a:t>First </a:t>
+            </a:r>
+            <a:r>
+              <a:rPr lang="en-GB" dirty="0" smtClean="0"/>
+              <a:t>name</a:t>
+            </a:r>
+            <a:endParaRPr lang="en-GB" dirty="0"/>
+          </a:p>
+        </p:txBody>
+      </p:sp>
+      <p:sp>
+        <p:nvSpPr>
+          <p:cNvPr id="49" name="Rectangle 48"/>
+          <p:cNvSpPr/>
+          <p:nvPr/>
+        </p:nvSpPr>
+        <p:spPr>
+          <a:xfrm>
+            <a:off x="5115978" y="2933844"/>
+            <a:ext cx="2163779" cy="325925"/>
+          </a:xfrm>
+          <a:prstGeom prst="rect">
+            <a:avLst/>
+          </a:prstGeom>
+        </p:spPr>
+        <p:style>
+          <a:lnRef idx="2">
+            <a:schemeClr val="accent6">
+              <a:shade val="50000"/>
+            </a:schemeClr>
+          </a:lnRef>
+          <a:fillRef idx="1">
+            <a:schemeClr val="accent6"/>
+          </a:fillRef>
+          <a:effectRef idx="0">
+            <a:schemeClr val="accent6"/>
+          </a:effectRef>
+          <a:fontRef idx="minor">
+            <a:schemeClr val="lt1"/>
+          </a:fontRef>
+        </p:style>
+        <p:txBody>
+          <a:bodyPr rtlCol="0" anchor="ctr"/>
+          <a:lstStyle/>
+          <a:p>
+            <a:pPr algn="ctr"/>
+            <a:r>
+              <a:rPr lang="en-US" dirty="0" smtClean="0"/>
+              <a:t>Mobile number</a:t>
+            </a:r>
+            <a:endParaRPr lang="en-GB" dirty="0"/>
+          </a:p>
+        </p:txBody>
+      </p:sp>
+      <p:sp>
+        <p:nvSpPr>
+          <p:cNvPr id="50" name="Rectangle 49"/>
+          <p:cNvSpPr/>
+          <p:nvPr/>
+        </p:nvSpPr>
+        <p:spPr>
+          <a:xfrm>
+            <a:off x="6416565" y="5835971"/>
+            <a:ext cx="863192" cy="192704"/>
+          </a:xfrm>
+          <a:prstGeom prst="rect">
+            <a:avLst/>
+          </a:prstGeom>
+        </p:spPr>
+        <p:style>
+          <a:lnRef idx="1">
+            <a:schemeClr val="accent2"/>
+          </a:lnRef>
+          <a:fillRef idx="2">
+            <a:schemeClr val="accent2"/>
+          </a:fillRef>
+          <a:effectRef idx="1">
+            <a:schemeClr val="accent2"/>
+          </a:effectRef>
+          <a:fontRef idx="minor">
+            <a:schemeClr val="dk1"/>
+          </a:fontRef>
+        </p:style>
+        <p:txBody>
+          <a:bodyPr rtlCol="0" anchor="ctr"/>
+          <a:lstStyle/>
+          <a:p>
+            <a:pPr algn="ctr"/>
+            <a:r>
+              <a:rPr lang="en-GB" dirty="0" smtClean="0"/>
+              <a:t>Create</a:t>
+            </a:r>
+            <a:endParaRPr lang="en-GB" dirty="0"/>
+          </a:p>
+        </p:txBody>
+      </p:sp>
+      <p:sp>
+        <p:nvSpPr>
+          <p:cNvPr id="51" name="Rectangle 50"/>
+          <p:cNvSpPr/>
+          <p:nvPr/>
+        </p:nvSpPr>
+        <p:spPr>
+          <a:xfrm>
+            <a:off x="5115978" y="5826314"/>
+            <a:ext cx="863192" cy="192704"/>
+          </a:xfrm>
+          <a:prstGeom prst="rect">
+            <a:avLst/>
+          </a:prstGeom>
+        </p:spPr>
+        <p:style>
+          <a:lnRef idx="1">
+            <a:schemeClr val="accent2"/>
+          </a:lnRef>
+          <a:fillRef idx="2">
+            <a:schemeClr val="accent2"/>
+          </a:fillRef>
+          <a:effectRef idx="1">
+            <a:schemeClr val="accent2"/>
+          </a:effectRef>
+          <a:fontRef idx="minor">
+            <a:schemeClr val="dk1"/>
+          </a:fontRef>
+        </p:style>
+        <p:txBody>
+          <a:bodyPr rtlCol="0" anchor="ctr"/>
+          <a:lstStyle/>
+          <a:p>
+            <a:pPr algn="ctr"/>
+            <a:r>
+              <a:rPr lang="en-GB" dirty="0" smtClean="0"/>
+              <a:t>Cancel</a:t>
+            </a:r>
+            <a:endParaRPr lang="en-GB" dirty="0"/>
+          </a:p>
+        </p:txBody>
+      </p:sp>
+      <p:sp>
+        <p:nvSpPr>
+          <p:cNvPr id="52" name="Rectangle 51"/>
+          <p:cNvSpPr/>
+          <p:nvPr/>
+        </p:nvSpPr>
+        <p:spPr>
+          <a:xfrm>
+            <a:off x="8276802" y="1690687"/>
+            <a:ext cx="3657600" cy="4913313"/>
+          </a:xfrm>
+          <a:prstGeom prst="rect">
+            <a:avLst/>
+          </a:prstGeom>
+        </p:spPr>
+        <p:style>
+          <a:lnRef idx="2">
+            <a:schemeClr val="accent1">
+              <a:shade val="50000"/>
+            </a:schemeClr>
+          </a:lnRef>
+          <a:fillRef idx="1">
+            <a:schemeClr val="accent1"/>
+          </a:fillRef>
+          <a:effectRef idx="0">
+            <a:schemeClr val="accent1"/>
+          </a:effectRef>
+          <a:fontRef idx="minor">
+            <a:schemeClr val="lt1"/>
+          </a:fontRef>
+        </p:style>
+        <p:txBody>
+          <a:bodyPr rtlCol="0" anchor="ctr"/>
+          <a:lstStyle/>
+          <a:p>
+            <a:pPr algn="ctr"/>
+            <a:endParaRPr lang="en-GB"/>
+          </a:p>
+        </p:txBody>
+      </p:sp>
+      <p:sp>
+        <p:nvSpPr>
+          <p:cNvPr id="53" name="TextBox 52"/>
+          <p:cNvSpPr txBox="1"/>
+          <p:nvPr/>
+        </p:nvSpPr>
+        <p:spPr>
+          <a:xfrm>
+            <a:off x="8393536" y="1750860"/>
+            <a:ext cx="1026050" cy="369332"/>
+          </a:xfrm>
+          <a:prstGeom prst="rect">
+            <a:avLst/>
+          </a:prstGeom>
+          <a:noFill/>
+        </p:spPr>
+        <p:txBody>
+          <a:bodyPr wrap="none" rtlCol="0">
+            <a:spAutoFit/>
+          </a:bodyPr>
+          <a:lstStyle/>
+          <a:p>
+            <a:r>
+              <a:rPr lang="en-GB" dirty="0" smtClean="0"/>
+              <a:t>Edit </a:t>
+            </a:r>
+            <a:r>
+              <a:rPr lang="en-US" altLang="zh-CN" dirty="0" smtClean="0"/>
+              <a:t>Staff</a:t>
+            </a:r>
+            <a:endParaRPr lang="en-GB" dirty="0"/>
+          </a:p>
+        </p:txBody>
+      </p:sp>
+      <p:sp>
+        <p:nvSpPr>
+          <p:cNvPr id="57" name="Rectangle 56"/>
+          <p:cNvSpPr/>
+          <p:nvPr/>
+        </p:nvSpPr>
+        <p:spPr>
+          <a:xfrm>
+            <a:off x="10188246" y="5835971"/>
+            <a:ext cx="995051" cy="192704"/>
+          </a:xfrm>
+          <a:prstGeom prst="rect">
+            <a:avLst/>
+          </a:prstGeom>
+        </p:spPr>
+        <p:style>
+          <a:lnRef idx="1">
+            <a:schemeClr val="accent2"/>
+          </a:lnRef>
+          <a:fillRef idx="2">
+            <a:schemeClr val="accent2"/>
+          </a:fillRef>
+          <a:effectRef idx="1">
+            <a:schemeClr val="accent2"/>
+          </a:effectRef>
+          <a:fontRef idx="minor">
+            <a:schemeClr val="dk1"/>
+          </a:fontRef>
+        </p:style>
+        <p:txBody>
+          <a:bodyPr rtlCol="0" anchor="ctr"/>
+          <a:lstStyle/>
+          <a:p>
+            <a:pPr algn="ctr"/>
+            <a:r>
+              <a:rPr lang="en-GB" dirty="0" smtClean="0"/>
+              <a:t>Update</a:t>
+            </a:r>
+            <a:endParaRPr lang="en-GB" dirty="0"/>
+          </a:p>
+        </p:txBody>
+      </p:sp>
+      <p:sp>
+        <p:nvSpPr>
+          <p:cNvPr id="58" name="Rectangle 57"/>
+          <p:cNvSpPr/>
+          <p:nvPr/>
+        </p:nvSpPr>
+        <p:spPr>
+          <a:xfrm>
+            <a:off x="9054974" y="5835971"/>
+            <a:ext cx="863192" cy="192704"/>
+          </a:xfrm>
+          <a:prstGeom prst="rect">
+            <a:avLst/>
+          </a:prstGeom>
+        </p:spPr>
+        <p:style>
+          <a:lnRef idx="1">
+            <a:schemeClr val="accent2"/>
+          </a:lnRef>
+          <a:fillRef idx="2">
+            <a:schemeClr val="accent2"/>
+          </a:fillRef>
+          <a:effectRef idx="1">
+            <a:schemeClr val="accent2"/>
+          </a:effectRef>
+          <a:fontRef idx="minor">
+            <a:schemeClr val="dk1"/>
+          </a:fontRef>
+        </p:style>
+        <p:txBody>
+          <a:bodyPr rtlCol="0" anchor="ctr"/>
+          <a:lstStyle/>
+          <a:p>
+            <a:pPr algn="ctr"/>
+            <a:r>
+              <a:rPr lang="en-GB" dirty="0" smtClean="0"/>
+              <a:t>Cancel</a:t>
+            </a:r>
+            <a:endParaRPr lang="en-GB" dirty="0"/>
+          </a:p>
+        </p:txBody>
+      </p:sp>
+      <p:sp>
+        <p:nvSpPr>
+          <p:cNvPr id="61" name="Rectangle 60"/>
+          <p:cNvSpPr/>
+          <p:nvPr/>
+        </p:nvSpPr>
+        <p:spPr>
+          <a:xfrm>
+            <a:off x="5115978" y="3323057"/>
+            <a:ext cx="2163779" cy="325925"/>
+          </a:xfrm>
+          <a:prstGeom prst="rect">
+            <a:avLst/>
+          </a:prstGeom>
+        </p:spPr>
+        <p:style>
+          <a:lnRef idx="2">
+            <a:schemeClr val="accent6">
+              <a:shade val="50000"/>
+            </a:schemeClr>
+          </a:lnRef>
+          <a:fillRef idx="1">
+            <a:schemeClr val="accent6"/>
+          </a:fillRef>
+          <a:effectRef idx="0">
+            <a:schemeClr val="accent6"/>
+          </a:effectRef>
+          <a:fontRef idx="minor">
+            <a:schemeClr val="lt1"/>
+          </a:fontRef>
+        </p:style>
+        <p:txBody>
+          <a:bodyPr rtlCol="0" anchor="ctr"/>
+          <a:lstStyle/>
+          <a:p>
+            <a:pPr algn="ctr"/>
+            <a:r>
+              <a:rPr lang="en-US" altLang="zh-CN" dirty="0" smtClean="0"/>
+              <a:t>Email</a:t>
+            </a:r>
+            <a:endParaRPr lang="en-GB" dirty="0"/>
+          </a:p>
+        </p:txBody>
+      </p:sp>
+      <p:sp>
+        <p:nvSpPr>
+          <p:cNvPr id="3" name="TextBox 2"/>
+          <p:cNvSpPr txBox="1"/>
+          <p:nvPr/>
+        </p:nvSpPr>
+        <p:spPr>
+          <a:xfrm>
+            <a:off x="8972111" y="2149463"/>
+            <a:ext cx="845103" cy="369332"/>
+          </a:xfrm>
+          <a:prstGeom prst="rect">
+            <a:avLst/>
+          </a:prstGeom>
+          <a:noFill/>
+        </p:spPr>
+        <p:txBody>
+          <a:bodyPr wrap="none" rtlCol="0">
+            <a:spAutoFit/>
+          </a:bodyPr>
+          <a:lstStyle/>
+          <a:p>
+            <a:r>
+              <a:rPr lang="en-GB" dirty="0" smtClean="0"/>
+              <a:t>Staff Id</a:t>
+            </a:r>
+            <a:endParaRPr lang="en-GB" dirty="0"/>
+          </a:p>
+        </p:txBody>
+      </p:sp>
+      <p:sp>
+        <p:nvSpPr>
+          <p:cNvPr id="32" name="Rectangle 31"/>
+          <p:cNvSpPr/>
+          <p:nvPr/>
+        </p:nvSpPr>
+        <p:spPr>
+          <a:xfrm>
+            <a:off x="5115978" y="3694942"/>
+            <a:ext cx="2163779" cy="325925"/>
+          </a:xfrm>
+          <a:prstGeom prst="rect">
+            <a:avLst/>
+          </a:prstGeom>
+        </p:spPr>
+        <p:style>
+          <a:lnRef idx="2">
+            <a:schemeClr val="accent6">
+              <a:shade val="50000"/>
+            </a:schemeClr>
+          </a:lnRef>
+          <a:fillRef idx="1">
+            <a:schemeClr val="accent6"/>
+          </a:fillRef>
+          <a:effectRef idx="0">
+            <a:schemeClr val="accent6"/>
+          </a:effectRef>
+          <a:fontRef idx="minor">
+            <a:schemeClr val="lt1"/>
+          </a:fontRef>
+        </p:style>
+        <p:txBody>
+          <a:bodyPr rtlCol="0" anchor="ctr"/>
+          <a:lstStyle/>
+          <a:p>
+            <a:pPr algn="ctr"/>
+            <a:r>
+              <a:rPr lang="en-US" altLang="zh-CN" dirty="0" smtClean="0"/>
+              <a:t>Note</a:t>
+            </a:r>
+            <a:endParaRPr lang="en-GB" dirty="0"/>
+          </a:p>
+        </p:txBody>
+      </p:sp>
+      <p:sp>
+        <p:nvSpPr>
+          <p:cNvPr id="33" name="Rectangle 32"/>
+          <p:cNvSpPr/>
+          <p:nvPr/>
+        </p:nvSpPr>
+        <p:spPr>
+          <a:xfrm>
+            <a:off x="5115978" y="4118463"/>
+            <a:ext cx="2163779" cy="325925"/>
+          </a:xfrm>
+          <a:prstGeom prst="rect">
+            <a:avLst/>
+          </a:prstGeom>
+        </p:spPr>
+        <p:style>
+          <a:lnRef idx="2">
+            <a:schemeClr val="accent6">
+              <a:shade val="50000"/>
+            </a:schemeClr>
+          </a:lnRef>
+          <a:fillRef idx="1">
+            <a:schemeClr val="accent6"/>
+          </a:fillRef>
+          <a:effectRef idx="0">
+            <a:schemeClr val="accent6"/>
+          </a:effectRef>
+          <a:fontRef idx="minor">
+            <a:schemeClr val="lt1"/>
+          </a:fontRef>
+        </p:style>
+        <p:txBody>
+          <a:bodyPr rtlCol="0" anchor="ctr"/>
+          <a:lstStyle/>
+          <a:p>
+            <a:pPr algn="ctr"/>
+            <a:r>
+              <a:rPr lang="en-US" altLang="zh-CN" sz="1400" dirty="0" smtClean="0"/>
+              <a:t>Employment</a:t>
+            </a:r>
+            <a:r>
+              <a:rPr lang="en-GB" altLang="zh-CN" sz="1400" dirty="0" smtClean="0"/>
+              <a:t> Start Date</a:t>
+            </a:r>
+            <a:endParaRPr lang="en-GB" sz="1400" dirty="0"/>
+          </a:p>
+        </p:txBody>
+      </p:sp>
+      <p:sp>
+        <p:nvSpPr>
+          <p:cNvPr id="34" name="Rectangle 33"/>
+          <p:cNvSpPr/>
+          <p:nvPr/>
+        </p:nvSpPr>
+        <p:spPr>
+          <a:xfrm>
+            <a:off x="5115978" y="4524992"/>
+            <a:ext cx="2163779" cy="325925"/>
+          </a:xfrm>
+          <a:prstGeom prst="rect">
+            <a:avLst/>
+          </a:prstGeom>
+        </p:spPr>
+        <p:style>
+          <a:lnRef idx="2">
+            <a:schemeClr val="accent6">
+              <a:shade val="50000"/>
+            </a:schemeClr>
+          </a:lnRef>
+          <a:fillRef idx="1">
+            <a:schemeClr val="accent6"/>
+          </a:fillRef>
+          <a:effectRef idx="0">
+            <a:schemeClr val="accent6"/>
+          </a:effectRef>
+          <a:fontRef idx="minor">
+            <a:schemeClr val="lt1"/>
+          </a:fontRef>
+        </p:style>
+        <p:txBody>
+          <a:bodyPr rtlCol="0" anchor="ctr"/>
+          <a:lstStyle/>
+          <a:p>
+            <a:pPr algn="ctr"/>
+            <a:r>
+              <a:rPr lang="en-US" altLang="zh-CN" sz="1400" dirty="0" smtClean="0"/>
+              <a:t>Employment</a:t>
+            </a:r>
+            <a:r>
+              <a:rPr lang="en-GB" altLang="zh-CN" sz="1400" dirty="0" smtClean="0"/>
+              <a:t> End Date</a:t>
+            </a:r>
+            <a:endParaRPr lang="en-GB" sz="1400" dirty="0"/>
+          </a:p>
+        </p:txBody>
+      </p:sp>
+      <p:sp>
+        <p:nvSpPr>
+          <p:cNvPr id="35" name="Rectangle 34"/>
+          <p:cNvSpPr/>
+          <p:nvPr/>
+        </p:nvSpPr>
+        <p:spPr>
+          <a:xfrm>
+            <a:off x="9054973" y="2934293"/>
+            <a:ext cx="2163779" cy="325925"/>
+          </a:xfrm>
+          <a:prstGeom prst="rect">
+            <a:avLst/>
+          </a:prstGeom>
+        </p:spPr>
+        <p:style>
+          <a:lnRef idx="2">
+            <a:schemeClr val="accent6">
+              <a:shade val="50000"/>
+            </a:schemeClr>
+          </a:lnRef>
+          <a:fillRef idx="1">
+            <a:schemeClr val="accent6"/>
+          </a:fillRef>
+          <a:effectRef idx="0">
+            <a:schemeClr val="accent6"/>
+          </a:effectRef>
+          <a:fontRef idx="minor">
+            <a:schemeClr val="lt1"/>
+          </a:fontRef>
+        </p:style>
+        <p:txBody>
+          <a:bodyPr rtlCol="0" anchor="ctr"/>
+          <a:lstStyle/>
+          <a:p>
+            <a:pPr algn="ctr"/>
+            <a:r>
+              <a:rPr lang="en-US" dirty="0" smtClean="0"/>
+              <a:t>Last name</a:t>
+            </a:r>
+            <a:endParaRPr lang="en-GB" dirty="0"/>
+          </a:p>
+        </p:txBody>
+      </p:sp>
+      <p:sp>
+        <p:nvSpPr>
+          <p:cNvPr id="36" name="Rectangle 35"/>
+          <p:cNvSpPr/>
+          <p:nvPr/>
+        </p:nvSpPr>
+        <p:spPr>
+          <a:xfrm>
+            <a:off x="9054974" y="2570463"/>
+            <a:ext cx="2163779" cy="325925"/>
+          </a:xfrm>
+          <a:prstGeom prst="rect">
+            <a:avLst/>
+          </a:prstGeom>
+        </p:spPr>
+        <p:style>
+          <a:lnRef idx="2">
+            <a:schemeClr val="accent6">
+              <a:shade val="50000"/>
+            </a:schemeClr>
+          </a:lnRef>
+          <a:fillRef idx="1">
+            <a:schemeClr val="accent6"/>
+          </a:fillRef>
+          <a:effectRef idx="0">
+            <a:schemeClr val="accent6"/>
+          </a:effectRef>
+          <a:fontRef idx="minor">
+            <a:schemeClr val="lt1"/>
+          </a:fontRef>
+        </p:style>
+        <p:txBody>
+          <a:bodyPr rtlCol="0" anchor="ctr"/>
+          <a:lstStyle/>
+          <a:p>
+            <a:pPr algn="ctr"/>
+            <a:r>
+              <a:rPr lang="en-GB" dirty="0" smtClean="0"/>
+              <a:t>First </a:t>
+            </a:r>
+            <a:r>
+              <a:rPr lang="en-GB" dirty="0" smtClean="0"/>
+              <a:t>name</a:t>
+            </a:r>
+            <a:endParaRPr lang="en-GB" dirty="0"/>
+          </a:p>
+        </p:txBody>
+      </p:sp>
+      <p:sp>
+        <p:nvSpPr>
+          <p:cNvPr id="37" name="Rectangle 36"/>
+          <p:cNvSpPr/>
+          <p:nvPr/>
+        </p:nvSpPr>
+        <p:spPr>
+          <a:xfrm>
+            <a:off x="9054973" y="3323942"/>
+            <a:ext cx="2163779" cy="325925"/>
+          </a:xfrm>
+          <a:prstGeom prst="rect">
+            <a:avLst/>
+          </a:prstGeom>
+        </p:spPr>
+        <p:style>
+          <a:lnRef idx="2">
+            <a:schemeClr val="accent6">
+              <a:shade val="50000"/>
+            </a:schemeClr>
+          </a:lnRef>
+          <a:fillRef idx="1">
+            <a:schemeClr val="accent6"/>
+          </a:fillRef>
+          <a:effectRef idx="0">
+            <a:schemeClr val="accent6"/>
+          </a:effectRef>
+          <a:fontRef idx="minor">
+            <a:schemeClr val="lt1"/>
+          </a:fontRef>
+        </p:style>
+        <p:txBody>
+          <a:bodyPr rtlCol="0" anchor="ctr"/>
+          <a:lstStyle/>
+          <a:p>
+            <a:pPr algn="ctr"/>
+            <a:r>
+              <a:rPr lang="en-US" dirty="0" smtClean="0"/>
+              <a:t>Mobile number</a:t>
+            </a:r>
+            <a:endParaRPr lang="en-GB" dirty="0"/>
+          </a:p>
+        </p:txBody>
+      </p:sp>
+      <p:sp>
+        <p:nvSpPr>
+          <p:cNvPr id="38" name="Rectangle 37"/>
+          <p:cNvSpPr/>
+          <p:nvPr/>
+        </p:nvSpPr>
+        <p:spPr>
+          <a:xfrm>
+            <a:off x="9054973" y="3713155"/>
+            <a:ext cx="2163779" cy="325925"/>
+          </a:xfrm>
+          <a:prstGeom prst="rect">
+            <a:avLst/>
+          </a:prstGeom>
+        </p:spPr>
+        <p:style>
+          <a:lnRef idx="2">
+            <a:schemeClr val="accent6">
+              <a:shade val="50000"/>
+            </a:schemeClr>
+          </a:lnRef>
+          <a:fillRef idx="1">
+            <a:schemeClr val="accent6"/>
+          </a:fillRef>
+          <a:effectRef idx="0">
+            <a:schemeClr val="accent6"/>
+          </a:effectRef>
+          <a:fontRef idx="minor">
+            <a:schemeClr val="lt1"/>
+          </a:fontRef>
+        </p:style>
+        <p:txBody>
+          <a:bodyPr rtlCol="0" anchor="ctr"/>
+          <a:lstStyle/>
+          <a:p>
+            <a:pPr algn="ctr"/>
+            <a:r>
+              <a:rPr lang="en-US" altLang="zh-CN" dirty="0" smtClean="0"/>
+              <a:t>Email</a:t>
+            </a:r>
+            <a:endParaRPr lang="en-GB" dirty="0"/>
+          </a:p>
+        </p:txBody>
+      </p:sp>
+      <p:sp>
+        <p:nvSpPr>
+          <p:cNvPr id="39" name="Rectangle 38"/>
+          <p:cNvSpPr/>
+          <p:nvPr/>
+        </p:nvSpPr>
+        <p:spPr>
+          <a:xfrm>
+            <a:off x="9054973" y="4085040"/>
+            <a:ext cx="2163779" cy="325925"/>
+          </a:xfrm>
+          <a:prstGeom prst="rect">
+            <a:avLst/>
+          </a:prstGeom>
+        </p:spPr>
+        <p:style>
+          <a:lnRef idx="2">
+            <a:schemeClr val="accent6">
+              <a:shade val="50000"/>
+            </a:schemeClr>
+          </a:lnRef>
+          <a:fillRef idx="1">
+            <a:schemeClr val="accent6"/>
+          </a:fillRef>
+          <a:effectRef idx="0">
+            <a:schemeClr val="accent6"/>
+          </a:effectRef>
+          <a:fontRef idx="minor">
+            <a:schemeClr val="lt1"/>
+          </a:fontRef>
+        </p:style>
+        <p:txBody>
+          <a:bodyPr rtlCol="0" anchor="ctr"/>
+          <a:lstStyle/>
+          <a:p>
+            <a:pPr algn="ctr"/>
+            <a:r>
+              <a:rPr lang="en-US" altLang="zh-CN" dirty="0" smtClean="0"/>
+              <a:t>Note</a:t>
+            </a:r>
+            <a:endParaRPr lang="en-GB" dirty="0"/>
+          </a:p>
+        </p:txBody>
+      </p:sp>
+      <p:sp>
+        <p:nvSpPr>
+          <p:cNvPr id="40" name="Rectangle 39"/>
+          <p:cNvSpPr/>
+          <p:nvPr/>
+        </p:nvSpPr>
+        <p:spPr>
+          <a:xfrm>
+            <a:off x="9054973" y="4508561"/>
+            <a:ext cx="2163779" cy="325925"/>
+          </a:xfrm>
+          <a:prstGeom prst="rect">
+            <a:avLst/>
+          </a:prstGeom>
+        </p:spPr>
+        <p:style>
+          <a:lnRef idx="2">
+            <a:schemeClr val="accent6">
+              <a:shade val="50000"/>
+            </a:schemeClr>
+          </a:lnRef>
+          <a:fillRef idx="1">
+            <a:schemeClr val="accent6"/>
+          </a:fillRef>
+          <a:effectRef idx="0">
+            <a:schemeClr val="accent6"/>
+          </a:effectRef>
+          <a:fontRef idx="minor">
+            <a:schemeClr val="lt1"/>
+          </a:fontRef>
+        </p:style>
+        <p:txBody>
+          <a:bodyPr rtlCol="0" anchor="ctr"/>
+          <a:lstStyle/>
+          <a:p>
+            <a:pPr algn="ctr"/>
+            <a:r>
+              <a:rPr lang="en-US" altLang="zh-CN" sz="1400" dirty="0" smtClean="0"/>
+              <a:t>Employment</a:t>
+            </a:r>
+            <a:r>
+              <a:rPr lang="en-GB" altLang="zh-CN" sz="1400" dirty="0" smtClean="0"/>
+              <a:t> Start Date</a:t>
+            </a:r>
+            <a:endParaRPr lang="en-GB" sz="1400" dirty="0"/>
+          </a:p>
+        </p:txBody>
+      </p:sp>
+      <p:sp>
+        <p:nvSpPr>
+          <p:cNvPr id="45" name="Rectangle 44"/>
+          <p:cNvSpPr/>
+          <p:nvPr/>
+        </p:nvSpPr>
+        <p:spPr>
+          <a:xfrm>
+            <a:off x="9054973" y="4915090"/>
+            <a:ext cx="2163779" cy="325925"/>
+          </a:xfrm>
+          <a:prstGeom prst="rect">
+            <a:avLst/>
+          </a:prstGeom>
+        </p:spPr>
+        <p:style>
+          <a:lnRef idx="2">
+            <a:schemeClr val="accent6">
+              <a:shade val="50000"/>
+            </a:schemeClr>
+          </a:lnRef>
+          <a:fillRef idx="1">
+            <a:schemeClr val="accent6"/>
+          </a:fillRef>
+          <a:effectRef idx="0">
+            <a:schemeClr val="accent6"/>
+          </a:effectRef>
+          <a:fontRef idx="minor">
+            <a:schemeClr val="lt1"/>
+          </a:fontRef>
+        </p:style>
+        <p:txBody>
+          <a:bodyPr rtlCol="0" anchor="ctr"/>
+          <a:lstStyle/>
+          <a:p>
+            <a:pPr algn="ctr"/>
+            <a:r>
+              <a:rPr lang="en-US" altLang="zh-CN" sz="1400" dirty="0" smtClean="0"/>
+              <a:t>Employment</a:t>
+            </a:r>
+            <a:r>
+              <a:rPr lang="en-GB" altLang="zh-CN" sz="1400" dirty="0" smtClean="0"/>
+              <a:t> End Date</a:t>
+            </a:r>
+            <a:endParaRPr lang="en-GB" sz="1400" dirty="0"/>
+          </a:p>
+        </p:txBody>
+      </p:sp>
+      <p:sp>
+        <p:nvSpPr>
+          <p:cNvPr id="59" name="Rectangle 58"/>
+          <p:cNvSpPr/>
+          <p:nvPr/>
+        </p:nvSpPr>
+        <p:spPr>
+          <a:xfrm>
+            <a:off x="1790973" y="2688543"/>
+            <a:ext cx="1535550" cy="207846"/>
+          </a:xfrm>
+          <a:prstGeom prst="rect">
+            <a:avLst/>
+          </a:prstGeom>
+        </p:spPr>
+        <p:style>
+          <a:lnRef idx="1">
+            <a:schemeClr val="accent2"/>
+          </a:lnRef>
+          <a:fillRef idx="2">
+            <a:schemeClr val="accent2"/>
+          </a:fillRef>
+          <a:effectRef idx="1">
+            <a:schemeClr val="accent2"/>
+          </a:effectRef>
+          <a:fontRef idx="minor">
+            <a:schemeClr val="dk1"/>
+          </a:fontRef>
+        </p:style>
+        <p:txBody>
+          <a:bodyPr rtlCol="0" anchor="ctr"/>
+          <a:lstStyle/>
+          <a:p>
+            <a:pPr algn="ctr"/>
+            <a:r>
+              <a:rPr lang="en-GB" dirty="0" smtClean="0"/>
+              <a:t>Timesheets</a:t>
+            </a:r>
+            <a:endParaRPr lang="en-GB" dirty="0"/>
+          </a:p>
+        </p:txBody>
+      </p:sp>
+    </p:spTree>
+    <p:extLst>
+      <p:ext uri="{BB962C8B-B14F-4D97-AF65-F5344CB8AC3E}">
+        <p14:creationId xmlns:p14="http://schemas.microsoft.com/office/powerpoint/2010/main" val="1575376627"/>
+      </p:ext>
+    </p:extLst>
+  </p:cSld>
+  <p:clrMapOvr>
+    <a:masterClrMapping/>
+  </p:clrMapOvr>
+</p:sld>
+</file>
+
+<file path=ppt/slides/slide9.xml><?xml version="1.0" encoding="utf-8"?>
+<p:sld xmlns:a="http://schemas.openxmlformats.org/drawingml/2006/main" xmlns:r="http://schemas.openxmlformats.org/officeDocument/2006/relationships" xmlns:p="http://schemas.openxmlformats.org/presentationml/2006/main">
+  <p:cSld>
+    <p:spTree>
+      <p:nvGrpSpPr>
+        <p:cNvPr id="1" name=""/>
+        <p:cNvGrpSpPr/>
+        <p:nvPr/>
+      </p:nvGrpSpPr>
+      <p:grpSpPr>
+        <a:xfrm>
+          <a:off x="0" y="0"/>
+          <a:ext cx="0" cy="0"/>
+          <a:chOff x="0" y="0"/>
+          <a:chExt cx="0" cy="0"/>
+        </a:xfrm>
+      </p:grpSpPr>
+      <p:sp>
+        <p:nvSpPr>
+          <p:cNvPr id="2" name="Title 1"/>
+          <p:cNvSpPr>
+            <a:spLocks noGrp="1"/>
+          </p:cNvSpPr>
+          <p:nvPr>
+            <p:ph type="title"/>
+          </p:nvPr>
+        </p:nvSpPr>
+        <p:spPr>
+          <a:xfrm>
+            <a:off x="778741" y="311030"/>
+            <a:ext cx="10515600" cy="824960"/>
+          </a:xfrm>
+        </p:spPr>
+        <p:txBody>
+          <a:bodyPr>
+            <a:normAutofit fontScale="90000"/>
+          </a:bodyPr>
+          <a:lstStyle/>
+          <a:p>
+            <a:r>
+              <a:rPr lang="en-US" altLang="zh-CN" dirty="0" smtClean="0"/>
+              <a:t>Staff</a:t>
+            </a:r>
+            <a:r>
+              <a:rPr lang="en-GB" dirty="0" smtClean="0"/>
+              <a:t> Management </a:t>
+            </a:r>
+            <a:r>
+              <a:rPr lang="en-US" altLang="zh-CN" dirty="0" smtClean="0"/>
+              <a:t>Part 2</a:t>
+            </a:r>
+            <a:br>
+              <a:rPr lang="en-US" altLang="zh-CN" dirty="0" smtClean="0"/>
+            </a:br>
+            <a:r>
+              <a:rPr lang="en-US" altLang="zh-CN" dirty="0" smtClean="0"/>
+              <a:t>Timesheets</a:t>
+            </a:r>
+            <a:endParaRPr lang="en-GB" dirty="0"/>
+          </a:p>
+        </p:txBody>
+      </p:sp>
+      <p:sp>
+        <p:nvSpPr>
+          <p:cNvPr id="47" name="Rectangle 46"/>
+          <p:cNvSpPr/>
+          <p:nvPr/>
+        </p:nvSpPr>
+        <p:spPr>
+          <a:xfrm>
+            <a:off x="406400" y="1690687"/>
+            <a:ext cx="11391900" cy="4913313"/>
+          </a:xfrm>
+          <a:prstGeom prst="rect">
+            <a:avLst/>
+          </a:prstGeom>
+        </p:spPr>
+        <p:style>
+          <a:lnRef idx="2">
+            <a:schemeClr val="accent1">
+              <a:shade val="50000"/>
+            </a:schemeClr>
+          </a:lnRef>
+          <a:fillRef idx="1">
+            <a:schemeClr val="accent1"/>
+          </a:fillRef>
+          <a:effectRef idx="0">
+            <a:schemeClr val="accent1"/>
+          </a:effectRef>
+          <a:fontRef idx="minor">
+            <a:schemeClr val="lt1"/>
+          </a:fontRef>
+        </p:style>
+        <p:txBody>
+          <a:bodyPr rtlCol="0" anchor="ctr"/>
+          <a:lstStyle/>
+          <a:p>
+            <a:pPr algn="ctr"/>
+            <a:endParaRPr lang="en-GB"/>
+          </a:p>
+        </p:txBody>
+      </p:sp>
+      <p:sp>
+        <p:nvSpPr>
+          <p:cNvPr id="4" name="Rectangle 3"/>
+          <p:cNvSpPr/>
+          <p:nvPr/>
+        </p:nvSpPr>
+        <p:spPr>
+          <a:xfrm>
+            <a:off x="7759700" y="2120900"/>
+            <a:ext cx="419100" cy="406400"/>
+          </a:xfrm>
+          <a:prstGeom prst="rect">
+            <a:avLst/>
+          </a:prstGeom>
+        </p:spPr>
+        <p:style>
+          <a:lnRef idx="2">
+            <a:schemeClr val="accent2">
+              <a:shade val="50000"/>
+            </a:schemeClr>
+          </a:lnRef>
+          <a:fillRef idx="1">
+            <a:schemeClr val="accent2"/>
+          </a:fillRef>
+          <a:effectRef idx="0">
+            <a:schemeClr val="accent2"/>
+          </a:effectRef>
+          <a:fontRef idx="minor">
+            <a:schemeClr val="lt1"/>
+          </a:fontRef>
+        </p:style>
+        <p:txBody>
+          <a:bodyPr rtlCol="0" anchor="ctr"/>
+          <a:lstStyle/>
+          <a:p>
+            <a:pPr algn="ctr"/>
+            <a:r>
+              <a:rPr lang="en-GB" dirty="0"/>
+              <a:t>&lt;</a:t>
+            </a:r>
+          </a:p>
+        </p:txBody>
+      </p:sp>
+      <p:sp>
+        <p:nvSpPr>
+          <p:cNvPr id="54" name="Rectangle 53"/>
+          <p:cNvSpPr/>
+          <p:nvPr/>
+        </p:nvSpPr>
+        <p:spPr>
+          <a:xfrm>
+            <a:off x="8153400" y="2120900"/>
+            <a:ext cx="1308100" cy="406400"/>
+          </a:xfrm>
+          <a:prstGeom prst="rect">
+            <a:avLst/>
+          </a:prstGeom>
+        </p:spPr>
+        <p:style>
+          <a:lnRef idx="2">
+            <a:schemeClr val="accent2">
+              <a:shade val="50000"/>
+            </a:schemeClr>
+          </a:lnRef>
+          <a:fillRef idx="1">
+            <a:schemeClr val="accent2"/>
+          </a:fillRef>
+          <a:effectRef idx="0">
+            <a:schemeClr val="accent2"/>
+          </a:effectRef>
+          <a:fontRef idx="minor">
+            <a:schemeClr val="lt1"/>
+          </a:fontRef>
+        </p:style>
+        <p:txBody>
+          <a:bodyPr rtlCol="0" anchor="ctr"/>
+          <a:lstStyle/>
+          <a:p>
+            <a:pPr algn="ctr"/>
+            <a:r>
+              <a:rPr lang="en-GB" dirty="0" smtClean="0"/>
+              <a:t>Today</a:t>
+            </a:r>
+            <a:endParaRPr lang="en-GB" dirty="0"/>
+          </a:p>
+        </p:txBody>
+      </p:sp>
+      <p:sp>
+        <p:nvSpPr>
+          <p:cNvPr id="55" name="Rectangle 54"/>
+          <p:cNvSpPr/>
+          <p:nvPr/>
+        </p:nvSpPr>
+        <p:spPr>
+          <a:xfrm>
+            <a:off x="9461499" y="2120900"/>
+            <a:ext cx="1832841" cy="406400"/>
+          </a:xfrm>
+          <a:prstGeom prst="rect">
+            <a:avLst/>
+          </a:prstGeom>
+        </p:spPr>
+        <p:style>
+          <a:lnRef idx="2">
+            <a:schemeClr val="accent2"/>
+          </a:lnRef>
+          <a:fillRef idx="1">
+            <a:schemeClr val="lt1"/>
+          </a:fillRef>
+          <a:effectRef idx="0">
+            <a:schemeClr val="accent2"/>
+          </a:effectRef>
+          <a:fontRef idx="minor">
+            <a:schemeClr val="dk1"/>
+          </a:fontRef>
+        </p:style>
+        <p:txBody>
+          <a:bodyPr rtlCol="0" anchor="ctr"/>
+          <a:lstStyle/>
+          <a:p>
+            <a:pPr algn="ctr"/>
+            <a:r>
+              <a:rPr lang="en-GB" dirty="0" smtClean="0"/>
+              <a:t>11 – 17 Feb 2018</a:t>
+            </a:r>
+            <a:endParaRPr lang="en-GB" dirty="0"/>
+          </a:p>
+        </p:txBody>
+      </p:sp>
+      <p:sp>
+        <p:nvSpPr>
+          <p:cNvPr id="56" name="Rectangle 55"/>
+          <p:cNvSpPr/>
+          <p:nvPr/>
+        </p:nvSpPr>
+        <p:spPr>
+          <a:xfrm>
+            <a:off x="11294340" y="2120900"/>
+            <a:ext cx="419100" cy="406400"/>
+          </a:xfrm>
+          <a:prstGeom prst="rect">
+            <a:avLst/>
+          </a:prstGeom>
+        </p:spPr>
+        <p:style>
+          <a:lnRef idx="2">
+            <a:schemeClr val="accent2">
+              <a:shade val="50000"/>
+            </a:schemeClr>
+          </a:lnRef>
+          <a:fillRef idx="1">
+            <a:schemeClr val="accent2"/>
+          </a:fillRef>
+          <a:effectRef idx="0">
+            <a:schemeClr val="accent2"/>
+          </a:effectRef>
+          <a:fontRef idx="minor">
+            <a:schemeClr val="lt1"/>
+          </a:fontRef>
+        </p:style>
+        <p:txBody>
+          <a:bodyPr rtlCol="0" anchor="ctr"/>
+          <a:lstStyle/>
+          <a:p>
+            <a:pPr algn="ctr"/>
+            <a:r>
+              <a:rPr lang="en-GB" dirty="0" smtClean="0"/>
+              <a:t>&gt;</a:t>
+            </a:r>
+            <a:endParaRPr lang="en-GB" dirty="0"/>
+          </a:p>
+        </p:txBody>
+      </p:sp>
+      <p:sp>
+        <p:nvSpPr>
+          <p:cNvPr id="59" name="Rectangle 58"/>
+          <p:cNvSpPr/>
+          <p:nvPr/>
+        </p:nvSpPr>
+        <p:spPr>
+          <a:xfrm>
+            <a:off x="778740" y="2132011"/>
+            <a:ext cx="1308100" cy="406400"/>
+          </a:xfrm>
+          <a:prstGeom prst="rect">
+            <a:avLst/>
+          </a:prstGeom>
+        </p:spPr>
+        <p:style>
+          <a:lnRef idx="2">
+            <a:schemeClr val="accent2">
+              <a:shade val="50000"/>
+            </a:schemeClr>
+          </a:lnRef>
+          <a:fillRef idx="1">
+            <a:schemeClr val="accent2"/>
+          </a:fillRef>
+          <a:effectRef idx="0">
+            <a:schemeClr val="accent2"/>
+          </a:effectRef>
+          <a:fontRef idx="minor">
+            <a:schemeClr val="lt1"/>
+          </a:fontRef>
+        </p:style>
+        <p:txBody>
+          <a:bodyPr rtlCol="0" anchor="ctr"/>
+          <a:lstStyle/>
+          <a:p>
+            <a:pPr algn="ctr"/>
+            <a:r>
+              <a:rPr lang="en-GB" dirty="0" smtClean="0"/>
+              <a:t>All Shop</a:t>
+            </a:r>
+            <a:endParaRPr lang="en-GB" dirty="0"/>
+          </a:p>
+        </p:txBody>
+      </p:sp>
+      <p:sp>
+        <p:nvSpPr>
+          <p:cNvPr id="60" name="Flowchart: Alternate Process 59"/>
+          <p:cNvSpPr/>
+          <p:nvPr/>
+        </p:nvSpPr>
+        <p:spPr>
+          <a:xfrm>
+            <a:off x="778740" y="2957512"/>
+            <a:ext cx="10790959" cy="3227387"/>
+          </a:xfrm>
+          <a:prstGeom prst="flowChartAlternateProcess">
+            <a:avLst/>
+          </a:prstGeom>
+        </p:spPr>
+        <p:style>
+          <a:lnRef idx="1">
+            <a:schemeClr val="accent1"/>
+          </a:lnRef>
+          <a:fillRef idx="2">
+            <a:schemeClr val="accent1"/>
+          </a:fillRef>
+          <a:effectRef idx="1">
+            <a:schemeClr val="accent1"/>
+          </a:effectRef>
+          <a:fontRef idx="minor">
+            <a:schemeClr val="dk1"/>
+          </a:fontRef>
+        </p:style>
+        <p:txBody>
+          <a:bodyPr rtlCol="0" anchor="ctr"/>
+          <a:lstStyle/>
+          <a:p>
+            <a:pPr algn="ctr"/>
+            <a:endParaRPr lang="en-GB"/>
+          </a:p>
+        </p:txBody>
+      </p:sp>
+      <p:sp>
+        <p:nvSpPr>
+          <p:cNvPr id="62" name="Rectangle 61"/>
+          <p:cNvSpPr/>
+          <p:nvPr/>
+        </p:nvSpPr>
+        <p:spPr>
+          <a:xfrm>
+            <a:off x="979551" y="3517962"/>
+            <a:ext cx="1408049" cy="325925"/>
+          </a:xfrm>
+          <a:prstGeom prst="rect">
+            <a:avLst/>
+          </a:prstGeom>
+        </p:spPr>
+        <p:style>
+          <a:lnRef idx="2">
+            <a:schemeClr val="accent6">
+              <a:shade val="50000"/>
+            </a:schemeClr>
+          </a:lnRef>
+          <a:fillRef idx="1">
+            <a:schemeClr val="accent6"/>
+          </a:fillRef>
+          <a:effectRef idx="0">
+            <a:schemeClr val="accent6"/>
+          </a:effectRef>
+          <a:fontRef idx="minor">
+            <a:schemeClr val="lt1"/>
+          </a:fontRef>
+        </p:style>
+        <p:txBody>
+          <a:bodyPr rtlCol="0" anchor="ctr"/>
+          <a:lstStyle/>
+          <a:p>
+            <a:pPr algn="ctr"/>
+            <a:r>
+              <a:rPr lang="en-GB" dirty="0" smtClean="0"/>
+              <a:t>Staff Name</a:t>
+            </a:r>
+            <a:endParaRPr lang="en-GB" dirty="0"/>
+          </a:p>
+        </p:txBody>
+      </p:sp>
+      <p:sp>
+        <p:nvSpPr>
+          <p:cNvPr id="63" name="Rectangle 62"/>
+          <p:cNvSpPr/>
+          <p:nvPr/>
+        </p:nvSpPr>
+        <p:spPr>
+          <a:xfrm>
+            <a:off x="3807608" y="2969897"/>
+            <a:ext cx="1270001" cy="406400"/>
+          </a:xfrm>
+          <a:prstGeom prst="rect">
+            <a:avLst/>
+          </a:prstGeom>
+        </p:spPr>
+        <p:style>
+          <a:lnRef idx="2">
+            <a:schemeClr val="accent2"/>
+          </a:lnRef>
+          <a:fillRef idx="1">
+            <a:schemeClr val="lt1"/>
+          </a:fillRef>
+          <a:effectRef idx="0">
+            <a:schemeClr val="accent2"/>
+          </a:effectRef>
+          <a:fontRef idx="minor">
+            <a:schemeClr val="dk1"/>
+          </a:fontRef>
+        </p:style>
+        <p:txBody>
+          <a:bodyPr rtlCol="0" anchor="ctr"/>
+          <a:lstStyle/>
+          <a:p>
+            <a:pPr algn="ctr"/>
+            <a:r>
+              <a:rPr lang="en-GB" dirty="0" smtClean="0"/>
+              <a:t>Tue 13</a:t>
+            </a:r>
+            <a:endParaRPr lang="en-GB" dirty="0"/>
+          </a:p>
+        </p:txBody>
+      </p:sp>
+      <p:sp>
+        <p:nvSpPr>
+          <p:cNvPr id="64" name="Rectangle 63"/>
+          <p:cNvSpPr/>
+          <p:nvPr/>
+        </p:nvSpPr>
+        <p:spPr>
+          <a:xfrm>
+            <a:off x="5074849" y="2985600"/>
+            <a:ext cx="1270001" cy="406400"/>
+          </a:xfrm>
+          <a:prstGeom prst="rect">
+            <a:avLst/>
+          </a:prstGeom>
+        </p:spPr>
+        <p:style>
+          <a:lnRef idx="2">
+            <a:schemeClr val="accent2"/>
+          </a:lnRef>
+          <a:fillRef idx="1">
+            <a:schemeClr val="lt1"/>
+          </a:fillRef>
+          <a:effectRef idx="0">
+            <a:schemeClr val="accent2"/>
+          </a:effectRef>
+          <a:fontRef idx="minor">
+            <a:schemeClr val="dk1"/>
+          </a:fontRef>
+        </p:style>
+        <p:txBody>
+          <a:bodyPr rtlCol="0" anchor="ctr"/>
+          <a:lstStyle/>
+          <a:p>
+            <a:pPr algn="ctr"/>
+            <a:r>
+              <a:rPr lang="en-GB" dirty="0" smtClean="0"/>
+              <a:t>Wed 14</a:t>
+            </a:r>
+            <a:endParaRPr lang="en-GB" dirty="0"/>
+          </a:p>
+        </p:txBody>
+      </p:sp>
+      <p:sp>
+        <p:nvSpPr>
+          <p:cNvPr id="65" name="Rectangle 64"/>
+          <p:cNvSpPr/>
+          <p:nvPr/>
+        </p:nvSpPr>
+        <p:spPr>
+          <a:xfrm>
+            <a:off x="6347610" y="2968797"/>
+            <a:ext cx="1270001" cy="406400"/>
+          </a:xfrm>
+          <a:prstGeom prst="rect">
+            <a:avLst/>
+          </a:prstGeom>
+        </p:spPr>
+        <p:style>
+          <a:lnRef idx="2">
+            <a:schemeClr val="accent2"/>
+          </a:lnRef>
+          <a:fillRef idx="1">
+            <a:schemeClr val="lt1"/>
+          </a:fillRef>
+          <a:effectRef idx="0">
+            <a:schemeClr val="accent2"/>
+          </a:effectRef>
+          <a:fontRef idx="minor">
+            <a:schemeClr val="dk1"/>
+          </a:fontRef>
+        </p:style>
+        <p:txBody>
+          <a:bodyPr rtlCol="0" anchor="ctr"/>
+          <a:lstStyle/>
+          <a:p>
+            <a:pPr algn="ctr"/>
+            <a:r>
+              <a:rPr lang="en-GB" dirty="0" smtClean="0"/>
+              <a:t>Thu 15</a:t>
+            </a:r>
+            <a:endParaRPr lang="en-GB" dirty="0"/>
+          </a:p>
+        </p:txBody>
+      </p:sp>
+      <p:sp>
+        <p:nvSpPr>
+          <p:cNvPr id="66" name="Rectangle 65"/>
+          <p:cNvSpPr/>
+          <p:nvPr/>
+        </p:nvSpPr>
+        <p:spPr>
+          <a:xfrm>
+            <a:off x="7623131" y="2957512"/>
+            <a:ext cx="1270001" cy="406400"/>
+          </a:xfrm>
+          <a:prstGeom prst="rect">
+            <a:avLst/>
+          </a:prstGeom>
+        </p:spPr>
+        <p:style>
+          <a:lnRef idx="2">
+            <a:schemeClr val="accent2"/>
+          </a:lnRef>
+          <a:fillRef idx="1">
+            <a:schemeClr val="lt1"/>
+          </a:fillRef>
+          <a:effectRef idx="0">
+            <a:schemeClr val="accent2"/>
+          </a:effectRef>
+          <a:fontRef idx="minor">
+            <a:schemeClr val="dk1"/>
+          </a:fontRef>
+        </p:style>
+        <p:txBody>
+          <a:bodyPr rtlCol="0" anchor="ctr"/>
+          <a:lstStyle/>
+          <a:p>
+            <a:pPr algn="ctr"/>
+            <a:r>
+              <a:rPr lang="en-GB" dirty="0" smtClean="0"/>
+              <a:t>Fri 16</a:t>
+            </a:r>
+            <a:endParaRPr lang="en-GB" dirty="0"/>
+          </a:p>
+        </p:txBody>
+      </p:sp>
+      <p:sp>
+        <p:nvSpPr>
+          <p:cNvPr id="67" name="Rectangle 66"/>
+          <p:cNvSpPr/>
+          <p:nvPr/>
+        </p:nvSpPr>
+        <p:spPr>
+          <a:xfrm>
+            <a:off x="8893132" y="2957512"/>
+            <a:ext cx="1270001" cy="406400"/>
+          </a:xfrm>
+          <a:prstGeom prst="rect">
+            <a:avLst/>
+          </a:prstGeom>
+        </p:spPr>
+        <p:style>
+          <a:lnRef idx="2">
+            <a:schemeClr val="accent2"/>
+          </a:lnRef>
+          <a:fillRef idx="1">
+            <a:schemeClr val="lt1"/>
+          </a:fillRef>
+          <a:effectRef idx="0">
+            <a:schemeClr val="accent2"/>
+          </a:effectRef>
+          <a:fontRef idx="minor">
+            <a:schemeClr val="dk1"/>
+          </a:fontRef>
+        </p:style>
+        <p:txBody>
+          <a:bodyPr rtlCol="0" anchor="ctr"/>
+          <a:lstStyle/>
+          <a:p>
+            <a:pPr algn="ctr"/>
+            <a:r>
+              <a:rPr lang="en-GB" dirty="0" smtClean="0"/>
+              <a:t>Sat 17</a:t>
+            </a:r>
+            <a:endParaRPr lang="en-GB" dirty="0"/>
+          </a:p>
+        </p:txBody>
+      </p:sp>
+      <p:sp>
+        <p:nvSpPr>
+          <p:cNvPr id="68" name="Rectangle 67"/>
+          <p:cNvSpPr/>
+          <p:nvPr/>
+        </p:nvSpPr>
+        <p:spPr>
+          <a:xfrm>
+            <a:off x="10163133" y="2957512"/>
+            <a:ext cx="1270001" cy="406400"/>
+          </a:xfrm>
+          <a:prstGeom prst="rect">
+            <a:avLst/>
+          </a:prstGeom>
+        </p:spPr>
+        <p:style>
+          <a:lnRef idx="2">
+            <a:schemeClr val="accent2"/>
+          </a:lnRef>
+          <a:fillRef idx="1">
+            <a:schemeClr val="lt1"/>
+          </a:fillRef>
+          <a:effectRef idx="0">
+            <a:schemeClr val="accent2"/>
+          </a:effectRef>
+          <a:fontRef idx="minor">
+            <a:schemeClr val="dk1"/>
+          </a:fontRef>
+        </p:style>
+        <p:txBody>
+          <a:bodyPr rtlCol="0" anchor="ctr"/>
+          <a:lstStyle/>
+          <a:p>
+            <a:pPr algn="ctr"/>
+            <a:r>
+              <a:rPr lang="en-GB" dirty="0" smtClean="0"/>
+              <a:t>Sun 18</a:t>
+            </a:r>
+            <a:endParaRPr lang="en-GB" dirty="0"/>
+          </a:p>
+        </p:txBody>
+      </p:sp>
+      <p:sp>
+        <p:nvSpPr>
+          <p:cNvPr id="69" name="Rectangle 68"/>
+          <p:cNvSpPr/>
+          <p:nvPr/>
+        </p:nvSpPr>
+        <p:spPr>
+          <a:xfrm>
+            <a:off x="2537607" y="2985600"/>
+            <a:ext cx="1270001" cy="406400"/>
+          </a:xfrm>
+          <a:prstGeom prst="rect">
+            <a:avLst/>
+          </a:prstGeom>
+        </p:spPr>
+        <p:style>
+          <a:lnRef idx="2">
+            <a:schemeClr val="accent2"/>
+          </a:lnRef>
+          <a:fillRef idx="1">
+            <a:schemeClr val="lt1"/>
+          </a:fillRef>
+          <a:effectRef idx="0">
+            <a:schemeClr val="accent2"/>
+          </a:effectRef>
+          <a:fontRef idx="minor">
+            <a:schemeClr val="dk1"/>
+          </a:fontRef>
+        </p:style>
+        <p:txBody>
+          <a:bodyPr rtlCol="0" anchor="ctr"/>
+          <a:lstStyle/>
+          <a:p>
+            <a:pPr algn="ctr"/>
+            <a:r>
+              <a:rPr lang="en-GB" dirty="0" smtClean="0"/>
+              <a:t>Mon 12</a:t>
+            </a:r>
+            <a:endParaRPr lang="en-GB" dirty="0"/>
+          </a:p>
+        </p:txBody>
+      </p:sp>
+      <p:sp>
+        <p:nvSpPr>
+          <p:cNvPr id="70" name="Rectangle 69"/>
+          <p:cNvSpPr/>
+          <p:nvPr/>
+        </p:nvSpPr>
+        <p:spPr>
+          <a:xfrm>
+            <a:off x="979550" y="3948174"/>
+            <a:ext cx="1408049" cy="325925"/>
+          </a:xfrm>
+          <a:prstGeom prst="rect">
+            <a:avLst/>
+          </a:prstGeom>
+        </p:spPr>
+        <p:style>
+          <a:lnRef idx="2">
+            <a:schemeClr val="accent6">
+              <a:shade val="50000"/>
+            </a:schemeClr>
+          </a:lnRef>
+          <a:fillRef idx="1">
+            <a:schemeClr val="accent6"/>
+          </a:fillRef>
+          <a:effectRef idx="0">
+            <a:schemeClr val="accent6"/>
+          </a:effectRef>
+          <a:fontRef idx="minor">
+            <a:schemeClr val="lt1"/>
+          </a:fontRef>
+        </p:style>
+        <p:txBody>
+          <a:bodyPr rtlCol="0" anchor="ctr"/>
+          <a:lstStyle/>
+          <a:p>
+            <a:pPr algn="ctr"/>
+            <a:r>
+              <a:rPr lang="en-GB" dirty="0" smtClean="0"/>
+              <a:t>Staff Name</a:t>
+            </a:r>
+            <a:endParaRPr lang="en-GB" dirty="0"/>
+          </a:p>
+        </p:txBody>
+      </p:sp>
+      <p:sp>
+        <p:nvSpPr>
+          <p:cNvPr id="71" name="Rectangle 70"/>
+          <p:cNvSpPr/>
+          <p:nvPr/>
+        </p:nvSpPr>
+        <p:spPr>
+          <a:xfrm>
+            <a:off x="2537607" y="3477724"/>
+            <a:ext cx="1270001" cy="406400"/>
+          </a:xfrm>
+          <a:prstGeom prst="rect">
+            <a:avLst/>
+          </a:prstGeom>
+        </p:spPr>
+        <p:style>
+          <a:lnRef idx="2">
+            <a:schemeClr val="accent2">
+              <a:shade val="50000"/>
+            </a:schemeClr>
+          </a:lnRef>
+          <a:fillRef idx="1">
+            <a:schemeClr val="accent2"/>
+          </a:fillRef>
+          <a:effectRef idx="0">
+            <a:schemeClr val="accent2"/>
+          </a:effectRef>
+          <a:fontRef idx="minor">
+            <a:schemeClr val="lt1"/>
+          </a:fontRef>
+        </p:style>
+        <p:txBody>
+          <a:bodyPr rtlCol="0" anchor="ctr"/>
+          <a:lstStyle/>
+          <a:p>
+            <a:pPr algn="ctr"/>
+            <a:r>
+              <a:rPr lang="en-GB" sz="1400" dirty="0" smtClean="0"/>
+              <a:t>9:00 – 17:00</a:t>
+            </a:r>
+            <a:endParaRPr lang="en-GB" sz="1400" dirty="0"/>
+          </a:p>
+        </p:txBody>
+      </p:sp>
+      <p:sp>
+        <p:nvSpPr>
+          <p:cNvPr id="72" name="Rectangle 71"/>
+          <p:cNvSpPr/>
+          <p:nvPr/>
+        </p:nvSpPr>
+        <p:spPr>
+          <a:xfrm>
+            <a:off x="3830616" y="3477724"/>
+            <a:ext cx="1270001" cy="406400"/>
+          </a:xfrm>
+          <a:prstGeom prst="rect">
+            <a:avLst/>
+          </a:prstGeom>
+        </p:spPr>
+        <p:style>
+          <a:lnRef idx="2">
+            <a:schemeClr val="accent2">
+              <a:shade val="50000"/>
+            </a:schemeClr>
+          </a:lnRef>
+          <a:fillRef idx="1">
+            <a:schemeClr val="accent2"/>
+          </a:fillRef>
+          <a:effectRef idx="0">
+            <a:schemeClr val="accent2"/>
+          </a:effectRef>
+          <a:fontRef idx="minor">
+            <a:schemeClr val="lt1"/>
+          </a:fontRef>
+        </p:style>
+        <p:txBody>
+          <a:bodyPr rtlCol="0" anchor="ctr"/>
+          <a:lstStyle/>
+          <a:p>
+            <a:pPr algn="ctr"/>
+            <a:r>
+              <a:rPr lang="en-GB" sz="1400" dirty="0" smtClean="0"/>
+              <a:t>9:00 – 17:00</a:t>
+            </a:r>
+            <a:endParaRPr lang="en-GB" sz="1400" dirty="0"/>
+          </a:p>
+        </p:txBody>
+      </p:sp>
+      <p:sp>
+        <p:nvSpPr>
+          <p:cNvPr id="73" name="Rectangle 72"/>
+          <p:cNvSpPr/>
+          <p:nvPr/>
+        </p:nvSpPr>
+        <p:spPr>
+          <a:xfrm>
+            <a:off x="6347610" y="3477724"/>
+            <a:ext cx="1270001" cy="406400"/>
+          </a:xfrm>
+          <a:prstGeom prst="rect">
+            <a:avLst/>
+          </a:prstGeom>
+        </p:spPr>
+        <p:style>
+          <a:lnRef idx="2">
+            <a:schemeClr val="accent2">
+              <a:shade val="50000"/>
+            </a:schemeClr>
+          </a:lnRef>
+          <a:fillRef idx="1">
+            <a:schemeClr val="accent2"/>
+          </a:fillRef>
+          <a:effectRef idx="0">
+            <a:schemeClr val="accent2"/>
+          </a:effectRef>
+          <a:fontRef idx="minor">
+            <a:schemeClr val="lt1"/>
+          </a:fontRef>
+        </p:style>
+        <p:txBody>
+          <a:bodyPr rtlCol="0" anchor="ctr"/>
+          <a:lstStyle/>
+          <a:p>
+            <a:pPr algn="ctr"/>
+            <a:r>
+              <a:rPr lang="en-GB" sz="1400" dirty="0" smtClean="0"/>
+              <a:t>9:00 – 17:00</a:t>
+            </a:r>
+            <a:endParaRPr lang="en-GB" sz="1400" dirty="0"/>
+          </a:p>
+        </p:txBody>
+      </p:sp>
+      <p:sp>
+        <p:nvSpPr>
+          <p:cNvPr id="74" name="Rectangle 73"/>
+          <p:cNvSpPr/>
+          <p:nvPr/>
+        </p:nvSpPr>
+        <p:spPr>
+          <a:xfrm>
+            <a:off x="7623131" y="3477724"/>
+            <a:ext cx="1270001" cy="406400"/>
+          </a:xfrm>
+          <a:prstGeom prst="rect">
+            <a:avLst/>
+          </a:prstGeom>
+        </p:spPr>
+        <p:style>
+          <a:lnRef idx="2">
+            <a:schemeClr val="accent2">
+              <a:shade val="50000"/>
+            </a:schemeClr>
+          </a:lnRef>
+          <a:fillRef idx="1">
+            <a:schemeClr val="accent2"/>
+          </a:fillRef>
+          <a:effectRef idx="0">
+            <a:schemeClr val="accent2"/>
+          </a:effectRef>
+          <a:fontRef idx="minor">
+            <a:schemeClr val="lt1"/>
+          </a:fontRef>
+        </p:style>
+        <p:txBody>
+          <a:bodyPr rtlCol="0" anchor="ctr"/>
+          <a:lstStyle/>
+          <a:p>
+            <a:pPr algn="ctr"/>
+            <a:r>
+              <a:rPr lang="en-GB" sz="1400" dirty="0" smtClean="0"/>
+              <a:t>9:00 – 17:00</a:t>
+            </a:r>
+            <a:endParaRPr lang="en-GB" sz="1400" dirty="0"/>
+          </a:p>
+        </p:txBody>
+      </p:sp>
+      <p:sp>
+        <p:nvSpPr>
+          <p:cNvPr id="75" name="Rectangle 74"/>
+          <p:cNvSpPr/>
+          <p:nvPr/>
+        </p:nvSpPr>
+        <p:spPr>
+          <a:xfrm>
+            <a:off x="8893132" y="3477724"/>
+            <a:ext cx="1270001" cy="406400"/>
+          </a:xfrm>
+          <a:prstGeom prst="rect">
+            <a:avLst/>
+          </a:prstGeom>
+        </p:spPr>
+        <p:style>
+          <a:lnRef idx="2">
+            <a:schemeClr val="accent2">
+              <a:shade val="50000"/>
+            </a:schemeClr>
+          </a:lnRef>
+          <a:fillRef idx="1">
+            <a:schemeClr val="accent2"/>
+          </a:fillRef>
+          <a:effectRef idx="0">
+            <a:schemeClr val="accent2"/>
+          </a:effectRef>
+          <a:fontRef idx="minor">
+            <a:schemeClr val="lt1"/>
+          </a:fontRef>
+        </p:style>
+        <p:txBody>
+          <a:bodyPr rtlCol="0" anchor="ctr"/>
+          <a:lstStyle/>
+          <a:p>
+            <a:pPr algn="ctr"/>
+            <a:r>
+              <a:rPr lang="en-GB" sz="1400" dirty="0" smtClean="0"/>
+              <a:t>9:00 – 17:00</a:t>
+            </a:r>
+            <a:endParaRPr lang="en-GB" sz="1400" dirty="0"/>
+          </a:p>
+        </p:txBody>
+      </p:sp>
+      <p:sp>
+        <p:nvSpPr>
+          <p:cNvPr id="76" name="Rectangle 75"/>
+          <p:cNvSpPr/>
+          <p:nvPr/>
+        </p:nvSpPr>
+        <p:spPr>
+          <a:xfrm>
+            <a:off x="3838531" y="3955072"/>
+            <a:ext cx="1270001" cy="406400"/>
+          </a:xfrm>
+          <a:prstGeom prst="rect">
+            <a:avLst/>
+          </a:prstGeom>
+        </p:spPr>
+        <p:style>
+          <a:lnRef idx="2">
+            <a:schemeClr val="accent2">
+              <a:shade val="50000"/>
+            </a:schemeClr>
+          </a:lnRef>
+          <a:fillRef idx="1">
+            <a:schemeClr val="accent2"/>
+          </a:fillRef>
+          <a:effectRef idx="0">
+            <a:schemeClr val="accent2"/>
+          </a:effectRef>
+          <a:fontRef idx="minor">
+            <a:schemeClr val="lt1"/>
+          </a:fontRef>
+        </p:style>
+        <p:txBody>
+          <a:bodyPr rtlCol="0" anchor="ctr"/>
+          <a:lstStyle/>
+          <a:p>
+            <a:pPr algn="ctr"/>
+            <a:r>
+              <a:rPr lang="en-GB" sz="1400" dirty="0" smtClean="0"/>
+              <a:t>9:00 – 17:00</a:t>
+            </a:r>
+            <a:endParaRPr lang="en-GB" sz="1400" dirty="0"/>
+          </a:p>
+        </p:txBody>
+      </p:sp>
+      <p:sp>
+        <p:nvSpPr>
+          <p:cNvPr id="77" name="Rectangle 76"/>
+          <p:cNvSpPr/>
+          <p:nvPr/>
+        </p:nvSpPr>
+        <p:spPr>
+          <a:xfrm>
+            <a:off x="5099421" y="3946697"/>
+            <a:ext cx="1270001" cy="406400"/>
+          </a:xfrm>
+          <a:prstGeom prst="rect">
+            <a:avLst/>
+          </a:prstGeom>
+        </p:spPr>
+        <p:style>
+          <a:lnRef idx="2">
+            <a:schemeClr val="accent2">
+              <a:shade val="50000"/>
+            </a:schemeClr>
+          </a:lnRef>
+          <a:fillRef idx="1">
+            <a:schemeClr val="accent2"/>
+          </a:fillRef>
+          <a:effectRef idx="0">
+            <a:schemeClr val="accent2"/>
+          </a:effectRef>
+          <a:fontRef idx="minor">
+            <a:schemeClr val="lt1"/>
+          </a:fontRef>
+        </p:style>
+        <p:txBody>
+          <a:bodyPr rtlCol="0" anchor="ctr"/>
+          <a:lstStyle/>
+          <a:p>
+            <a:pPr algn="ctr"/>
+            <a:r>
+              <a:rPr lang="en-GB" sz="1400" dirty="0" smtClean="0"/>
+              <a:t>9:00 – 17:00</a:t>
+            </a:r>
+            <a:endParaRPr lang="en-GB" sz="1400" dirty="0"/>
+          </a:p>
+        </p:txBody>
+      </p:sp>
+      <p:sp>
+        <p:nvSpPr>
+          <p:cNvPr id="78" name="Rectangle 77"/>
+          <p:cNvSpPr/>
+          <p:nvPr/>
+        </p:nvSpPr>
+        <p:spPr>
+          <a:xfrm>
+            <a:off x="6371814" y="3946697"/>
+            <a:ext cx="1270001" cy="406400"/>
+          </a:xfrm>
+          <a:prstGeom prst="rect">
+            <a:avLst/>
+          </a:prstGeom>
+        </p:spPr>
+        <p:style>
+          <a:lnRef idx="2">
+            <a:schemeClr val="accent2">
+              <a:shade val="50000"/>
+            </a:schemeClr>
+          </a:lnRef>
+          <a:fillRef idx="1">
+            <a:schemeClr val="accent2"/>
+          </a:fillRef>
+          <a:effectRef idx="0">
+            <a:schemeClr val="accent2"/>
+          </a:effectRef>
+          <a:fontRef idx="minor">
+            <a:schemeClr val="lt1"/>
+          </a:fontRef>
+        </p:style>
+        <p:txBody>
+          <a:bodyPr rtlCol="0" anchor="ctr"/>
+          <a:lstStyle/>
+          <a:p>
+            <a:pPr algn="ctr"/>
+            <a:r>
+              <a:rPr lang="en-GB" sz="1400" dirty="0" smtClean="0"/>
+              <a:t>9:00 – 17:00</a:t>
+            </a:r>
+            <a:endParaRPr lang="en-GB" sz="1400" dirty="0"/>
+          </a:p>
+        </p:txBody>
+      </p:sp>
+      <p:sp>
+        <p:nvSpPr>
+          <p:cNvPr id="79" name="Rectangle 78"/>
+          <p:cNvSpPr/>
+          <p:nvPr/>
+        </p:nvSpPr>
+        <p:spPr>
+          <a:xfrm>
+            <a:off x="8885587" y="3946697"/>
+            <a:ext cx="1270001" cy="406400"/>
+          </a:xfrm>
+          <a:prstGeom prst="rect">
+            <a:avLst/>
+          </a:prstGeom>
+        </p:spPr>
+        <p:style>
+          <a:lnRef idx="2">
+            <a:schemeClr val="accent2">
+              <a:shade val="50000"/>
+            </a:schemeClr>
+          </a:lnRef>
+          <a:fillRef idx="1">
+            <a:schemeClr val="accent2"/>
+          </a:fillRef>
+          <a:effectRef idx="0">
+            <a:schemeClr val="accent2"/>
+          </a:effectRef>
+          <a:fontRef idx="minor">
+            <a:schemeClr val="lt1"/>
+          </a:fontRef>
+        </p:style>
+        <p:txBody>
+          <a:bodyPr rtlCol="0" anchor="ctr"/>
+          <a:lstStyle/>
+          <a:p>
+            <a:pPr algn="ctr"/>
+            <a:r>
+              <a:rPr lang="en-GB" sz="1400" dirty="0" smtClean="0"/>
+              <a:t>9:00 – 17:00</a:t>
+            </a:r>
+            <a:endParaRPr lang="en-GB" sz="1400" dirty="0"/>
+          </a:p>
+        </p:txBody>
+      </p:sp>
+      <p:sp>
+        <p:nvSpPr>
+          <p:cNvPr id="80" name="Rectangle 79"/>
+          <p:cNvSpPr/>
+          <p:nvPr/>
+        </p:nvSpPr>
+        <p:spPr>
+          <a:xfrm>
+            <a:off x="10155588" y="3946697"/>
+            <a:ext cx="1270001" cy="406400"/>
+          </a:xfrm>
+          <a:prstGeom prst="rect">
+            <a:avLst/>
+          </a:prstGeom>
+        </p:spPr>
+        <p:style>
+          <a:lnRef idx="2">
+            <a:schemeClr val="accent2">
+              <a:shade val="50000"/>
+            </a:schemeClr>
+          </a:lnRef>
+          <a:fillRef idx="1">
+            <a:schemeClr val="accent2"/>
+          </a:fillRef>
+          <a:effectRef idx="0">
+            <a:schemeClr val="accent2"/>
+          </a:effectRef>
+          <a:fontRef idx="minor">
+            <a:schemeClr val="lt1"/>
+          </a:fontRef>
+        </p:style>
+        <p:txBody>
+          <a:bodyPr rtlCol="0" anchor="ctr"/>
+          <a:lstStyle/>
+          <a:p>
+            <a:pPr algn="ctr"/>
+            <a:r>
+              <a:rPr lang="en-GB" sz="1400" dirty="0" smtClean="0"/>
+              <a:t>9:00 – 17:00</a:t>
+            </a:r>
+            <a:endParaRPr lang="en-GB" sz="1400" dirty="0"/>
+          </a:p>
+        </p:txBody>
+      </p:sp>
+    </p:spTree>
+    <p:extLst>
+      <p:ext uri="{BB962C8B-B14F-4D97-AF65-F5344CB8AC3E}">
+        <p14:creationId xmlns:p14="http://schemas.microsoft.com/office/powerpoint/2010/main" val="2627343814"/>
       </p:ext>
     </p:extLst>
   </p:cSld>

--- a/SupportFiles/Documents/SketchFlow.pptx
+++ b/SupportFiles/Documents/SketchFlow.pptx
@@ -162,7 +162,7 @@
           </a:lstStyle>
           <a:p>
             <a:r>
-              <a:rPr lang="en-US" smtClean="0"/>
+              <a:rPr lang="en-US"/>
               <a:t>Click to edit Master title style</a:t>
             </a:r>
             <a:endParaRPr lang="en-GB"/>
@@ -227,7 +227,7 @@
           </a:lstStyle>
           <a:p>
             <a:r>
-              <a:rPr lang="en-US" smtClean="0"/>
+              <a:rPr lang="en-US"/>
               <a:t>Click to edit Master subtitle style</a:t>
             </a:r>
             <a:endParaRPr lang="en-GB"/>
@@ -345,7 +345,7 @@
           <a:lstStyle/>
           <a:p>
             <a:r>
-              <a:rPr lang="en-US" smtClean="0"/>
+              <a:rPr lang="en-US"/>
               <a:t>Click to edit Master title style</a:t>
             </a:r>
             <a:endParaRPr lang="en-GB"/>
@@ -369,35 +369,35 @@
           <a:p>
             <a:pPr lvl="0"/>
             <a:r>
-              <a:rPr lang="en-US" smtClean="0"/>
+              <a:rPr lang="en-US"/>
               <a:t>Click to edit Master text styles</a:t>
             </a:r>
           </a:p>
           <a:p>
             <a:pPr lvl="1"/>
             <a:r>
-              <a:rPr lang="en-US" smtClean="0"/>
+              <a:rPr lang="en-US"/>
               <a:t>Second level</a:t>
             </a:r>
           </a:p>
           <a:p>
             <a:pPr lvl="2"/>
             <a:r>
-              <a:rPr lang="en-US" smtClean="0"/>
+              <a:rPr lang="en-US"/>
               <a:t>Third level</a:t>
             </a:r>
           </a:p>
           <a:p>
             <a:pPr lvl="3"/>
             <a:r>
-              <a:rPr lang="en-US" smtClean="0"/>
+              <a:rPr lang="en-US"/>
               <a:t>Fourth level</a:t>
             </a:r>
           </a:p>
           <a:p>
             <a:pPr lvl="4"/>
             <a:r>
-              <a:rPr lang="en-US" smtClean="0"/>
+              <a:rPr lang="en-US"/>
               <a:t>Fifth level</a:t>
             </a:r>
             <a:endParaRPr lang="en-GB"/>
@@ -520,7 +520,7 @@
           <a:lstStyle/>
           <a:p>
             <a:r>
-              <a:rPr lang="en-US" smtClean="0"/>
+              <a:rPr lang="en-US"/>
               <a:t>Click to edit Master title style</a:t>
             </a:r>
             <a:endParaRPr lang="en-GB"/>
@@ -549,35 +549,35 @@
           <a:p>
             <a:pPr lvl="0"/>
             <a:r>
-              <a:rPr lang="en-US" smtClean="0"/>
+              <a:rPr lang="en-US"/>
               <a:t>Click to edit Master text styles</a:t>
             </a:r>
           </a:p>
           <a:p>
             <a:pPr lvl="1"/>
             <a:r>
-              <a:rPr lang="en-US" smtClean="0"/>
+              <a:rPr lang="en-US"/>
               <a:t>Second level</a:t>
             </a:r>
           </a:p>
           <a:p>
             <a:pPr lvl="2"/>
             <a:r>
-              <a:rPr lang="en-US" smtClean="0"/>
+              <a:rPr lang="en-US"/>
               <a:t>Third level</a:t>
             </a:r>
           </a:p>
           <a:p>
             <a:pPr lvl="3"/>
             <a:r>
-              <a:rPr lang="en-US" smtClean="0"/>
+              <a:rPr lang="en-US"/>
               <a:t>Fourth level</a:t>
             </a:r>
           </a:p>
           <a:p>
             <a:pPr lvl="4"/>
             <a:r>
-              <a:rPr lang="en-US" smtClean="0"/>
+              <a:rPr lang="en-US"/>
               <a:t>Fifth level</a:t>
             </a:r>
             <a:endParaRPr lang="en-GB"/>
@@ -695,7 +695,7 @@
           <a:lstStyle/>
           <a:p>
             <a:r>
-              <a:rPr lang="en-US" smtClean="0"/>
+              <a:rPr lang="en-US"/>
               <a:t>Click to edit Master title style</a:t>
             </a:r>
             <a:endParaRPr lang="en-GB"/>
@@ -719,35 +719,35 @@
           <a:p>
             <a:pPr lvl="0"/>
             <a:r>
-              <a:rPr lang="en-US" smtClean="0"/>
+              <a:rPr lang="en-US"/>
               <a:t>Click to edit Master text styles</a:t>
             </a:r>
           </a:p>
           <a:p>
             <a:pPr lvl="1"/>
             <a:r>
-              <a:rPr lang="en-US" smtClean="0"/>
+              <a:rPr lang="en-US"/>
               <a:t>Second level</a:t>
             </a:r>
           </a:p>
           <a:p>
             <a:pPr lvl="2"/>
             <a:r>
-              <a:rPr lang="en-US" smtClean="0"/>
+              <a:rPr lang="en-US"/>
               <a:t>Third level</a:t>
             </a:r>
           </a:p>
           <a:p>
             <a:pPr lvl="3"/>
             <a:r>
-              <a:rPr lang="en-US" smtClean="0"/>
+              <a:rPr lang="en-US"/>
               <a:t>Fourth level</a:t>
             </a:r>
           </a:p>
           <a:p>
             <a:pPr lvl="4"/>
             <a:r>
-              <a:rPr lang="en-US" smtClean="0"/>
+              <a:rPr lang="en-US"/>
               <a:t>Fifth level</a:t>
             </a:r>
             <a:endParaRPr lang="en-GB"/>
@@ -874,7 +874,7 @@
           </a:lstStyle>
           <a:p>
             <a:r>
-              <a:rPr lang="en-US" smtClean="0"/>
+              <a:rPr lang="en-US"/>
               <a:t>Click to edit Master title style</a:t>
             </a:r>
             <a:endParaRPr lang="en-GB"/>
@@ -994,7 +994,7 @@
           <a:p>
             <a:pPr lvl="0"/>
             <a:r>
-              <a:rPr lang="en-US" smtClean="0"/>
+              <a:rPr lang="en-US"/>
               <a:t>Click to edit Master text styles</a:t>
             </a:r>
           </a:p>
@@ -1111,7 +1111,7 @@
           <a:lstStyle/>
           <a:p>
             <a:r>
-              <a:rPr lang="en-US" smtClean="0"/>
+              <a:rPr lang="en-US"/>
               <a:t>Click to edit Master title style</a:t>
             </a:r>
             <a:endParaRPr lang="en-GB"/>
@@ -1140,35 +1140,35 @@
           <a:p>
             <a:pPr lvl="0"/>
             <a:r>
-              <a:rPr lang="en-US" smtClean="0"/>
+              <a:rPr lang="en-US"/>
               <a:t>Click to edit Master text styles</a:t>
             </a:r>
           </a:p>
           <a:p>
             <a:pPr lvl="1"/>
             <a:r>
-              <a:rPr lang="en-US" smtClean="0"/>
+              <a:rPr lang="en-US"/>
               <a:t>Second level</a:t>
             </a:r>
           </a:p>
           <a:p>
             <a:pPr lvl="2"/>
             <a:r>
-              <a:rPr lang="en-US" smtClean="0"/>
+              <a:rPr lang="en-US"/>
               <a:t>Third level</a:t>
             </a:r>
           </a:p>
           <a:p>
             <a:pPr lvl="3"/>
             <a:r>
-              <a:rPr lang="en-US" smtClean="0"/>
+              <a:rPr lang="en-US"/>
               <a:t>Fourth level</a:t>
             </a:r>
           </a:p>
           <a:p>
             <a:pPr lvl="4"/>
             <a:r>
-              <a:rPr lang="en-US" smtClean="0"/>
+              <a:rPr lang="en-US"/>
               <a:t>Fifth level</a:t>
             </a:r>
             <a:endParaRPr lang="en-GB"/>
@@ -1197,35 +1197,35 @@
           <a:p>
             <a:pPr lvl="0"/>
             <a:r>
-              <a:rPr lang="en-US" smtClean="0"/>
+              <a:rPr lang="en-US"/>
               <a:t>Click to edit Master text styles</a:t>
             </a:r>
           </a:p>
           <a:p>
             <a:pPr lvl="1"/>
             <a:r>
-              <a:rPr lang="en-US" smtClean="0"/>
+              <a:rPr lang="en-US"/>
               <a:t>Second level</a:t>
             </a:r>
           </a:p>
           <a:p>
             <a:pPr lvl="2"/>
             <a:r>
-              <a:rPr lang="en-US" smtClean="0"/>
+              <a:rPr lang="en-US"/>
               <a:t>Third level</a:t>
             </a:r>
           </a:p>
           <a:p>
             <a:pPr lvl="3"/>
             <a:r>
-              <a:rPr lang="en-US" smtClean="0"/>
+              <a:rPr lang="en-US"/>
               <a:t>Fourth level</a:t>
             </a:r>
           </a:p>
           <a:p>
             <a:pPr lvl="4"/>
             <a:r>
-              <a:rPr lang="en-US" smtClean="0"/>
+              <a:rPr lang="en-US"/>
               <a:t>Fifth level</a:t>
             </a:r>
             <a:endParaRPr lang="en-GB"/>
@@ -1348,7 +1348,7 @@
           <a:lstStyle/>
           <a:p>
             <a:r>
-              <a:rPr lang="en-US" smtClean="0"/>
+              <a:rPr lang="en-US"/>
               <a:t>Click to edit Master title style</a:t>
             </a:r>
             <a:endParaRPr lang="en-GB"/>
@@ -1414,7 +1414,7 @@
           <a:p>
             <a:pPr lvl="0"/>
             <a:r>
-              <a:rPr lang="en-US" smtClean="0"/>
+              <a:rPr lang="en-US"/>
               <a:t>Click to edit Master text styles</a:t>
             </a:r>
           </a:p>
@@ -1442,35 +1442,35 @@
           <a:p>
             <a:pPr lvl="0"/>
             <a:r>
-              <a:rPr lang="en-US" smtClean="0"/>
+              <a:rPr lang="en-US"/>
               <a:t>Click to edit Master text styles</a:t>
             </a:r>
           </a:p>
           <a:p>
             <a:pPr lvl="1"/>
             <a:r>
-              <a:rPr lang="en-US" smtClean="0"/>
+              <a:rPr lang="en-US"/>
               <a:t>Second level</a:t>
             </a:r>
           </a:p>
           <a:p>
             <a:pPr lvl="2"/>
             <a:r>
-              <a:rPr lang="en-US" smtClean="0"/>
+              <a:rPr lang="en-US"/>
               <a:t>Third level</a:t>
             </a:r>
           </a:p>
           <a:p>
             <a:pPr lvl="3"/>
             <a:r>
-              <a:rPr lang="en-US" smtClean="0"/>
+              <a:rPr lang="en-US"/>
               <a:t>Fourth level</a:t>
             </a:r>
           </a:p>
           <a:p>
             <a:pPr lvl="4"/>
             <a:r>
-              <a:rPr lang="en-US" smtClean="0"/>
+              <a:rPr lang="en-US"/>
               <a:t>Fifth level</a:t>
             </a:r>
             <a:endParaRPr lang="en-GB"/>
@@ -1536,7 +1536,7 @@
           <a:p>
             <a:pPr lvl="0"/>
             <a:r>
-              <a:rPr lang="en-US" smtClean="0"/>
+              <a:rPr lang="en-US"/>
               <a:t>Click to edit Master text styles</a:t>
             </a:r>
           </a:p>
@@ -1564,35 +1564,35 @@
           <a:p>
             <a:pPr lvl="0"/>
             <a:r>
-              <a:rPr lang="en-US" smtClean="0"/>
+              <a:rPr lang="en-US"/>
               <a:t>Click to edit Master text styles</a:t>
             </a:r>
           </a:p>
           <a:p>
             <a:pPr lvl="1"/>
             <a:r>
-              <a:rPr lang="en-US" smtClean="0"/>
+              <a:rPr lang="en-US"/>
               <a:t>Second level</a:t>
             </a:r>
           </a:p>
           <a:p>
             <a:pPr lvl="2"/>
             <a:r>
-              <a:rPr lang="en-US" smtClean="0"/>
+              <a:rPr lang="en-US"/>
               <a:t>Third level</a:t>
             </a:r>
           </a:p>
           <a:p>
             <a:pPr lvl="3"/>
             <a:r>
-              <a:rPr lang="en-US" smtClean="0"/>
+              <a:rPr lang="en-US"/>
               <a:t>Fourth level</a:t>
             </a:r>
           </a:p>
           <a:p>
             <a:pPr lvl="4"/>
             <a:r>
-              <a:rPr lang="en-US" smtClean="0"/>
+              <a:rPr lang="en-US"/>
               <a:t>Fifth level</a:t>
             </a:r>
             <a:endParaRPr lang="en-GB"/>
@@ -1710,7 +1710,7 @@
           <a:lstStyle/>
           <a:p>
             <a:r>
-              <a:rPr lang="en-US" smtClean="0"/>
+              <a:rPr lang="en-US"/>
               <a:t>Click to edit Master title style</a:t>
             </a:r>
             <a:endParaRPr lang="en-GB"/>
@@ -1932,7 +1932,7 @@
           </a:lstStyle>
           <a:p>
             <a:r>
-              <a:rPr lang="en-US" smtClean="0"/>
+              <a:rPr lang="en-US"/>
               <a:t>Click to edit Master title style</a:t>
             </a:r>
             <a:endParaRPr lang="en-GB"/>
@@ -1989,35 +1989,35 @@
           <a:p>
             <a:pPr lvl="0"/>
             <a:r>
-              <a:rPr lang="en-US" smtClean="0"/>
+              <a:rPr lang="en-US"/>
               <a:t>Click to edit Master text styles</a:t>
             </a:r>
           </a:p>
           <a:p>
             <a:pPr lvl="1"/>
             <a:r>
-              <a:rPr lang="en-US" smtClean="0"/>
+              <a:rPr lang="en-US"/>
               <a:t>Second level</a:t>
             </a:r>
           </a:p>
           <a:p>
             <a:pPr lvl="2"/>
             <a:r>
-              <a:rPr lang="en-US" smtClean="0"/>
+              <a:rPr lang="en-US"/>
               <a:t>Third level</a:t>
             </a:r>
           </a:p>
           <a:p>
             <a:pPr lvl="3"/>
             <a:r>
-              <a:rPr lang="en-US" smtClean="0"/>
+              <a:rPr lang="en-US"/>
               <a:t>Fourth level</a:t>
             </a:r>
           </a:p>
           <a:p>
             <a:pPr lvl="4"/>
             <a:r>
-              <a:rPr lang="en-US" smtClean="0"/>
+              <a:rPr lang="en-US"/>
               <a:t>Fifth level</a:t>
             </a:r>
             <a:endParaRPr lang="en-GB"/>
@@ -2083,7 +2083,7 @@
           <a:p>
             <a:pPr lvl="0"/>
             <a:r>
-              <a:rPr lang="en-US" smtClean="0"/>
+              <a:rPr lang="en-US"/>
               <a:t>Click to edit Master text styles</a:t>
             </a:r>
           </a:p>
@@ -2209,7 +2209,7 @@
           </a:lstStyle>
           <a:p>
             <a:r>
-              <a:rPr lang="en-US" smtClean="0"/>
+              <a:rPr lang="en-US"/>
               <a:t>Click to edit Master title style</a:t>
             </a:r>
             <a:endParaRPr lang="en-GB"/>
@@ -2336,7 +2336,7 @@
           <a:p>
             <a:pPr lvl="0"/>
             <a:r>
-              <a:rPr lang="en-US" smtClean="0"/>
+              <a:rPr lang="en-US"/>
               <a:t>Click to edit Master text styles</a:t>
             </a:r>
           </a:p>
@@ -2468,7 +2468,7 @@
           <a:lstStyle/>
           <a:p>
             <a:r>
-              <a:rPr lang="en-US" smtClean="0"/>
+              <a:rPr lang="en-US"/>
               <a:t>Click to edit Master title style</a:t>
             </a:r>
             <a:endParaRPr lang="en-GB"/>
@@ -2502,35 +2502,35 @@
           <a:p>
             <a:pPr lvl="0"/>
             <a:r>
-              <a:rPr lang="en-US" smtClean="0"/>
+              <a:rPr lang="en-US"/>
               <a:t>Click to edit Master text styles</a:t>
             </a:r>
           </a:p>
           <a:p>
             <a:pPr lvl="1"/>
             <a:r>
-              <a:rPr lang="en-US" smtClean="0"/>
+              <a:rPr lang="en-US"/>
               <a:t>Second level</a:t>
             </a:r>
           </a:p>
           <a:p>
             <a:pPr lvl="2"/>
             <a:r>
-              <a:rPr lang="en-US" smtClean="0"/>
+              <a:rPr lang="en-US"/>
               <a:t>Third level</a:t>
             </a:r>
           </a:p>
           <a:p>
             <a:pPr lvl="3"/>
             <a:r>
-              <a:rPr lang="en-US" smtClean="0"/>
+              <a:rPr lang="en-US"/>
               <a:t>Fourth level</a:t>
             </a:r>
           </a:p>
           <a:p>
             <a:pPr lvl="4"/>
             <a:r>
-              <a:rPr lang="en-US" smtClean="0"/>
+              <a:rPr lang="en-US"/>
               <a:t>Fifth level</a:t>
             </a:r>
             <a:endParaRPr lang="en-GB"/>
@@ -3054,10 +3054,9 @@
             <a:lstStyle/>
             <a:p>
               <a:r>
-                <a:rPr lang="en-GB" dirty="0" smtClean="0"/>
+                <a:rPr lang="en-GB" dirty="0"/>
                 <a:t>Login</a:t>
               </a:r>
-              <a:endParaRPr lang="en-GB" dirty="0"/>
             </a:p>
           </p:txBody>
         </p:sp>
@@ -3098,10 +3097,9 @@
             <a:p>
               <a:pPr algn="ctr"/>
               <a:r>
-                <a:rPr lang="en-GB" dirty="0" smtClean="0"/>
+                <a:rPr lang="en-GB" dirty="0"/>
                 <a:t>Username</a:t>
               </a:r>
-              <a:endParaRPr lang="en-GB" dirty="0"/>
             </a:p>
           </p:txBody>
         </p:sp>
@@ -3142,10 +3140,9 @@
             <a:p>
               <a:pPr algn="ctr"/>
               <a:r>
-                <a:rPr lang="en-GB" dirty="0" smtClean="0"/>
+                <a:rPr lang="en-GB" dirty="0"/>
                 <a:t>Password</a:t>
               </a:r>
-              <a:endParaRPr lang="en-GB" dirty="0"/>
             </a:p>
           </p:txBody>
         </p:sp>
@@ -3227,10 +3224,9 @@
             <a:lstStyle/>
             <a:p>
               <a:r>
-                <a:rPr lang="en-GB" dirty="0" smtClean="0"/>
+                <a:rPr lang="en-GB" dirty="0"/>
                 <a:t>Menu</a:t>
               </a:r>
-              <a:endParaRPr lang="en-GB" dirty="0"/>
             </a:p>
           </p:txBody>
         </p:sp>
@@ -3269,10 +3265,9 @@
             <a:p>
               <a:pPr algn="ctr"/>
               <a:r>
-                <a:rPr lang="en-GB" dirty="0" smtClean="0"/>
+                <a:rPr lang="en-GB" dirty="0"/>
                 <a:t>Schedule</a:t>
               </a:r>
-              <a:endParaRPr lang="en-GB" dirty="0"/>
             </a:p>
           </p:txBody>
         </p:sp>
@@ -3311,10 +3306,9 @@
             <a:p>
               <a:pPr algn="ctr"/>
               <a:r>
-                <a:rPr lang="en-GB" dirty="0" smtClean="0"/>
+                <a:rPr lang="en-GB" dirty="0"/>
                 <a:t>Client</a:t>
               </a:r>
-              <a:endParaRPr lang="en-GB" dirty="0"/>
             </a:p>
           </p:txBody>
         </p:sp>
@@ -3353,10 +3347,9 @@
             <a:p>
               <a:pPr algn="ctr"/>
               <a:r>
-                <a:rPr lang="en-GB" dirty="0" smtClean="0"/>
+                <a:rPr lang="en-GB" dirty="0"/>
                 <a:t>Staff</a:t>
               </a:r>
-              <a:endParaRPr lang="en-GB" dirty="0"/>
             </a:p>
           </p:txBody>
         </p:sp>
@@ -3395,10 +3388,9 @@
             <a:p>
               <a:pPr algn="ctr"/>
               <a:r>
-                <a:rPr lang="en-GB" dirty="0" smtClean="0"/>
+                <a:rPr lang="en-GB" dirty="0"/>
                 <a:t>Shop</a:t>
               </a:r>
-              <a:endParaRPr lang="en-GB" dirty="0"/>
             </a:p>
           </p:txBody>
         </p:sp>
@@ -3437,10 +3429,9 @@
             <a:p>
               <a:pPr algn="ctr"/>
               <a:r>
-                <a:rPr lang="en-GB" dirty="0" smtClean="0"/>
+                <a:rPr lang="en-GB" dirty="0"/>
                 <a:t>User</a:t>
               </a:r>
-              <a:endParaRPr lang="en-GB" dirty="0"/>
             </a:p>
           </p:txBody>
         </p:sp>
@@ -3479,10 +3470,9 @@
             <a:p>
               <a:pPr algn="ctr"/>
               <a:r>
-                <a:rPr lang="en-GB" dirty="0" smtClean="0"/>
+                <a:rPr lang="en-GB" dirty="0"/>
                 <a:t>Service</a:t>
               </a:r>
-              <a:endParaRPr lang="en-GB" dirty="0"/>
             </a:p>
           </p:txBody>
         </p:sp>
@@ -3521,10 +3511,9 @@
             <a:p>
               <a:pPr algn="ctr"/>
               <a:r>
-                <a:rPr lang="en-GB" dirty="0" smtClean="0"/>
+                <a:rPr lang="en-GB" dirty="0"/>
                 <a:t>Dashboard</a:t>
               </a:r>
-              <a:endParaRPr lang="en-GB" dirty="0"/>
             </a:p>
           </p:txBody>
         </p:sp>
@@ -3620,10 +3609,9 @@
               <a:lstStyle/>
               <a:p>
                 <a:r>
-                  <a:rPr lang="en-GB" dirty="0" smtClean="0"/>
+                  <a:rPr lang="en-GB" dirty="0"/>
                   <a:t>Menu</a:t>
                 </a:r>
-                <a:endParaRPr lang="en-GB" dirty="0"/>
               </a:p>
             </p:txBody>
           </p:sp>
@@ -3662,10 +3650,9 @@
               <a:p>
                 <a:pPr algn="ctr"/>
                 <a:r>
-                  <a:rPr lang="en-GB" dirty="0" smtClean="0"/>
+                  <a:rPr lang="en-GB" dirty="0"/>
                   <a:t>Schedule</a:t>
                 </a:r>
-                <a:endParaRPr lang="en-GB" dirty="0"/>
               </a:p>
             </p:txBody>
           </p:sp>
@@ -3704,10 +3691,9 @@
               <a:p>
                 <a:pPr algn="ctr"/>
                 <a:r>
-                  <a:rPr lang="en-GB" dirty="0" smtClean="0"/>
+                  <a:rPr lang="en-GB" dirty="0"/>
                   <a:t>Client</a:t>
                 </a:r>
-                <a:endParaRPr lang="en-GB" dirty="0"/>
               </a:p>
             </p:txBody>
           </p:sp>
@@ -3746,10 +3732,9 @@
               <a:p>
                 <a:pPr algn="ctr"/>
                 <a:r>
-                  <a:rPr lang="en-GB" dirty="0" smtClean="0"/>
+                  <a:rPr lang="en-GB" dirty="0"/>
                   <a:t>Staff</a:t>
                 </a:r>
-                <a:endParaRPr lang="en-GB" dirty="0"/>
               </a:p>
             </p:txBody>
           </p:sp>
@@ -3788,10 +3773,9 @@
               <a:p>
                 <a:pPr algn="ctr"/>
                 <a:r>
-                  <a:rPr lang="en-GB" dirty="0" smtClean="0"/>
+                  <a:rPr lang="en-GB" dirty="0"/>
                   <a:t>Shop</a:t>
                 </a:r>
-                <a:endParaRPr lang="en-GB" dirty="0"/>
               </a:p>
             </p:txBody>
           </p:sp>
@@ -3830,10 +3814,9 @@
               <a:p>
                 <a:pPr algn="ctr"/>
                 <a:r>
-                  <a:rPr lang="en-GB" dirty="0" smtClean="0"/>
+                  <a:rPr lang="en-GB" dirty="0"/>
                   <a:t>User</a:t>
                 </a:r>
-                <a:endParaRPr lang="en-GB" dirty="0"/>
               </a:p>
             </p:txBody>
           </p:sp>
@@ -3872,10 +3855,9 @@
               <a:p>
                 <a:pPr algn="ctr"/>
                 <a:r>
-                  <a:rPr lang="en-GB" dirty="0" smtClean="0"/>
+                  <a:rPr lang="en-GB" dirty="0"/>
                   <a:t>Service</a:t>
                 </a:r>
-                <a:endParaRPr lang="en-GB" dirty="0"/>
               </a:p>
             </p:txBody>
           </p:sp>
@@ -3914,7 +3896,7 @@
               <a:p>
                 <a:pPr algn="ctr"/>
                 <a:r>
-                  <a:rPr lang="en-GB" dirty="0" smtClean="0"/>
+                  <a:rPr lang="en-GB" dirty="0"/>
                   <a:t>Client List</a:t>
                 </a:r>
               </a:p>
@@ -3924,7 +3906,7 @@
               </a:p>
               <a:p>
                 <a:pPr algn="ctr"/>
-                <a:endParaRPr lang="en-GB" dirty="0" smtClean="0"/>
+                <a:endParaRPr lang="en-GB" dirty="0"/>
               </a:p>
               <a:p>
                 <a:pPr algn="ctr"/>
@@ -3932,7 +3914,7 @@
               </a:p>
               <a:p>
                 <a:pPr algn="ctr"/>
-                <a:endParaRPr lang="en-GB" dirty="0" smtClean="0"/>
+                <a:endParaRPr lang="en-GB" dirty="0"/>
               </a:p>
               <a:p>
                 <a:pPr algn="ctr"/>
@@ -4073,10 +4055,9 @@
               <a:lstStyle/>
               <a:p>
                 <a:r>
-                  <a:rPr lang="en-GB" dirty="0" smtClean="0"/>
+                  <a:rPr lang="en-GB" dirty="0"/>
                   <a:t>Menu</a:t>
                 </a:r>
-                <a:endParaRPr lang="en-GB" dirty="0"/>
               </a:p>
             </p:txBody>
           </p:sp>
@@ -4115,10 +4096,9 @@
               <a:p>
                 <a:pPr algn="ctr"/>
                 <a:r>
-                  <a:rPr lang="en-GB" dirty="0" smtClean="0"/>
+                  <a:rPr lang="en-GB" dirty="0"/>
                   <a:t>Schedule</a:t>
                 </a:r>
-                <a:endParaRPr lang="en-GB" dirty="0"/>
               </a:p>
             </p:txBody>
           </p:sp>
@@ -4157,10 +4137,9 @@
               <a:p>
                 <a:pPr algn="ctr"/>
                 <a:r>
-                  <a:rPr lang="en-GB" dirty="0" smtClean="0"/>
+                  <a:rPr lang="en-GB" dirty="0"/>
                   <a:t>Client</a:t>
                 </a:r>
-                <a:endParaRPr lang="en-GB" dirty="0"/>
               </a:p>
             </p:txBody>
           </p:sp>
@@ -4199,10 +4178,9 @@
               <a:p>
                 <a:pPr algn="ctr"/>
                 <a:r>
-                  <a:rPr lang="en-GB" dirty="0" smtClean="0"/>
+                  <a:rPr lang="en-GB" dirty="0"/>
                   <a:t>Staff</a:t>
                 </a:r>
-                <a:endParaRPr lang="en-GB" dirty="0"/>
               </a:p>
             </p:txBody>
           </p:sp>
@@ -4241,10 +4219,9 @@
               <a:p>
                 <a:pPr algn="ctr"/>
                 <a:r>
-                  <a:rPr lang="en-GB" dirty="0" smtClean="0"/>
+                  <a:rPr lang="en-GB" dirty="0"/>
                   <a:t>Shop</a:t>
                 </a:r>
-                <a:endParaRPr lang="en-GB" dirty="0"/>
               </a:p>
             </p:txBody>
           </p:sp>
@@ -4283,10 +4260,9 @@
               <a:p>
                 <a:pPr algn="ctr"/>
                 <a:r>
-                  <a:rPr lang="en-GB" dirty="0" smtClean="0"/>
+                  <a:rPr lang="en-GB" dirty="0"/>
                   <a:t>User</a:t>
                 </a:r>
-                <a:endParaRPr lang="en-GB" dirty="0"/>
               </a:p>
             </p:txBody>
           </p:sp>
@@ -4325,10 +4301,9 @@
               <a:p>
                 <a:pPr algn="ctr"/>
                 <a:r>
-                  <a:rPr lang="en-GB" dirty="0" smtClean="0"/>
+                  <a:rPr lang="en-GB" dirty="0"/>
                   <a:t>Service</a:t>
                 </a:r>
-                <a:endParaRPr lang="en-GB" dirty="0"/>
               </a:p>
             </p:txBody>
           </p:sp>
@@ -4367,7 +4342,7 @@
               <a:p>
                 <a:pPr algn="ctr"/>
                 <a:r>
-                  <a:rPr lang="en-GB" dirty="0" smtClean="0"/>
+                  <a:rPr lang="en-GB" dirty="0"/>
                   <a:t>Staff List</a:t>
                 </a:r>
               </a:p>
@@ -4377,7 +4352,7 @@
               </a:p>
               <a:p>
                 <a:pPr algn="ctr"/>
-                <a:endParaRPr lang="en-GB" dirty="0" smtClean="0"/>
+                <a:endParaRPr lang="en-GB" dirty="0"/>
               </a:p>
               <a:p>
                 <a:pPr algn="ctr"/>
@@ -4385,7 +4360,7 @@
               </a:p>
               <a:p>
                 <a:pPr algn="ctr"/>
-                <a:endParaRPr lang="en-GB" dirty="0" smtClean="0"/>
+                <a:endParaRPr lang="en-GB" dirty="0"/>
               </a:p>
               <a:p>
                 <a:pPr algn="ctr"/>
@@ -4526,10 +4501,9 @@
               <a:lstStyle/>
               <a:p>
                 <a:r>
-                  <a:rPr lang="en-GB" dirty="0" smtClean="0"/>
+                  <a:rPr lang="en-GB" dirty="0"/>
                   <a:t>Menu</a:t>
                 </a:r>
-                <a:endParaRPr lang="en-GB" dirty="0"/>
               </a:p>
             </p:txBody>
           </p:sp>
@@ -4568,10 +4542,9 @@
               <a:p>
                 <a:pPr algn="ctr"/>
                 <a:r>
-                  <a:rPr lang="en-GB" dirty="0" smtClean="0"/>
+                  <a:rPr lang="en-GB" dirty="0"/>
                   <a:t>Schedule</a:t>
                 </a:r>
-                <a:endParaRPr lang="en-GB" dirty="0"/>
               </a:p>
             </p:txBody>
           </p:sp>
@@ -4610,10 +4583,9 @@
               <a:p>
                 <a:pPr algn="ctr"/>
                 <a:r>
-                  <a:rPr lang="en-GB" dirty="0" smtClean="0"/>
+                  <a:rPr lang="en-GB" dirty="0"/>
                   <a:t>Client</a:t>
                 </a:r>
-                <a:endParaRPr lang="en-GB" dirty="0"/>
               </a:p>
             </p:txBody>
           </p:sp>
@@ -4652,10 +4624,9 @@
               <a:p>
                 <a:pPr algn="ctr"/>
                 <a:r>
-                  <a:rPr lang="en-GB" dirty="0" smtClean="0"/>
+                  <a:rPr lang="en-GB" dirty="0"/>
                   <a:t>Staff</a:t>
                 </a:r>
-                <a:endParaRPr lang="en-GB" dirty="0"/>
               </a:p>
             </p:txBody>
           </p:sp>
@@ -4694,10 +4665,9 @@
               <a:p>
                 <a:pPr algn="ctr"/>
                 <a:r>
-                  <a:rPr lang="en-GB" dirty="0" smtClean="0"/>
+                  <a:rPr lang="en-GB" dirty="0"/>
                   <a:t>Shop</a:t>
                 </a:r>
-                <a:endParaRPr lang="en-GB" dirty="0"/>
               </a:p>
             </p:txBody>
           </p:sp>
@@ -4736,10 +4706,9 @@
               <a:p>
                 <a:pPr algn="ctr"/>
                 <a:r>
-                  <a:rPr lang="en-GB" dirty="0" smtClean="0"/>
+                  <a:rPr lang="en-GB" dirty="0"/>
                   <a:t>User</a:t>
                 </a:r>
-                <a:endParaRPr lang="en-GB" dirty="0"/>
               </a:p>
             </p:txBody>
           </p:sp>
@@ -4778,10 +4747,9 @@
               <a:p>
                 <a:pPr algn="ctr"/>
                 <a:r>
-                  <a:rPr lang="en-GB" dirty="0" smtClean="0"/>
+                  <a:rPr lang="en-GB" dirty="0"/>
                   <a:t>Service</a:t>
                 </a:r>
-                <a:endParaRPr lang="en-GB" dirty="0"/>
               </a:p>
             </p:txBody>
           </p:sp>
@@ -4820,7 +4788,7 @@
               <a:p>
                 <a:pPr algn="ctr"/>
                 <a:r>
-                  <a:rPr lang="en-GB" dirty="0" smtClean="0"/>
+                  <a:rPr lang="en-GB" dirty="0"/>
                   <a:t>Service List</a:t>
                 </a:r>
               </a:p>
@@ -4830,7 +4798,7 @@
               </a:p>
               <a:p>
                 <a:pPr algn="ctr"/>
-                <a:endParaRPr lang="en-GB" dirty="0" smtClean="0"/>
+                <a:endParaRPr lang="en-GB" dirty="0"/>
               </a:p>
               <a:p>
                 <a:pPr algn="ctr"/>
@@ -4838,7 +4806,7 @@
               </a:p>
               <a:p>
                 <a:pPr algn="ctr"/>
-                <a:endParaRPr lang="en-GB" dirty="0" smtClean="0"/>
+                <a:endParaRPr lang="en-GB" dirty="0"/>
               </a:p>
               <a:p>
                 <a:pPr algn="ctr"/>
@@ -4979,10 +4947,9 @@
               <a:lstStyle/>
               <a:p>
                 <a:r>
-                  <a:rPr lang="en-GB" dirty="0" smtClean="0"/>
+                  <a:rPr lang="en-GB" dirty="0"/>
                   <a:t>Menu</a:t>
                 </a:r>
-                <a:endParaRPr lang="en-GB" dirty="0"/>
               </a:p>
             </p:txBody>
           </p:sp>
@@ -5021,10 +4988,9 @@
               <a:p>
                 <a:pPr algn="ctr"/>
                 <a:r>
-                  <a:rPr lang="en-GB" dirty="0" smtClean="0"/>
+                  <a:rPr lang="en-GB" dirty="0"/>
                   <a:t>Schedule</a:t>
                 </a:r>
-                <a:endParaRPr lang="en-GB" dirty="0"/>
               </a:p>
             </p:txBody>
           </p:sp>
@@ -5063,10 +5029,9 @@
               <a:p>
                 <a:pPr algn="ctr"/>
                 <a:r>
-                  <a:rPr lang="en-GB" dirty="0" smtClean="0"/>
+                  <a:rPr lang="en-GB" dirty="0"/>
                   <a:t>Client</a:t>
                 </a:r>
-                <a:endParaRPr lang="en-GB" dirty="0"/>
               </a:p>
             </p:txBody>
           </p:sp>
@@ -5105,10 +5070,9 @@
               <a:p>
                 <a:pPr algn="ctr"/>
                 <a:r>
-                  <a:rPr lang="en-GB" dirty="0" smtClean="0"/>
+                  <a:rPr lang="en-GB" dirty="0"/>
                   <a:t>Staff</a:t>
                 </a:r>
-                <a:endParaRPr lang="en-GB" dirty="0"/>
               </a:p>
             </p:txBody>
           </p:sp>
@@ -5147,10 +5111,9 @@
               <a:p>
                 <a:pPr algn="ctr"/>
                 <a:r>
-                  <a:rPr lang="en-GB" dirty="0" smtClean="0"/>
+                  <a:rPr lang="en-GB" dirty="0"/>
                   <a:t>Shop</a:t>
                 </a:r>
-                <a:endParaRPr lang="en-GB" dirty="0"/>
               </a:p>
             </p:txBody>
           </p:sp>
@@ -5189,10 +5152,9 @@
               <a:p>
                 <a:pPr algn="ctr"/>
                 <a:r>
-                  <a:rPr lang="en-GB" dirty="0" smtClean="0"/>
+                  <a:rPr lang="en-GB" dirty="0"/>
                   <a:t>User</a:t>
                 </a:r>
-                <a:endParaRPr lang="en-GB" dirty="0"/>
               </a:p>
             </p:txBody>
           </p:sp>
@@ -5231,10 +5193,9 @@
               <a:p>
                 <a:pPr algn="ctr"/>
                 <a:r>
-                  <a:rPr lang="en-GB" dirty="0" smtClean="0"/>
+                  <a:rPr lang="en-GB" dirty="0"/>
                   <a:t>Service</a:t>
                 </a:r>
-                <a:endParaRPr lang="en-GB" dirty="0"/>
               </a:p>
             </p:txBody>
           </p:sp>
@@ -5273,7 +5234,7 @@
               <a:p>
                 <a:pPr algn="ctr"/>
                 <a:r>
-                  <a:rPr lang="en-GB" dirty="0" smtClean="0"/>
+                  <a:rPr lang="en-GB" dirty="0"/>
                   <a:t>Shop List</a:t>
                 </a:r>
               </a:p>
@@ -5283,7 +5244,7 @@
               </a:p>
               <a:p>
                 <a:pPr algn="ctr"/>
-                <a:endParaRPr lang="en-GB" dirty="0" smtClean="0"/>
+                <a:endParaRPr lang="en-GB" dirty="0"/>
               </a:p>
               <a:p>
                 <a:pPr algn="ctr"/>
@@ -5291,7 +5252,7 @@
               </a:p>
               <a:p>
                 <a:pPr algn="ctr"/>
-                <a:endParaRPr lang="en-GB" dirty="0" smtClean="0"/>
+                <a:endParaRPr lang="en-GB" dirty="0"/>
               </a:p>
               <a:p>
                 <a:pPr algn="ctr"/>
@@ -5383,10 +5344,9 @@
           </a:lstStyle>
           <a:p>
             <a:r>
-              <a:rPr lang="en-GB" dirty="0" smtClean="0"/>
+              <a:rPr lang="en-GB" dirty="0"/>
               <a:t>Sketch window part 1</a:t>
             </a:r>
-            <a:endParaRPr lang="en-GB" dirty="0"/>
           </a:p>
         </p:txBody>
       </p:sp>
@@ -5400,13 +5360,6 @@
   <p:clrMapOvr>
     <a:masterClrMapping/>
   </p:clrMapOvr>
-  <p:timing>
-    <p:tnLst>
-      <p:par>
-        <p:cTn id="1" dur="indefinite" restart="never" nodeType="tmRoot"/>
-      </p:par>
-    </p:tnLst>
-  </p:timing>
 </p:sld>
 </file>
 
@@ -5443,10 +5396,9 @@
           <a:lstStyle/>
           <a:p>
             <a:r>
-              <a:rPr lang="en-GB" dirty="0" smtClean="0"/>
+              <a:rPr lang="en-GB" dirty="0"/>
               <a:t>Sketch window part 2</a:t>
             </a:r>
-            <a:endParaRPr lang="en-GB" dirty="0"/>
           </a:p>
         </p:txBody>
       </p:sp>
@@ -5541,10 +5493,9 @@
               <a:lstStyle/>
               <a:p>
                 <a:r>
-                  <a:rPr lang="en-GB" dirty="0" smtClean="0"/>
+                  <a:rPr lang="en-GB" dirty="0"/>
                   <a:t>Menu</a:t>
                 </a:r>
-                <a:endParaRPr lang="en-GB" dirty="0"/>
               </a:p>
             </p:txBody>
           </p:sp>
@@ -5583,10 +5534,9 @@
               <a:p>
                 <a:pPr algn="ctr"/>
                 <a:r>
-                  <a:rPr lang="en-GB" dirty="0" smtClean="0"/>
+                  <a:rPr lang="en-GB" dirty="0"/>
                   <a:t>Schedule</a:t>
                 </a:r>
-                <a:endParaRPr lang="en-GB" dirty="0"/>
               </a:p>
             </p:txBody>
           </p:sp>
@@ -5625,10 +5575,9 @@
               <a:p>
                 <a:pPr algn="ctr"/>
                 <a:r>
-                  <a:rPr lang="en-GB" dirty="0" smtClean="0"/>
+                  <a:rPr lang="en-GB" dirty="0"/>
                   <a:t>Client</a:t>
                 </a:r>
-                <a:endParaRPr lang="en-GB" dirty="0"/>
               </a:p>
             </p:txBody>
           </p:sp>
@@ -5667,10 +5616,9 @@
               <a:p>
                 <a:pPr algn="ctr"/>
                 <a:r>
-                  <a:rPr lang="en-GB" dirty="0" smtClean="0"/>
+                  <a:rPr lang="en-GB" dirty="0"/>
                   <a:t>Staff</a:t>
                 </a:r>
-                <a:endParaRPr lang="en-GB" dirty="0"/>
               </a:p>
             </p:txBody>
           </p:sp>
@@ -5709,10 +5657,9 @@
               <a:p>
                 <a:pPr algn="ctr"/>
                 <a:r>
-                  <a:rPr lang="en-GB" dirty="0" smtClean="0"/>
+                  <a:rPr lang="en-GB" dirty="0"/>
                   <a:t>Shop</a:t>
                 </a:r>
-                <a:endParaRPr lang="en-GB" dirty="0"/>
               </a:p>
             </p:txBody>
           </p:sp>
@@ -5751,10 +5698,9 @@
               <a:p>
                 <a:pPr algn="ctr"/>
                 <a:r>
-                  <a:rPr lang="en-GB" dirty="0" smtClean="0"/>
+                  <a:rPr lang="en-GB" dirty="0"/>
                   <a:t>User</a:t>
                 </a:r>
-                <a:endParaRPr lang="en-GB" dirty="0"/>
               </a:p>
             </p:txBody>
           </p:sp>
@@ -5793,10 +5739,9 @@
               <a:p>
                 <a:pPr algn="ctr"/>
                 <a:r>
-                  <a:rPr lang="en-GB" dirty="0" smtClean="0"/>
+                  <a:rPr lang="en-GB" dirty="0"/>
                   <a:t>Service</a:t>
                 </a:r>
-                <a:endParaRPr lang="en-GB" dirty="0"/>
               </a:p>
             </p:txBody>
           </p:sp>
@@ -5835,7 +5780,7 @@
               <a:p>
                 <a:pPr algn="ctr"/>
                 <a:r>
-                  <a:rPr lang="en-GB" dirty="0" smtClean="0"/>
+                  <a:rPr lang="en-GB" dirty="0"/>
                   <a:t>User List</a:t>
                 </a:r>
               </a:p>
@@ -5845,7 +5790,7 @@
               </a:p>
               <a:p>
                 <a:pPr algn="ctr"/>
-                <a:endParaRPr lang="en-GB" dirty="0" smtClean="0"/>
+                <a:endParaRPr lang="en-GB" dirty="0"/>
               </a:p>
               <a:p>
                 <a:pPr algn="ctr"/>
@@ -5853,7 +5798,7 @@
               </a:p>
               <a:p>
                 <a:pPr algn="ctr"/>
-                <a:endParaRPr lang="en-GB" dirty="0" smtClean="0"/>
+                <a:endParaRPr lang="en-GB" dirty="0"/>
               </a:p>
               <a:p>
                 <a:pPr algn="ctr"/>
@@ -5994,10 +5939,9 @@
               <a:lstStyle/>
               <a:p>
                 <a:r>
-                  <a:rPr lang="en-GB" dirty="0" smtClean="0"/>
+                  <a:rPr lang="en-GB" dirty="0"/>
                   <a:t>Menu</a:t>
                 </a:r>
-                <a:endParaRPr lang="en-GB" dirty="0"/>
               </a:p>
             </p:txBody>
           </p:sp>
@@ -6036,10 +5980,9 @@
               <a:p>
                 <a:pPr algn="ctr"/>
                 <a:r>
-                  <a:rPr lang="en-GB" dirty="0" smtClean="0"/>
+                  <a:rPr lang="en-GB" dirty="0"/>
                   <a:t>Schedule</a:t>
                 </a:r>
-                <a:endParaRPr lang="en-GB" dirty="0"/>
               </a:p>
             </p:txBody>
           </p:sp>
@@ -6078,10 +6021,9 @@
               <a:p>
                 <a:pPr algn="ctr"/>
                 <a:r>
-                  <a:rPr lang="en-GB" dirty="0" smtClean="0"/>
+                  <a:rPr lang="en-GB" dirty="0"/>
                   <a:t>Client</a:t>
                 </a:r>
-                <a:endParaRPr lang="en-GB" dirty="0"/>
               </a:p>
             </p:txBody>
           </p:sp>
@@ -6120,10 +6062,9 @@
               <a:p>
                 <a:pPr algn="ctr"/>
                 <a:r>
-                  <a:rPr lang="en-GB" dirty="0" smtClean="0"/>
+                  <a:rPr lang="en-GB" dirty="0"/>
                   <a:t>Staff</a:t>
                 </a:r>
-                <a:endParaRPr lang="en-GB" dirty="0"/>
               </a:p>
             </p:txBody>
           </p:sp>
@@ -6162,10 +6103,9 @@
               <a:p>
                 <a:pPr algn="ctr"/>
                 <a:r>
-                  <a:rPr lang="en-GB" dirty="0" smtClean="0"/>
+                  <a:rPr lang="en-GB" dirty="0"/>
                   <a:t>Shop</a:t>
                 </a:r>
-                <a:endParaRPr lang="en-GB" dirty="0"/>
               </a:p>
             </p:txBody>
           </p:sp>
@@ -6204,10 +6144,9 @@
               <a:p>
                 <a:pPr algn="ctr"/>
                 <a:r>
-                  <a:rPr lang="en-GB" dirty="0" smtClean="0"/>
+                  <a:rPr lang="en-GB" dirty="0"/>
                   <a:t>User</a:t>
                 </a:r>
-                <a:endParaRPr lang="en-GB" dirty="0"/>
               </a:p>
             </p:txBody>
           </p:sp>
@@ -6246,10 +6185,9 @@
               <a:p>
                 <a:pPr algn="ctr"/>
                 <a:r>
-                  <a:rPr lang="en-GB" dirty="0" smtClean="0"/>
+                  <a:rPr lang="en-GB" dirty="0"/>
                   <a:t>Service</a:t>
                 </a:r>
-                <a:endParaRPr lang="en-GB" dirty="0"/>
               </a:p>
             </p:txBody>
           </p:sp>
@@ -6288,7 +6226,7 @@
               <a:p>
                 <a:pPr algn="ctr"/>
                 <a:r>
-                  <a:rPr lang="en-GB" dirty="0" smtClean="0"/>
+                  <a:rPr lang="en-GB" dirty="0"/>
                   <a:t>Service Per Shop</a:t>
                 </a:r>
               </a:p>
@@ -6298,7 +6236,7 @@
               </a:p>
               <a:p>
                 <a:pPr algn="ctr"/>
-                <a:endParaRPr lang="en-GB" dirty="0" smtClean="0"/>
+                <a:endParaRPr lang="en-GB" dirty="0"/>
               </a:p>
               <a:p>
                 <a:pPr algn="ctr"/>
@@ -6306,7 +6244,7 @@
               </a:p>
               <a:p>
                 <a:pPr algn="ctr"/>
-                <a:endParaRPr lang="en-GB" dirty="0" smtClean="0"/>
+                <a:endParaRPr lang="en-GB" dirty="0"/>
               </a:p>
               <a:p>
                 <a:pPr algn="ctr"/>
@@ -6447,10 +6385,9 @@
               <a:lstStyle/>
               <a:p>
                 <a:r>
-                  <a:rPr lang="en-GB" dirty="0" smtClean="0"/>
+                  <a:rPr lang="en-GB" dirty="0"/>
                   <a:t>Menu</a:t>
                 </a:r>
-                <a:endParaRPr lang="en-GB" dirty="0"/>
               </a:p>
             </p:txBody>
           </p:sp>
@@ -6489,10 +6426,9 @@
               <a:p>
                 <a:pPr algn="ctr"/>
                 <a:r>
-                  <a:rPr lang="en-GB" dirty="0" smtClean="0"/>
+                  <a:rPr lang="en-GB" dirty="0"/>
                   <a:t>Schedule</a:t>
                 </a:r>
-                <a:endParaRPr lang="en-GB" dirty="0"/>
               </a:p>
             </p:txBody>
           </p:sp>
@@ -6531,10 +6467,9 @@
               <a:p>
                 <a:pPr algn="ctr"/>
                 <a:r>
-                  <a:rPr lang="en-GB" dirty="0" smtClean="0"/>
+                  <a:rPr lang="en-GB" dirty="0"/>
                   <a:t>Client</a:t>
                 </a:r>
-                <a:endParaRPr lang="en-GB" dirty="0"/>
               </a:p>
             </p:txBody>
           </p:sp>
@@ -6573,10 +6508,9 @@
               <a:p>
                 <a:pPr algn="ctr"/>
                 <a:r>
-                  <a:rPr lang="en-GB" dirty="0" smtClean="0"/>
+                  <a:rPr lang="en-GB" dirty="0"/>
                   <a:t>Staff</a:t>
                 </a:r>
-                <a:endParaRPr lang="en-GB" dirty="0"/>
               </a:p>
             </p:txBody>
           </p:sp>
@@ -6615,10 +6549,9 @@
               <a:p>
                 <a:pPr algn="ctr"/>
                 <a:r>
-                  <a:rPr lang="en-GB" dirty="0" smtClean="0"/>
+                  <a:rPr lang="en-GB" dirty="0"/>
                   <a:t>Shop</a:t>
                 </a:r>
-                <a:endParaRPr lang="en-GB" dirty="0"/>
               </a:p>
             </p:txBody>
           </p:sp>
@@ -6657,10 +6590,9 @@
               <a:p>
                 <a:pPr algn="ctr"/>
                 <a:r>
-                  <a:rPr lang="en-GB" dirty="0" smtClean="0"/>
+                  <a:rPr lang="en-GB" dirty="0"/>
                   <a:t>User</a:t>
                 </a:r>
-                <a:endParaRPr lang="en-GB" dirty="0"/>
               </a:p>
             </p:txBody>
           </p:sp>
@@ -6699,10 +6631,9 @@
               <a:p>
                 <a:pPr algn="ctr"/>
                 <a:r>
-                  <a:rPr lang="en-GB" dirty="0" smtClean="0"/>
+                  <a:rPr lang="en-GB" dirty="0"/>
                   <a:t>Service</a:t>
                 </a:r>
-                <a:endParaRPr lang="en-GB" dirty="0"/>
               </a:p>
             </p:txBody>
           </p:sp>
@@ -6741,14 +6672,9 @@
               <a:p>
                 <a:pPr algn="ctr"/>
                 <a:r>
-                  <a:rPr lang="en-GB" dirty="0" smtClean="0"/>
+                  <a:rPr lang="en-GB" dirty="0"/>
                   <a:t>Schedule Per Shop</a:t>
                 </a:r>
-                <a:endParaRPr lang="en-GB" dirty="0"/>
-              </a:p>
-              <a:p>
-                <a:pPr algn="ctr"/>
-                <a:endParaRPr lang="en-GB" dirty="0" smtClean="0"/>
               </a:p>
               <a:p>
                 <a:pPr algn="ctr"/>
@@ -6756,7 +6682,11 @@
               </a:p>
               <a:p>
                 <a:pPr algn="ctr"/>
-                <a:endParaRPr lang="en-GB" dirty="0" smtClean="0"/>
+                <a:endParaRPr lang="en-GB" dirty="0"/>
+              </a:p>
+              <a:p>
+                <a:pPr algn="ctr"/>
+                <a:endParaRPr lang="en-GB" dirty="0"/>
               </a:p>
               <a:p>
                 <a:pPr algn="ctr"/>
@@ -6913,10 +6843,9 @@
             <a:lstStyle/>
             <a:p>
               <a:r>
-                <a:rPr lang="en-GB" dirty="0" smtClean="0"/>
+                <a:rPr lang="en-GB" dirty="0"/>
                 <a:t>Menu</a:t>
               </a:r>
-              <a:endParaRPr lang="en-GB" dirty="0"/>
             </a:p>
           </p:txBody>
         </p:sp>
@@ -6955,10 +6884,9 @@
             <a:p>
               <a:pPr algn="ctr"/>
               <a:r>
-                <a:rPr lang="en-GB" dirty="0" smtClean="0"/>
+                <a:rPr lang="en-GB" dirty="0"/>
                 <a:t>Schedule</a:t>
               </a:r>
-              <a:endParaRPr lang="en-GB" dirty="0"/>
             </a:p>
           </p:txBody>
         </p:sp>
@@ -6997,10 +6925,9 @@
             <a:p>
               <a:pPr algn="ctr"/>
               <a:r>
-                <a:rPr lang="en-GB" dirty="0" smtClean="0"/>
+                <a:rPr lang="en-GB" dirty="0"/>
                 <a:t>Client</a:t>
               </a:r>
-              <a:endParaRPr lang="en-GB" dirty="0"/>
             </a:p>
           </p:txBody>
         </p:sp>
@@ -7039,10 +6966,9 @@
             <a:p>
               <a:pPr algn="ctr"/>
               <a:r>
-                <a:rPr lang="en-GB" dirty="0" smtClean="0"/>
+                <a:rPr lang="en-GB" dirty="0"/>
                 <a:t>Staff</a:t>
               </a:r>
-              <a:endParaRPr lang="en-GB" dirty="0"/>
             </a:p>
           </p:txBody>
         </p:sp>
@@ -7081,10 +7007,9 @@
             <a:p>
               <a:pPr algn="ctr"/>
               <a:r>
-                <a:rPr lang="en-GB" dirty="0" smtClean="0"/>
+                <a:rPr lang="en-GB" dirty="0"/>
                 <a:t>Shop</a:t>
               </a:r>
-              <a:endParaRPr lang="en-GB" dirty="0"/>
             </a:p>
           </p:txBody>
         </p:sp>
@@ -7123,10 +7048,9 @@
             <a:p>
               <a:pPr algn="ctr"/>
               <a:r>
-                <a:rPr lang="en-GB" dirty="0" smtClean="0"/>
+                <a:rPr lang="en-GB" dirty="0"/>
                 <a:t>User</a:t>
               </a:r>
-              <a:endParaRPr lang="en-GB" dirty="0"/>
             </a:p>
           </p:txBody>
         </p:sp>
@@ -7165,10 +7089,9 @@
             <a:p>
               <a:pPr algn="ctr"/>
               <a:r>
-                <a:rPr lang="en-GB" dirty="0" smtClean="0"/>
+                <a:rPr lang="en-GB" dirty="0"/>
                 <a:t>Service</a:t>
               </a:r>
-              <a:endParaRPr lang="en-GB" dirty="0"/>
             </a:p>
           </p:txBody>
         </p:sp>
@@ -7207,10 +7130,9 @@
             <a:p>
               <a:pPr algn="ctr"/>
               <a:r>
-                <a:rPr lang="en-GB" dirty="0" smtClean="0"/>
+                <a:rPr lang="en-GB" dirty="0"/>
                 <a:t>Dashboard</a:t>
               </a:r>
-              <a:endParaRPr lang="en-GB" dirty="0"/>
             </a:p>
           </p:txBody>
         </p:sp>
@@ -7292,10 +7214,9 @@
             <a:lstStyle/>
             <a:p>
               <a:r>
-                <a:rPr lang="en-GB" dirty="0" smtClean="0"/>
+                <a:rPr lang="en-GB" dirty="0"/>
                 <a:t>Menu</a:t>
               </a:r>
-              <a:endParaRPr lang="en-GB" dirty="0"/>
             </a:p>
           </p:txBody>
         </p:sp>
@@ -7334,10 +7255,9 @@
             <a:p>
               <a:pPr algn="ctr"/>
               <a:r>
-                <a:rPr lang="en-GB" dirty="0" smtClean="0"/>
+                <a:rPr lang="en-GB" dirty="0"/>
                 <a:t>Schedule</a:t>
               </a:r>
-              <a:endParaRPr lang="en-GB" dirty="0"/>
             </a:p>
           </p:txBody>
         </p:sp>
@@ -7376,10 +7296,9 @@
             <a:p>
               <a:pPr algn="ctr"/>
               <a:r>
-                <a:rPr lang="en-GB" dirty="0" smtClean="0"/>
+                <a:rPr lang="en-GB" dirty="0"/>
                 <a:t>Client</a:t>
               </a:r>
-              <a:endParaRPr lang="en-GB" dirty="0"/>
             </a:p>
           </p:txBody>
         </p:sp>
@@ -7418,10 +7337,9 @@
             <a:p>
               <a:pPr algn="ctr"/>
               <a:r>
-                <a:rPr lang="en-GB" dirty="0" smtClean="0"/>
+                <a:rPr lang="en-GB" dirty="0"/>
                 <a:t>Staff</a:t>
               </a:r>
-              <a:endParaRPr lang="en-GB" dirty="0"/>
             </a:p>
           </p:txBody>
         </p:sp>
@@ -7460,10 +7378,9 @@
             <a:p>
               <a:pPr algn="ctr"/>
               <a:r>
-                <a:rPr lang="en-GB" dirty="0" smtClean="0"/>
+                <a:rPr lang="en-GB" dirty="0"/>
                 <a:t>Dashboard</a:t>
               </a:r>
-              <a:endParaRPr lang="en-GB" dirty="0"/>
             </a:p>
           </p:txBody>
         </p:sp>
@@ -7531,10 +7448,9 @@
           <a:lstStyle/>
           <a:p>
             <a:r>
-              <a:rPr lang="en-GB" dirty="0" smtClean="0"/>
+              <a:rPr lang="en-GB" dirty="0"/>
               <a:t>Menu</a:t>
             </a:r>
-            <a:endParaRPr lang="en-GB" dirty="0"/>
           </a:p>
         </p:txBody>
       </p:sp>
@@ -7573,10 +7489,9 @@
           <a:p>
             <a:pPr algn="ctr"/>
             <a:r>
-              <a:rPr lang="en-GB" dirty="0" smtClean="0"/>
+              <a:rPr lang="en-GB" dirty="0"/>
               <a:t>Schedule</a:t>
             </a:r>
-            <a:endParaRPr lang="en-GB" dirty="0"/>
           </a:p>
         </p:txBody>
       </p:sp>
@@ -7615,10 +7530,9 @@
           <a:p>
             <a:pPr algn="ctr"/>
             <a:r>
-              <a:rPr lang="en-GB" dirty="0" smtClean="0"/>
+              <a:rPr lang="en-GB" dirty="0"/>
               <a:t>Client</a:t>
             </a:r>
-            <a:endParaRPr lang="en-GB" dirty="0"/>
           </a:p>
         </p:txBody>
       </p:sp>
@@ -7657,10 +7571,9 @@
           <a:p>
             <a:pPr algn="ctr"/>
             <a:r>
-              <a:rPr lang="en-GB" dirty="0" smtClean="0"/>
+              <a:rPr lang="en-GB" dirty="0"/>
               <a:t>Dashboard</a:t>
             </a:r>
-            <a:endParaRPr lang="en-GB" dirty="0"/>
           </a:p>
         </p:txBody>
       </p:sp>
@@ -7687,10 +7600,9 @@
           <a:lstStyle/>
           <a:p>
             <a:r>
-              <a:rPr lang="en-GB" sz="2400" dirty="0" smtClean="0"/>
+              <a:rPr lang="en-GB" sz="2400" dirty="0"/>
               <a:t>Admin Menu</a:t>
             </a:r>
-            <a:endParaRPr lang="en-GB" sz="2400" dirty="0"/>
           </a:p>
         </p:txBody>
       </p:sp>
@@ -7717,10 +7629,9 @@
           <a:lstStyle/>
           <a:p>
             <a:r>
-              <a:rPr lang="en-GB" sz="2400" dirty="0" smtClean="0"/>
+              <a:rPr lang="en-GB" sz="2400" dirty="0"/>
               <a:t>Manager Menu</a:t>
             </a:r>
-            <a:endParaRPr lang="en-GB" sz="2400" dirty="0"/>
           </a:p>
         </p:txBody>
       </p:sp>
@@ -7747,10 +7658,9 @@
           <a:lstStyle/>
           <a:p>
             <a:r>
-              <a:rPr lang="en-GB" sz="2400" dirty="0" smtClean="0"/>
+              <a:rPr lang="en-GB" sz="2400" dirty="0"/>
               <a:t>User Menu</a:t>
             </a:r>
-            <a:endParaRPr lang="en-GB" sz="2400" dirty="0"/>
           </a:p>
         </p:txBody>
       </p:sp>
@@ -7775,22 +7685,22 @@
           <a:lstStyle/>
           <a:p>
             <a:r>
-              <a:rPr lang="en-GB" dirty="0" smtClean="0"/>
+              <a:rPr lang="en-GB" dirty="0"/>
               <a:t>Sketch window part </a:t>
             </a:r>
             <a:r>
-              <a:rPr lang="en-US" altLang="zh-CN" dirty="0" smtClean="0"/>
+              <a:rPr lang="en-US" altLang="zh-CN" dirty="0"/>
               <a:t>3</a:t>
             </a:r>
             <a:br>
-              <a:rPr lang="en-US" altLang="zh-CN" dirty="0" smtClean="0"/>
+              <a:rPr lang="en-US" altLang="zh-CN" dirty="0"/>
             </a:br>
             <a:r>
-              <a:rPr lang="en-US" altLang="zh-CN" dirty="0" smtClean="0"/>
+              <a:rPr lang="en-US" altLang="zh-CN" dirty="0"/>
               <a:t>User role </a:t>
             </a:r>
             <a:r>
-              <a:rPr lang="en-GB" altLang="zh-CN" dirty="0" smtClean="0"/>
+              <a:rPr lang="en-GB" altLang="zh-CN" dirty="0"/>
               <a:t>permission</a:t>
             </a:r>
             <a:endParaRPr lang="en-GB" dirty="0"/>
@@ -7848,14 +7758,9 @@
           <a:lstStyle/>
           <a:p>
             <a:r>
-              <a:rPr lang="en-GB" dirty="0" smtClean="0"/>
-              <a:t>Shop </a:t>
-            </a:r>
-            <a:r>
-              <a:rPr lang="en-GB" dirty="0" smtClean="0"/>
-              <a:t>Management</a:t>
-            </a:r>
-            <a:endParaRPr lang="en-GB" dirty="0"/>
+              <a:rPr lang="en-GB" dirty="0"/>
+              <a:t>Shop Management</a:t>
+            </a:r>
           </a:p>
         </p:txBody>
       </p:sp>
@@ -7922,10 +7827,9 @@
           <a:lstStyle/>
           <a:p>
             <a:r>
-              <a:rPr lang="en-GB" dirty="0" smtClean="0"/>
+              <a:rPr lang="en-GB" dirty="0"/>
               <a:t>Menu</a:t>
             </a:r>
-            <a:endParaRPr lang="en-GB" dirty="0"/>
           </a:p>
         </p:txBody>
       </p:sp>
@@ -7964,10 +7868,9 @@
           <a:p>
             <a:pPr algn="ctr"/>
             <a:r>
-              <a:rPr lang="en-GB" dirty="0" smtClean="0"/>
+              <a:rPr lang="en-GB" dirty="0"/>
               <a:t>Schedule</a:t>
             </a:r>
-            <a:endParaRPr lang="en-GB" dirty="0"/>
           </a:p>
         </p:txBody>
       </p:sp>
@@ -8006,10 +7909,9 @@
           <a:p>
             <a:pPr algn="ctr"/>
             <a:r>
-              <a:rPr lang="en-GB" dirty="0" smtClean="0"/>
+              <a:rPr lang="en-GB" dirty="0"/>
               <a:t>Client</a:t>
             </a:r>
-            <a:endParaRPr lang="en-GB" dirty="0"/>
           </a:p>
         </p:txBody>
       </p:sp>
@@ -8048,10 +7950,9 @@
           <a:p>
             <a:pPr algn="ctr"/>
             <a:r>
-              <a:rPr lang="en-GB" dirty="0" smtClean="0"/>
+              <a:rPr lang="en-GB" dirty="0"/>
               <a:t>Staff</a:t>
             </a:r>
-            <a:endParaRPr lang="en-GB" dirty="0"/>
           </a:p>
         </p:txBody>
       </p:sp>
@@ -8090,10 +7991,9 @@
           <a:p>
             <a:pPr algn="ctr"/>
             <a:r>
-              <a:rPr lang="en-GB" dirty="0" smtClean="0"/>
+              <a:rPr lang="en-GB" dirty="0"/>
               <a:t>Shop</a:t>
             </a:r>
-            <a:endParaRPr lang="en-GB" dirty="0"/>
           </a:p>
         </p:txBody>
       </p:sp>
@@ -8132,10 +8032,9 @@
           <a:p>
             <a:pPr algn="ctr"/>
             <a:r>
-              <a:rPr lang="en-GB" dirty="0" smtClean="0"/>
+              <a:rPr lang="en-GB" dirty="0"/>
               <a:t>User</a:t>
             </a:r>
-            <a:endParaRPr lang="en-GB" dirty="0"/>
           </a:p>
         </p:txBody>
       </p:sp>
@@ -8174,10 +8073,9 @@
           <a:p>
             <a:pPr algn="ctr"/>
             <a:r>
-              <a:rPr lang="en-GB" dirty="0" smtClean="0"/>
+              <a:rPr lang="en-GB" dirty="0"/>
               <a:t>Service</a:t>
             </a:r>
-            <a:endParaRPr lang="en-GB" dirty="0"/>
           </a:p>
         </p:txBody>
       </p:sp>
@@ -8216,16 +8114,8 @@
           <a:p>
             <a:pPr algn="ctr"/>
             <a:r>
-              <a:rPr lang="en-GB" dirty="0" smtClean="0"/>
-              <a:t>Shop</a:t>
-            </a:r>
-            <a:r>
-              <a:rPr lang="en-GB" dirty="0" smtClean="0"/>
-              <a:t> </a:t>
-            </a:r>
-            <a:r>
-              <a:rPr lang="en-GB" dirty="0" smtClean="0"/>
-              <a:t>List</a:t>
+              <a:rPr lang="en-GB" dirty="0"/>
+              <a:t>Shop List</a:t>
             </a:r>
           </a:p>
           <a:p>
@@ -8234,15 +8124,15 @@
           </a:p>
           <a:p>
             <a:pPr algn="ctr"/>
-            <a:endParaRPr lang="en-GB" dirty="0" smtClean="0"/>
-          </a:p>
-          <a:p>
-            <a:pPr algn="ctr"/>
             <a:endParaRPr lang="en-GB" dirty="0"/>
           </a:p>
           <a:p>
             <a:pPr algn="ctr"/>
-            <a:endParaRPr lang="en-GB" dirty="0" smtClean="0"/>
+            <a:endParaRPr lang="en-GB" dirty="0"/>
+          </a:p>
+          <a:p>
+            <a:pPr algn="ctr"/>
+            <a:endParaRPr lang="en-GB" dirty="0"/>
           </a:p>
           <a:p>
             <a:pPr algn="ctr"/>
@@ -8325,14 +8215,9 @@
           <a:p>
             <a:pPr algn="ctr"/>
             <a:r>
-              <a:rPr lang="en-GB" dirty="0" smtClean="0"/>
-              <a:t>Add New </a:t>
-            </a:r>
-            <a:r>
-              <a:rPr lang="en-GB" dirty="0" smtClean="0"/>
-              <a:t>Shop</a:t>
-            </a:r>
-            <a:endParaRPr lang="en-GB" dirty="0"/>
+              <a:rPr lang="en-GB" dirty="0"/>
+              <a:t>Add New Shop</a:t>
+            </a:r>
           </a:p>
         </p:txBody>
       </p:sp>
@@ -8371,10 +8256,9 @@
           <a:p>
             <a:pPr algn="ctr"/>
             <a:r>
-              <a:rPr lang="en-GB" dirty="0" smtClean="0"/>
+              <a:rPr lang="en-GB" dirty="0"/>
               <a:t>Edit</a:t>
             </a:r>
-            <a:endParaRPr lang="en-GB" dirty="0"/>
           </a:p>
         </p:txBody>
       </p:sp>
@@ -8441,14 +8325,9 @@
           <a:lstStyle/>
           <a:p>
             <a:r>
-              <a:rPr lang="en-GB" dirty="0" smtClean="0"/>
-              <a:t>Add </a:t>
-            </a:r>
-            <a:r>
-              <a:rPr lang="en-GB" dirty="0" smtClean="0"/>
-              <a:t>Shop</a:t>
-            </a:r>
-            <a:endParaRPr lang="en-GB" dirty="0"/>
+              <a:rPr lang="en-GB" dirty="0"/>
+              <a:t>Add Shop</a:t>
+            </a:r>
           </a:p>
         </p:txBody>
       </p:sp>
@@ -8489,10 +8368,9 @@
           <a:p>
             <a:pPr algn="ctr"/>
             <a:r>
-              <a:rPr lang="en-GB" dirty="0" smtClean="0"/>
+              <a:rPr lang="en-GB" dirty="0"/>
               <a:t>Description</a:t>
             </a:r>
-            <a:endParaRPr lang="en-GB" dirty="0"/>
           </a:p>
         </p:txBody>
       </p:sp>
@@ -8533,14 +8411,9 @@
           <a:p>
             <a:pPr algn="ctr"/>
             <a:r>
-              <a:rPr lang="en-GB" dirty="0" smtClean="0"/>
-              <a:t>Shop </a:t>
-            </a:r>
-            <a:r>
-              <a:rPr lang="en-GB" dirty="0" smtClean="0"/>
-              <a:t>name</a:t>
-            </a:r>
-            <a:endParaRPr lang="en-GB" dirty="0"/>
+              <a:rPr lang="en-GB" dirty="0"/>
+              <a:t>Shop name</a:t>
+            </a:r>
           </a:p>
         </p:txBody>
       </p:sp>
@@ -8581,10 +8454,9 @@
           <a:p>
             <a:pPr algn="ctr"/>
             <a:r>
-              <a:rPr lang="en-GB" dirty="0" smtClean="0"/>
+              <a:rPr lang="en-GB" dirty="0"/>
               <a:t>Location</a:t>
             </a:r>
-            <a:endParaRPr lang="en-GB" dirty="0"/>
           </a:p>
         </p:txBody>
       </p:sp>
@@ -8623,10 +8495,9 @@
           <a:p>
             <a:pPr algn="ctr"/>
             <a:r>
-              <a:rPr lang="en-GB" dirty="0" smtClean="0"/>
+              <a:rPr lang="en-GB" dirty="0"/>
               <a:t>Create</a:t>
             </a:r>
-            <a:endParaRPr lang="en-GB" dirty="0"/>
           </a:p>
         </p:txBody>
       </p:sp>
@@ -8665,10 +8536,9 @@
           <a:p>
             <a:pPr algn="ctr"/>
             <a:r>
-              <a:rPr lang="en-GB" dirty="0" smtClean="0"/>
+              <a:rPr lang="en-GB" dirty="0"/>
               <a:t>Cancel</a:t>
             </a:r>
-            <a:endParaRPr lang="en-GB" dirty="0"/>
           </a:p>
         </p:txBody>
       </p:sp>
@@ -8709,10 +8579,9 @@
           <a:p>
             <a:pPr algn="ctr"/>
             <a:r>
-              <a:rPr lang="en-GB" dirty="0" smtClean="0"/>
+              <a:rPr lang="en-GB" dirty="0"/>
               <a:t>Open Time Start</a:t>
             </a:r>
-            <a:endParaRPr lang="en-GB" dirty="0"/>
           </a:p>
         </p:txBody>
       </p:sp>
@@ -8753,10 +8622,9 @@
           <a:p>
             <a:pPr algn="ctr"/>
             <a:r>
-              <a:rPr lang="en-GB" dirty="0" smtClean="0"/>
+              <a:rPr lang="en-GB" dirty="0"/>
               <a:t>Open Time End</a:t>
             </a:r>
-            <a:endParaRPr lang="en-GB" dirty="0"/>
           </a:p>
         </p:txBody>
       </p:sp>
@@ -8823,14 +8691,9 @@
           <a:lstStyle/>
           <a:p>
             <a:r>
-              <a:rPr lang="en-GB" dirty="0" smtClean="0"/>
-              <a:t>Edit</a:t>
-            </a:r>
-            <a:r>
-              <a:rPr lang="en-GB" dirty="0" smtClean="0"/>
-              <a:t> Shop</a:t>
-            </a:r>
-            <a:endParaRPr lang="en-GB" dirty="0"/>
+              <a:rPr lang="en-GB" dirty="0"/>
+              <a:t>Edit Shop</a:t>
+            </a:r>
           </a:p>
         </p:txBody>
       </p:sp>
@@ -8871,10 +8734,9 @@
           <a:p>
             <a:pPr algn="ctr"/>
             <a:r>
-              <a:rPr lang="en-GB" dirty="0" smtClean="0"/>
+              <a:rPr lang="en-GB" dirty="0"/>
               <a:t>Description</a:t>
             </a:r>
-            <a:endParaRPr lang="en-GB" dirty="0"/>
           </a:p>
         </p:txBody>
       </p:sp>
@@ -8915,14 +8777,9 @@
           <a:p>
             <a:pPr algn="ctr"/>
             <a:r>
-              <a:rPr lang="en-GB" dirty="0" smtClean="0"/>
-              <a:t>Shop </a:t>
-            </a:r>
-            <a:r>
-              <a:rPr lang="en-GB" dirty="0" smtClean="0"/>
-              <a:t>name</a:t>
-            </a:r>
-            <a:endParaRPr lang="en-GB" dirty="0"/>
+              <a:rPr lang="en-GB" dirty="0"/>
+              <a:t>Shop name</a:t>
+            </a:r>
           </a:p>
         </p:txBody>
       </p:sp>
@@ -8963,10 +8820,9 @@
           <a:p>
             <a:pPr algn="ctr"/>
             <a:r>
-              <a:rPr lang="en-GB" dirty="0" smtClean="0"/>
+              <a:rPr lang="en-GB" dirty="0"/>
               <a:t>Location</a:t>
             </a:r>
-            <a:endParaRPr lang="en-GB" dirty="0"/>
           </a:p>
         </p:txBody>
       </p:sp>
@@ -9005,10 +8861,9 @@
           <a:p>
             <a:pPr algn="ctr"/>
             <a:r>
-              <a:rPr lang="en-GB" dirty="0" smtClean="0"/>
+              <a:rPr lang="en-GB" dirty="0"/>
               <a:t>Update</a:t>
             </a:r>
-            <a:endParaRPr lang="en-GB" dirty="0"/>
           </a:p>
         </p:txBody>
       </p:sp>
@@ -9047,10 +8902,9 @@
           <a:p>
             <a:pPr algn="ctr"/>
             <a:r>
-              <a:rPr lang="en-GB" dirty="0" smtClean="0"/>
+              <a:rPr lang="en-GB" dirty="0"/>
               <a:t>Cancel</a:t>
             </a:r>
-            <a:endParaRPr lang="en-GB" dirty="0"/>
           </a:p>
         </p:txBody>
       </p:sp>
@@ -9091,10 +8945,9 @@
           <a:p>
             <a:pPr algn="ctr"/>
             <a:r>
-              <a:rPr lang="en-GB" dirty="0" smtClean="0"/>
+              <a:rPr lang="en-GB" dirty="0"/>
               <a:t>Open Time Start</a:t>
             </a:r>
-            <a:endParaRPr lang="en-GB" dirty="0"/>
           </a:p>
         </p:txBody>
       </p:sp>
@@ -9135,10 +8988,9 @@
           <a:p>
             <a:pPr algn="ctr"/>
             <a:r>
-              <a:rPr lang="en-GB" dirty="0" smtClean="0"/>
+              <a:rPr lang="en-GB" dirty="0"/>
               <a:t>Open Time End</a:t>
             </a:r>
-            <a:endParaRPr lang="en-GB" dirty="0"/>
           </a:p>
         </p:txBody>
       </p:sp>
@@ -9165,10 +9017,9 @@
           <a:lstStyle/>
           <a:p>
             <a:r>
-              <a:rPr lang="en-GB" dirty="0" smtClean="0"/>
+              <a:rPr lang="en-GB" dirty="0"/>
               <a:t>Shop Id</a:t>
             </a:r>
-            <a:endParaRPr lang="en-GB" dirty="0"/>
           </a:p>
         </p:txBody>
       </p:sp>
@@ -9223,10 +9074,9 @@
           <a:lstStyle/>
           <a:p>
             <a:r>
-              <a:rPr lang="en-GB" dirty="0" smtClean="0"/>
+              <a:rPr lang="en-GB" dirty="0"/>
               <a:t>User Management</a:t>
             </a:r>
-            <a:endParaRPr lang="en-GB" dirty="0"/>
           </a:p>
         </p:txBody>
       </p:sp>
@@ -9293,10 +9143,9 @@
           <a:lstStyle/>
           <a:p>
             <a:r>
-              <a:rPr lang="en-GB" dirty="0" smtClean="0"/>
+              <a:rPr lang="en-GB" dirty="0"/>
               <a:t>Menu</a:t>
             </a:r>
-            <a:endParaRPr lang="en-GB" dirty="0"/>
           </a:p>
         </p:txBody>
       </p:sp>
@@ -9335,10 +9184,9 @@
           <a:p>
             <a:pPr algn="ctr"/>
             <a:r>
-              <a:rPr lang="en-GB" dirty="0" smtClean="0"/>
+              <a:rPr lang="en-GB" dirty="0"/>
               <a:t>Schedule</a:t>
             </a:r>
-            <a:endParaRPr lang="en-GB" dirty="0"/>
           </a:p>
         </p:txBody>
       </p:sp>
@@ -9377,10 +9225,9 @@
           <a:p>
             <a:pPr algn="ctr"/>
             <a:r>
-              <a:rPr lang="en-GB" dirty="0" smtClean="0"/>
+              <a:rPr lang="en-GB" dirty="0"/>
               <a:t>Client</a:t>
             </a:r>
-            <a:endParaRPr lang="en-GB" dirty="0"/>
           </a:p>
         </p:txBody>
       </p:sp>
@@ -9419,10 +9266,9 @@
           <a:p>
             <a:pPr algn="ctr"/>
             <a:r>
-              <a:rPr lang="en-GB" dirty="0" smtClean="0"/>
+              <a:rPr lang="en-GB" dirty="0"/>
               <a:t>Staff</a:t>
             </a:r>
-            <a:endParaRPr lang="en-GB" dirty="0"/>
           </a:p>
         </p:txBody>
       </p:sp>
@@ -9461,10 +9307,9 @@
           <a:p>
             <a:pPr algn="ctr"/>
             <a:r>
-              <a:rPr lang="en-GB" dirty="0" smtClean="0"/>
+              <a:rPr lang="en-GB" dirty="0"/>
               <a:t>Shop</a:t>
             </a:r>
-            <a:endParaRPr lang="en-GB" dirty="0"/>
           </a:p>
         </p:txBody>
       </p:sp>
@@ -9503,10 +9348,9 @@
           <a:p>
             <a:pPr algn="ctr"/>
             <a:r>
-              <a:rPr lang="en-GB" dirty="0" smtClean="0"/>
+              <a:rPr lang="en-GB" dirty="0"/>
               <a:t>User</a:t>
             </a:r>
-            <a:endParaRPr lang="en-GB" dirty="0"/>
           </a:p>
         </p:txBody>
       </p:sp>
@@ -9545,10 +9389,9 @@
           <a:p>
             <a:pPr algn="ctr"/>
             <a:r>
-              <a:rPr lang="en-GB" dirty="0" smtClean="0"/>
+              <a:rPr lang="en-GB" dirty="0"/>
               <a:t>Service</a:t>
             </a:r>
-            <a:endParaRPr lang="en-GB" dirty="0"/>
           </a:p>
         </p:txBody>
       </p:sp>
@@ -9587,7 +9430,7 @@
           <a:p>
             <a:pPr algn="ctr"/>
             <a:r>
-              <a:rPr lang="en-GB" dirty="0" smtClean="0"/>
+              <a:rPr lang="en-GB" dirty="0"/>
               <a:t>User List</a:t>
             </a:r>
           </a:p>
@@ -9597,15 +9440,15 @@
           </a:p>
           <a:p>
             <a:pPr algn="ctr"/>
-            <a:endParaRPr lang="en-GB" dirty="0" smtClean="0"/>
-          </a:p>
-          <a:p>
-            <a:pPr algn="ctr"/>
             <a:endParaRPr lang="en-GB" dirty="0"/>
           </a:p>
           <a:p>
             <a:pPr algn="ctr"/>
-            <a:endParaRPr lang="en-GB" dirty="0" smtClean="0"/>
+            <a:endParaRPr lang="en-GB" dirty="0"/>
+          </a:p>
+          <a:p>
+            <a:pPr algn="ctr"/>
+            <a:endParaRPr lang="en-GB" dirty="0"/>
           </a:p>
           <a:p>
             <a:pPr algn="ctr"/>
@@ -9688,10 +9531,9 @@
           <a:p>
             <a:pPr algn="ctr"/>
             <a:r>
-              <a:rPr lang="en-GB" dirty="0" smtClean="0"/>
+              <a:rPr lang="en-GB" dirty="0"/>
               <a:t>Add New User</a:t>
             </a:r>
-            <a:endParaRPr lang="en-GB" dirty="0"/>
           </a:p>
         </p:txBody>
       </p:sp>
@@ -9730,10 +9572,9 @@
           <a:p>
             <a:pPr algn="ctr"/>
             <a:r>
-              <a:rPr lang="en-GB" dirty="0" smtClean="0"/>
+              <a:rPr lang="en-GB" dirty="0"/>
               <a:t>Edit</a:t>
             </a:r>
-            <a:endParaRPr lang="en-GB" dirty="0"/>
           </a:p>
         </p:txBody>
       </p:sp>
@@ -9800,10 +9641,9 @@
           <a:lstStyle/>
           <a:p>
             <a:r>
-              <a:rPr lang="en-GB" dirty="0" smtClean="0"/>
+              <a:rPr lang="en-GB" dirty="0"/>
               <a:t>Add User</a:t>
             </a:r>
-            <a:endParaRPr lang="en-GB" dirty="0"/>
           </a:p>
         </p:txBody>
       </p:sp>
@@ -9844,10 +9684,9 @@
           <a:p>
             <a:pPr algn="ctr"/>
             <a:r>
-              <a:rPr lang="en-GB" dirty="0" smtClean="0"/>
+              <a:rPr lang="en-GB" dirty="0"/>
               <a:t>Email</a:t>
             </a:r>
-            <a:endParaRPr lang="en-GB" dirty="0"/>
           </a:p>
         </p:txBody>
       </p:sp>
@@ -9888,10 +9727,9 @@
           <a:p>
             <a:pPr algn="ctr"/>
             <a:r>
-              <a:rPr lang="en-GB" dirty="0" smtClean="0"/>
+              <a:rPr lang="en-GB" dirty="0"/>
               <a:t>User name</a:t>
             </a:r>
-            <a:endParaRPr lang="en-GB" dirty="0"/>
           </a:p>
         </p:txBody>
       </p:sp>
@@ -9932,10 +9770,9 @@
           <a:p>
             <a:pPr algn="ctr"/>
             <a:r>
-              <a:rPr lang="en-GB" dirty="0" smtClean="0"/>
+              <a:rPr lang="en-GB" dirty="0"/>
               <a:t>Password</a:t>
             </a:r>
-            <a:endParaRPr lang="en-GB" dirty="0"/>
           </a:p>
         </p:txBody>
       </p:sp>
@@ -9974,10 +9811,9 @@
           <a:p>
             <a:pPr algn="ctr"/>
             <a:r>
-              <a:rPr lang="en-GB" dirty="0" smtClean="0"/>
+              <a:rPr lang="en-GB" dirty="0"/>
               <a:t>Create</a:t>
             </a:r>
-            <a:endParaRPr lang="en-GB" dirty="0"/>
           </a:p>
         </p:txBody>
       </p:sp>
@@ -10016,10 +9852,9 @@
           <a:p>
             <a:pPr algn="ctr"/>
             <a:r>
-              <a:rPr lang="en-GB" dirty="0" smtClean="0"/>
+              <a:rPr lang="en-GB" dirty="0"/>
               <a:t>Cancel</a:t>
             </a:r>
-            <a:endParaRPr lang="en-GB" dirty="0"/>
           </a:p>
         </p:txBody>
       </p:sp>
@@ -10100,10 +9935,9 @@
             <a:lstStyle/>
             <a:p>
               <a:r>
-                <a:rPr lang="en-GB" dirty="0" smtClean="0"/>
+                <a:rPr lang="en-GB" dirty="0"/>
                 <a:t>Edit User</a:t>
               </a:r>
-              <a:endParaRPr lang="en-GB" dirty="0"/>
             </a:p>
           </p:txBody>
         </p:sp>
@@ -10144,10 +9978,9 @@
             <a:p>
               <a:pPr algn="ctr"/>
               <a:r>
-                <a:rPr lang="en-GB" dirty="0" smtClean="0"/>
+                <a:rPr lang="en-GB" dirty="0"/>
                 <a:t>Email</a:t>
               </a:r>
-              <a:endParaRPr lang="en-GB" dirty="0"/>
             </a:p>
           </p:txBody>
         </p:sp>
@@ -10188,10 +10021,9 @@
             <a:p>
               <a:pPr algn="ctr"/>
               <a:r>
-                <a:rPr lang="en-GB" dirty="0" smtClean="0"/>
+                <a:rPr lang="en-GB" dirty="0"/>
                 <a:t>User name</a:t>
               </a:r>
-              <a:endParaRPr lang="en-GB" dirty="0"/>
             </a:p>
           </p:txBody>
         </p:sp>
@@ -10232,10 +10064,9 @@
             <a:p>
               <a:pPr algn="ctr"/>
               <a:r>
-                <a:rPr lang="en-GB" dirty="0" smtClean="0"/>
+                <a:rPr lang="en-GB" dirty="0"/>
                 <a:t>Password</a:t>
               </a:r>
-              <a:endParaRPr lang="en-GB" dirty="0"/>
             </a:p>
           </p:txBody>
         </p:sp>
@@ -10274,10 +10105,9 @@
             <a:p>
               <a:pPr algn="ctr"/>
               <a:r>
-                <a:rPr lang="en-GB" dirty="0" smtClean="0"/>
+                <a:rPr lang="en-GB" dirty="0"/>
                 <a:t>Update</a:t>
               </a:r>
-              <a:endParaRPr lang="en-GB" dirty="0"/>
             </a:p>
           </p:txBody>
         </p:sp>
@@ -10316,10 +10146,9 @@
             <a:p>
               <a:pPr algn="ctr"/>
               <a:r>
-                <a:rPr lang="en-GB" dirty="0" smtClean="0"/>
+                <a:rPr lang="en-GB" dirty="0"/>
                 <a:t>Cancel</a:t>
               </a:r>
-              <a:endParaRPr lang="en-GB" dirty="0"/>
             </a:p>
           </p:txBody>
         </p:sp>
@@ -10361,10 +10190,9 @@
           <a:p>
             <a:pPr algn="ctr"/>
             <a:r>
-              <a:rPr lang="en-GB" dirty="0" smtClean="0"/>
+              <a:rPr lang="en-GB" dirty="0"/>
               <a:t>Confirm Password</a:t>
             </a:r>
-            <a:endParaRPr lang="en-GB" dirty="0"/>
           </a:p>
         </p:txBody>
       </p:sp>
@@ -10391,10 +10219,9 @@
           <a:lstStyle/>
           <a:p>
             <a:r>
-              <a:rPr lang="en-GB" dirty="0" smtClean="0"/>
+              <a:rPr lang="en-GB" dirty="0"/>
               <a:t>User Id</a:t>
             </a:r>
-            <a:endParaRPr lang="en-GB" dirty="0"/>
           </a:p>
         </p:txBody>
       </p:sp>
@@ -10449,10 +10276,9 @@
           <a:lstStyle/>
           <a:p>
             <a:r>
-              <a:rPr lang="en-GB" dirty="0" smtClean="0"/>
+              <a:rPr lang="en-GB" dirty="0"/>
               <a:t>Service Management Part 1</a:t>
             </a:r>
-            <a:endParaRPr lang="en-GB" dirty="0"/>
           </a:p>
         </p:txBody>
       </p:sp>
@@ -10519,10 +10345,9 @@
           <a:lstStyle/>
           <a:p>
             <a:r>
-              <a:rPr lang="en-GB" dirty="0" smtClean="0"/>
+              <a:rPr lang="en-GB" dirty="0"/>
               <a:t>Menu</a:t>
             </a:r>
-            <a:endParaRPr lang="en-GB" dirty="0"/>
           </a:p>
         </p:txBody>
       </p:sp>
@@ -10561,10 +10386,9 @@
           <a:p>
             <a:pPr algn="ctr"/>
             <a:r>
-              <a:rPr lang="en-GB" dirty="0" smtClean="0"/>
+              <a:rPr lang="en-GB" dirty="0"/>
               <a:t>Schedule</a:t>
             </a:r>
-            <a:endParaRPr lang="en-GB" dirty="0"/>
           </a:p>
         </p:txBody>
       </p:sp>
@@ -10603,10 +10427,9 @@
           <a:p>
             <a:pPr algn="ctr"/>
             <a:r>
-              <a:rPr lang="en-GB" dirty="0" smtClean="0"/>
+              <a:rPr lang="en-GB" dirty="0"/>
               <a:t>Client</a:t>
             </a:r>
-            <a:endParaRPr lang="en-GB" dirty="0"/>
           </a:p>
         </p:txBody>
       </p:sp>
@@ -10645,10 +10468,9 @@
           <a:p>
             <a:pPr algn="ctr"/>
             <a:r>
-              <a:rPr lang="en-GB" dirty="0" smtClean="0"/>
+              <a:rPr lang="en-GB" dirty="0"/>
               <a:t>Staff</a:t>
             </a:r>
-            <a:endParaRPr lang="en-GB" dirty="0"/>
           </a:p>
         </p:txBody>
       </p:sp>
@@ -10687,10 +10509,9 @@
           <a:p>
             <a:pPr algn="ctr"/>
             <a:r>
-              <a:rPr lang="en-GB" dirty="0" smtClean="0"/>
+              <a:rPr lang="en-GB" dirty="0"/>
               <a:t>Shop</a:t>
             </a:r>
-            <a:endParaRPr lang="en-GB" dirty="0"/>
           </a:p>
         </p:txBody>
       </p:sp>
@@ -10729,10 +10550,9 @@
           <a:p>
             <a:pPr algn="ctr"/>
             <a:r>
-              <a:rPr lang="en-GB" dirty="0" smtClean="0"/>
+              <a:rPr lang="en-GB" dirty="0"/>
               <a:t>User</a:t>
             </a:r>
-            <a:endParaRPr lang="en-GB" dirty="0"/>
           </a:p>
         </p:txBody>
       </p:sp>
@@ -10771,10 +10591,9 @@
           <a:p>
             <a:pPr algn="ctr"/>
             <a:r>
-              <a:rPr lang="en-GB" dirty="0" smtClean="0"/>
+              <a:rPr lang="en-GB" dirty="0"/>
               <a:t>Service</a:t>
             </a:r>
-            <a:endParaRPr lang="en-GB" dirty="0"/>
           </a:p>
         </p:txBody>
       </p:sp>
@@ -10813,16 +10632,12 @@
           <a:p>
             <a:pPr algn="ctr"/>
             <a:r>
-              <a:rPr lang="en-US" altLang="zh-CN" dirty="0" smtClean="0"/>
+              <a:rPr lang="en-US" altLang="zh-CN" dirty="0"/>
               <a:t>Service</a:t>
             </a:r>
             <a:r>
-              <a:rPr lang="en-GB" dirty="0" smtClean="0"/>
-              <a:t> </a:t>
-            </a:r>
-            <a:r>
-              <a:rPr lang="en-GB" dirty="0" smtClean="0"/>
-              <a:t>List</a:t>
+              <a:rPr lang="en-GB" dirty="0"/>
+              <a:t> List</a:t>
             </a:r>
           </a:p>
           <a:p>
@@ -10831,15 +10646,15 @@
           </a:p>
           <a:p>
             <a:pPr algn="ctr"/>
-            <a:endParaRPr lang="en-GB" dirty="0" smtClean="0"/>
-          </a:p>
-          <a:p>
-            <a:pPr algn="ctr"/>
             <a:endParaRPr lang="en-GB" dirty="0"/>
           </a:p>
           <a:p>
             <a:pPr algn="ctr"/>
-            <a:endParaRPr lang="en-GB" dirty="0" smtClean="0"/>
+            <a:endParaRPr lang="en-GB" dirty="0"/>
+          </a:p>
+          <a:p>
+            <a:pPr algn="ctr"/>
+            <a:endParaRPr lang="en-GB" dirty="0"/>
           </a:p>
           <a:p>
             <a:pPr algn="ctr"/>
@@ -10922,10 +10737,9 @@
           <a:p>
             <a:pPr algn="ctr"/>
             <a:r>
-              <a:rPr lang="en-GB" dirty="0" smtClean="0"/>
+              <a:rPr lang="en-GB" dirty="0"/>
               <a:t>Modify</a:t>
             </a:r>
-            <a:endParaRPr lang="en-GB" dirty="0"/>
           </a:p>
         </p:txBody>
       </p:sp>
@@ -10964,10 +10778,9 @@
           <a:p>
             <a:pPr algn="ctr"/>
             <a:r>
-              <a:rPr lang="en-GB" dirty="0" smtClean="0"/>
+              <a:rPr lang="en-GB" dirty="0"/>
               <a:t>Shop</a:t>
             </a:r>
-            <a:endParaRPr lang="en-GB" dirty="0"/>
           </a:p>
         </p:txBody>
       </p:sp>
@@ -11034,10 +10847,9 @@
           <a:lstStyle/>
           <a:p>
             <a:r>
-              <a:rPr lang="en-GB" dirty="0" smtClean="0"/>
+              <a:rPr lang="en-GB" dirty="0"/>
               <a:t>Menu</a:t>
             </a:r>
-            <a:endParaRPr lang="en-GB" dirty="0"/>
           </a:p>
         </p:txBody>
       </p:sp>
@@ -11076,10 +10888,9 @@
           <a:p>
             <a:pPr algn="ctr"/>
             <a:r>
-              <a:rPr lang="en-GB" dirty="0" smtClean="0"/>
+              <a:rPr lang="en-GB" dirty="0"/>
               <a:t>Schedule</a:t>
             </a:r>
-            <a:endParaRPr lang="en-GB" dirty="0"/>
           </a:p>
         </p:txBody>
       </p:sp>
@@ -11118,10 +10929,9 @@
           <a:p>
             <a:pPr algn="ctr"/>
             <a:r>
-              <a:rPr lang="en-GB" dirty="0" smtClean="0"/>
+              <a:rPr lang="en-GB" dirty="0"/>
               <a:t>Client</a:t>
             </a:r>
-            <a:endParaRPr lang="en-GB" dirty="0"/>
           </a:p>
         </p:txBody>
       </p:sp>
@@ -11160,10 +10970,9 @@
           <a:p>
             <a:pPr algn="ctr"/>
             <a:r>
-              <a:rPr lang="en-GB" dirty="0" smtClean="0"/>
+              <a:rPr lang="en-GB" dirty="0"/>
               <a:t>Staff</a:t>
             </a:r>
-            <a:endParaRPr lang="en-GB" dirty="0"/>
           </a:p>
         </p:txBody>
       </p:sp>
@@ -11202,10 +11011,9 @@
           <a:p>
             <a:pPr algn="ctr"/>
             <a:r>
-              <a:rPr lang="en-GB" dirty="0" smtClean="0"/>
+              <a:rPr lang="en-GB" dirty="0"/>
               <a:t>Shop</a:t>
             </a:r>
-            <a:endParaRPr lang="en-GB" dirty="0"/>
           </a:p>
         </p:txBody>
       </p:sp>
@@ -11244,10 +11052,9 @@
           <a:p>
             <a:pPr algn="ctr"/>
             <a:r>
-              <a:rPr lang="en-GB" dirty="0" smtClean="0"/>
+              <a:rPr lang="en-GB" dirty="0"/>
               <a:t>User</a:t>
             </a:r>
-            <a:endParaRPr lang="en-GB" dirty="0"/>
           </a:p>
         </p:txBody>
       </p:sp>
@@ -11286,10 +11093,9 @@
           <a:p>
             <a:pPr algn="ctr"/>
             <a:r>
-              <a:rPr lang="en-GB" dirty="0" smtClean="0"/>
+              <a:rPr lang="en-GB" dirty="0"/>
               <a:t>Service</a:t>
             </a:r>
-            <a:endParaRPr lang="en-GB" dirty="0"/>
           </a:p>
         </p:txBody>
       </p:sp>
@@ -11332,12 +11138,8 @@
               <a:t>Treatment</a:t>
             </a:r>
             <a:r>
-              <a:rPr lang="en-GB" dirty="0" smtClean="0"/>
-              <a:t> </a:t>
-            </a:r>
-            <a:r>
-              <a:rPr lang="en-GB" dirty="0" smtClean="0"/>
-              <a:t>List</a:t>
+              <a:rPr lang="en-GB" dirty="0"/>
+              <a:t> List</a:t>
             </a:r>
           </a:p>
           <a:p>
@@ -11346,15 +11148,15 @@
           </a:p>
           <a:p>
             <a:pPr algn="ctr"/>
-            <a:endParaRPr lang="en-GB" dirty="0" smtClean="0"/>
-          </a:p>
-          <a:p>
-            <a:pPr algn="ctr"/>
             <a:endParaRPr lang="en-GB" dirty="0"/>
           </a:p>
           <a:p>
             <a:pPr algn="ctr"/>
-            <a:endParaRPr lang="en-GB" dirty="0" smtClean="0"/>
+            <a:endParaRPr lang="en-GB" dirty="0"/>
+          </a:p>
+          <a:p>
+            <a:pPr algn="ctr"/>
+            <a:endParaRPr lang="en-GB" dirty="0"/>
           </a:p>
           <a:p>
             <a:pPr algn="ctr"/>
@@ -11437,11 +11239,11 @@
           <a:p>
             <a:pPr algn="ctr"/>
             <a:r>
-              <a:rPr lang="en-GB" sz="1400" dirty="0" smtClean="0"/>
+              <a:rPr lang="en-GB" sz="1400" dirty="0"/>
               <a:t>Add New </a:t>
             </a:r>
             <a:r>
-              <a:rPr lang="en-US" altLang="zh-CN" sz="1400" dirty="0" smtClean="0"/>
+              <a:rPr lang="en-US" altLang="zh-CN" sz="1400" dirty="0"/>
               <a:t>Treatment</a:t>
             </a:r>
             <a:endParaRPr lang="en-GB" sz="1400" dirty="0"/>
@@ -11483,10 +11285,9 @@
           <a:p>
             <a:pPr algn="ctr"/>
             <a:r>
-              <a:rPr lang="en-GB" dirty="0" smtClean="0"/>
+              <a:rPr lang="en-GB" dirty="0"/>
               <a:t>Edit</a:t>
             </a:r>
-            <a:endParaRPr lang="en-GB" dirty="0"/>
           </a:p>
         </p:txBody>
       </p:sp>
@@ -11567,7 +11368,7 @@
             <a:lstStyle/>
             <a:p>
               <a:r>
-                <a:rPr lang="en-GB" dirty="0" smtClean="0"/>
+                <a:rPr lang="en-GB" dirty="0"/>
                 <a:t>Add </a:t>
               </a:r>
               <a:r>
@@ -11615,10 +11416,9 @@
             <a:p>
               <a:pPr algn="ctr"/>
               <a:r>
-                <a:rPr lang="en-GB" dirty="0" smtClean="0"/>
+                <a:rPr lang="en-GB" dirty="0"/>
                 <a:t>Description</a:t>
               </a:r>
-              <a:endParaRPr lang="en-GB" dirty="0"/>
             </a:p>
           </p:txBody>
         </p:sp>
@@ -11663,14 +11463,9 @@
                 <a:t>Treatment</a:t>
               </a:r>
               <a:r>
-                <a:rPr lang="en-GB" dirty="0" smtClean="0"/>
-                <a:t> </a:t>
+                <a:rPr lang="en-GB" dirty="0"/>
+                <a:t> name</a:t>
               </a:r>
-              <a:r>
-                <a:rPr lang="en-GB" dirty="0" smtClean="0"/>
-                <a:t>name</a:t>
-              </a:r>
-              <a:endParaRPr lang="en-GB" dirty="0"/>
             </a:p>
           </p:txBody>
         </p:sp>
@@ -11711,10 +11506,9 @@
             <a:p>
               <a:pPr algn="ctr"/>
               <a:r>
-                <a:rPr lang="en-GB" dirty="0" smtClean="0"/>
+                <a:rPr lang="en-GB" dirty="0"/>
                 <a:t>Time Duration</a:t>
               </a:r>
-              <a:endParaRPr lang="en-GB" dirty="0"/>
             </a:p>
           </p:txBody>
         </p:sp>
@@ -11753,10 +11547,9 @@
             <a:p>
               <a:pPr algn="ctr"/>
               <a:r>
-                <a:rPr lang="en-GB" dirty="0" smtClean="0"/>
+                <a:rPr lang="en-GB" dirty="0"/>
                 <a:t>Create</a:t>
               </a:r>
-              <a:endParaRPr lang="en-GB" dirty="0"/>
             </a:p>
           </p:txBody>
         </p:sp>
@@ -11795,10 +11588,9 @@
             <a:p>
               <a:pPr algn="ctr"/>
               <a:r>
-                <a:rPr lang="en-GB" dirty="0" smtClean="0"/>
+                <a:rPr lang="en-GB" dirty="0"/>
                 <a:t>Cancel</a:t>
               </a:r>
-              <a:endParaRPr lang="en-GB" dirty="0"/>
             </a:p>
           </p:txBody>
         </p:sp>
@@ -11866,12 +11658,8 @@
           <a:lstStyle/>
           <a:p>
             <a:r>
-              <a:rPr lang="en-GB" dirty="0" smtClean="0"/>
-              <a:t>Edit</a:t>
-            </a:r>
-            <a:r>
-              <a:rPr lang="en-GB" dirty="0" smtClean="0"/>
-              <a:t> </a:t>
+              <a:rPr lang="en-GB" dirty="0"/>
+              <a:t>Edit </a:t>
             </a:r>
             <a:r>
               <a:rPr lang="en-US" altLang="zh-CN" dirty="0"/>
@@ -11918,10 +11706,9 @@
           <a:p>
             <a:pPr algn="ctr"/>
             <a:r>
-              <a:rPr lang="en-GB" dirty="0" smtClean="0"/>
+              <a:rPr lang="en-GB" dirty="0"/>
               <a:t>Description</a:t>
             </a:r>
-            <a:endParaRPr lang="en-GB" dirty="0"/>
           </a:p>
         </p:txBody>
       </p:sp>
@@ -11966,14 +11753,9 @@
               <a:t>Treatment</a:t>
             </a:r>
             <a:r>
-              <a:rPr lang="en-GB" dirty="0" smtClean="0"/>
-              <a:t> </a:t>
-            </a:r>
-            <a:r>
-              <a:rPr lang="en-GB" dirty="0" smtClean="0"/>
-              <a:t>name</a:t>
-            </a:r>
-            <a:endParaRPr lang="en-GB" dirty="0"/>
+              <a:rPr lang="en-GB" dirty="0"/>
+              <a:t> name</a:t>
+            </a:r>
           </a:p>
         </p:txBody>
       </p:sp>
@@ -12014,10 +11796,9 @@
           <a:p>
             <a:pPr algn="ctr"/>
             <a:r>
-              <a:rPr lang="en-GB" dirty="0" smtClean="0"/>
+              <a:rPr lang="en-GB" dirty="0"/>
               <a:t>Time Duration</a:t>
             </a:r>
-            <a:endParaRPr lang="en-GB" dirty="0"/>
           </a:p>
         </p:txBody>
       </p:sp>
@@ -12056,10 +11837,9 @@
           <a:p>
             <a:pPr algn="ctr"/>
             <a:r>
-              <a:rPr lang="en-GB" dirty="0" smtClean="0"/>
+              <a:rPr lang="en-GB" dirty="0"/>
               <a:t>Update</a:t>
             </a:r>
-            <a:endParaRPr lang="en-GB" dirty="0"/>
           </a:p>
         </p:txBody>
       </p:sp>
@@ -12098,10 +11878,9 @@
           <a:p>
             <a:pPr algn="ctr"/>
             <a:r>
-              <a:rPr lang="en-GB" dirty="0" smtClean="0"/>
+              <a:rPr lang="en-GB" dirty="0"/>
               <a:t>Cancel</a:t>
             </a:r>
-            <a:endParaRPr lang="en-GB" dirty="0"/>
           </a:p>
         </p:txBody>
       </p:sp>
@@ -12128,10 +11907,9 @@
           <a:lstStyle/>
           <a:p>
             <a:r>
-              <a:rPr lang="en-GB" dirty="0" smtClean="0"/>
+              <a:rPr lang="en-GB" dirty="0"/>
               <a:t>Treatment Id</a:t>
             </a:r>
-            <a:endParaRPr lang="en-GB" dirty="0"/>
           </a:p>
         </p:txBody>
       </p:sp>
@@ -12198,10 +11976,9 @@
           <a:lstStyle/>
           <a:p>
             <a:r>
-              <a:rPr lang="en-GB" dirty="0" smtClean="0"/>
+              <a:rPr lang="en-GB" dirty="0"/>
               <a:t>Menu</a:t>
             </a:r>
-            <a:endParaRPr lang="en-GB" dirty="0"/>
           </a:p>
         </p:txBody>
       </p:sp>
@@ -12240,10 +12017,9 @@
           <a:p>
             <a:pPr algn="ctr"/>
             <a:r>
-              <a:rPr lang="en-GB" dirty="0" smtClean="0"/>
+              <a:rPr lang="en-GB" dirty="0"/>
               <a:t>Schedule</a:t>
             </a:r>
-            <a:endParaRPr lang="en-GB" dirty="0"/>
           </a:p>
         </p:txBody>
       </p:sp>
@@ -12282,10 +12058,9 @@
           <a:p>
             <a:pPr algn="ctr"/>
             <a:r>
-              <a:rPr lang="en-GB" dirty="0" smtClean="0"/>
+              <a:rPr lang="en-GB" dirty="0"/>
               <a:t>Client</a:t>
             </a:r>
-            <a:endParaRPr lang="en-GB" dirty="0"/>
           </a:p>
         </p:txBody>
       </p:sp>
@@ -12324,10 +12099,9 @@
           <a:p>
             <a:pPr algn="ctr"/>
             <a:r>
-              <a:rPr lang="en-GB" dirty="0" smtClean="0"/>
+              <a:rPr lang="en-GB" dirty="0"/>
               <a:t>Staff</a:t>
             </a:r>
-            <a:endParaRPr lang="en-GB" dirty="0"/>
           </a:p>
         </p:txBody>
       </p:sp>
@@ -12366,10 +12140,9 @@
           <a:p>
             <a:pPr algn="ctr"/>
             <a:r>
-              <a:rPr lang="en-GB" dirty="0" smtClean="0"/>
+              <a:rPr lang="en-GB" dirty="0"/>
               <a:t>Shop</a:t>
             </a:r>
-            <a:endParaRPr lang="en-GB" dirty="0"/>
           </a:p>
         </p:txBody>
       </p:sp>
@@ -12408,10 +12181,9 @@
           <a:p>
             <a:pPr algn="ctr"/>
             <a:r>
-              <a:rPr lang="en-GB" dirty="0" smtClean="0"/>
+              <a:rPr lang="en-GB" dirty="0"/>
               <a:t>User</a:t>
             </a:r>
-            <a:endParaRPr lang="en-GB" dirty="0"/>
           </a:p>
         </p:txBody>
       </p:sp>
@@ -12450,10 +12222,9 @@
           <a:p>
             <a:pPr algn="ctr"/>
             <a:r>
-              <a:rPr lang="en-GB" dirty="0" smtClean="0"/>
+              <a:rPr lang="en-GB" dirty="0"/>
               <a:t>Service</a:t>
             </a:r>
-            <a:endParaRPr lang="en-GB" dirty="0"/>
           </a:p>
         </p:txBody>
       </p:sp>
@@ -12492,16 +12263,12 @@
           <a:p>
             <a:pPr algn="ctr"/>
             <a:r>
-              <a:rPr lang="en-US" altLang="zh-CN" dirty="0" smtClean="0"/>
+              <a:rPr lang="en-US" altLang="zh-CN" dirty="0"/>
               <a:t>Treatment</a:t>
             </a:r>
             <a:r>
-              <a:rPr lang="en-GB" dirty="0" smtClean="0"/>
-              <a:t> </a:t>
-            </a:r>
-            <a:r>
-              <a:rPr lang="en-GB" dirty="0" smtClean="0"/>
-              <a:t>List</a:t>
+              <a:rPr lang="en-GB" dirty="0"/>
+              <a:t> List</a:t>
             </a:r>
           </a:p>
           <a:p>
@@ -12510,15 +12277,15 @@
           </a:p>
           <a:p>
             <a:pPr algn="ctr"/>
-            <a:endParaRPr lang="en-GB" dirty="0" smtClean="0"/>
-          </a:p>
-          <a:p>
-            <a:pPr algn="ctr"/>
             <a:endParaRPr lang="en-GB" dirty="0"/>
           </a:p>
           <a:p>
             <a:pPr algn="ctr"/>
-            <a:endParaRPr lang="en-GB" dirty="0" smtClean="0"/>
+            <a:endParaRPr lang="en-GB" dirty="0"/>
+          </a:p>
+          <a:p>
+            <a:pPr algn="ctr"/>
+            <a:endParaRPr lang="en-GB" dirty="0"/>
           </a:p>
           <a:p>
             <a:pPr algn="ctr"/>
@@ -12589,10 +12356,9 @@
           <a:lstStyle/>
           <a:p>
             <a:r>
-              <a:rPr lang="en-GB" dirty="0" smtClean="0"/>
+              <a:rPr lang="en-GB" dirty="0"/>
               <a:t>Shop Name</a:t>
             </a:r>
-            <a:endParaRPr lang="en-GB" dirty="0"/>
           </a:p>
         </p:txBody>
       </p:sp>
@@ -12659,10 +12425,9 @@
           <a:lstStyle/>
           <a:p>
             <a:r>
-              <a:rPr lang="en-GB" dirty="0" smtClean="0"/>
+              <a:rPr lang="en-GB" dirty="0"/>
               <a:t>Service List</a:t>
             </a:r>
-            <a:endParaRPr lang="en-GB" dirty="0"/>
           </a:p>
         </p:txBody>
       </p:sp>
@@ -12701,10 +12466,9 @@
           <a:p>
             <a:pPr algn="ctr"/>
             <a:r>
-              <a:rPr lang="en-GB" dirty="0" smtClean="0"/>
+              <a:rPr lang="en-GB" dirty="0"/>
               <a:t>Edit</a:t>
             </a:r>
-            <a:endParaRPr lang="en-GB" dirty="0"/>
           </a:p>
         </p:txBody>
       </p:sp>
@@ -12743,10 +12507,9 @@
           <a:p>
             <a:pPr algn="ctr"/>
             <a:r>
-              <a:rPr lang="en-GB" dirty="0" smtClean="0"/>
+              <a:rPr lang="en-GB" dirty="0"/>
               <a:t>Edit</a:t>
             </a:r>
-            <a:endParaRPr lang="en-GB" dirty="0"/>
           </a:p>
         </p:txBody>
       </p:sp>
@@ -12813,14 +12576,9 @@
           <a:lstStyle/>
           <a:p>
             <a:r>
-              <a:rPr lang="en-GB" dirty="0" smtClean="0"/>
-              <a:t>Edit</a:t>
-            </a:r>
-            <a:r>
-              <a:rPr lang="en-GB" dirty="0" smtClean="0"/>
-              <a:t> Service</a:t>
-            </a:r>
-            <a:endParaRPr lang="en-GB" dirty="0"/>
+              <a:rPr lang="en-GB" dirty="0"/>
+              <a:t>Edit Service</a:t>
+            </a:r>
           </a:p>
         </p:txBody>
       </p:sp>
@@ -12861,10 +12619,9 @@
           <a:p>
             <a:pPr algn="ctr"/>
             <a:r>
-              <a:rPr lang="en-GB" dirty="0" smtClean="0"/>
+              <a:rPr lang="en-GB" dirty="0"/>
               <a:t>Description</a:t>
             </a:r>
-            <a:endParaRPr lang="en-GB" dirty="0"/>
           </a:p>
         </p:txBody>
       </p:sp>
@@ -12909,14 +12666,9 @@
               <a:t>Treatment</a:t>
             </a:r>
             <a:r>
-              <a:rPr lang="en-GB" dirty="0" smtClean="0"/>
-              <a:t> </a:t>
-            </a:r>
-            <a:r>
-              <a:rPr lang="en-GB" dirty="0" smtClean="0"/>
-              <a:t>name</a:t>
-            </a:r>
-            <a:endParaRPr lang="en-GB" dirty="0"/>
+              <a:rPr lang="en-GB" dirty="0"/>
+              <a:t> name</a:t>
+            </a:r>
           </a:p>
         </p:txBody>
       </p:sp>
@@ -12957,10 +12709,9 @@
           <a:p>
             <a:pPr algn="ctr"/>
             <a:r>
-              <a:rPr lang="en-GB" dirty="0" smtClean="0"/>
+              <a:rPr lang="en-GB" dirty="0"/>
               <a:t>Time Duration</a:t>
             </a:r>
-            <a:endParaRPr lang="en-GB" dirty="0"/>
           </a:p>
         </p:txBody>
       </p:sp>
@@ -12999,10 +12750,9 @@
           <a:p>
             <a:pPr algn="ctr"/>
             <a:r>
-              <a:rPr lang="en-GB" dirty="0" smtClean="0"/>
+              <a:rPr lang="en-GB" dirty="0"/>
               <a:t>Update</a:t>
             </a:r>
-            <a:endParaRPr lang="en-GB" dirty="0"/>
           </a:p>
         </p:txBody>
       </p:sp>
@@ -13041,10 +12791,9 @@
           <a:p>
             <a:pPr algn="ctr"/>
             <a:r>
-              <a:rPr lang="en-GB" dirty="0" smtClean="0"/>
+              <a:rPr lang="en-GB" dirty="0"/>
               <a:t>Cancel</a:t>
             </a:r>
-            <a:endParaRPr lang="en-GB" dirty="0"/>
           </a:p>
         </p:txBody>
       </p:sp>
@@ -13071,10 +12820,9 @@
           <a:lstStyle/>
           <a:p>
             <a:r>
-              <a:rPr lang="en-GB" dirty="0" smtClean="0"/>
+              <a:rPr lang="en-GB" dirty="0"/>
               <a:t>Service Id</a:t>
             </a:r>
-            <a:endParaRPr lang="en-GB" dirty="0"/>
           </a:p>
         </p:txBody>
       </p:sp>
@@ -13101,10 +12849,9 @@
           <a:lstStyle/>
           <a:p>
             <a:r>
-              <a:rPr lang="en-GB" dirty="0" smtClean="0"/>
+              <a:rPr lang="en-GB" dirty="0"/>
               <a:t>Service Id</a:t>
             </a:r>
-            <a:endParaRPr lang="en-GB" dirty="0"/>
           </a:p>
         </p:txBody>
       </p:sp>
@@ -13159,10 +12906,9 @@
           <a:lstStyle/>
           <a:p>
             <a:r>
-              <a:rPr lang="en-GB" dirty="0" smtClean="0"/>
+              <a:rPr lang="en-GB" dirty="0"/>
               <a:t>Service Management Part 2</a:t>
             </a:r>
-            <a:endParaRPr lang="en-GB" dirty="0"/>
           </a:p>
         </p:txBody>
       </p:sp>
@@ -13229,14 +12975,9 @@
           <a:lstStyle/>
           <a:p>
             <a:r>
-              <a:rPr lang="en-GB" dirty="0" smtClean="0"/>
-              <a:t>Edit</a:t>
-            </a:r>
-            <a:r>
-              <a:rPr lang="en-GB" dirty="0" smtClean="0"/>
-              <a:t> Service</a:t>
-            </a:r>
-            <a:endParaRPr lang="en-GB" dirty="0"/>
+              <a:rPr lang="en-GB" dirty="0"/>
+              <a:t>Edit Service</a:t>
+            </a:r>
           </a:p>
         </p:txBody>
       </p:sp>
@@ -13277,10 +13018,9 @@
           <a:p>
             <a:pPr algn="ctr"/>
             <a:r>
-              <a:rPr lang="en-GB" dirty="0" smtClean="0"/>
+              <a:rPr lang="en-GB" dirty="0"/>
               <a:t>Description</a:t>
             </a:r>
-            <a:endParaRPr lang="en-GB" dirty="0"/>
           </a:p>
         </p:txBody>
       </p:sp>
@@ -13321,18 +13061,13 @@
           <a:p>
             <a:pPr algn="ctr"/>
             <a:r>
-              <a:rPr lang="en-US" altLang="zh-CN" dirty="0" smtClean="0"/>
+              <a:rPr lang="en-US" altLang="zh-CN" dirty="0"/>
               <a:t>Service</a:t>
             </a:r>
             <a:r>
-              <a:rPr lang="en-GB" dirty="0" smtClean="0"/>
-              <a:t> </a:t>
-            </a:r>
-            <a:r>
-              <a:rPr lang="en-GB" dirty="0" smtClean="0"/>
-              <a:t>name</a:t>
-            </a:r>
-            <a:endParaRPr lang="en-GB" dirty="0"/>
+              <a:rPr lang="en-GB" dirty="0"/>
+              <a:t> name</a:t>
+            </a:r>
           </a:p>
         </p:txBody>
       </p:sp>
@@ -13371,10 +13106,9 @@
           <a:p>
             <a:pPr algn="ctr"/>
             <a:r>
-              <a:rPr lang="en-GB" dirty="0" smtClean="0"/>
+              <a:rPr lang="en-GB" dirty="0"/>
               <a:t>Update</a:t>
             </a:r>
-            <a:endParaRPr lang="en-GB" dirty="0"/>
           </a:p>
         </p:txBody>
       </p:sp>
@@ -13413,10 +13147,9 @@
           <a:p>
             <a:pPr algn="ctr"/>
             <a:r>
-              <a:rPr lang="en-GB" dirty="0" smtClean="0"/>
+              <a:rPr lang="en-GB" dirty="0"/>
               <a:t>Cancel</a:t>
             </a:r>
-            <a:endParaRPr lang="en-GB" dirty="0"/>
           </a:p>
         </p:txBody>
       </p:sp>
@@ -13443,10 +13176,9 @@
           <a:lstStyle/>
           <a:p>
             <a:r>
-              <a:rPr lang="en-GB" dirty="0" smtClean="0"/>
+              <a:rPr lang="en-GB" dirty="0"/>
               <a:t>Service Id</a:t>
             </a:r>
-            <a:endParaRPr lang="en-GB" dirty="0"/>
           </a:p>
         </p:txBody>
       </p:sp>
@@ -13473,14 +13205,13 @@
           <a:lstStyle/>
           <a:p>
             <a:r>
-              <a:rPr lang="en-US" altLang="zh-CN" dirty="0" smtClean="0"/>
+              <a:rPr lang="en-US" altLang="zh-CN" dirty="0"/>
               <a:t>Treatment</a:t>
             </a:r>
             <a:r>
-              <a:rPr lang="en-GB" dirty="0" smtClean="0"/>
+              <a:rPr lang="en-GB" dirty="0"/>
               <a:t> Id</a:t>
             </a:r>
-            <a:endParaRPr lang="en-GB" dirty="0"/>
           </a:p>
         </p:txBody>
       </p:sp>
@@ -13507,15 +13238,15 @@
           <a:lstStyle/>
           <a:p>
             <a:r>
-              <a:rPr lang="en-US" altLang="zh-CN" dirty="0" smtClean="0"/>
+              <a:rPr lang="en-US" altLang="zh-CN" dirty="0"/>
               <a:t>Treatment</a:t>
             </a:r>
             <a:r>
-              <a:rPr lang="en-GB" dirty="0" smtClean="0"/>
+              <a:rPr lang="en-GB" dirty="0"/>
               <a:t> </a:t>
             </a:r>
             <a:r>
-              <a:rPr lang="en-US" altLang="zh-CN" dirty="0" smtClean="0"/>
+              <a:rPr lang="en-US" altLang="zh-CN" dirty="0"/>
               <a:t>Name</a:t>
             </a:r>
             <a:endParaRPr lang="en-GB" dirty="0"/>
@@ -13559,7 +13290,7 @@
           <a:p>
             <a:pPr algn="ctr"/>
             <a:r>
-              <a:rPr lang="en-US" altLang="zh-CN" dirty="0" smtClean="0"/>
+              <a:rPr lang="en-US" altLang="zh-CN" dirty="0"/>
               <a:t>Treatment Type</a:t>
             </a:r>
             <a:endParaRPr lang="en-GB" dirty="0"/>
@@ -13589,7 +13320,7 @@
           <a:lstStyle/>
           <a:p>
             <a:r>
-              <a:rPr lang="en-US" altLang="zh-CN" dirty="0" smtClean="0"/>
+              <a:rPr lang="en-US" altLang="zh-CN" dirty="0"/>
               <a:t>Time Duration</a:t>
             </a:r>
             <a:endParaRPr lang="en-GB" dirty="0"/>
@@ -13633,7 +13364,7 @@
           <a:p>
             <a:pPr algn="ctr"/>
             <a:r>
-              <a:rPr lang="en-US" dirty="0" smtClean="0"/>
+              <a:rPr lang="en-US" dirty="0"/>
               <a:t>Price</a:t>
             </a:r>
             <a:endParaRPr lang="en-GB" dirty="0"/>
@@ -13691,15 +13422,15 @@
           <a:lstStyle/>
           <a:p>
             <a:r>
-              <a:rPr lang="en-US" altLang="zh-CN" dirty="0" smtClean="0"/>
+              <a:rPr lang="en-US" altLang="zh-CN" dirty="0"/>
               <a:t>Staff</a:t>
             </a:r>
             <a:r>
-              <a:rPr lang="en-GB" dirty="0" smtClean="0"/>
+              <a:rPr lang="en-GB" dirty="0"/>
               <a:t> Management </a:t>
             </a:r>
             <a:r>
-              <a:rPr lang="en-US" altLang="zh-CN" dirty="0" smtClean="0"/>
+              <a:rPr lang="en-US" altLang="zh-CN" dirty="0"/>
               <a:t>Part 1</a:t>
             </a:r>
             <a:endParaRPr lang="en-GB" dirty="0"/>
@@ -13769,10 +13500,9 @@
           <a:lstStyle/>
           <a:p>
             <a:r>
-              <a:rPr lang="en-GB" dirty="0" smtClean="0"/>
+              <a:rPr lang="en-GB" dirty="0"/>
               <a:t>Menu</a:t>
             </a:r>
-            <a:endParaRPr lang="en-GB" dirty="0"/>
           </a:p>
         </p:txBody>
       </p:sp>
@@ -13811,10 +13541,9 @@
           <a:p>
             <a:pPr algn="ctr"/>
             <a:r>
-              <a:rPr lang="en-GB" dirty="0" smtClean="0"/>
+              <a:rPr lang="en-GB" dirty="0"/>
               <a:t>Schedule</a:t>
             </a:r>
-            <a:endParaRPr lang="en-GB" dirty="0"/>
           </a:p>
         </p:txBody>
       </p:sp>
@@ -13853,10 +13582,9 @@
           <a:p>
             <a:pPr algn="ctr"/>
             <a:r>
-              <a:rPr lang="en-GB" dirty="0" smtClean="0"/>
+              <a:rPr lang="en-GB" dirty="0"/>
               <a:t>Client</a:t>
             </a:r>
-            <a:endParaRPr lang="en-GB" dirty="0"/>
           </a:p>
         </p:txBody>
       </p:sp>
@@ -13895,10 +13623,9 @@
           <a:p>
             <a:pPr algn="ctr"/>
             <a:r>
-              <a:rPr lang="en-GB" dirty="0" smtClean="0"/>
+              <a:rPr lang="en-GB" dirty="0"/>
               <a:t>Staff</a:t>
             </a:r>
-            <a:endParaRPr lang="en-GB" dirty="0"/>
           </a:p>
         </p:txBody>
       </p:sp>
@@ -13937,10 +13664,9 @@
           <a:p>
             <a:pPr algn="ctr"/>
             <a:r>
-              <a:rPr lang="en-GB" dirty="0" smtClean="0"/>
+              <a:rPr lang="en-GB" dirty="0"/>
               <a:t>Shop</a:t>
             </a:r>
-            <a:endParaRPr lang="en-GB" dirty="0"/>
           </a:p>
         </p:txBody>
       </p:sp>
@@ -13979,10 +13705,9 @@
           <a:p>
             <a:pPr algn="ctr"/>
             <a:r>
-              <a:rPr lang="en-GB" dirty="0" smtClean="0"/>
+              <a:rPr lang="en-GB" dirty="0"/>
               <a:t>User</a:t>
             </a:r>
-            <a:endParaRPr lang="en-GB" dirty="0"/>
           </a:p>
         </p:txBody>
       </p:sp>
@@ -14021,10 +13746,9 @@
           <a:p>
             <a:pPr algn="ctr"/>
             <a:r>
-              <a:rPr lang="en-GB" dirty="0" smtClean="0"/>
+              <a:rPr lang="en-GB" dirty="0"/>
               <a:t>Service</a:t>
             </a:r>
-            <a:endParaRPr lang="en-GB" dirty="0"/>
           </a:p>
         </p:txBody>
       </p:sp>
@@ -14063,16 +13787,8 @@
           <a:p>
             <a:pPr algn="ctr"/>
             <a:r>
-              <a:rPr lang="en-GB" dirty="0" smtClean="0"/>
-              <a:t>Staff</a:t>
-            </a:r>
-            <a:r>
-              <a:rPr lang="en-GB" dirty="0" smtClean="0"/>
-              <a:t> </a:t>
-            </a:r>
-            <a:r>
-              <a:rPr lang="en-GB" dirty="0" smtClean="0"/>
-              <a:t>List</a:t>
+              <a:rPr lang="en-GB" dirty="0"/>
+              <a:t>Staff List</a:t>
             </a:r>
           </a:p>
           <a:p>
@@ -14081,15 +13797,15 @@
           </a:p>
           <a:p>
             <a:pPr algn="ctr"/>
-            <a:endParaRPr lang="en-GB" dirty="0" smtClean="0"/>
-          </a:p>
-          <a:p>
-            <a:pPr algn="ctr"/>
             <a:endParaRPr lang="en-GB" dirty="0"/>
           </a:p>
           <a:p>
             <a:pPr algn="ctr"/>
-            <a:endParaRPr lang="en-GB" dirty="0" smtClean="0"/>
+            <a:endParaRPr lang="en-GB" dirty="0"/>
+          </a:p>
+          <a:p>
+            <a:pPr algn="ctr"/>
+            <a:endParaRPr lang="en-GB" dirty="0"/>
           </a:p>
           <a:p>
             <a:pPr algn="ctr"/>
@@ -14172,14 +13888,9 @@
           <a:p>
             <a:pPr algn="ctr"/>
             <a:r>
-              <a:rPr lang="en-GB" dirty="0" smtClean="0"/>
-              <a:t>Add New </a:t>
-            </a:r>
-            <a:r>
-              <a:rPr lang="en-GB" dirty="0" smtClean="0"/>
-              <a:t>Staff</a:t>
-            </a:r>
-            <a:endParaRPr lang="en-GB" dirty="0"/>
+              <a:rPr lang="en-GB" dirty="0"/>
+              <a:t>Add New Staff</a:t>
+            </a:r>
           </a:p>
         </p:txBody>
       </p:sp>
@@ -14218,10 +13929,9 @@
           <a:p>
             <a:pPr algn="ctr"/>
             <a:r>
-              <a:rPr lang="en-GB" dirty="0" smtClean="0"/>
+              <a:rPr lang="en-GB" dirty="0"/>
               <a:t>Edit</a:t>
             </a:r>
-            <a:endParaRPr lang="en-GB" dirty="0"/>
           </a:p>
         </p:txBody>
       </p:sp>
@@ -14288,14 +13998,9 @@
           <a:lstStyle/>
           <a:p>
             <a:r>
-              <a:rPr lang="en-GB" dirty="0" smtClean="0"/>
-              <a:t>Add </a:t>
-            </a:r>
-            <a:r>
-              <a:rPr lang="en-GB" dirty="0" smtClean="0"/>
-              <a:t>Staff</a:t>
-            </a:r>
-            <a:endParaRPr lang="en-GB" dirty="0"/>
+              <a:rPr lang="en-GB" dirty="0"/>
+              <a:t>Add Staff</a:t>
+            </a:r>
           </a:p>
         </p:txBody>
       </p:sp>
@@ -14336,7 +14041,7 @@
           <a:p>
             <a:pPr algn="ctr"/>
             <a:r>
-              <a:rPr lang="en-US" dirty="0" smtClean="0"/>
+              <a:rPr lang="en-US" dirty="0"/>
               <a:t>Last name</a:t>
             </a:r>
             <a:endParaRPr lang="en-GB" dirty="0"/>
@@ -14380,14 +14085,9 @@
           <a:p>
             <a:pPr algn="ctr"/>
             <a:r>
-              <a:rPr lang="en-GB" dirty="0" smtClean="0"/>
-              <a:t>First </a:t>
-            </a:r>
-            <a:r>
-              <a:rPr lang="en-GB" dirty="0" smtClean="0"/>
-              <a:t>name</a:t>
-            </a:r>
-            <a:endParaRPr lang="en-GB" dirty="0"/>
+              <a:rPr lang="en-GB" dirty="0"/>
+              <a:t>First name</a:t>
+            </a:r>
           </a:p>
         </p:txBody>
       </p:sp>
@@ -14428,7 +14128,7 @@
           <a:p>
             <a:pPr algn="ctr"/>
             <a:r>
-              <a:rPr lang="en-US" dirty="0" smtClean="0"/>
+              <a:rPr lang="en-US" dirty="0"/>
               <a:t>Mobile number</a:t>
             </a:r>
             <a:endParaRPr lang="en-GB" dirty="0"/>
@@ -14470,10 +14170,9 @@
           <a:p>
             <a:pPr algn="ctr"/>
             <a:r>
-              <a:rPr lang="en-GB" dirty="0" smtClean="0"/>
+              <a:rPr lang="en-GB" dirty="0"/>
               <a:t>Create</a:t>
             </a:r>
-            <a:endParaRPr lang="en-GB" dirty="0"/>
           </a:p>
         </p:txBody>
       </p:sp>
@@ -14512,10 +14211,9 @@
           <a:p>
             <a:pPr algn="ctr"/>
             <a:r>
-              <a:rPr lang="en-GB" dirty="0" smtClean="0"/>
+              <a:rPr lang="en-GB" dirty="0"/>
               <a:t>Cancel</a:t>
             </a:r>
-            <a:endParaRPr lang="en-GB" dirty="0"/>
           </a:p>
         </p:txBody>
       </p:sp>
@@ -14582,11 +14280,11 @@
           <a:lstStyle/>
           <a:p>
             <a:r>
-              <a:rPr lang="en-GB" dirty="0" smtClean="0"/>
+              <a:rPr lang="en-GB" dirty="0"/>
               <a:t>Edit </a:t>
             </a:r>
             <a:r>
-              <a:rPr lang="en-US" altLang="zh-CN" dirty="0" smtClean="0"/>
+              <a:rPr lang="en-US" altLang="zh-CN" dirty="0"/>
               <a:t>Staff</a:t>
             </a:r>
             <a:endParaRPr lang="en-GB" dirty="0"/>
@@ -14628,10 +14326,9 @@
           <a:p>
             <a:pPr algn="ctr"/>
             <a:r>
-              <a:rPr lang="en-GB" dirty="0" smtClean="0"/>
+              <a:rPr lang="en-GB" dirty="0"/>
               <a:t>Update</a:t>
             </a:r>
-            <a:endParaRPr lang="en-GB" dirty="0"/>
           </a:p>
         </p:txBody>
       </p:sp>
@@ -14670,10 +14367,9 @@
           <a:p>
             <a:pPr algn="ctr"/>
             <a:r>
-              <a:rPr lang="en-GB" dirty="0" smtClean="0"/>
+              <a:rPr lang="en-GB" dirty="0"/>
               <a:t>Cancel</a:t>
             </a:r>
-            <a:endParaRPr lang="en-GB" dirty="0"/>
           </a:p>
         </p:txBody>
       </p:sp>
@@ -14714,7 +14410,7 @@
           <a:p>
             <a:pPr algn="ctr"/>
             <a:r>
-              <a:rPr lang="en-US" altLang="zh-CN" dirty="0" smtClean="0"/>
+              <a:rPr lang="en-US" altLang="zh-CN" dirty="0"/>
               <a:t>Email</a:t>
             </a:r>
             <a:endParaRPr lang="en-GB" dirty="0"/>
@@ -14744,10 +14440,9 @@
           <a:lstStyle/>
           <a:p>
             <a:r>
-              <a:rPr lang="en-GB" dirty="0" smtClean="0"/>
+              <a:rPr lang="en-GB" dirty="0"/>
               <a:t>Staff Id</a:t>
             </a:r>
-            <a:endParaRPr lang="en-GB" dirty="0"/>
           </a:p>
         </p:txBody>
       </p:sp>
@@ -14788,7 +14483,7 @@
           <a:p>
             <a:pPr algn="ctr"/>
             <a:r>
-              <a:rPr lang="en-US" altLang="zh-CN" dirty="0" smtClean="0"/>
+              <a:rPr lang="en-US" altLang="zh-CN" dirty="0"/>
               <a:t>Note</a:t>
             </a:r>
             <a:endParaRPr lang="en-GB" dirty="0"/>
@@ -14832,11 +14527,11 @@
           <a:p>
             <a:pPr algn="ctr"/>
             <a:r>
-              <a:rPr lang="en-US" altLang="zh-CN" sz="1400" dirty="0" smtClean="0"/>
+              <a:rPr lang="en-US" altLang="zh-CN" sz="1400" dirty="0"/>
               <a:t>Employment</a:t>
             </a:r>
             <a:r>
-              <a:rPr lang="en-GB" altLang="zh-CN" sz="1400" dirty="0" smtClean="0"/>
+              <a:rPr lang="en-GB" altLang="zh-CN" sz="1400" dirty="0"/>
               <a:t> Start Date</a:t>
             </a:r>
             <a:endParaRPr lang="en-GB" sz="1400" dirty="0"/>
@@ -14880,11 +14575,11 @@
           <a:p>
             <a:pPr algn="ctr"/>
             <a:r>
-              <a:rPr lang="en-US" altLang="zh-CN" sz="1400" dirty="0" smtClean="0"/>
+              <a:rPr lang="en-US" altLang="zh-CN" sz="1400" dirty="0"/>
               <a:t>Employment</a:t>
             </a:r>
             <a:r>
-              <a:rPr lang="en-GB" altLang="zh-CN" sz="1400" dirty="0" smtClean="0"/>
+              <a:rPr lang="en-GB" altLang="zh-CN" sz="1400" dirty="0"/>
               <a:t> End Date</a:t>
             </a:r>
             <a:endParaRPr lang="en-GB" sz="1400" dirty="0"/>
@@ -14928,7 +14623,7 @@
           <a:p>
             <a:pPr algn="ctr"/>
             <a:r>
-              <a:rPr lang="en-US" dirty="0" smtClean="0"/>
+              <a:rPr lang="en-US" dirty="0"/>
               <a:t>Last name</a:t>
             </a:r>
             <a:endParaRPr lang="en-GB" dirty="0"/>
@@ -14972,14 +14667,9 @@
           <a:p>
             <a:pPr algn="ctr"/>
             <a:r>
-              <a:rPr lang="en-GB" dirty="0" smtClean="0"/>
-              <a:t>First </a:t>
-            </a:r>
-            <a:r>
-              <a:rPr lang="en-GB" dirty="0" smtClean="0"/>
-              <a:t>name</a:t>
-            </a:r>
-            <a:endParaRPr lang="en-GB" dirty="0"/>
+              <a:rPr lang="en-GB" dirty="0"/>
+              <a:t>First name</a:t>
+            </a:r>
           </a:p>
         </p:txBody>
       </p:sp>
@@ -15020,7 +14710,7 @@
           <a:p>
             <a:pPr algn="ctr"/>
             <a:r>
-              <a:rPr lang="en-US" dirty="0" smtClean="0"/>
+              <a:rPr lang="en-US" dirty="0"/>
               <a:t>Mobile number</a:t>
             </a:r>
             <a:endParaRPr lang="en-GB" dirty="0"/>
@@ -15064,7 +14754,7 @@
           <a:p>
             <a:pPr algn="ctr"/>
             <a:r>
-              <a:rPr lang="en-US" altLang="zh-CN" dirty="0" smtClean="0"/>
+              <a:rPr lang="en-US" altLang="zh-CN" dirty="0"/>
               <a:t>Email</a:t>
             </a:r>
             <a:endParaRPr lang="en-GB" dirty="0"/>
@@ -15108,7 +14798,7 @@
           <a:p>
             <a:pPr algn="ctr"/>
             <a:r>
-              <a:rPr lang="en-US" altLang="zh-CN" dirty="0" smtClean="0"/>
+              <a:rPr lang="en-US" altLang="zh-CN" dirty="0"/>
               <a:t>Note</a:t>
             </a:r>
             <a:endParaRPr lang="en-GB" dirty="0"/>
@@ -15152,11 +14842,11 @@
           <a:p>
             <a:pPr algn="ctr"/>
             <a:r>
-              <a:rPr lang="en-US" altLang="zh-CN" sz="1400" dirty="0" smtClean="0"/>
+              <a:rPr lang="en-US" altLang="zh-CN" sz="1400" dirty="0"/>
               <a:t>Employment</a:t>
             </a:r>
             <a:r>
-              <a:rPr lang="en-GB" altLang="zh-CN" sz="1400" dirty="0" smtClean="0"/>
+              <a:rPr lang="en-GB" altLang="zh-CN" sz="1400" dirty="0"/>
               <a:t> Start Date</a:t>
             </a:r>
             <a:endParaRPr lang="en-GB" sz="1400" dirty="0"/>
@@ -15200,11 +14890,11 @@
           <a:p>
             <a:pPr algn="ctr"/>
             <a:r>
-              <a:rPr lang="en-US" altLang="zh-CN" sz="1400" dirty="0" smtClean="0"/>
+              <a:rPr lang="en-US" altLang="zh-CN" sz="1400" dirty="0"/>
               <a:t>Employment</a:t>
             </a:r>
             <a:r>
-              <a:rPr lang="en-GB" altLang="zh-CN" sz="1400" dirty="0" smtClean="0"/>
+              <a:rPr lang="en-GB" altLang="zh-CN" sz="1400" dirty="0"/>
               <a:t> End Date</a:t>
             </a:r>
             <a:endParaRPr lang="en-GB" sz="1400" dirty="0"/>
@@ -15246,10 +14936,9 @@
           <a:p>
             <a:pPr algn="ctr"/>
             <a:r>
-              <a:rPr lang="en-GB" dirty="0" smtClean="0"/>
+              <a:rPr lang="en-GB" dirty="0"/>
               <a:t>Timesheets</a:t>
             </a:r>
-            <a:endParaRPr lang="en-GB" dirty="0"/>
           </a:p>
         </p:txBody>
       </p:sp>
@@ -15306,22 +14995,22 @@
           <a:lstStyle/>
           <a:p>
             <a:r>
-              <a:rPr lang="en-US" altLang="zh-CN" dirty="0" smtClean="0"/>
+              <a:rPr lang="en-US" altLang="zh-CN" dirty="0"/>
               <a:t>Staff</a:t>
             </a:r>
             <a:r>
-              <a:rPr lang="en-GB" dirty="0" smtClean="0"/>
+              <a:rPr lang="en-GB" dirty="0"/>
               <a:t> Management </a:t>
             </a:r>
             <a:r>
-              <a:rPr lang="en-US" altLang="zh-CN" dirty="0" smtClean="0"/>
+              <a:rPr lang="en-US" altLang="zh-CN" dirty="0"/>
               <a:t>Part 2</a:t>
             </a:r>
             <a:br>
-              <a:rPr lang="en-US" altLang="zh-CN" dirty="0" smtClean="0"/>
+              <a:rPr lang="en-US" altLang="zh-CN" dirty="0"/>
             </a:br>
             <a:r>
-              <a:rPr lang="en-US" altLang="zh-CN" dirty="0" smtClean="0"/>
+              <a:rPr lang="en-US" altLang="zh-CN" dirty="0"/>
               <a:t>Timesheets</a:t>
             </a:r>
             <a:endParaRPr lang="en-GB" dirty="0"/>
@@ -15336,7 +15025,7 @@
         </p:nvSpPr>
         <p:spPr>
           <a:xfrm>
-            <a:off x="406400" y="1690687"/>
+            <a:off x="400050" y="1701615"/>
             <a:ext cx="11391900" cy="4913313"/>
           </a:xfrm>
           <a:prstGeom prst="rect">
@@ -15448,10 +15137,9 @@
           <a:p>
             <a:pPr algn="ctr"/>
             <a:r>
-              <a:rPr lang="en-GB" dirty="0" smtClean="0"/>
+              <a:rPr lang="en-GB" dirty="0"/>
               <a:t>Today</a:t>
             </a:r>
-            <a:endParaRPr lang="en-GB" dirty="0"/>
           </a:p>
         </p:txBody>
       </p:sp>
@@ -15490,10 +15178,9 @@
           <a:p>
             <a:pPr algn="ctr"/>
             <a:r>
-              <a:rPr lang="en-GB" dirty="0" smtClean="0"/>
+              <a:rPr lang="en-GB" dirty="0"/>
               <a:t>11 – 17 Feb 2018</a:t>
             </a:r>
-            <a:endParaRPr lang="en-GB" dirty="0"/>
           </a:p>
         </p:txBody>
       </p:sp>
@@ -15534,10 +15221,9 @@
           <a:p>
             <a:pPr algn="ctr"/>
             <a:r>
-              <a:rPr lang="en-GB" dirty="0" smtClean="0"/>
+              <a:rPr lang="en-GB" dirty="0"/>
               <a:t>&gt;</a:t>
             </a:r>
-            <a:endParaRPr lang="en-GB" dirty="0"/>
           </a:p>
         </p:txBody>
       </p:sp>
@@ -15578,10 +15264,9 @@
           <a:p>
             <a:pPr algn="ctr"/>
             <a:r>
-              <a:rPr lang="en-GB" dirty="0" smtClean="0"/>
+              <a:rPr lang="en-GB" dirty="0"/>
               <a:t>All Shop</a:t>
             </a:r>
-            <a:endParaRPr lang="en-GB" dirty="0"/>
           </a:p>
         </p:txBody>
       </p:sp>
@@ -15660,10 +15345,9 @@
           <a:p>
             <a:pPr algn="ctr"/>
             <a:r>
-              <a:rPr lang="en-GB" dirty="0" smtClean="0"/>
+              <a:rPr lang="en-GB" dirty="0"/>
               <a:t>Staff Name</a:t>
             </a:r>
-            <a:endParaRPr lang="en-GB" dirty="0"/>
           </a:p>
         </p:txBody>
       </p:sp>
@@ -15702,10 +15386,9 @@
           <a:p>
             <a:pPr algn="ctr"/>
             <a:r>
-              <a:rPr lang="en-GB" dirty="0" smtClean="0"/>
+              <a:rPr lang="en-GB" dirty="0"/>
               <a:t>Tue 13</a:t>
             </a:r>
-            <a:endParaRPr lang="en-GB" dirty="0"/>
           </a:p>
         </p:txBody>
       </p:sp>
@@ -15717,7 +15400,7 @@
         </p:nvSpPr>
         <p:spPr>
           <a:xfrm>
-            <a:off x="5074849" y="2985600"/>
+            <a:off x="5072089" y="2968797"/>
             <a:ext cx="1270001" cy="406400"/>
           </a:xfrm>
           <a:prstGeom prst="rect">
@@ -15744,10 +15427,9 @@
           <a:p>
             <a:pPr algn="ctr"/>
             <a:r>
-              <a:rPr lang="en-GB" dirty="0" smtClean="0"/>
+              <a:rPr lang="en-GB" dirty="0"/>
               <a:t>Wed 14</a:t>
             </a:r>
-            <a:endParaRPr lang="en-GB" dirty="0"/>
           </a:p>
         </p:txBody>
       </p:sp>
@@ -15786,10 +15468,9 @@
           <a:p>
             <a:pPr algn="ctr"/>
             <a:r>
-              <a:rPr lang="en-GB" dirty="0" smtClean="0"/>
+              <a:rPr lang="en-GB" dirty="0"/>
               <a:t>Thu 15</a:t>
             </a:r>
-            <a:endParaRPr lang="en-GB" dirty="0"/>
           </a:p>
         </p:txBody>
       </p:sp>
@@ -15828,10 +15509,9 @@
           <a:p>
             <a:pPr algn="ctr"/>
             <a:r>
-              <a:rPr lang="en-GB" dirty="0" smtClean="0"/>
+              <a:rPr lang="en-GB" dirty="0"/>
               <a:t>Fri 16</a:t>
             </a:r>
-            <a:endParaRPr lang="en-GB" dirty="0"/>
           </a:p>
         </p:txBody>
       </p:sp>
@@ -15870,10 +15550,9 @@
           <a:p>
             <a:pPr algn="ctr"/>
             <a:r>
-              <a:rPr lang="en-GB" dirty="0" smtClean="0"/>
+              <a:rPr lang="en-GB" dirty="0"/>
               <a:t>Sat 17</a:t>
             </a:r>
-            <a:endParaRPr lang="en-GB" dirty="0"/>
           </a:p>
         </p:txBody>
       </p:sp>
@@ -15912,10 +15591,9 @@
           <a:p>
             <a:pPr algn="ctr"/>
             <a:r>
-              <a:rPr lang="en-GB" dirty="0" smtClean="0"/>
+              <a:rPr lang="en-GB" dirty="0"/>
               <a:t>Sun 18</a:t>
             </a:r>
-            <a:endParaRPr lang="en-GB" dirty="0"/>
           </a:p>
         </p:txBody>
       </p:sp>
@@ -15927,7 +15605,7 @@
         </p:nvSpPr>
         <p:spPr>
           <a:xfrm>
-            <a:off x="2537607" y="2985600"/>
+            <a:off x="2526567" y="2968797"/>
             <a:ext cx="1270001" cy="406400"/>
           </a:xfrm>
           <a:prstGeom prst="rect">
@@ -15954,10 +15632,9 @@
           <a:p>
             <a:pPr algn="ctr"/>
             <a:r>
-              <a:rPr lang="en-GB" dirty="0" smtClean="0"/>
+              <a:rPr lang="en-GB" dirty="0"/>
               <a:t>Mon 12</a:t>
             </a:r>
-            <a:endParaRPr lang="en-GB" dirty="0"/>
           </a:p>
         </p:txBody>
       </p:sp>
@@ -15998,10 +15675,9 @@
           <a:p>
             <a:pPr algn="ctr"/>
             <a:r>
-              <a:rPr lang="en-GB" dirty="0" smtClean="0"/>
+              <a:rPr lang="en-GB" dirty="0"/>
               <a:t>Staff Name</a:t>
             </a:r>
-            <a:endParaRPr lang="en-GB" dirty="0"/>
           </a:p>
         </p:txBody>
       </p:sp>
@@ -16042,10 +15718,9 @@
           <a:p>
             <a:pPr algn="ctr"/>
             <a:r>
-              <a:rPr lang="en-GB" sz="1400" dirty="0" smtClean="0"/>
+              <a:rPr lang="en-GB" sz="1400" dirty="0"/>
               <a:t>9:00 – 17:00</a:t>
             </a:r>
-            <a:endParaRPr lang="en-GB" sz="1400" dirty="0"/>
           </a:p>
         </p:txBody>
       </p:sp>
@@ -16057,7 +15732,7 @@
         </p:nvSpPr>
         <p:spPr>
           <a:xfrm>
-            <a:off x="3830616" y="3477724"/>
+            <a:off x="3807608" y="3477724"/>
             <a:ext cx="1270001" cy="406400"/>
           </a:xfrm>
           <a:prstGeom prst="rect">
@@ -16086,10 +15761,9 @@
           <a:p>
             <a:pPr algn="ctr"/>
             <a:r>
-              <a:rPr lang="en-GB" sz="1400" dirty="0" smtClean="0"/>
+              <a:rPr lang="en-GB" sz="1400" dirty="0"/>
               <a:t>9:00 – 17:00</a:t>
             </a:r>
-            <a:endParaRPr lang="en-GB" sz="1400" dirty="0"/>
           </a:p>
         </p:txBody>
       </p:sp>
@@ -16130,10 +15804,9 @@
           <a:p>
             <a:pPr algn="ctr"/>
             <a:r>
-              <a:rPr lang="en-GB" sz="1400" dirty="0" smtClean="0"/>
+              <a:rPr lang="en-GB" sz="1400" dirty="0"/>
               <a:t>9:00 – 17:00</a:t>
             </a:r>
-            <a:endParaRPr lang="en-GB" sz="1400" dirty="0"/>
           </a:p>
         </p:txBody>
       </p:sp>
@@ -16174,10 +15847,9 @@
           <a:p>
             <a:pPr algn="ctr"/>
             <a:r>
-              <a:rPr lang="en-GB" sz="1400" dirty="0" smtClean="0"/>
+              <a:rPr lang="en-GB" sz="1400" dirty="0"/>
               <a:t>9:00 – 17:00</a:t>
             </a:r>
-            <a:endParaRPr lang="en-GB" sz="1400" dirty="0"/>
           </a:p>
         </p:txBody>
       </p:sp>
@@ -16218,10 +15890,9 @@
           <a:p>
             <a:pPr algn="ctr"/>
             <a:r>
-              <a:rPr lang="en-GB" sz="1400" dirty="0" smtClean="0"/>
+              <a:rPr lang="en-GB" sz="1400" dirty="0"/>
               <a:t>9:00 – 17:00</a:t>
             </a:r>
-            <a:endParaRPr lang="en-GB" sz="1400" dirty="0"/>
           </a:p>
         </p:txBody>
       </p:sp>
@@ -16233,7 +15904,7 @@
         </p:nvSpPr>
         <p:spPr>
           <a:xfrm>
-            <a:off x="3838531" y="3955072"/>
+            <a:off x="3807608" y="3940822"/>
             <a:ext cx="1270001" cy="406400"/>
           </a:xfrm>
           <a:prstGeom prst="rect">
@@ -16262,10 +15933,9 @@
           <a:p>
             <a:pPr algn="ctr"/>
             <a:r>
-              <a:rPr lang="en-GB" sz="1400" dirty="0" smtClean="0"/>
+              <a:rPr lang="en-GB" sz="1400" dirty="0"/>
               <a:t>9:00 – 17:00</a:t>
             </a:r>
-            <a:endParaRPr lang="en-GB" sz="1400" dirty="0"/>
           </a:p>
         </p:txBody>
       </p:sp>
@@ -16277,7 +15947,7 @@
         </p:nvSpPr>
         <p:spPr>
           <a:xfrm>
-            <a:off x="5099421" y="3946697"/>
+            <a:off x="5089711" y="3948174"/>
             <a:ext cx="1270001" cy="406400"/>
           </a:xfrm>
           <a:prstGeom prst="rect">
@@ -16306,10 +15976,9 @@
           <a:p>
             <a:pPr algn="ctr"/>
             <a:r>
-              <a:rPr lang="en-GB" sz="1400" dirty="0" smtClean="0"/>
+              <a:rPr lang="en-GB" sz="1400" dirty="0"/>
               <a:t>9:00 – 17:00</a:t>
             </a:r>
-            <a:endParaRPr lang="en-GB" sz="1400" dirty="0"/>
           </a:p>
         </p:txBody>
       </p:sp>
@@ -16321,7 +15990,7 @@
         </p:nvSpPr>
         <p:spPr>
           <a:xfrm>
-            <a:off x="6371814" y="3946697"/>
+            <a:off x="6359712" y="3955071"/>
             <a:ext cx="1270001" cy="406400"/>
           </a:xfrm>
           <a:prstGeom prst="rect">
@@ -16350,10 +16019,9 @@
           <a:p>
             <a:pPr algn="ctr"/>
             <a:r>
-              <a:rPr lang="en-GB" sz="1400" dirty="0" smtClean="0"/>
+              <a:rPr lang="en-GB" sz="1400" dirty="0"/>
               <a:t>9:00 – 17:00</a:t>
             </a:r>
-            <a:endParaRPr lang="en-GB" sz="1400" dirty="0"/>
           </a:p>
         </p:txBody>
       </p:sp>
@@ -16394,10 +16062,9 @@
           <a:p>
             <a:pPr algn="ctr"/>
             <a:r>
-              <a:rPr lang="en-GB" sz="1400" dirty="0" smtClean="0"/>
+              <a:rPr lang="en-GB" sz="1400" dirty="0"/>
               <a:t>9:00 – 17:00</a:t>
             </a:r>
-            <a:endParaRPr lang="en-GB" sz="1400" dirty="0"/>
           </a:p>
         </p:txBody>
       </p:sp>
@@ -16438,10 +16105,9 @@
           <a:p>
             <a:pPr algn="ctr"/>
             <a:r>
-              <a:rPr lang="en-GB" sz="1400" dirty="0" smtClean="0"/>
+              <a:rPr lang="en-GB" sz="1400" dirty="0"/>
               <a:t>9:00 – 17:00</a:t>
             </a:r>
-            <a:endParaRPr lang="en-GB" sz="1400" dirty="0"/>
           </a:p>
         </p:txBody>
       </p:sp>

--- a/SupportFiles/Documents/SketchFlow.pptx
+++ b/SupportFiles/Documents/SketchFlow.pptx
@@ -14,6 +14,11 @@
     <p:sldId id="262" r:id="rId8"/>
     <p:sldId id="263" r:id="rId9"/>
     <p:sldId id="264" r:id="rId10"/>
+    <p:sldId id="265" r:id="rId11"/>
+    <p:sldId id="266" r:id="rId12"/>
+    <p:sldId id="267" r:id="rId13"/>
+    <p:sldId id="268" r:id="rId14"/>
+    <p:sldId id="269" r:id="rId15"/>
   </p:sldIdLst>
   <p:sldSz cx="12192000" cy="6858000"/>
   <p:notesSz cx="6858000" cy="9144000"/>
@@ -251,7 +256,7 @@
           <a:p>
             <a:fld id="{B3A60D50-D8A2-4FF0-BC35-14BFC20D9FA3}" type="datetimeFigureOut">
               <a:rPr lang="en-GB" smtClean="0"/>
-              <a:t>13/02/2018</a:t>
+              <a:t>16/02/2018</a:t>
             </a:fld>
             <a:endParaRPr lang="en-GB"/>
           </a:p>
@@ -421,7 +426,7 @@
           <a:p>
             <a:fld id="{B3A60D50-D8A2-4FF0-BC35-14BFC20D9FA3}" type="datetimeFigureOut">
               <a:rPr lang="en-GB" smtClean="0"/>
-              <a:t>13/02/2018</a:t>
+              <a:t>16/02/2018</a:t>
             </a:fld>
             <a:endParaRPr lang="en-GB"/>
           </a:p>
@@ -601,7 +606,7 @@
           <a:p>
             <a:fld id="{B3A60D50-D8A2-4FF0-BC35-14BFC20D9FA3}" type="datetimeFigureOut">
               <a:rPr lang="en-GB" smtClean="0"/>
-              <a:t>13/02/2018</a:t>
+              <a:t>16/02/2018</a:t>
             </a:fld>
             <a:endParaRPr lang="en-GB"/>
           </a:p>
@@ -771,7 +776,7 @@
           <a:p>
             <a:fld id="{B3A60D50-D8A2-4FF0-BC35-14BFC20D9FA3}" type="datetimeFigureOut">
               <a:rPr lang="en-GB" smtClean="0"/>
-              <a:t>13/02/2018</a:t>
+              <a:t>16/02/2018</a:t>
             </a:fld>
             <a:endParaRPr lang="en-GB"/>
           </a:p>
@@ -1017,7 +1022,7 @@
           <a:p>
             <a:fld id="{B3A60D50-D8A2-4FF0-BC35-14BFC20D9FA3}" type="datetimeFigureOut">
               <a:rPr lang="en-GB" smtClean="0"/>
-              <a:t>13/02/2018</a:t>
+              <a:t>16/02/2018</a:t>
             </a:fld>
             <a:endParaRPr lang="en-GB"/>
           </a:p>
@@ -1249,7 +1254,7 @@
           <a:p>
             <a:fld id="{B3A60D50-D8A2-4FF0-BC35-14BFC20D9FA3}" type="datetimeFigureOut">
               <a:rPr lang="en-GB" smtClean="0"/>
-              <a:t>13/02/2018</a:t>
+              <a:t>16/02/2018</a:t>
             </a:fld>
             <a:endParaRPr lang="en-GB"/>
           </a:p>
@@ -1616,7 +1621,7 @@
           <a:p>
             <a:fld id="{B3A60D50-D8A2-4FF0-BC35-14BFC20D9FA3}" type="datetimeFigureOut">
               <a:rPr lang="en-GB" smtClean="0"/>
-              <a:t>13/02/2018</a:t>
+              <a:t>16/02/2018</a:t>
             </a:fld>
             <a:endParaRPr lang="en-GB"/>
           </a:p>
@@ -1734,7 +1739,7 @@
           <a:p>
             <a:fld id="{B3A60D50-D8A2-4FF0-BC35-14BFC20D9FA3}" type="datetimeFigureOut">
               <a:rPr lang="en-GB" smtClean="0"/>
-              <a:t>13/02/2018</a:t>
+              <a:t>16/02/2018</a:t>
             </a:fld>
             <a:endParaRPr lang="en-GB"/>
           </a:p>
@@ -1829,7 +1834,7 @@
           <a:p>
             <a:fld id="{B3A60D50-D8A2-4FF0-BC35-14BFC20D9FA3}" type="datetimeFigureOut">
               <a:rPr lang="en-GB" smtClean="0"/>
-              <a:t>13/02/2018</a:t>
+              <a:t>16/02/2018</a:t>
             </a:fld>
             <a:endParaRPr lang="en-GB"/>
           </a:p>
@@ -2106,7 +2111,7 @@
           <a:p>
             <a:fld id="{B3A60D50-D8A2-4FF0-BC35-14BFC20D9FA3}" type="datetimeFigureOut">
               <a:rPr lang="en-GB" smtClean="0"/>
-              <a:t>13/02/2018</a:t>
+              <a:t>16/02/2018</a:t>
             </a:fld>
             <a:endParaRPr lang="en-GB"/>
           </a:p>
@@ -2359,7 +2364,7 @@
           <a:p>
             <a:fld id="{B3A60D50-D8A2-4FF0-BC35-14BFC20D9FA3}" type="datetimeFigureOut">
               <a:rPr lang="en-GB" smtClean="0"/>
-              <a:t>13/02/2018</a:t>
+              <a:t>16/02/2018</a:t>
             </a:fld>
             <a:endParaRPr lang="en-GB"/>
           </a:p>
@@ -2572,7 +2577,7 @@
           <a:p>
             <a:fld id="{B3A60D50-D8A2-4FF0-BC35-14BFC20D9FA3}" type="datetimeFigureOut">
               <a:rPr lang="en-GB" smtClean="0"/>
-              <a:t>13/02/2018</a:t>
+              <a:t>16/02/2018</a:t>
             </a:fld>
             <a:endParaRPr lang="en-GB"/>
           </a:p>
@@ -3265,9 +3270,10 @@
             <a:p>
               <a:pPr algn="ctr"/>
               <a:r>
-                <a:rPr lang="en-GB" dirty="0"/>
-                <a:t>Schedule</a:t>
+                <a:rPr lang="en-GB" sz="1200" dirty="0" smtClean="0"/>
+                <a:t>Appointment</a:t>
               </a:r>
+              <a:endParaRPr lang="en-GB" sz="1200" dirty="0"/>
             </a:p>
           </p:txBody>
         </p:sp>
@@ -3650,9 +3656,10 @@
               <a:p>
                 <a:pPr algn="ctr"/>
                 <a:r>
-                  <a:rPr lang="en-GB" dirty="0"/>
-                  <a:t>Schedule</a:t>
+                  <a:rPr lang="en-GB" sz="1200" dirty="0" smtClean="0"/>
+                  <a:t>Appointment</a:t>
                 </a:r>
+                <a:endParaRPr lang="en-GB" sz="1200" dirty="0"/>
               </a:p>
             </p:txBody>
           </p:sp>
@@ -4096,9 +4103,10 @@
               <a:p>
                 <a:pPr algn="ctr"/>
                 <a:r>
-                  <a:rPr lang="en-GB" dirty="0"/>
-                  <a:t>Schedule</a:t>
+                  <a:rPr lang="en-GB" sz="1200" dirty="0" smtClean="0"/>
+                  <a:t>Appointment</a:t>
                 </a:r>
+                <a:endParaRPr lang="en-GB" sz="1200" dirty="0"/>
               </a:p>
             </p:txBody>
           </p:sp>
@@ -4542,9 +4550,10 @@
               <a:p>
                 <a:pPr algn="ctr"/>
                 <a:r>
-                  <a:rPr lang="en-GB" dirty="0"/>
-                  <a:t>Schedule</a:t>
+                  <a:rPr lang="en-GB" sz="1200" dirty="0" smtClean="0"/>
+                  <a:t>Appointment</a:t>
                 </a:r>
+                <a:endParaRPr lang="en-GB" sz="1200" dirty="0"/>
               </a:p>
             </p:txBody>
           </p:sp>
@@ -4988,9 +4997,10 @@
               <a:p>
                 <a:pPr algn="ctr"/>
                 <a:r>
-                  <a:rPr lang="en-GB" dirty="0"/>
-                  <a:t>Schedule</a:t>
+                  <a:rPr lang="en-GB" sz="1200" dirty="0" smtClean="0"/>
+                  <a:t>Appointment</a:t>
                 </a:r>
+                <a:endParaRPr lang="en-GB" sz="1200" dirty="0"/>
               </a:p>
             </p:txBody>
           </p:sp>
@@ -5363,6 +5373,4908 @@
 </p:sld>
 </file>
 
+<file path=ppt/slides/slide10.xml><?xml version="1.0" encoding="utf-8"?>
+<p:sld xmlns:a="http://schemas.openxmlformats.org/drawingml/2006/main" xmlns:r="http://schemas.openxmlformats.org/officeDocument/2006/relationships" xmlns:p="http://schemas.openxmlformats.org/presentationml/2006/main">
+  <p:cSld>
+    <p:spTree>
+      <p:nvGrpSpPr>
+        <p:cNvPr id="1" name=""/>
+        <p:cNvGrpSpPr/>
+        <p:nvPr/>
+      </p:nvGrpSpPr>
+      <p:grpSpPr>
+        <a:xfrm>
+          <a:off x="0" y="0"/>
+          <a:ext cx="0" cy="0"/>
+          <a:chOff x="0" y="0"/>
+          <a:chExt cx="0" cy="0"/>
+        </a:xfrm>
+      </p:grpSpPr>
+      <p:sp>
+        <p:nvSpPr>
+          <p:cNvPr id="28" name="Rectangle 27"/>
+          <p:cNvSpPr/>
+          <p:nvPr/>
+        </p:nvSpPr>
+        <p:spPr>
+          <a:xfrm>
+            <a:off x="8353584" y="1690687"/>
+            <a:ext cx="3657600" cy="4913313"/>
+          </a:xfrm>
+          <a:prstGeom prst="rect">
+            <a:avLst/>
+          </a:prstGeom>
+        </p:spPr>
+        <p:style>
+          <a:lnRef idx="2">
+            <a:schemeClr val="accent1">
+              <a:shade val="50000"/>
+            </a:schemeClr>
+          </a:lnRef>
+          <a:fillRef idx="1">
+            <a:schemeClr val="accent1"/>
+          </a:fillRef>
+          <a:effectRef idx="0">
+            <a:schemeClr val="accent1"/>
+          </a:effectRef>
+          <a:fontRef idx="minor">
+            <a:schemeClr val="lt1"/>
+          </a:fontRef>
+        </p:style>
+        <p:txBody>
+          <a:bodyPr rtlCol="0" anchor="ctr"/>
+          <a:lstStyle/>
+          <a:p>
+            <a:pPr algn="ctr"/>
+            <a:endParaRPr lang="en-GB"/>
+          </a:p>
+        </p:txBody>
+      </p:sp>
+      <p:sp>
+        <p:nvSpPr>
+          <p:cNvPr id="2" name="Title 1"/>
+          <p:cNvSpPr>
+            <a:spLocks noGrp="1"/>
+          </p:cNvSpPr>
+          <p:nvPr>
+            <p:ph type="title"/>
+          </p:nvPr>
+        </p:nvSpPr>
+        <p:spPr/>
+        <p:txBody>
+          <a:bodyPr/>
+          <a:lstStyle/>
+          <a:p>
+            <a:r>
+              <a:rPr lang="en-US" altLang="zh-CN" dirty="0"/>
+              <a:t>Staff</a:t>
+            </a:r>
+            <a:r>
+              <a:rPr lang="en-GB" dirty="0"/>
+              <a:t> Management </a:t>
+            </a:r>
+            <a:r>
+              <a:rPr lang="en-US" altLang="zh-CN" dirty="0"/>
+              <a:t>Part </a:t>
+            </a:r>
+            <a:r>
+              <a:rPr lang="en-US" altLang="zh-CN" dirty="0" smtClean="0"/>
+              <a:t>3</a:t>
+            </a:r>
+            <a:r>
+              <a:rPr lang="en-US" altLang="zh-CN" dirty="0"/>
+              <a:t/>
+            </a:r>
+            <a:br>
+              <a:rPr lang="en-US" altLang="zh-CN" dirty="0"/>
+            </a:br>
+            <a:r>
+              <a:rPr lang="en-US" altLang="zh-CN" dirty="0" smtClean="0"/>
+              <a:t>Edit Staff Time</a:t>
+            </a:r>
+            <a:endParaRPr lang="en-GB" dirty="0"/>
+          </a:p>
+        </p:txBody>
+      </p:sp>
+      <p:sp>
+        <p:nvSpPr>
+          <p:cNvPr id="4" name="Rectangle 3"/>
+          <p:cNvSpPr/>
+          <p:nvPr/>
+        </p:nvSpPr>
+        <p:spPr>
+          <a:xfrm>
+            <a:off x="4373263" y="1690687"/>
+            <a:ext cx="3657600" cy="4913313"/>
+          </a:xfrm>
+          <a:prstGeom prst="rect">
+            <a:avLst/>
+          </a:prstGeom>
+        </p:spPr>
+        <p:style>
+          <a:lnRef idx="2">
+            <a:schemeClr val="accent1">
+              <a:shade val="50000"/>
+            </a:schemeClr>
+          </a:lnRef>
+          <a:fillRef idx="1">
+            <a:schemeClr val="accent1"/>
+          </a:fillRef>
+          <a:effectRef idx="0">
+            <a:schemeClr val="accent1"/>
+          </a:effectRef>
+          <a:fontRef idx="minor">
+            <a:schemeClr val="lt1"/>
+          </a:fontRef>
+        </p:style>
+        <p:txBody>
+          <a:bodyPr rtlCol="0" anchor="ctr"/>
+          <a:lstStyle/>
+          <a:p>
+            <a:pPr algn="ctr"/>
+            <a:endParaRPr lang="en-GB"/>
+          </a:p>
+        </p:txBody>
+      </p:sp>
+      <p:sp>
+        <p:nvSpPr>
+          <p:cNvPr id="5" name="TextBox 4"/>
+          <p:cNvSpPr txBox="1"/>
+          <p:nvPr/>
+        </p:nvSpPr>
+        <p:spPr>
+          <a:xfrm>
+            <a:off x="4489997" y="1750860"/>
+            <a:ext cx="1560042" cy="369332"/>
+          </a:xfrm>
+          <a:prstGeom prst="rect">
+            <a:avLst/>
+          </a:prstGeom>
+          <a:noFill/>
+        </p:spPr>
+        <p:txBody>
+          <a:bodyPr wrap="none" rtlCol="0">
+            <a:spAutoFit/>
+          </a:bodyPr>
+          <a:lstStyle/>
+          <a:p>
+            <a:r>
+              <a:rPr lang="en-GB" dirty="0"/>
+              <a:t>Add </a:t>
+            </a:r>
+            <a:r>
+              <a:rPr lang="en-GB" dirty="0" smtClean="0"/>
+              <a:t>Staff </a:t>
+            </a:r>
+            <a:r>
+              <a:rPr lang="en-US" altLang="zh-CN" dirty="0" smtClean="0"/>
+              <a:t>Time</a:t>
+            </a:r>
+            <a:endParaRPr lang="en-GB" dirty="0"/>
+          </a:p>
+        </p:txBody>
+      </p:sp>
+      <p:sp>
+        <p:nvSpPr>
+          <p:cNvPr id="6" name="Rectangle 5"/>
+          <p:cNvSpPr/>
+          <p:nvPr/>
+        </p:nvSpPr>
+        <p:spPr>
+          <a:xfrm>
+            <a:off x="5115978" y="2544195"/>
+            <a:ext cx="2163779" cy="325925"/>
+          </a:xfrm>
+          <a:prstGeom prst="rect">
+            <a:avLst/>
+          </a:prstGeom>
+        </p:spPr>
+        <p:style>
+          <a:lnRef idx="2">
+            <a:schemeClr val="accent6">
+              <a:shade val="50000"/>
+            </a:schemeClr>
+          </a:lnRef>
+          <a:fillRef idx="1">
+            <a:schemeClr val="accent6"/>
+          </a:fillRef>
+          <a:effectRef idx="0">
+            <a:schemeClr val="accent6"/>
+          </a:effectRef>
+          <a:fontRef idx="minor">
+            <a:schemeClr val="lt1"/>
+          </a:fontRef>
+        </p:style>
+        <p:txBody>
+          <a:bodyPr rtlCol="0" anchor="ctr"/>
+          <a:lstStyle/>
+          <a:p>
+            <a:pPr algn="ctr"/>
+            <a:r>
+              <a:rPr lang="en-US" altLang="zh-CN" dirty="0" smtClean="0"/>
+              <a:t>Shop</a:t>
+            </a:r>
+            <a:endParaRPr lang="en-GB" dirty="0"/>
+          </a:p>
+        </p:txBody>
+      </p:sp>
+      <p:sp>
+        <p:nvSpPr>
+          <p:cNvPr id="8" name="Rectangle 7"/>
+          <p:cNvSpPr/>
+          <p:nvPr/>
+        </p:nvSpPr>
+        <p:spPr>
+          <a:xfrm>
+            <a:off x="5115978" y="2933844"/>
+            <a:ext cx="2163779" cy="325925"/>
+          </a:xfrm>
+          <a:prstGeom prst="rect">
+            <a:avLst/>
+          </a:prstGeom>
+        </p:spPr>
+        <p:style>
+          <a:lnRef idx="2">
+            <a:schemeClr val="accent6">
+              <a:shade val="50000"/>
+            </a:schemeClr>
+          </a:lnRef>
+          <a:fillRef idx="1">
+            <a:schemeClr val="accent6"/>
+          </a:fillRef>
+          <a:effectRef idx="0">
+            <a:schemeClr val="accent6"/>
+          </a:effectRef>
+          <a:fontRef idx="minor">
+            <a:schemeClr val="lt1"/>
+          </a:fontRef>
+        </p:style>
+        <p:txBody>
+          <a:bodyPr rtlCol="0" anchor="ctr"/>
+          <a:lstStyle/>
+          <a:p>
+            <a:pPr algn="ctr"/>
+            <a:r>
+              <a:rPr lang="en-US" altLang="zh-CN" dirty="0" smtClean="0"/>
+              <a:t>Start Time</a:t>
+            </a:r>
+            <a:endParaRPr lang="en-GB" dirty="0"/>
+          </a:p>
+        </p:txBody>
+      </p:sp>
+      <p:sp>
+        <p:nvSpPr>
+          <p:cNvPr id="9" name="Rectangle 8"/>
+          <p:cNvSpPr/>
+          <p:nvPr/>
+        </p:nvSpPr>
+        <p:spPr>
+          <a:xfrm>
+            <a:off x="6416565" y="5835971"/>
+            <a:ext cx="863192" cy="192704"/>
+          </a:xfrm>
+          <a:prstGeom prst="rect">
+            <a:avLst/>
+          </a:prstGeom>
+        </p:spPr>
+        <p:style>
+          <a:lnRef idx="1">
+            <a:schemeClr val="accent2"/>
+          </a:lnRef>
+          <a:fillRef idx="2">
+            <a:schemeClr val="accent2"/>
+          </a:fillRef>
+          <a:effectRef idx="1">
+            <a:schemeClr val="accent2"/>
+          </a:effectRef>
+          <a:fontRef idx="minor">
+            <a:schemeClr val="dk1"/>
+          </a:fontRef>
+        </p:style>
+        <p:txBody>
+          <a:bodyPr rtlCol="0" anchor="ctr"/>
+          <a:lstStyle/>
+          <a:p>
+            <a:pPr algn="ctr"/>
+            <a:r>
+              <a:rPr lang="en-GB" dirty="0"/>
+              <a:t>Create</a:t>
+            </a:r>
+          </a:p>
+        </p:txBody>
+      </p:sp>
+      <p:sp>
+        <p:nvSpPr>
+          <p:cNvPr id="10" name="Rectangle 9"/>
+          <p:cNvSpPr/>
+          <p:nvPr/>
+        </p:nvSpPr>
+        <p:spPr>
+          <a:xfrm>
+            <a:off x="5115978" y="5826314"/>
+            <a:ext cx="863192" cy="192704"/>
+          </a:xfrm>
+          <a:prstGeom prst="rect">
+            <a:avLst/>
+          </a:prstGeom>
+        </p:spPr>
+        <p:style>
+          <a:lnRef idx="1">
+            <a:schemeClr val="accent2"/>
+          </a:lnRef>
+          <a:fillRef idx="2">
+            <a:schemeClr val="accent2"/>
+          </a:fillRef>
+          <a:effectRef idx="1">
+            <a:schemeClr val="accent2"/>
+          </a:effectRef>
+          <a:fontRef idx="minor">
+            <a:schemeClr val="dk1"/>
+          </a:fontRef>
+        </p:style>
+        <p:txBody>
+          <a:bodyPr rtlCol="0" anchor="ctr"/>
+          <a:lstStyle/>
+          <a:p>
+            <a:pPr algn="ctr"/>
+            <a:r>
+              <a:rPr lang="en-GB" dirty="0"/>
+              <a:t>Cancel</a:t>
+            </a:r>
+          </a:p>
+        </p:txBody>
+      </p:sp>
+      <p:sp>
+        <p:nvSpPr>
+          <p:cNvPr id="13" name="Rectangle 12"/>
+          <p:cNvSpPr/>
+          <p:nvPr/>
+        </p:nvSpPr>
+        <p:spPr>
+          <a:xfrm>
+            <a:off x="10265027" y="5815876"/>
+            <a:ext cx="995051" cy="192704"/>
+          </a:xfrm>
+          <a:prstGeom prst="rect">
+            <a:avLst/>
+          </a:prstGeom>
+        </p:spPr>
+        <p:style>
+          <a:lnRef idx="1">
+            <a:schemeClr val="accent2"/>
+          </a:lnRef>
+          <a:fillRef idx="2">
+            <a:schemeClr val="accent2"/>
+          </a:fillRef>
+          <a:effectRef idx="1">
+            <a:schemeClr val="accent2"/>
+          </a:effectRef>
+          <a:fontRef idx="minor">
+            <a:schemeClr val="dk1"/>
+          </a:fontRef>
+        </p:style>
+        <p:txBody>
+          <a:bodyPr rtlCol="0" anchor="ctr"/>
+          <a:lstStyle/>
+          <a:p>
+            <a:pPr algn="ctr"/>
+            <a:r>
+              <a:rPr lang="en-GB" dirty="0"/>
+              <a:t>Update</a:t>
+            </a:r>
+          </a:p>
+        </p:txBody>
+      </p:sp>
+      <p:sp>
+        <p:nvSpPr>
+          <p:cNvPr id="15" name="Rectangle 14"/>
+          <p:cNvSpPr/>
+          <p:nvPr/>
+        </p:nvSpPr>
+        <p:spPr>
+          <a:xfrm>
+            <a:off x="5115978" y="3323057"/>
+            <a:ext cx="2163779" cy="325925"/>
+          </a:xfrm>
+          <a:prstGeom prst="rect">
+            <a:avLst/>
+          </a:prstGeom>
+        </p:spPr>
+        <p:style>
+          <a:lnRef idx="2">
+            <a:schemeClr val="accent6">
+              <a:shade val="50000"/>
+            </a:schemeClr>
+          </a:lnRef>
+          <a:fillRef idx="1">
+            <a:schemeClr val="accent6"/>
+          </a:fillRef>
+          <a:effectRef idx="0">
+            <a:schemeClr val="accent6"/>
+          </a:effectRef>
+          <a:fontRef idx="minor">
+            <a:schemeClr val="lt1"/>
+          </a:fontRef>
+        </p:style>
+        <p:txBody>
+          <a:bodyPr rtlCol="0" anchor="ctr"/>
+          <a:lstStyle/>
+          <a:p>
+            <a:pPr algn="ctr"/>
+            <a:r>
+              <a:rPr lang="en-US" altLang="zh-CN" dirty="0" smtClean="0"/>
+              <a:t>E</a:t>
+            </a:r>
+            <a:r>
+              <a:rPr lang="en-GB" altLang="zh-CN" dirty="0" err="1" smtClean="0"/>
+              <a:t>nd</a:t>
+            </a:r>
+            <a:r>
+              <a:rPr lang="en-GB" altLang="zh-CN" dirty="0" smtClean="0"/>
+              <a:t> Time</a:t>
+            </a:r>
+            <a:endParaRPr lang="en-GB" dirty="0"/>
+          </a:p>
+        </p:txBody>
+      </p:sp>
+      <p:sp>
+        <p:nvSpPr>
+          <p:cNvPr id="17" name="Rectangle 16"/>
+          <p:cNvSpPr/>
+          <p:nvPr/>
+        </p:nvSpPr>
+        <p:spPr>
+          <a:xfrm>
+            <a:off x="5115978" y="3873208"/>
+            <a:ext cx="2163779" cy="325925"/>
+          </a:xfrm>
+          <a:prstGeom prst="rect">
+            <a:avLst/>
+          </a:prstGeom>
+        </p:spPr>
+        <p:style>
+          <a:lnRef idx="2">
+            <a:schemeClr val="accent6">
+              <a:shade val="50000"/>
+            </a:schemeClr>
+          </a:lnRef>
+          <a:fillRef idx="1">
+            <a:schemeClr val="accent6"/>
+          </a:fillRef>
+          <a:effectRef idx="0">
+            <a:schemeClr val="accent6"/>
+          </a:effectRef>
+          <a:fontRef idx="minor">
+            <a:schemeClr val="lt1"/>
+          </a:fontRef>
+        </p:style>
+        <p:txBody>
+          <a:bodyPr rtlCol="0" anchor="ctr"/>
+          <a:lstStyle/>
+          <a:p>
+            <a:pPr algn="ctr"/>
+            <a:r>
+              <a:rPr lang="en-US" dirty="0" smtClean="0"/>
+              <a:t>Once or This Week</a:t>
+            </a:r>
+            <a:endParaRPr lang="en-GB" dirty="0"/>
+          </a:p>
+        </p:txBody>
+      </p:sp>
+      <p:sp>
+        <p:nvSpPr>
+          <p:cNvPr id="27" name="TextBox 26"/>
+          <p:cNvSpPr txBox="1"/>
+          <p:nvPr/>
+        </p:nvSpPr>
+        <p:spPr>
+          <a:xfrm>
+            <a:off x="5115978" y="2143001"/>
+            <a:ext cx="1600118" cy="369332"/>
+          </a:xfrm>
+          <a:prstGeom prst="rect">
+            <a:avLst/>
+          </a:prstGeom>
+          <a:noFill/>
+        </p:spPr>
+        <p:txBody>
+          <a:bodyPr wrap="none" rtlCol="0">
+            <a:spAutoFit/>
+          </a:bodyPr>
+          <a:lstStyle/>
+          <a:p>
+            <a:r>
+              <a:rPr lang="en-GB" dirty="0" smtClean="0"/>
+              <a:t>Staff </a:t>
+            </a:r>
+            <a:r>
+              <a:rPr lang="en-US" altLang="zh-CN" dirty="0" smtClean="0"/>
+              <a:t>Id / Name</a:t>
+            </a:r>
+            <a:endParaRPr lang="en-GB" dirty="0"/>
+          </a:p>
+        </p:txBody>
+      </p:sp>
+      <p:sp>
+        <p:nvSpPr>
+          <p:cNvPr id="29" name="TextBox 28"/>
+          <p:cNvSpPr txBox="1"/>
+          <p:nvPr/>
+        </p:nvSpPr>
+        <p:spPr>
+          <a:xfrm>
+            <a:off x="8470318" y="1750860"/>
+            <a:ext cx="1543821" cy="369332"/>
+          </a:xfrm>
+          <a:prstGeom prst="rect">
+            <a:avLst/>
+          </a:prstGeom>
+          <a:noFill/>
+        </p:spPr>
+        <p:txBody>
+          <a:bodyPr wrap="none" rtlCol="0">
+            <a:spAutoFit/>
+          </a:bodyPr>
+          <a:lstStyle/>
+          <a:p>
+            <a:r>
+              <a:rPr lang="en-GB" dirty="0" smtClean="0"/>
+              <a:t>Edit Staff </a:t>
+            </a:r>
+            <a:r>
+              <a:rPr lang="en-US" altLang="zh-CN" dirty="0" smtClean="0"/>
+              <a:t>Time</a:t>
+            </a:r>
+            <a:endParaRPr lang="en-GB" dirty="0"/>
+          </a:p>
+        </p:txBody>
+      </p:sp>
+      <p:sp>
+        <p:nvSpPr>
+          <p:cNvPr id="30" name="Rectangle 29"/>
+          <p:cNvSpPr/>
+          <p:nvPr/>
+        </p:nvSpPr>
+        <p:spPr>
+          <a:xfrm>
+            <a:off x="9096299" y="2544195"/>
+            <a:ext cx="2163779" cy="325925"/>
+          </a:xfrm>
+          <a:prstGeom prst="rect">
+            <a:avLst/>
+          </a:prstGeom>
+        </p:spPr>
+        <p:style>
+          <a:lnRef idx="2">
+            <a:schemeClr val="accent6">
+              <a:shade val="50000"/>
+            </a:schemeClr>
+          </a:lnRef>
+          <a:fillRef idx="1">
+            <a:schemeClr val="accent6"/>
+          </a:fillRef>
+          <a:effectRef idx="0">
+            <a:schemeClr val="accent6"/>
+          </a:effectRef>
+          <a:fontRef idx="minor">
+            <a:schemeClr val="lt1"/>
+          </a:fontRef>
+        </p:style>
+        <p:txBody>
+          <a:bodyPr rtlCol="0" anchor="ctr"/>
+          <a:lstStyle/>
+          <a:p>
+            <a:pPr algn="ctr"/>
+            <a:r>
+              <a:rPr lang="en-US" altLang="zh-CN" dirty="0" smtClean="0"/>
+              <a:t>Shop</a:t>
+            </a:r>
+            <a:endParaRPr lang="en-GB" dirty="0"/>
+          </a:p>
+        </p:txBody>
+      </p:sp>
+      <p:sp>
+        <p:nvSpPr>
+          <p:cNvPr id="31" name="Rectangle 30"/>
+          <p:cNvSpPr/>
+          <p:nvPr/>
+        </p:nvSpPr>
+        <p:spPr>
+          <a:xfrm>
+            <a:off x="9096299" y="2933844"/>
+            <a:ext cx="2163779" cy="325925"/>
+          </a:xfrm>
+          <a:prstGeom prst="rect">
+            <a:avLst/>
+          </a:prstGeom>
+        </p:spPr>
+        <p:style>
+          <a:lnRef idx="2">
+            <a:schemeClr val="accent6">
+              <a:shade val="50000"/>
+            </a:schemeClr>
+          </a:lnRef>
+          <a:fillRef idx="1">
+            <a:schemeClr val="accent6"/>
+          </a:fillRef>
+          <a:effectRef idx="0">
+            <a:schemeClr val="accent6"/>
+          </a:effectRef>
+          <a:fontRef idx="minor">
+            <a:schemeClr val="lt1"/>
+          </a:fontRef>
+        </p:style>
+        <p:txBody>
+          <a:bodyPr rtlCol="0" anchor="ctr"/>
+          <a:lstStyle/>
+          <a:p>
+            <a:pPr algn="ctr"/>
+            <a:r>
+              <a:rPr lang="en-US" altLang="zh-CN" dirty="0" smtClean="0"/>
+              <a:t>Start Time</a:t>
+            </a:r>
+            <a:endParaRPr lang="en-GB" dirty="0"/>
+          </a:p>
+        </p:txBody>
+      </p:sp>
+      <p:sp>
+        <p:nvSpPr>
+          <p:cNvPr id="33" name="Rectangle 32"/>
+          <p:cNvSpPr/>
+          <p:nvPr/>
+        </p:nvSpPr>
+        <p:spPr>
+          <a:xfrm>
+            <a:off x="9096299" y="5826314"/>
+            <a:ext cx="863192" cy="192704"/>
+          </a:xfrm>
+          <a:prstGeom prst="rect">
+            <a:avLst/>
+          </a:prstGeom>
+        </p:spPr>
+        <p:style>
+          <a:lnRef idx="1">
+            <a:schemeClr val="accent2"/>
+          </a:lnRef>
+          <a:fillRef idx="2">
+            <a:schemeClr val="accent2"/>
+          </a:fillRef>
+          <a:effectRef idx="1">
+            <a:schemeClr val="accent2"/>
+          </a:effectRef>
+          <a:fontRef idx="minor">
+            <a:schemeClr val="dk1"/>
+          </a:fontRef>
+        </p:style>
+        <p:txBody>
+          <a:bodyPr rtlCol="0" anchor="ctr"/>
+          <a:lstStyle/>
+          <a:p>
+            <a:pPr algn="ctr"/>
+            <a:r>
+              <a:rPr lang="en-GB" dirty="0"/>
+              <a:t>Cancel</a:t>
+            </a:r>
+          </a:p>
+        </p:txBody>
+      </p:sp>
+      <p:sp>
+        <p:nvSpPr>
+          <p:cNvPr id="34" name="Rectangle 33"/>
+          <p:cNvSpPr/>
+          <p:nvPr/>
+        </p:nvSpPr>
+        <p:spPr>
+          <a:xfrm>
+            <a:off x="9096299" y="3323057"/>
+            <a:ext cx="2163779" cy="325925"/>
+          </a:xfrm>
+          <a:prstGeom prst="rect">
+            <a:avLst/>
+          </a:prstGeom>
+        </p:spPr>
+        <p:style>
+          <a:lnRef idx="2">
+            <a:schemeClr val="accent6">
+              <a:shade val="50000"/>
+            </a:schemeClr>
+          </a:lnRef>
+          <a:fillRef idx="1">
+            <a:schemeClr val="accent6"/>
+          </a:fillRef>
+          <a:effectRef idx="0">
+            <a:schemeClr val="accent6"/>
+          </a:effectRef>
+          <a:fontRef idx="minor">
+            <a:schemeClr val="lt1"/>
+          </a:fontRef>
+        </p:style>
+        <p:txBody>
+          <a:bodyPr rtlCol="0" anchor="ctr"/>
+          <a:lstStyle/>
+          <a:p>
+            <a:pPr algn="ctr"/>
+            <a:r>
+              <a:rPr lang="en-US" altLang="zh-CN" dirty="0" smtClean="0"/>
+              <a:t>E</a:t>
+            </a:r>
+            <a:r>
+              <a:rPr lang="en-GB" altLang="zh-CN" dirty="0" err="1" smtClean="0"/>
+              <a:t>nd</a:t>
+            </a:r>
+            <a:r>
+              <a:rPr lang="en-GB" altLang="zh-CN" dirty="0" smtClean="0"/>
+              <a:t> Time</a:t>
+            </a:r>
+            <a:endParaRPr lang="en-GB" dirty="0"/>
+          </a:p>
+        </p:txBody>
+      </p:sp>
+      <p:sp>
+        <p:nvSpPr>
+          <p:cNvPr id="35" name="Rectangle 34"/>
+          <p:cNvSpPr/>
+          <p:nvPr/>
+        </p:nvSpPr>
+        <p:spPr>
+          <a:xfrm>
+            <a:off x="9096299" y="3694942"/>
+            <a:ext cx="2163779" cy="325925"/>
+          </a:xfrm>
+          <a:prstGeom prst="rect">
+            <a:avLst/>
+          </a:prstGeom>
+        </p:spPr>
+        <p:style>
+          <a:lnRef idx="2">
+            <a:schemeClr val="accent6">
+              <a:shade val="50000"/>
+            </a:schemeClr>
+          </a:lnRef>
+          <a:fillRef idx="1">
+            <a:schemeClr val="accent6"/>
+          </a:fillRef>
+          <a:effectRef idx="0">
+            <a:schemeClr val="accent6"/>
+          </a:effectRef>
+          <a:fontRef idx="minor">
+            <a:schemeClr val="lt1"/>
+          </a:fontRef>
+        </p:style>
+        <p:txBody>
+          <a:bodyPr rtlCol="0" anchor="ctr"/>
+          <a:lstStyle/>
+          <a:p>
+            <a:pPr algn="ctr"/>
+            <a:r>
+              <a:rPr lang="en-US" dirty="0" smtClean="0"/>
+              <a:t>Once or This Week</a:t>
+            </a:r>
+            <a:endParaRPr lang="en-GB" dirty="0"/>
+          </a:p>
+        </p:txBody>
+      </p:sp>
+      <p:sp>
+        <p:nvSpPr>
+          <p:cNvPr id="36" name="TextBox 35"/>
+          <p:cNvSpPr txBox="1"/>
+          <p:nvPr/>
+        </p:nvSpPr>
+        <p:spPr>
+          <a:xfrm>
+            <a:off x="9096299" y="2143001"/>
+            <a:ext cx="1600118" cy="369332"/>
+          </a:xfrm>
+          <a:prstGeom prst="rect">
+            <a:avLst/>
+          </a:prstGeom>
+          <a:noFill/>
+        </p:spPr>
+        <p:txBody>
+          <a:bodyPr wrap="none" rtlCol="0">
+            <a:spAutoFit/>
+          </a:bodyPr>
+          <a:lstStyle/>
+          <a:p>
+            <a:r>
+              <a:rPr lang="en-GB" dirty="0" smtClean="0"/>
+              <a:t>Staff </a:t>
+            </a:r>
+            <a:r>
+              <a:rPr lang="en-US" altLang="zh-CN" dirty="0" smtClean="0"/>
+              <a:t>Id / Name</a:t>
+            </a:r>
+            <a:endParaRPr lang="en-GB" dirty="0"/>
+          </a:p>
+        </p:txBody>
+      </p:sp>
+    </p:spTree>
+    <p:extLst>
+      <p:ext uri="{BB962C8B-B14F-4D97-AF65-F5344CB8AC3E}">
+        <p14:creationId xmlns:p14="http://schemas.microsoft.com/office/powerpoint/2010/main" val="3942235227"/>
+      </p:ext>
+    </p:extLst>
+  </p:cSld>
+  <p:clrMapOvr>
+    <a:masterClrMapping/>
+  </p:clrMapOvr>
+</p:sld>
+</file>
+
+<file path=ppt/slides/slide11.xml><?xml version="1.0" encoding="utf-8"?>
+<p:sld xmlns:a="http://schemas.openxmlformats.org/drawingml/2006/main" xmlns:r="http://schemas.openxmlformats.org/officeDocument/2006/relationships" xmlns:p="http://schemas.openxmlformats.org/presentationml/2006/main">
+  <p:cSld>
+    <p:spTree>
+      <p:nvGrpSpPr>
+        <p:cNvPr id="1" name=""/>
+        <p:cNvGrpSpPr/>
+        <p:nvPr/>
+      </p:nvGrpSpPr>
+      <p:grpSpPr>
+        <a:xfrm>
+          <a:off x="0" y="0"/>
+          <a:ext cx="0" cy="0"/>
+          <a:chOff x="0" y="0"/>
+          <a:chExt cx="0" cy="0"/>
+        </a:xfrm>
+      </p:grpSpPr>
+      <p:sp>
+        <p:nvSpPr>
+          <p:cNvPr id="2" name="Title 1"/>
+          <p:cNvSpPr>
+            <a:spLocks noGrp="1"/>
+          </p:cNvSpPr>
+          <p:nvPr>
+            <p:ph type="title"/>
+          </p:nvPr>
+        </p:nvSpPr>
+        <p:spPr>
+          <a:xfrm>
+            <a:off x="778741" y="311030"/>
+            <a:ext cx="10515600" cy="824960"/>
+          </a:xfrm>
+        </p:spPr>
+        <p:txBody>
+          <a:bodyPr>
+            <a:normAutofit/>
+          </a:bodyPr>
+          <a:lstStyle/>
+          <a:p>
+            <a:r>
+              <a:rPr lang="en-GB" dirty="0" smtClean="0"/>
+              <a:t>Client </a:t>
+            </a:r>
+            <a:r>
+              <a:rPr lang="en-GB" dirty="0"/>
+              <a:t>Management </a:t>
+            </a:r>
+            <a:r>
+              <a:rPr lang="en-US" altLang="zh-CN" dirty="0" smtClean="0"/>
+              <a:t>Part 1</a:t>
+            </a:r>
+            <a:endParaRPr lang="en-GB" dirty="0"/>
+          </a:p>
+        </p:txBody>
+      </p:sp>
+      <p:sp>
+        <p:nvSpPr>
+          <p:cNvPr id="47" name="Rectangle 46"/>
+          <p:cNvSpPr/>
+          <p:nvPr/>
+        </p:nvSpPr>
+        <p:spPr>
+          <a:xfrm>
+            <a:off x="400050" y="1701615"/>
+            <a:ext cx="11391900" cy="4913313"/>
+          </a:xfrm>
+          <a:prstGeom prst="rect">
+            <a:avLst/>
+          </a:prstGeom>
+        </p:spPr>
+        <p:style>
+          <a:lnRef idx="2">
+            <a:schemeClr val="accent1">
+              <a:shade val="50000"/>
+            </a:schemeClr>
+          </a:lnRef>
+          <a:fillRef idx="1">
+            <a:schemeClr val="accent1"/>
+          </a:fillRef>
+          <a:effectRef idx="0">
+            <a:schemeClr val="accent1"/>
+          </a:effectRef>
+          <a:fontRef idx="minor">
+            <a:schemeClr val="lt1"/>
+          </a:fontRef>
+        </p:style>
+        <p:txBody>
+          <a:bodyPr rtlCol="0" anchor="ctr"/>
+          <a:lstStyle/>
+          <a:p>
+            <a:pPr algn="ctr"/>
+            <a:endParaRPr lang="en-GB"/>
+          </a:p>
+        </p:txBody>
+      </p:sp>
+      <p:sp>
+        <p:nvSpPr>
+          <p:cNvPr id="4" name="Rectangle 3"/>
+          <p:cNvSpPr/>
+          <p:nvPr/>
+        </p:nvSpPr>
+        <p:spPr>
+          <a:xfrm>
+            <a:off x="9042399" y="2120900"/>
+            <a:ext cx="419100" cy="406400"/>
+          </a:xfrm>
+          <a:prstGeom prst="rect">
+            <a:avLst/>
+          </a:prstGeom>
+        </p:spPr>
+        <p:style>
+          <a:lnRef idx="2">
+            <a:schemeClr val="accent2">
+              <a:shade val="50000"/>
+            </a:schemeClr>
+          </a:lnRef>
+          <a:fillRef idx="1">
+            <a:schemeClr val="accent2"/>
+          </a:fillRef>
+          <a:effectRef idx="0">
+            <a:schemeClr val="accent2"/>
+          </a:effectRef>
+          <a:fontRef idx="minor">
+            <a:schemeClr val="lt1"/>
+          </a:fontRef>
+        </p:style>
+        <p:txBody>
+          <a:bodyPr rtlCol="0" anchor="ctr"/>
+          <a:lstStyle/>
+          <a:p>
+            <a:pPr algn="ctr"/>
+            <a:r>
+              <a:rPr lang="en-GB" dirty="0"/>
+              <a:t>&lt;</a:t>
+            </a:r>
+          </a:p>
+        </p:txBody>
+      </p:sp>
+      <p:sp>
+        <p:nvSpPr>
+          <p:cNvPr id="55" name="Rectangle 54"/>
+          <p:cNvSpPr/>
+          <p:nvPr/>
+        </p:nvSpPr>
+        <p:spPr>
+          <a:xfrm>
+            <a:off x="9461499" y="2120900"/>
+            <a:ext cx="1832841" cy="406400"/>
+          </a:xfrm>
+          <a:prstGeom prst="rect">
+            <a:avLst/>
+          </a:prstGeom>
+        </p:spPr>
+        <p:style>
+          <a:lnRef idx="2">
+            <a:schemeClr val="accent2"/>
+          </a:lnRef>
+          <a:fillRef idx="1">
+            <a:schemeClr val="lt1"/>
+          </a:fillRef>
+          <a:effectRef idx="0">
+            <a:schemeClr val="accent2"/>
+          </a:effectRef>
+          <a:fontRef idx="minor">
+            <a:schemeClr val="dk1"/>
+          </a:fontRef>
+        </p:style>
+        <p:txBody>
+          <a:bodyPr rtlCol="0" anchor="ctr"/>
+          <a:lstStyle/>
+          <a:p>
+            <a:pPr algn="ctr"/>
+            <a:r>
+              <a:rPr lang="en-GB" dirty="0" smtClean="0"/>
+              <a:t>1 2 3 4 5 6 7</a:t>
+            </a:r>
+            <a:endParaRPr lang="en-GB" dirty="0"/>
+          </a:p>
+        </p:txBody>
+      </p:sp>
+      <p:sp>
+        <p:nvSpPr>
+          <p:cNvPr id="56" name="Rectangle 55"/>
+          <p:cNvSpPr/>
+          <p:nvPr/>
+        </p:nvSpPr>
+        <p:spPr>
+          <a:xfrm>
+            <a:off x="11294340" y="2120900"/>
+            <a:ext cx="419100" cy="406400"/>
+          </a:xfrm>
+          <a:prstGeom prst="rect">
+            <a:avLst/>
+          </a:prstGeom>
+        </p:spPr>
+        <p:style>
+          <a:lnRef idx="2">
+            <a:schemeClr val="accent2">
+              <a:shade val="50000"/>
+            </a:schemeClr>
+          </a:lnRef>
+          <a:fillRef idx="1">
+            <a:schemeClr val="accent2"/>
+          </a:fillRef>
+          <a:effectRef idx="0">
+            <a:schemeClr val="accent2"/>
+          </a:effectRef>
+          <a:fontRef idx="minor">
+            <a:schemeClr val="lt1"/>
+          </a:fontRef>
+        </p:style>
+        <p:txBody>
+          <a:bodyPr rtlCol="0" anchor="ctr"/>
+          <a:lstStyle/>
+          <a:p>
+            <a:pPr algn="ctr"/>
+            <a:r>
+              <a:rPr lang="en-GB" dirty="0"/>
+              <a:t>&gt;</a:t>
+            </a:r>
+          </a:p>
+        </p:txBody>
+      </p:sp>
+      <p:sp>
+        <p:nvSpPr>
+          <p:cNvPr id="59" name="Rectangle 58"/>
+          <p:cNvSpPr/>
+          <p:nvPr/>
+        </p:nvSpPr>
+        <p:spPr>
+          <a:xfrm>
+            <a:off x="778740" y="2132011"/>
+            <a:ext cx="1308100" cy="406400"/>
+          </a:xfrm>
+          <a:prstGeom prst="rect">
+            <a:avLst/>
+          </a:prstGeom>
+        </p:spPr>
+        <p:style>
+          <a:lnRef idx="2">
+            <a:schemeClr val="accent2">
+              <a:shade val="50000"/>
+            </a:schemeClr>
+          </a:lnRef>
+          <a:fillRef idx="1">
+            <a:schemeClr val="accent2"/>
+          </a:fillRef>
+          <a:effectRef idx="0">
+            <a:schemeClr val="accent2"/>
+          </a:effectRef>
+          <a:fontRef idx="minor">
+            <a:schemeClr val="lt1"/>
+          </a:fontRef>
+        </p:style>
+        <p:txBody>
+          <a:bodyPr rtlCol="0" anchor="ctr"/>
+          <a:lstStyle/>
+          <a:p>
+            <a:pPr algn="ctr"/>
+            <a:r>
+              <a:rPr lang="en-US" altLang="zh-CN" dirty="0" smtClean="0"/>
+              <a:t>New</a:t>
+            </a:r>
+            <a:r>
+              <a:rPr lang="en-GB" dirty="0" smtClean="0"/>
+              <a:t> Client</a:t>
+            </a:r>
+            <a:endParaRPr lang="en-GB" dirty="0"/>
+          </a:p>
+        </p:txBody>
+      </p:sp>
+      <p:sp>
+        <p:nvSpPr>
+          <p:cNvPr id="60" name="Flowchart: Alternate Process 59"/>
+          <p:cNvSpPr/>
+          <p:nvPr/>
+        </p:nvSpPr>
+        <p:spPr>
+          <a:xfrm>
+            <a:off x="778740" y="2957512"/>
+            <a:ext cx="10790959" cy="3227387"/>
+          </a:xfrm>
+          <a:prstGeom prst="flowChartAlternateProcess">
+            <a:avLst/>
+          </a:prstGeom>
+        </p:spPr>
+        <p:style>
+          <a:lnRef idx="1">
+            <a:schemeClr val="accent1"/>
+          </a:lnRef>
+          <a:fillRef idx="2">
+            <a:schemeClr val="accent1"/>
+          </a:fillRef>
+          <a:effectRef idx="1">
+            <a:schemeClr val="accent1"/>
+          </a:effectRef>
+          <a:fontRef idx="minor">
+            <a:schemeClr val="dk1"/>
+          </a:fontRef>
+        </p:style>
+        <p:txBody>
+          <a:bodyPr rtlCol="0" anchor="ctr"/>
+          <a:lstStyle/>
+          <a:p>
+            <a:pPr algn="ctr"/>
+            <a:endParaRPr lang="en-GB"/>
+          </a:p>
+        </p:txBody>
+      </p:sp>
+      <p:sp>
+        <p:nvSpPr>
+          <p:cNvPr id="62" name="Rectangle 61"/>
+          <p:cNvSpPr/>
+          <p:nvPr/>
+        </p:nvSpPr>
+        <p:spPr>
+          <a:xfrm>
+            <a:off x="979550" y="3517962"/>
+            <a:ext cx="1408050" cy="325925"/>
+          </a:xfrm>
+          <a:prstGeom prst="rect">
+            <a:avLst/>
+          </a:prstGeom>
+        </p:spPr>
+        <p:style>
+          <a:lnRef idx="2">
+            <a:schemeClr val="accent6">
+              <a:shade val="50000"/>
+            </a:schemeClr>
+          </a:lnRef>
+          <a:fillRef idx="1">
+            <a:schemeClr val="accent6"/>
+          </a:fillRef>
+          <a:effectRef idx="0">
+            <a:schemeClr val="accent6"/>
+          </a:effectRef>
+          <a:fontRef idx="minor">
+            <a:schemeClr val="lt1"/>
+          </a:fontRef>
+        </p:style>
+        <p:txBody>
+          <a:bodyPr rtlCol="0" anchor="ctr"/>
+          <a:lstStyle/>
+          <a:p>
+            <a:pPr algn="ctr"/>
+            <a:r>
+              <a:rPr lang="en-GB" dirty="0" smtClean="0"/>
+              <a:t>Client Name</a:t>
+            </a:r>
+            <a:endParaRPr lang="en-GB" dirty="0"/>
+          </a:p>
+        </p:txBody>
+      </p:sp>
+      <p:sp>
+        <p:nvSpPr>
+          <p:cNvPr id="63" name="Rectangle 62"/>
+          <p:cNvSpPr/>
+          <p:nvPr/>
+        </p:nvSpPr>
+        <p:spPr>
+          <a:xfrm>
+            <a:off x="3918276" y="2957512"/>
+            <a:ext cx="1270001" cy="406400"/>
+          </a:xfrm>
+          <a:prstGeom prst="rect">
+            <a:avLst/>
+          </a:prstGeom>
+        </p:spPr>
+        <p:style>
+          <a:lnRef idx="2">
+            <a:schemeClr val="accent2"/>
+          </a:lnRef>
+          <a:fillRef idx="1">
+            <a:schemeClr val="lt1"/>
+          </a:fillRef>
+          <a:effectRef idx="0">
+            <a:schemeClr val="accent2"/>
+          </a:effectRef>
+          <a:fontRef idx="minor">
+            <a:schemeClr val="dk1"/>
+          </a:fontRef>
+        </p:style>
+        <p:txBody>
+          <a:bodyPr rtlCol="0" anchor="ctr"/>
+          <a:lstStyle/>
+          <a:p>
+            <a:pPr algn="ctr"/>
+            <a:r>
+              <a:rPr lang="en-GB" dirty="0" smtClean="0"/>
+              <a:t>Email</a:t>
+            </a:r>
+            <a:endParaRPr lang="en-GB" dirty="0"/>
+          </a:p>
+        </p:txBody>
+      </p:sp>
+      <p:sp>
+        <p:nvSpPr>
+          <p:cNvPr id="69" name="Rectangle 68"/>
+          <p:cNvSpPr/>
+          <p:nvPr/>
+        </p:nvSpPr>
+        <p:spPr>
+          <a:xfrm>
+            <a:off x="2526567" y="2968797"/>
+            <a:ext cx="1270001" cy="406400"/>
+          </a:xfrm>
+          <a:prstGeom prst="rect">
+            <a:avLst/>
+          </a:prstGeom>
+        </p:spPr>
+        <p:style>
+          <a:lnRef idx="2">
+            <a:schemeClr val="accent2"/>
+          </a:lnRef>
+          <a:fillRef idx="1">
+            <a:schemeClr val="lt1"/>
+          </a:fillRef>
+          <a:effectRef idx="0">
+            <a:schemeClr val="accent2"/>
+          </a:effectRef>
+          <a:fontRef idx="minor">
+            <a:schemeClr val="dk1"/>
+          </a:fontRef>
+        </p:style>
+        <p:txBody>
+          <a:bodyPr rtlCol="0" anchor="ctr"/>
+          <a:lstStyle/>
+          <a:p>
+            <a:pPr algn="ctr"/>
+            <a:r>
+              <a:rPr lang="en-GB" dirty="0" smtClean="0"/>
+              <a:t>Last Name</a:t>
+            </a:r>
+            <a:endParaRPr lang="en-GB" dirty="0"/>
+          </a:p>
+        </p:txBody>
+      </p:sp>
+      <p:sp>
+        <p:nvSpPr>
+          <p:cNvPr id="70" name="Rectangle 69"/>
+          <p:cNvSpPr/>
+          <p:nvPr/>
+        </p:nvSpPr>
+        <p:spPr>
+          <a:xfrm>
+            <a:off x="979550" y="3948174"/>
+            <a:ext cx="1408049" cy="325925"/>
+          </a:xfrm>
+          <a:prstGeom prst="rect">
+            <a:avLst/>
+          </a:prstGeom>
+        </p:spPr>
+        <p:style>
+          <a:lnRef idx="2">
+            <a:schemeClr val="accent6">
+              <a:shade val="50000"/>
+            </a:schemeClr>
+          </a:lnRef>
+          <a:fillRef idx="1">
+            <a:schemeClr val="accent6"/>
+          </a:fillRef>
+          <a:effectRef idx="0">
+            <a:schemeClr val="accent6"/>
+          </a:effectRef>
+          <a:fontRef idx="minor">
+            <a:schemeClr val="lt1"/>
+          </a:fontRef>
+        </p:style>
+        <p:txBody>
+          <a:bodyPr rtlCol="0" anchor="ctr"/>
+          <a:lstStyle/>
+          <a:p>
+            <a:pPr algn="ctr"/>
+            <a:r>
+              <a:rPr lang="en-GB" dirty="0" smtClean="0"/>
+              <a:t>Client Name</a:t>
+            </a:r>
+            <a:endParaRPr lang="en-GB" dirty="0"/>
+          </a:p>
+        </p:txBody>
+      </p:sp>
+      <p:sp>
+        <p:nvSpPr>
+          <p:cNvPr id="29" name="Rectangle 28"/>
+          <p:cNvSpPr/>
+          <p:nvPr/>
+        </p:nvSpPr>
+        <p:spPr>
+          <a:xfrm>
+            <a:off x="979550" y="2968797"/>
+            <a:ext cx="1535977" cy="406400"/>
+          </a:xfrm>
+          <a:prstGeom prst="rect">
+            <a:avLst/>
+          </a:prstGeom>
+        </p:spPr>
+        <p:style>
+          <a:lnRef idx="2">
+            <a:schemeClr val="accent2"/>
+          </a:lnRef>
+          <a:fillRef idx="1">
+            <a:schemeClr val="lt1"/>
+          </a:fillRef>
+          <a:effectRef idx="0">
+            <a:schemeClr val="accent2"/>
+          </a:effectRef>
+          <a:fontRef idx="minor">
+            <a:schemeClr val="dk1"/>
+          </a:fontRef>
+        </p:style>
+        <p:txBody>
+          <a:bodyPr rtlCol="0" anchor="ctr"/>
+          <a:lstStyle/>
+          <a:p>
+            <a:pPr algn="ctr"/>
+            <a:r>
+              <a:rPr lang="en-GB" dirty="0" smtClean="0"/>
+              <a:t>First Name</a:t>
+            </a:r>
+            <a:endParaRPr lang="en-GB" dirty="0"/>
+          </a:p>
+        </p:txBody>
+      </p:sp>
+      <p:sp>
+        <p:nvSpPr>
+          <p:cNvPr id="30" name="Rectangle 29"/>
+          <p:cNvSpPr/>
+          <p:nvPr/>
+        </p:nvSpPr>
+        <p:spPr>
+          <a:xfrm>
+            <a:off x="5377622" y="2986684"/>
+            <a:ext cx="1270001" cy="406400"/>
+          </a:xfrm>
+          <a:prstGeom prst="rect">
+            <a:avLst/>
+          </a:prstGeom>
+        </p:spPr>
+        <p:style>
+          <a:lnRef idx="2">
+            <a:schemeClr val="accent2"/>
+          </a:lnRef>
+          <a:fillRef idx="1">
+            <a:schemeClr val="lt1"/>
+          </a:fillRef>
+          <a:effectRef idx="0">
+            <a:schemeClr val="accent2"/>
+          </a:effectRef>
+          <a:fontRef idx="minor">
+            <a:schemeClr val="dk1"/>
+          </a:fontRef>
+        </p:style>
+        <p:txBody>
+          <a:bodyPr rtlCol="0" anchor="ctr"/>
+          <a:lstStyle/>
+          <a:p>
+            <a:pPr algn="ctr"/>
+            <a:r>
+              <a:rPr lang="en-GB" dirty="0" smtClean="0"/>
+              <a:t>Mobile</a:t>
+            </a:r>
+            <a:endParaRPr lang="en-GB" dirty="0"/>
+          </a:p>
+        </p:txBody>
+      </p:sp>
+      <p:sp>
+        <p:nvSpPr>
+          <p:cNvPr id="31" name="Rectangle 30"/>
+          <p:cNvSpPr/>
+          <p:nvPr/>
+        </p:nvSpPr>
+        <p:spPr>
+          <a:xfrm>
+            <a:off x="9986240" y="3517962"/>
+            <a:ext cx="1308100" cy="406400"/>
+          </a:xfrm>
+          <a:prstGeom prst="rect">
+            <a:avLst/>
+          </a:prstGeom>
+        </p:spPr>
+        <p:style>
+          <a:lnRef idx="2">
+            <a:schemeClr val="accent2">
+              <a:shade val="50000"/>
+            </a:schemeClr>
+          </a:lnRef>
+          <a:fillRef idx="1">
+            <a:schemeClr val="accent2"/>
+          </a:fillRef>
+          <a:effectRef idx="0">
+            <a:schemeClr val="accent2"/>
+          </a:effectRef>
+          <a:fontRef idx="minor">
+            <a:schemeClr val="lt1"/>
+          </a:fontRef>
+        </p:style>
+        <p:txBody>
+          <a:bodyPr rtlCol="0" anchor="ctr"/>
+          <a:lstStyle/>
+          <a:p>
+            <a:pPr algn="ctr"/>
+            <a:r>
+              <a:rPr lang="en-GB" dirty="0" smtClean="0"/>
+              <a:t>Edit Client</a:t>
+            </a:r>
+            <a:endParaRPr lang="en-GB" dirty="0"/>
+          </a:p>
+        </p:txBody>
+      </p:sp>
+      <p:sp>
+        <p:nvSpPr>
+          <p:cNvPr id="32" name="Rectangle 31"/>
+          <p:cNvSpPr/>
+          <p:nvPr/>
+        </p:nvSpPr>
+        <p:spPr>
+          <a:xfrm>
+            <a:off x="9986240" y="3948174"/>
+            <a:ext cx="1308100" cy="406400"/>
+          </a:xfrm>
+          <a:prstGeom prst="rect">
+            <a:avLst/>
+          </a:prstGeom>
+        </p:spPr>
+        <p:style>
+          <a:lnRef idx="2">
+            <a:schemeClr val="accent2">
+              <a:shade val="50000"/>
+            </a:schemeClr>
+          </a:lnRef>
+          <a:fillRef idx="1">
+            <a:schemeClr val="accent2"/>
+          </a:fillRef>
+          <a:effectRef idx="0">
+            <a:schemeClr val="accent2"/>
+          </a:effectRef>
+          <a:fontRef idx="minor">
+            <a:schemeClr val="lt1"/>
+          </a:fontRef>
+        </p:style>
+        <p:txBody>
+          <a:bodyPr rtlCol="0" anchor="ctr"/>
+          <a:lstStyle/>
+          <a:p>
+            <a:pPr algn="ctr"/>
+            <a:r>
+              <a:rPr lang="en-US" dirty="0" smtClean="0"/>
+              <a:t>Edit</a:t>
+            </a:r>
+            <a:r>
+              <a:rPr lang="en-GB" dirty="0" smtClean="0"/>
+              <a:t> Client</a:t>
+            </a:r>
+            <a:endParaRPr lang="en-GB" dirty="0"/>
+          </a:p>
+        </p:txBody>
+      </p:sp>
+      <p:sp>
+        <p:nvSpPr>
+          <p:cNvPr id="35" name="Rectangle 34"/>
+          <p:cNvSpPr/>
+          <p:nvPr/>
+        </p:nvSpPr>
+        <p:spPr>
+          <a:xfrm>
+            <a:off x="2399558" y="3517962"/>
+            <a:ext cx="1408050" cy="325925"/>
+          </a:xfrm>
+          <a:prstGeom prst="rect">
+            <a:avLst/>
+          </a:prstGeom>
+        </p:spPr>
+        <p:style>
+          <a:lnRef idx="2">
+            <a:schemeClr val="accent6">
+              <a:shade val="50000"/>
+            </a:schemeClr>
+          </a:lnRef>
+          <a:fillRef idx="1">
+            <a:schemeClr val="accent6"/>
+          </a:fillRef>
+          <a:effectRef idx="0">
+            <a:schemeClr val="accent6"/>
+          </a:effectRef>
+          <a:fontRef idx="minor">
+            <a:schemeClr val="lt1"/>
+          </a:fontRef>
+        </p:style>
+        <p:txBody>
+          <a:bodyPr rtlCol="0" anchor="ctr"/>
+          <a:lstStyle/>
+          <a:p>
+            <a:pPr algn="ctr"/>
+            <a:r>
+              <a:rPr lang="en-GB" dirty="0" smtClean="0"/>
+              <a:t>Client Name</a:t>
+            </a:r>
+            <a:endParaRPr lang="en-GB" dirty="0"/>
+          </a:p>
+        </p:txBody>
+      </p:sp>
+      <p:sp>
+        <p:nvSpPr>
+          <p:cNvPr id="36" name="Rectangle 35"/>
+          <p:cNvSpPr/>
+          <p:nvPr/>
+        </p:nvSpPr>
+        <p:spPr>
+          <a:xfrm>
+            <a:off x="2399558" y="3948174"/>
+            <a:ext cx="1408049" cy="325925"/>
+          </a:xfrm>
+          <a:prstGeom prst="rect">
+            <a:avLst/>
+          </a:prstGeom>
+        </p:spPr>
+        <p:style>
+          <a:lnRef idx="2">
+            <a:schemeClr val="accent6">
+              <a:shade val="50000"/>
+            </a:schemeClr>
+          </a:lnRef>
+          <a:fillRef idx="1">
+            <a:schemeClr val="accent6"/>
+          </a:fillRef>
+          <a:effectRef idx="0">
+            <a:schemeClr val="accent6"/>
+          </a:effectRef>
+          <a:fontRef idx="minor">
+            <a:schemeClr val="lt1"/>
+          </a:fontRef>
+        </p:style>
+        <p:txBody>
+          <a:bodyPr rtlCol="0" anchor="ctr"/>
+          <a:lstStyle/>
+          <a:p>
+            <a:pPr algn="ctr"/>
+            <a:r>
+              <a:rPr lang="en-GB" dirty="0" smtClean="0"/>
+              <a:t>Client Name</a:t>
+            </a:r>
+            <a:endParaRPr lang="en-GB" dirty="0"/>
+          </a:p>
+        </p:txBody>
+      </p:sp>
+      <p:sp>
+        <p:nvSpPr>
+          <p:cNvPr id="37" name="Rectangle 36"/>
+          <p:cNvSpPr/>
+          <p:nvPr/>
+        </p:nvSpPr>
+        <p:spPr>
+          <a:xfrm>
+            <a:off x="3819566" y="3517962"/>
+            <a:ext cx="1408050" cy="325925"/>
+          </a:xfrm>
+          <a:prstGeom prst="rect">
+            <a:avLst/>
+          </a:prstGeom>
+        </p:spPr>
+        <p:style>
+          <a:lnRef idx="2">
+            <a:schemeClr val="accent6">
+              <a:shade val="50000"/>
+            </a:schemeClr>
+          </a:lnRef>
+          <a:fillRef idx="1">
+            <a:schemeClr val="accent6"/>
+          </a:fillRef>
+          <a:effectRef idx="0">
+            <a:schemeClr val="accent6"/>
+          </a:effectRef>
+          <a:fontRef idx="minor">
+            <a:schemeClr val="lt1"/>
+          </a:fontRef>
+        </p:style>
+        <p:txBody>
+          <a:bodyPr rtlCol="0" anchor="ctr"/>
+          <a:lstStyle/>
+          <a:p>
+            <a:pPr algn="ctr"/>
+            <a:r>
+              <a:rPr lang="en-GB" dirty="0" smtClean="0"/>
+              <a:t>Client Email</a:t>
+            </a:r>
+            <a:endParaRPr lang="en-GB" dirty="0"/>
+          </a:p>
+        </p:txBody>
+      </p:sp>
+      <p:sp>
+        <p:nvSpPr>
+          <p:cNvPr id="38" name="Rectangle 37"/>
+          <p:cNvSpPr/>
+          <p:nvPr/>
+        </p:nvSpPr>
+        <p:spPr>
+          <a:xfrm>
+            <a:off x="3819566" y="3948174"/>
+            <a:ext cx="1408049" cy="325925"/>
+          </a:xfrm>
+          <a:prstGeom prst="rect">
+            <a:avLst/>
+          </a:prstGeom>
+        </p:spPr>
+        <p:style>
+          <a:lnRef idx="2">
+            <a:schemeClr val="accent6">
+              <a:shade val="50000"/>
+            </a:schemeClr>
+          </a:lnRef>
+          <a:fillRef idx="1">
+            <a:schemeClr val="accent6"/>
+          </a:fillRef>
+          <a:effectRef idx="0">
+            <a:schemeClr val="accent6"/>
+          </a:effectRef>
+          <a:fontRef idx="minor">
+            <a:schemeClr val="lt1"/>
+          </a:fontRef>
+        </p:style>
+        <p:txBody>
+          <a:bodyPr rtlCol="0" anchor="ctr"/>
+          <a:lstStyle/>
+          <a:p>
+            <a:pPr algn="ctr"/>
+            <a:r>
+              <a:rPr lang="en-GB" dirty="0" smtClean="0"/>
+              <a:t>Client Email</a:t>
+            </a:r>
+            <a:endParaRPr lang="en-GB" dirty="0"/>
+          </a:p>
+        </p:txBody>
+      </p:sp>
+      <p:sp>
+        <p:nvSpPr>
+          <p:cNvPr id="39" name="Rectangle 38"/>
+          <p:cNvSpPr/>
+          <p:nvPr/>
+        </p:nvSpPr>
+        <p:spPr>
+          <a:xfrm>
+            <a:off x="5239574" y="3527660"/>
+            <a:ext cx="1669226" cy="325925"/>
+          </a:xfrm>
+          <a:prstGeom prst="rect">
+            <a:avLst/>
+          </a:prstGeom>
+        </p:spPr>
+        <p:style>
+          <a:lnRef idx="2">
+            <a:schemeClr val="accent6">
+              <a:shade val="50000"/>
+            </a:schemeClr>
+          </a:lnRef>
+          <a:fillRef idx="1">
+            <a:schemeClr val="accent6"/>
+          </a:fillRef>
+          <a:effectRef idx="0">
+            <a:schemeClr val="accent6"/>
+          </a:effectRef>
+          <a:fontRef idx="minor">
+            <a:schemeClr val="lt1"/>
+          </a:fontRef>
+        </p:style>
+        <p:txBody>
+          <a:bodyPr rtlCol="0" anchor="ctr"/>
+          <a:lstStyle/>
+          <a:p>
+            <a:pPr algn="ctr"/>
+            <a:r>
+              <a:rPr lang="en-GB" dirty="0" smtClean="0"/>
+              <a:t>Mobile</a:t>
+            </a:r>
+            <a:endParaRPr lang="en-GB" dirty="0"/>
+          </a:p>
+        </p:txBody>
+      </p:sp>
+      <p:sp>
+        <p:nvSpPr>
+          <p:cNvPr id="40" name="Rectangle 39"/>
+          <p:cNvSpPr/>
+          <p:nvPr/>
+        </p:nvSpPr>
+        <p:spPr>
+          <a:xfrm>
+            <a:off x="5239574" y="3957872"/>
+            <a:ext cx="1669226" cy="325925"/>
+          </a:xfrm>
+          <a:prstGeom prst="rect">
+            <a:avLst/>
+          </a:prstGeom>
+        </p:spPr>
+        <p:style>
+          <a:lnRef idx="2">
+            <a:schemeClr val="accent6">
+              <a:shade val="50000"/>
+            </a:schemeClr>
+          </a:lnRef>
+          <a:fillRef idx="1">
+            <a:schemeClr val="accent6"/>
+          </a:fillRef>
+          <a:effectRef idx="0">
+            <a:schemeClr val="accent6"/>
+          </a:effectRef>
+          <a:fontRef idx="minor">
+            <a:schemeClr val="lt1"/>
+          </a:fontRef>
+        </p:style>
+        <p:txBody>
+          <a:bodyPr rtlCol="0" anchor="ctr"/>
+          <a:lstStyle/>
+          <a:p>
+            <a:pPr algn="ctr"/>
+            <a:r>
+              <a:rPr lang="en-GB" dirty="0" smtClean="0"/>
+              <a:t>Mobile</a:t>
+            </a:r>
+            <a:endParaRPr lang="en-GB" dirty="0"/>
+          </a:p>
+        </p:txBody>
+      </p:sp>
+    </p:spTree>
+    <p:extLst>
+      <p:ext uri="{BB962C8B-B14F-4D97-AF65-F5344CB8AC3E}">
+        <p14:creationId xmlns:p14="http://schemas.microsoft.com/office/powerpoint/2010/main" val="1605997262"/>
+      </p:ext>
+    </p:extLst>
+  </p:cSld>
+  <p:clrMapOvr>
+    <a:masterClrMapping/>
+  </p:clrMapOvr>
+</p:sld>
+</file>
+
+<file path=ppt/slides/slide12.xml><?xml version="1.0" encoding="utf-8"?>
+<p:sld xmlns:a="http://schemas.openxmlformats.org/drawingml/2006/main" xmlns:r="http://schemas.openxmlformats.org/officeDocument/2006/relationships" xmlns:p="http://schemas.openxmlformats.org/presentationml/2006/main">
+  <p:cSld>
+    <p:spTree>
+      <p:nvGrpSpPr>
+        <p:cNvPr id="1" name=""/>
+        <p:cNvGrpSpPr/>
+        <p:nvPr/>
+      </p:nvGrpSpPr>
+      <p:grpSpPr>
+        <a:xfrm>
+          <a:off x="0" y="0"/>
+          <a:ext cx="0" cy="0"/>
+          <a:chOff x="0" y="0"/>
+          <a:chExt cx="0" cy="0"/>
+        </a:xfrm>
+      </p:grpSpPr>
+      <p:sp>
+        <p:nvSpPr>
+          <p:cNvPr id="2" name="Title 1"/>
+          <p:cNvSpPr>
+            <a:spLocks noGrp="1"/>
+          </p:cNvSpPr>
+          <p:nvPr>
+            <p:ph type="title"/>
+          </p:nvPr>
+        </p:nvSpPr>
+        <p:spPr>
+          <a:xfrm>
+            <a:off x="778741" y="311030"/>
+            <a:ext cx="10515600" cy="824960"/>
+          </a:xfrm>
+        </p:spPr>
+        <p:txBody>
+          <a:bodyPr/>
+          <a:lstStyle/>
+          <a:p>
+            <a:r>
+              <a:rPr lang="en-US" altLang="zh-CN" dirty="0" smtClean="0"/>
+              <a:t>Client</a:t>
+            </a:r>
+            <a:r>
+              <a:rPr lang="en-GB" dirty="0" smtClean="0"/>
+              <a:t> </a:t>
+            </a:r>
+            <a:r>
+              <a:rPr lang="en-GB" dirty="0"/>
+              <a:t>Management </a:t>
+            </a:r>
+            <a:r>
+              <a:rPr lang="en-US" altLang="zh-CN" dirty="0"/>
+              <a:t>Part </a:t>
+            </a:r>
+            <a:r>
+              <a:rPr lang="en-US" altLang="zh-CN" dirty="0" smtClean="0"/>
+              <a:t>2</a:t>
+            </a:r>
+            <a:endParaRPr lang="en-GB" dirty="0"/>
+          </a:p>
+        </p:txBody>
+      </p:sp>
+      <p:sp>
+        <p:nvSpPr>
+          <p:cNvPr id="43" name="Rectangle 42"/>
+          <p:cNvSpPr/>
+          <p:nvPr/>
+        </p:nvSpPr>
+        <p:spPr>
+          <a:xfrm>
+            <a:off x="4373263" y="1690687"/>
+            <a:ext cx="3657600" cy="4913313"/>
+          </a:xfrm>
+          <a:prstGeom prst="rect">
+            <a:avLst/>
+          </a:prstGeom>
+        </p:spPr>
+        <p:style>
+          <a:lnRef idx="2">
+            <a:schemeClr val="accent1">
+              <a:shade val="50000"/>
+            </a:schemeClr>
+          </a:lnRef>
+          <a:fillRef idx="1">
+            <a:schemeClr val="accent1"/>
+          </a:fillRef>
+          <a:effectRef idx="0">
+            <a:schemeClr val="accent1"/>
+          </a:effectRef>
+          <a:fontRef idx="minor">
+            <a:schemeClr val="lt1"/>
+          </a:fontRef>
+        </p:style>
+        <p:txBody>
+          <a:bodyPr rtlCol="0" anchor="ctr"/>
+          <a:lstStyle/>
+          <a:p>
+            <a:pPr algn="ctr"/>
+            <a:endParaRPr lang="en-GB"/>
+          </a:p>
+        </p:txBody>
+      </p:sp>
+      <p:sp>
+        <p:nvSpPr>
+          <p:cNvPr id="44" name="TextBox 43"/>
+          <p:cNvSpPr txBox="1"/>
+          <p:nvPr/>
+        </p:nvSpPr>
+        <p:spPr>
+          <a:xfrm>
+            <a:off x="4489997" y="1750860"/>
+            <a:ext cx="1155573" cy="369332"/>
+          </a:xfrm>
+          <a:prstGeom prst="rect">
+            <a:avLst/>
+          </a:prstGeom>
+          <a:noFill/>
+        </p:spPr>
+        <p:txBody>
+          <a:bodyPr wrap="none" rtlCol="0">
+            <a:spAutoFit/>
+          </a:bodyPr>
+          <a:lstStyle/>
+          <a:p>
+            <a:r>
+              <a:rPr lang="en-GB" dirty="0"/>
+              <a:t>Add </a:t>
+            </a:r>
+            <a:r>
+              <a:rPr lang="en-GB" dirty="0" smtClean="0"/>
+              <a:t>Client</a:t>
+            </a:r>
+            <a:endParaRPr lang="en-GB" dirty="0"/>
+          </a:p>
+        </p:txBody>
+      </p:sp>
+      <p:sp>
+        <p:nvSpPr>
+          <p:cNvPr id="46" name="Rectangle 45"/>
+          <p:cNvSpPr/>
+          <p:nvPr/>
+        </p:nvSpPr>
+        <p:spPr>
+          <a:xfrm>
+            <a:off x="5115978" y="2544195"/>
+            <a:ext cx="2163779" cy="325925"/>
+          </a:xfrm>
+          <a:prstGeom prst="rect">
+            <a:avLst/>
+          </a:prstGeom>
+        </p:spPr>
+        <p:style>
+          <a:lnRef idx="2">
+            <a:schemeClr val="accent6">
+              <a:shade val="50000"/>
+            </a:schemeClr>
+          </a:lnRef>
+          <a:fillRef idx="1">
+            <a:schemeClr val="accent6"/>
+          </a:fillRef>
+          <a:effectRef idx="0">
+            <a:schemeClr val="accent6"/>
+          </a:effectRef>
+          <a:fontRef idx="minor">
+            <a:schemeClr val="lt1"/>
+          </a:fontRef>
+        </p:style>
+        <p:txBody>
+          <a:bodyPr rtlCol="0" anchor="ctr"/>
+          <a:lstStyle/>
+          <a:p>
+            <a:pPr algn="ctr"/>
+            <a:r>
+              <a:rPr lang="en-US" dirty="0"/>
+              <a:t>Last name</a:t>
+            </a:r>
+            <a:endParaRPr lang="en-GB" dirty="0"/>
+          </a:p>
+        </p:txBody>
+      </p:sp>
+      <p:sp>
+        <p:nvSpPr>
+          <p:cNvPr id="48" name="Rectangle 47"/>
+          <p:cNvSpPr/>
+          <p:nvPr/>
+        </p:nvSpPr>
+        <p:spPr>
+          <a:xfrm>
+            <a:off x="5115979" y="2180365"/>
+            <a:ext cx="2163779" cy="325925"/>
+          </a:xfrm>
+          <a:prstGeom prst="rect">
+            <a:avLst/>
+          </a:prstGeom>
+        </p:spPr>
+        <p:style>
+          <a:lnRef idx="2">
+            <a:schemeClr val="accent6">
+              <a:shade val="50000"/>
+            </a:schemeClr>
+          </a:lnRef>
+          <a:fillRef idx="1">
+            <a:schemeClr val="accent6"/>
+          </a:fillRef>
+          <a:effectRef idx="0">
+            <a:schemeClr val="accent6"/>
+          </a:effectRef>
+          <a:fontRef idx="minor">
+            <a:schemeClr val="lt1"/>
+          </a:fontRef>
+        </p:style>
+        <p:txBody>
+          <a:bodyPr rtlCol="0" anchor="ctr"/>
+          <a:lstStyle/>
+          <a:p>
+            <a:pPr algn="ctr"/>
+            <a:r>
+              <a:rPr lang="en-GB" dirty="0"/>
+              <a:t>First name</a:t>
+            </a:r>
+          </a:p>
+        </p:txBody>
+      </p:sp>
+      <p:sp>
+        <p:nvSpPr>
+          <p:cNvPr id="49" name="Rectangle 48"/>
+          <p:cNvSpPr/>
+          <p:nvPr/>
+        </p:nvSpPr>
+        <p:spPr>
+          <a:xfrm>
+            <a:off x="5115978" y="2933844"/>
+            <a:ext cx="2163779" cy="325925"/>
+          </a:xfrm>
+          <a:prstGeom prst="rect">
+            <a:avLst/>
+          </a:prstGeom>
+        </p:spPr>
+        <p:style>
+          <a:lnRef idx="2">
+            <a:schemeClr val="accent6">
+              <a:shade val="50000"/>
+            </a:schemeClr>
+          </a:lnRef>
+          <a:fillRef idx="1">
+            <a:schemeClr val="accent6"/>
+          </a:fillRef>
+          <a:effectRef idx="0">
+            <a:schemeClr val="accent6"/>
+          </a:effectRef>
+          <a:fontRef idx="minor">
+            <a:schemeClr val="lt1"/>
+          </a:fontRef>
+        </p:style>
+        <p:txBody>
+          <a:bodyPr rtlCol="0" anchor="ctr"/>
+          <a:lstStyle/>
+          <a:p>
+            <a:pPr algn="ctr"/>
+            <a:r>
+              <a:rPr lang="en-US" dirty="0"/>
+              <a:t>Mobile number</a:t>
+            </a:r>
+            <a:endParaRPr lang="en-GB" dirty="0"/>
+          </a:p>
+        </p:txBody>
+      </p:sp>
+      <p:sp>
+        <p:nvSpPr>
+          <p:cNvPr id="50" name="Rectangle 49"/>
+          <p:cNvSpPr/>
+          <p:nvPr/>
+        </p:nvSpPr>
+        <p:spPr>
+          <a:xfrm>
+            <a:off x="6416565" y="5835971"/>
+            <a:ext cx="863192" cy="192704"/>
+          </a:xfrm>
+          <a:prstGeom prst="rect">
+            <a:avLst/>
+          </a:prstGeom>
+        </p:spPr>
+        <p:style>
+          <a:lnRef idx="1">
+            <a:schemeClr val="accent2"/>
+          </a:lnRef>
+          <a:fillRef idx="2">
+            <a:schemeClr val="accent2"/>
+          </a:fillRef>
+          <a:effectRef idx="1">
+            <a:schemeClr val="accent2"/>
+          </a:effectRef>
+          <a:fontRef idx="minor">
+            <a:schemeClr val="dk1"/>
+          </a:fontRef>
+        </p:style>
+        <p:txBody>
+          <a:bodyPr rtlCol="0" anchor="ctr"/>
+          <a:lstStyle/>
+          <a:p>
+            <a:pPr algn="ctr"/>
+            <a:r>
+              <a:rPr lang="en-GB" dirty="0"/>
+              <a:t>Create</a:t>
+            </a:r>
+          </a:p>
+        </p:txBody>
+      </p:sp>
+      <p:sp>
+        <p:nvSpPr>
+          <p:cNvPr id="51" name="Rectangle 50"/>
+          <p:cNvSpPr/>
+          <p:nvPr/>
+        </p:nvSpPr>
+        <p:spPr>
+          <a:xfrm>
+            <a:off x="5115978" y="5826314"/>
+            <a:ext cx="863192" cy="192704"/>
+          </a:xfrm>
+          <a:prstGeom prst="rect">
+            <a:avLst/>
+          </a:prstGeom>
+        </p:spPr>
+        <p:style>
+          <a:lnRef idx="1">
+            <a:schemeClr val="accent2"/>
+          </a:lnRef>
+          <a:fillRef idx="2">
+            <a:schemeClr val="accent2"/>
+          </a:fillRef>
+          <a:effectRef idx="1">
+            <a:schemeClr val="accent2"/>
+          </a:effectRef>
+          <a:fontRef idx="minor">
+            <a:schemeClr val="dk1"/>
+          </a:fontRef>
+        </p:style>
+        <p:txBody>
+          <a:bodyPr rtlCol="0" anchor="ctr"/>
+          <a:lstStyle/>
+          <a:p>
+            <a:pPr algn="ctr"/>
+            <a:r>
+              <a:rPr lang="en-GB" dirty="0"/>
+              <a:t>Cancel</a:t>
+            </a:r>
+          </a:p>
+        </p:txBody>
+      </p:sp>
+      <p:sp>
+        <p:nvSpPr>
+          <p:cNvPr id="52" name="Rectangle 51"/>
+          <p:cNvSpPr/>
+          <p:nvPr/>
+        </p:nvSpPr>
+        <p:spPr>
+          <a:xfrm>
+            <a:off x="8276802" y="1690687"/>
+            <a:ext cx="3657600" cy="4913313"/>
+          </a:xfrm>
+          <a:prstGeom prst="rect">
+            <a:avLst/>
+          </a:prstGeom>
+        </p:spPr>
+        <p:style>
+          <a:lnRef idx="2">
+            <a:schemeClr val="accent1">
+              <a:shade val="50000"/>
+            </a:schemeClr>
+          </a:lnRef>
+          <a:fillRef idx="1">
+            <a:schemeClr val="accent1"/>
+          </a:fillRef>
+          <a:effectRef idx="0">
+            <a:schemeClr val="accent1"/>
+          </a:effectRef>
+          <a:fontRef idx="minor">
+            <a:schemeClr val="lt1"/>
+          </a:fontRef>
+        </p:style>
+        <p:txBody>
+          <a:bodyPr rtlCol="0" anchor="ctr"/>
+          <a:lstStyle/>
+          <a:p>
+            <a:pPr algn="ctr"/>
+            <a:endParaRPr lang="en-GB"/>
+          </a:p>
+        </p:txBody>
+      </p:sp>
+      <p:sp>
+        <p:nvSpPr>
+          <p:cNvPr id="53" name="TextBox 52"/>
+          <p:cNvSpPr txBox="1"/>
+          <p:nvPr/>
+        </p:nvSpPr>
+        <p:spPr>
+          <a:xfrm>
+            <a:off x="8393536" y="1750860"/>
+            <a:ext cx="1139351" cy="369332"/>
+          </a:xfrm>
+          <a:prstGeom prst="rect">
+            <a:avLst/>
+          </a:prstGeom>
+          <a:noFill/>
+        </p:spPr>
+        <p:txBody>
+          <a:bodyPr wrap="none" rtlCol="0">
+            <a:spAutoFit/>
+          </a:bodyPr>
+          <a:lstStyle/>
+          <a:p>
+            <a:r>
+              <a:rPr lang="en-GB" dirty="0"/>
+              <a:t>Edit </a:t>
+            </a:r>
+            <a:r>
+              <a:rPr lang="en-US" altLang="zh-CN" dirty="0" smtClean="0"/>
+              <a:t>Client</a:t>
+            </a:r>
+            <a:endParaRPr lang="en-GB" dirty="0"/>
+          </a:p>
+        </p:txBody>
+      </p:sp>
+      <p:sp>
+        <p:nvSpPr>
+          <p:cNvPr id="57" name="Rectangle 56"/>
+          <p:cNvSpPr/>
+          <p:nvPr/>
+        </p:nvSpPr>
+        <p:spPr>
+          <a:xfrm>
+            <a:off x="10188246" y="5835971"/>
+            <a:ext cx="995051" cy="192704"/>
+          </a:xfrm>
+          <a:prstGeom prst="rect">
+            <a:avLst/>
+          </a:prstGeom>
+        </p:spPr>
+        <p:style>
+          <a:lnRef idx="1">
+            <a:schemeClr val="accent2"/>
+          </a:lnRef>
+          <a:fillRef idx="2">
+            <a:schemeClr val="accent2"/>
+          </a:fillRef>
+          <a:effectRef idx="1">
+            <a:schemeClr val="accent2"/>
+          </a:effectRef>
+          <a:fontRef idx="minor">
+            <a:schemeClr val="dk1"/>
+          </a:fontRef>
+        </p:style>
+        <p:txBody>
+          <a:bodyPr rtlCol="0" anchor="ctr"/>
+          <a:lstStyle/>
+          <a:p>
+            <a:pPr algn="ctr"/>
+            <a:r>
+              <a:rPr lang="en-GB" dirty="0"/>
+              <a:t>Update</a:t>
+            </a:r>
+          </a:p>
+        </p:txBody>
+      </p:sp>
+      <p:sp>
+        <p:nvSpPr>
+          <p:cNvPr id="58" name="Rectangle 57"/>
+          <p:cNvSpPr/>
+          <p:nvPr/>
+        </p:nvSpPr>
+        <p:spPr>
+          <a:xfrm>
+            <a:off x="9054974" y="5835971"/>
+            <a:ext cx="863192" cy="192704"/>
+          </a:xfrm>
+          <a:prstGeom prst="rect">
+            <a:avLst/>
+          </a:prstGeom>
+        </p:spPr>
+        <p:style>
+          <a:lnRef idx="1">
+            <a:schemeClr val="accent2"/>
+          </a:lnRef>
+          <a:fillRef idx="2">
+            <a:schemeClr val="accent2"/>
+          </a:fillRef>
+          <a:effectRef idx="1">
+            <a:schemeClr val="accent2"/>
+          </a:effectRef>
+          <a:fontRef idx="minor">
+            <a:schemeClr val="dk1"/>
+          </a:fontRef>
+        </p:style>
+        <p:txBody>
+          <a:bodyPr rtlCol="0" anchor="ctr"/>
+          <a:lstStyle/>
+          <a:p>
+            <a:pPr algn="ctr"/>
+            <a:r>
+              <a:rPr lang="en-GB" dirty="0"/>
+              <a:t>Cancel</a:t>
+            </a:r>
+          </a:p>
+        </p:txBody>
+      </p:sp>
+      <p:sp>
+        <p:nvSpPr>
+          <p:cNvPr id="61" name="Rectangle 60"/>
+          <p:cNvSpPr/>
+          <p:nvPr/>
+        </p:nvSpPr>
+        <p:spPr>
+          <a:xfrm>
+            <a:off x="5115978" y="3323057"/>
+            <a:ext cx="2163779" cy="325925"/>
+          </a:xfrm>
+          <a:prstGeom prst="rect">
+            <a:avLst/>
+          </a:prstGeom>
+        </p:spPr>
+        <p:style>
+          <a:lnRef idx="2">
+            <a:schemeClr val="accent6">
+              <a:shade val="50000"/>
+            </a:schemeClr>
+          </a:lnRef>
+          <a:fillRef idx="1">
+            <a:schemeClr val="accent6"/>
+          </a:fillRef>
+          <a:effectRef idx="0">
+            <a:schemeClr val="accent6"/>
+          </a:effectRef>
+          <a:fontRef idx="minor">
+            <a:schemeClr val="lt1"/>
+          </a:fontRef>
+        </p:style>
+        <p:txBody>
+          <a:bodyPr rtlCol="0" anchor="ctr"/>
+          <a:lstStyle/>
+          <a:p>
+            <a:pPr algn="ctr"/>
+            <a:r>
+              <a:rPr lang="en-US" altLang="zh-CN" dirty="0"/>
+              <a:t>Email</a:t>
+            </a:r>
+            <a:endParaRPr lang="en-GB" dirty="0"/>
+          </a:p>
+        </p:txBody>
+      </p:sp>
+      <p:sp>
+        <p:nvSpPr>
+          <p:cNvPr id="3" name="TextBox 2"/>
+          <p:cNvSpPr txBox="1"/>
+          <p:nvPr/>
+        </p:nvSpPr>
+        <p:spPr>
+          <a:xfrm>
+            <a:off x="8972111" y="2149463"/>
+            <a:ext cx="958404" cy="369332"/>
+          </a:xfrm>
+          <a:prstGeom prst="rect">
+            <a:avLst/>
+          </a:prstGeom>
+          <a:noFill/>
+        </p:spPr>
+        <p:txBody>
+          <a:bodyPr wrap="none" rtlCol="0">
+            <a:spAutoFit/>
+          </a:bodyPr>
+          <a:lstStyle/>
+          <a:p>
+            <a:r>
+              <a:rPr lang="en-GB" dirty="0" smtClean="0"/>
+              <a:t>Client </a:t>
+            </a:r>
+            <a:r>
+              <a:rPr lang="en-GB" dirty="0"/>
+              <a:t>Id</a:t>
+            </a:r>
+          </a:p>
+        </p:txBody>
+      </p:sp>
+      <p:sp>
+        <p:nvSpPr>
+          <p:cNvPr id="32" name="Rectangle 31"/>
+          <p:cNvSpPr/>
+          <p:nvPr/>
+        </p:nvSpPr>
+        <p:spPr>
+          <a:xfrm>
+            <a:off x="5115978" y="3694942"/>
+            <a:ext cx="2163779" cy="325925"/>
+          </a:xfrm>
+          <a:prstGeom prst="rect">
+            <a:avLst/>
+          </a:prstGeom>
+        </p:spPr>
+        <p:style>
+          <a:lnRef idx="2">
+            <a:schemeClr val="accent6">
+              <a:shade val="50000"/>
+            </a:schemeClr>
+          </a:lnRef>
+          <a:fillRef idx="1">
+            <a:schemeClr val="accent6"/>
+          </a:fillRef>
+          <a:effectRef idx="0">
+            <a:schemeClr val="accent6"/>
+          </a:effectRef>
+          <a:fontRef idx="minor">
+            <a:schemeClr val="lt1"/>
+          </a:fontRef>
+        </p:style>
+        <p:txBody>
+          <a:bodyPr rtlCol="0" anchor="ctr"/>
+          <a:lstStyle/>
+          <a:p>
+            <a:pPr algn="ctr"/>
+            <a:r>
+              <a:rPr lang="en-US" altLang="zh-CN" dirty="0"/>
+              <a:t>Note</a:t>
+            </a:r>
+            <a:endParaRPr lang="en-GB" dirty="0"/>
+          </a:p>
+        </p:txBody>
+      </p:sp>
+      <p:sp>
+        <p:nvSpPr>
+          <p:cNvPr id="35" name="Rectangle 34"/>
+          <p:cNvSpPr/>
+          <p:nvPr/>
+        </p:nvSpPr>
+        <p:spPr>
+          <a:xfrm>
+            <a:off x="9054973" y="2934293"/>
+            <a:ext cx="2163779" cy="325925"/>
+          </a:xfrm>
+          <a:prstGeom prst="rect">
+            <a:avLst/>
+          </a:prstGeom>
+        </p:spPr>
+        <p:style>
+          <a:lnRef idx="2">
+            <a:schemeClr val="accent6">
+              <a:shade val="50000"/>
+            </a:schemeClr>
+          </a:lnRef>
+          <a:fillRef idx="1">
+            <a:schemeClr val="accent6"/>
+          </a:fillRef>
+          <a:effectRef idx="0">
+            <a:schemeClr val="accent6"/>
+          </a:effectRef>
+          <a:fontRef idx="minor">
+            <a:schemeClr val="lt1"/>
+          </a:fontRef>
+        </p:style>
+        <p:txBody>
+          <a:bodyPr rtlCol="0" anchor="ctr"/>
+          <a:lstStyle/>
+          <a:p>
+            <a:pPr algn="ctr"/>
+            <a:r>
+              <a:rPr lang="en-US" dirty="0"/>
+              <a:t>Last name</a:t>
+            </a:r>
+            <a:endParaRPr lang="en-GB" dirty="0"/>
+          </a:p>
+        </p:txBody>
+      </p:sp>
+      <p:sp>
+        <p:nvSpPr>
+          <p:cNvPr id="36" name="Rectangle 35"/>
+          <p:cNvSpPr/>
+          <p:nvPr/>
+        </p:nvSpPr>
+        <p:spPr>
+          <a:xfrm>
+            <a:off x="9054974" y="2570463"/>
+            <a:ext cx="2163779" cy="325925"/>
+          </a:xfrm>
+          <a:prstGeom prst="rect">
+            <a:avLst/>
+          </a:prstGeom>
+        </p:spPr>
+        <p:style>
+          <a:lnRef idx="2">
+            <a:schemeClr val="accent6">
+              <a:shade val="50000"/>
+            </a:schemeClr>
+          </a:lnRef>
+          <a:fillRef idx="1">
+            <a:schemeClr val="accent6"/>
+          </a:fillRef>
+          <a:effectRef idx="0">
+            <a:schemeClr val="accent6"/>
+          </a:effectRef>
+          <a:fontRef idx="minor">
+            <a:schemeClr val="lt1"/>
+          </a:fontRef>
+        </p:style>
+        <p:txBody>
+          <a:bodyPr rtlCol="0" anchor="ctr"/>
+          <a:lstStyle/>
+          <a:p>
+            <a:pPr algn="ctr"/>
+            <a:r>
+              <a:rPr lang="en-GB" dirty="0"/>
+              <a:t>First name</a:t>
+            </a:r>
+          </a:p>
+        </p:txBody>
+      </p:sp>
+      <p:sp>
+        <p:nvSpPr>
+          <p:cNvPr id="37" name="Rectangle 36"/>
+          <p:cNvSpPr/>
+          <p:nvPr/>
+        </p:nvSpPr>
+        <p:spPr>
+          <a:xfrm>
+            <a:off x="9054973" y="3323942"/>
+            <a:ext cx="2163779" cy="325925"/>
+          </a:xfrm>
+          <a:prstGeom prst="rect">
+            <a:avLst/>
+          </a:prstGeom>
+        </p:spPr>
+        <p:style>
+          <a:lnRef idx="2">
+            <a:schemeClr val="accent6">
+              <a:shade val="50000"/>
+            </a:schemeClr>
+          </a:lnRef>
+          <a:fillRef idx="1">
+            <a:schemeClr val="accent6"/>
+          </a:fillRef>
+          <a:effectRef idx="0">
+            <a:schemeClr val="accent6"/>
+          </a:effectRef>
+          <a:fontRef idx="minor">
+            <a:schemeClr val="lt1"/>
+          </a:fontRef>
+        </p:style>
+        <p:txBody>
+          <a:bodyPr rtlCol="0" anchor="ctr"/>
+          <a:lstStyle/>
+          <a:p>
+            <a:pPr algn="ctr"/>
+            <a:r>
+              <a:rPr lang="en-US" dirty="0"/>
+              <a:t>Mobile number</a:t>
+            </a:r>
+            <a:endParaRPr lang="en-GB" dirty="0"/>
+          </a:p>
+        </p:txBody>
+      </p:sp>
+      <p:sp>
+        <p:nvSpPr>
+          <p:cNvPr id="38" name="Rectangle 37"/>
+          <p:cNvSpPr/>
+          <p:nvPr/>
+        </p:nvSpPr>
+        <p:spPr>
+          <a:xfrm>
+            <a:off x="9054973" y="3713155"/>
+            <a:ext cx="2163779" cy="325925"/>
+          </a:xfrm>
+          <a:prstGeom prst="rect">
+            <a:avLst/>
+          </a:prstGeom>
+        </p:spPr>
+        <p:style>
+          <a:lnRef idx="2">
+            <a:schemeClr val="accent6">
+              <a:shade val="50000"/>
+            </a:schemeClr>
+          </a:lnRef>
+          <a:fillRef idx="1">
+            <a:schemeClr val="accent6"/>
+          </a:fillRef>
+          <a:effectRef idx="0">
+            <a:schemeClr val="accent6"/>
+          </a:effectRef>
+          <a:fontRef idx="minor">
+            <a:schemeClr val="lt1"/>
+          </a:fontRef>
+        </p:style>
+        <p:txBody>
+          <a:bodyPr rtlCol="0" anchor="ctr"/>
+          <a:lstStyle/>
+          <a:p>
+            <a:pPr algn="ctr"/>
+            <a:r>
+              <a:rPr lang="en-US" altLang="zh-CN" dirty="0"/>
+              <a:t>Email</a:t>
+            </a:r>
+            <a:endParaRPr lang="en-GB" dirty="0"/>
+          </a:p>
+        </p:txBody>
+      </p:sp>
+      <p:sp>
+        <p:nvSpPr>
+          <p:cNvPr id="39" name="Rectangle 38"/>
+          <p:cNvSpPr/>
+          <p:nvPr/>
+        </p:nvSpPr>
+        <p:spPr>
+          <a:xfrm>
+            <a:off x="9054973" y="4085040"/>
+            <a:ext cx="2163779" cy="325925"/>
+          </a:xfrm>
+          <a:prstGeom prst="rect">
+            <a:avLst/>
+          </a:prstGeom>
+        </p:spPr>
+        <p:style>
+          <a:lnRef idx="2">
+            <a:schemeClr val="accent6">
+              <a:shade val="50000"/>
+            </a:schemeClr>
+          </a:lnRef>
+          <a:fillRef idx="1">
+            <a:schemeClr val="accent6"/>
+          </a:fillRef>
+          <a:effectRef idx="0">
+            <a:schemeClr val="accent6"/>
+          </a:effectRef>
+          <a:fontRef idx="minor">
+            <a:schemeClr val="lt1"/>
+          </a:fontRef>
+        </p:style>
+        <p:txBody>
+          <a:bodyPr rtlCol="0" anchor="ctr"/>
+          <a:lstStyle/>
+          <a:p>
+            <a:pPr algn="ctr"/>
+            <a:r>
+              <a:rPr lang="en-US" altLang="zh-CN" dirty="0"/>
+              <a:t>Note</a:t>
+            </a:r>
+            <a:endParaRPr lang="en-GB" dirty="0"/>
+          </a:p>
+        </p:txBody>
+      </p:sp>
+    </p:spTree>
+    <p:extLst>
+      <p:ext uri="{BB962C8B-B14F-4D97-AF65-F5344CB8AC3E}">
+        <p14:creationId xmlns:p14="http://schemas.microsoft.com/office/powerpoint/2010/main" val="4265584513"/>
+      </p:ext>
+    </p:extLst>
+  </p:cSld>
+  <p:clrMapOvr>
+    <a:masterClrMapping/>
+  </p:clrMapOvr>
+</p:sld>
+</file>
+
+<file path=ppt/slides/slide13.xml><?xml version="1.0" encoding="utf-8"?>
+<p:sld xmlns:a="http://schemas.openxmlformats.org/drawingml/2006/main" xmlns:r="http://schemas.openxmlformats.org/officeDocument/2006/relationships" xmlns:p="http://schemas.openxmlformats.org/presentationml/2006/main">
+  <p:cSld>
+    <p:spTree>
+      <p:nvGrpSpPr>
+        <p:cNvPr id="1" name=""/>
+        <p:cNvGrpSpPr/>
+        <p:nvPr/>
+      </p:nvGrpSpPr>
+      <p:grpSpPr>
+        <a:xfrm>
+          <a:off x="0" y="0"/>
+          <a:ext cx="0" cy="0"/>
+          <a:chOff x="0" y="0"/>
+          <a:chExt cx="0" cy="0"/>
+        </a:xfrm>
+      </p:grpSpPr>
+      <p:sp>
+        <p:nvSpPr>
+          <p:cNvPr id="2" name="Title 1"/>
+          <p:cNvSpPr>
+            <a:spLocks noGrp="1"/>
+          </p:cNvSpPr>
+          <p:nvPr>
+            <p:ph type="title"/>
+          </p:nvPr>
+        </p:nvSpPr>
+        <p:spPr>
+          <a:xfrm>
+            <a:off x="778741" y="311030"/>
+            <a:ext cx="10515600" cy="824960"/>
+          </a:xfrm>
+        </p:spPr>
+        <p:txBody>
+          <a:bodyPr>
+            <a:normAutofit/>
+          </a:bodyPr>
+          <a:lstStyle/>
+          <a:p>
+            <a:r>
+              <a:rPr lang="en-US" altLang="zh-CN" dirty="0" smtClean="0"/>
+              <a:t>Appointment</a:t>
+            </a:r>
+            <a:r>
+              <a:rPr lang="en-GB" dirty="0" smtClean="0"/>
+              <a:t> Management Part 1</a:t>
+            </a:r>
+            <a:endParaRPr lang="en-GB" dirty="0"/>
+          </a:p>
+        </p:txBody>
+      </p:sp>
+      <p:sp>
+        <p:nvSpPr>
+          <p:cNvPr id="30" name="Rectangle 29"/>
+          <p:cNvSpPr/>
+          <p:nvPr/>
+        </p:nvSpPr>
+        <p:spPr>
+          <a:xfrm>
+            <a:off x="400050" y="1701615"/>
+            <a:ext cx="11391900" cy="4913313"/>
+          </a:xfrm>
+          <a:prstGeom prst="rect">
+            <a:avLst/>
+          </a:prstGeom>
+        </p:spPr>
+        <p:style>
+          <a:lnRef idx="2">
+            <a:schemeClr val="accent1">
+              <a:shade val="50000"/>
+            </a:schemeClr>
+          </a:lnRef>
+          <a:fillRef idx="1">
+            <a:schemeClr val="accent1"/>
+          </a:fillRef>
+          <a:effectRef idx="0">
+            <a:schemeClr val="accent1"/>
+          </a:effectRef>
+          <a:fontRef idx="minor">
+            <a:schemeClr val="lt1"/>
+          </a:fontRef>
+        </p:style>
+        <p:txBody>
+          <a:bodyPr rtlCol="0" anchor="ctr"/>
+          <a:lstStyle/>
+          <a:p>
+            <a:pPr algn="ctr"/>
+            <a:endParaRPr lang="en-GB"/>
+          </a:p>
+        </p:txBody>
+      </p:sp>
+      <p:sp>
+        <p:nvSpPr>
+          <p:cNvPr id="31" name="Rectangle 30"/>
+          <p:cNvSpPr/>
+          <p:nvPr/>
+        </p:nvSpPr>
+        <p:spPr>
+          <a:xfrm>
+            <a:off x="7759700" y="2120900"/>
+            <a:ext cx="419100" cy="406400"/>
+          </a:xfrm>
+          <a:prstGeom prst="rect">
+            <a:avLst/>
+          </a:prstGeom>
+        </p:spPr>
+        <p:style>
+          <a:lnRef idx="2">
+            <a:schemeClr val="accent2">
+              <a:shade val="50000"/>
+            </a:schemeClr>
+          </a:lnRef>
+          <a:fillRef idx="1">
+            <a:schemeClr val="accent2"/>
+          </a:fillRef>
+          <a:effectRef idx="0">
+            <a:schemeClr val="accent2"/>
+          </a:effectRef>
+          <a:fontRef idx="minor">
+            <a:schemeClr val="lt1"/>
+          </a:fontRef>
+        </p:style>
+        <p:txBody>
+          <a:bodyPr rtlCol="0" anchor="ctr"/>
+          <a:lstStyle/>
+          <a:p>
+            <a:pPr algn="ctr"/>
+            <a:r>
+              <a:rPr lang="en-GB" dirty="0"/>
+              <a:t>&lt;</a:t>
+            </a:r>
+          </a:p>
+        </p:txBody>
+      </p:sp>
+      <p:sp>
+        <p:nvSpPr>
+          <p:cNvPr id="32" name="Rectangle 31"/>
+          <p:cNvSpPr/>
+          <p:nvPr/>
+        </p:nvSpPr>
+        <p:spPr>
+          <a:xfrm>
+            <a:off x="8153400" y="2120900"/>
+            <a:ext cx="1308100" cy="406400"/>
+          </a:xfrm>
+          <a:prstGeom prst="rect">
+            <a:avLst/>
+          </a:prstGeom>
+        </p:spPr>
+        <p:style>
+          <a:lnRef idx="2">
+            <a:schemeClr val="accent2">
+              <a:shade val="50000"/>
+            </a:schemeClr>
+          </a:lnRef>
+          <a:fillRef idx="1">
+            <a:schemeClr val="accent2"/>
+          </a:fillRef>
+          <a:effectRef idx="0">
+            <a:schemeClr val="accent2"/>
+          </a:effectRef>
+          <a:fontRef idx="minor">
+            <a:schemeClr val="lt1"/>
+          </a:fontRef>
+        </p:style>
+        <p:txBody>
+          <a:bodyPr rtlCol="0" anchor="ctr"/>
+          <a:lstStyle/>
+          <a:p>
+            <a:pPr algn="ctr"/>
+            <a:r>
+              <a:rPr lang="en-GB" dirty="0"/>
+              <a:t>Today</a:t>
+            </a:r>
+          </a:p>
+        </p:txBody>
+      </p:sp>
+      <p:sp>
+        <p:nvSpPr>
+          <p:cNvPr id="33" name="Rectangle 32"/>
+          <p:cNvSpPr/>
+          <p:nvPr/>
+        </p:nvSpPr>
+        <p:spPr>
+          <a:xfrm>
+            <a:off x="9461499" y="2120900"/>
+            <a:ext cx="1832841" cy="406400"/>
+          </a:xfrm>
+          <a:prstGeom prst="rect">
+            <a:avLst/>
+          </a:prstGeom>
+        </p:spPr>
+        <p:style>
+          <a:lnRef idx="2">
+            <a:schemeClr val="accent2"/>
+          </a:lnRef>
+          <a:fillRef idx="1">
+            <a:schemeClr val="lt1"/>
+          </a:fillRef>
+          <a:effectRef idx="0">
+            <a:schemeClr val="accent2"/>
+          </a:effectRef>
+          <a:fontRef idx="minor">
+            <a:schemeClr val="dk1"/>
+          </a:fontRef>
+        </p:style>
+        <p:txBody>
+          <a:bodyPr rtlCol="0" anchor="ctr"/>
+          <a:lstStyle/>
+          <a:p>
+            <a:pPr algn="ctr"/>
+            <a:r>
+              <a:rPr lang="en-GB" dirty="0" smtClean="0"/>
+              <a:t>11 </a:t>
+            </a:r>
+            <a:r>
+              <a:rPr lang="en-GB" dirty="0"/>
+              <a:t>Feb 2018</a:t>
+            </a:r>
+          </a:p>
+        </p:txBody>
+      </p:sp>
+      <p:sp>
+        <p:nvSpPr>
+          <p:cNvPr id="34" name="Rectangle 33"/>
+          <p:cNvSpPr/>
+          <p:nvPr/>
+        </p:nvSpPr>
+        <p:spPr>
+          <a:xfrm>
+            <a:off x="11294340" y="2120900"/>
+            <a:ext cx="419100" cy="406400"/>
+          </a:xfrm>
+          <a:prstGeom prst="rect">
+            <a:avLst/>
+          </a:prstGeom>
+        </p:spPr>
+        <p:style>
+          <a:lnRef idx="2">
+            <a:schemeClr val="accent2">
+              <a:shade val="50000"/>
+            </a:schemeClr>
+          </a:lnRef>
+          <a:fillRef idx="1">
+            <a:schemeClr val="accent2"/>
+          </a:fillRef>
+          <a:effectRef idx="0">
+            <a:schemeClr val="accent2"/>
+          </a:effectRef>
+          <a:fontRef idx="minor">
+            <a:schemeClr val="lt1"/>
+          </a:fontRef>
+        </p:style>
+        <p:txBody>
+          <a:bodyPr rtlCol="0" anchor="ctr"/>
+          <a:lstStyle/>
+          <a:p>
+            <a:pPr algn="ctr"/>
+            <a:r>
+              <a:rPr lang="en-GB" dirty="0"/>
+              <a:t>&gt;</a:t>
+            </a:r>
+          </a:p>
+        </p:txBody>
+      </p:sp>
+      <p:sp>
+        <p:nvSpPr>
+          <p:cNvPr id="36" name="Flowchart: Alternate Process 35"/>
+          <p:cNvSpPr/>
+          <p:nvPr/>
+        </p:nvSpPr>
+        <p:spPr>
+          <a:xfrm>
+            <a:off x="778740" y="2957512"/>
+            <a:ext cx="10790959" cy="3227387"/>
+          </a:xfrm>
+          <a:prstGeom prst="flowChartAlternateProcess">
+            <a:avLst/>
+          </a:prstGeom>
+        </p:spPr>
+        <p:style>
+          <a:lnRef idx="1">
+            <a:schemeClr val="accent1"/>
+          </a:lnRef>
+          <a:fillRef idx="2">
+            <a:schemeClr val="accent1"/>
+          </a:fillRef>
+          <a:effectRef idx="1">
+            <a:schemeClr val="accent1"/>
+          </a:effectRef>
+          <a:fontRef idx="minor">
+            <a:schemeClr val="dk1"/>
+          </a:fontRef>
+        </p:style>
+        <p:txBody>
+          <a:bodyPr rtlCol="0" anchor="ctr"/>
+          <a:lstStyle/>
+          <a:p>
+            <a:pPr algn="ctr"/>
+            <a:endParaRPr lang="en-GB"/>
+          </a:p>
+        </p:txBody>
+      </p:sp>
+      <p:sp>
+        <p:nvSpPr>
+          <p:cNvPr id="37" name="Rectangle 36"/>
+          <p:cNvSpPr/>
+          <p:nvPr/>
+        </p:nvSpPr>
+        <p:spPr>
+          <a:xfrm>
+            <a:off x="2544670" y="3130684"/>
+            <a:ext cx="1408049" cy="325925"/>
+          </a:xfrm>
+          <a:prstGeom prst="rect">
+            <a:avLst/>
+          </a:prstGeom>
+        </p:spPr>
+        <p:style>
+          <a:lnRef idx="2">
+            <a:schemeClr val="accent6">
+              <a:shade val="50000"/>
+            </a:schemeClr>
+          </a:lnRef>
+          <a:fillRef idx="1">
+            <a:schemeClr val="accent6"/>
+          </a:fillRef>
+          <a:effectRef idx="0">
+            <a:schemeClr val="accent6"/>
+          </a:effectRef>
+          <a:fontRef idx="minor">
+            <a:schemeClr val="lt1"/>
+          </a:fontRef>
+        </p:style>
+        <p:txBody>
+          <a:bodyPr rtlCol="0" anchor="ctr"/>
+          <a:lstStyle/>
+          <a:p>
+            <a:pPr algn="ctr"/>
+            <a:r>
+              <a:rPr lang="en-GB" dirty="0"/>
+              <a:t>Staff Name</a:t>
+            </a:r>
+          </a:p>
+        </p:txBody>
+      </p:sp>
+      <p:sp>
+        <p:nvSpPr>
+          <p:cNvPr id="38" name="Rectangle 37"/>
+          <p:cNvSpPr/>
+          <p:nvPr/>
+        </p:nvSpPr>
+        <p:spPr>
+          <a:xfrm>
+            <a:off x="1267606" y="3881823"/>
+            <a:ext cx="1270001" cy="406400"/>
+          </a:xfrm>
+          <a:prstGeom prst="rect">
+            <a:avLst/>
+          </a:prstGeom>
+        </p:spPr>
+        <p:style>
+          <a:lnRef idx="2">
+            <a:schemeClr val="accent2"/>
+          </a:lnRef>
+          <a:fillRef idx="1">
+            <a:schemeClr val="lt1"/>
+          </a:fillRef>
+          <a:effectRef idx="0">
+            <a:schemeClr val="accent2"/>
+          </a:effectRef>
+          <a:fontRef idx="minor">
+            <a:schemeClr val="dk1"/>
+          </a:fontRef>
+        </p:style>
+        <p:txBody>
+          <a:bodyPr rtlCol="0" anchor="ctr"/>
+          <a:lstStyle/>
+          <a:p>
+            <a:pPr algn="ctr"/>
+            <a:r>
+              <a:rPr lang="en-GB" dirty="0" smtClean="0"/>
+              <a:t>13 : 00</a:t>
+            </a:r>
+            <a:endParaRPr lang="en-GB" dirty="0"/>
+          </a:p>
+        </p:txBody>
+      </p:sp>
+      <p:sp>
+        <p:nvSpPr>
+          <p:cNvPr id="39" name="Rectangle 38"/>
+          <p:cNvSpPr/>
+          <p:nvPr/>
+        </p:nvSpPr>
+        <p:spPr>
+          <a:xfrm>
+            <a:off x="1274670" y="4288223"/>
+            <a:ext cx="1270001" cy="406400"/>
+          </a:xfrm>
+          <a:prstGeom prst="rect">
+            <a:avLst/>
+          </a:prstGeom>
+        </p:spPr>
+        <p:style>
+          <a:lnRef idx="2">
+            <a:schemeClr val="accent2"/>
+          </a:lnRef>
+          <a:fillRef idx="1">
+            <a:schemeClr val="lt1"/>
+          </a:fillRef>
+          <a:effectRef idx="0">
+            <a:schemeClr val="accent2"/>
+          </a:effectRef>
+          <a:fontRef idx="minor">
+            <a:schemeClr val="dk1"/>
+          </a:fontRef>
+        </p:style>
+        <p:txBody>
+          <a:bodyPr rtlCol="0" anchor="ctr"/>
+          <a:lstStyle/>
+          <a:p>
+            <a:pPr algn="ctr"/>
+            <a:r>
+              <a:rPr lang="en-GB" dirty="0" smtClean="0"/>
+              <a:t>14 : 00</a:t>
+            </a:r>
+            <a:endParaRPr lang="en-GB" dirty="0"/>
+          </a:p>
+        </p:txBody>
+      </p:sp>
+      <p:sp>
+        <p:nvSpPr>
+          <p:cNvPr id="40" name="Rectangle 39"/>
+          <p:cNvSpPr/>
+          <p:nvPr/>
+        </p:nvSpPr>
+        <p:spPr>
+          <a:xfrm>
+            <a:off x="1274670" y="4692322"/>
+            <a:ext cx="1270001" cy="406400"/>
+          </a:xfrm>
+          <a:prstGeom prst="rect">
+            <a:avLst/>
+          </a:prstGeom>
+        </p:spPr>
+        <p:style>
+          <a:lnRef idx="2">
+            <a:schemeClr val="accent2"/>
+          </a:lnRef>
+          <a:fillRef idx="1">
+            <a:schemeClr val="lt1"/>
+          </a:fillRef>
+          <a:effectRef idx="0">
+            <a:schemeClr val="accent2"/>
+          </a:effectRef>
+          <a:fontRef idx="minor">
+            <a:schemeClr val="dk1"/>
+          </a:fontRef>
+        </p:style>
+        <p:txBody>
+          <a:bodyPr rtlCol="0" anchor="ctr"/>
+          <a:lstStyle/>
+          <a:p>
+            <a:pPr algn="ctr"/>
+            <a:r>
+              <a:rPr lang="en-GB" dirty="0" smtClean="0"/>
+              <a:t>15 : 00</a:t>
+            </a:r>
+            <a:endParaRPr lang="en-GB" dirty="0"/>
+          </a:p>
+        </p:txBody>
+      </p:sp>
+      <p:sp>
+        <p:nvSpPr>
+          <p:cNvPr id="41" name="Rectangle 40"/>
+          <p:cNvSpPr/>
+          <p:nvPr/>
+        </p:nvSpPr>
+        <p:spPr>
+          <a:xfrm>
+            <a:off x="1274669" y="5108460"/>
+            <a:ext cx="1270001" cy="406400"/>
+          </a:xfrm>
+          <a:prstGeom prst="rect">
+            <a:avLst/>
+          </a:prstGeom>
+        </p:spPr>
+        <p:style>
+          <a:lnRef idx="2">
+            <a:schemeClr val="accent2"/>
+          </a:lnRef>
+          <a:fillRef idx="1">
+            <a:schemeClr val="lt1"/>
+          </a:fillRef>
+          <a:effectRef idx="0">
+            <a:schemeClr val="accent2"/>
+          </a:effectRef>
+          <a:fontRef idx="minor">
+            <a:schemeClr val="dk1"/>
+          </a:fontRef>
+        </p:style>
+        <p:txBody>
+          <a:bodyPr rtlCol="0" anchor="ctr"/>
+          <a:lstStyle/>
+          <a:p>
+            <a:pPr algn="ctr"/>
+            <a:r>
+              <a:rPr lang="en-GB" dirty="0" smtClean="0"/>
+              <a:t>16 : 00</a:t>
+            </a:r>
+            <a:endParaRPr lang="en-GB" dirty="0"/>
+          </a:p>
+        </p:txBody>
+      </p:sp>
+      <p:sp>
+        <p:nvSpPr>
+          <p:cNvPr id="42" name="Rectangle 41"/>
+          <p:cNvSpPr/>
+          <p:nvPr/>
+        </p:nvSpPr>
+        <p:spPr>
+          <a:xfrm>
+            <a:off x="1274669" y="5535975"/>
+            <a:ext cx="1270001" cy="406400"/>
+          </a:xfrm>
+          <a:prstGeom prst="rect">
+            <a:avLst/>
+          </a:prstGeom>
+        </p:spPr>
+        <p:style>
+          <a:lnRef idx="2">
+            <a:schemeClr val="accent2"/>
+          </a:lnRef>
+          <a:fillRef idx="1">
+            <a:schemeClr val="lt1"/>
+          </a:fillRef>
+          <a:effectRef idx="0">
+            <a:schemeClr val="accent2"/>
+          </a:effectRef>
+          <a:fontRef idx="minor">
+            <a:schemeClr val="dk1"/>
+          </a:fontRef>
+        </p:style>
+        <p:txBody>
+          <a:bodyPr rtlCol="0" anchor="ctr"/>
+          <a:lstStyle/>
+          <a:p>
+            <a:pPr algn="ctr"/>
+            <a:r>
+              <a:rPr lang="en-GB" dirty="0" smtClean="0"/>
+              <a:t>17 : 00</a:t>
+            </a:r>
+            <a:endParaRPr lang="en-GB" dirty="0"/>
+          </a:p>
+        </p:txBody>
+      </p:sp>
+      <p:sp>
+        <p:nvSpPr>
+          <p:cNvPr id="43" name="Rectangle 42"/>
+          <p:cNvSpPr/>
+          <p:nvPr/>
+        </p:nvSpPr>
+        <p:spPr>
+          <a:xfrm>
+            <a:off x="1267605" y="5942375"/>
+            <a:ext cx="1270001" cy="406400"/>
+          </a:xfrm>
+          <a:prstGeom prst="rect">
+            <a:avLst/>
+          </a:prstGeom>
+        </p:spPr>
+        <p:style>
+          <a:lnRef idx="2">
+            <a:schemeClr val="accent2"/>
+          </a:lnRef>
+          <a:fillRef idx="1">
+            <a:schemeClr val="lt1"/>
+          </a:fillRef>
+          <a:effectRef idx="0">
+            <a:schemeClr val="accent2"/>
+          </a:effectRef>
+          <a:fontRef idx="minor">
+            <a:schemeClr val="dk1"/>
+          </a:fontRef>
+        </p:style>
+        <p:txBody>
+          <a:bodyPr rtlCol="0" anchor="ctr"/>
+          <a:lstStyle/>
+          <a:p>
+            <a:pPr algn="ctr"/>
+            <a:r>
+              <a:rPr lang="en-GB" dirty="0" smtClean="0"/>
+              <a:t>18 : 00</a:t>
+            </a:r>
+            <a:endParaRPr lang="en-GB" dirty="0"/>
+          </a:p>
+        </p:txBody>
+      </p:sp>
+      <p:sp>
+        <p:nvSpPr>
+          <p:cNvPr id="44" name="Rectangle 43"/>
+          <p:cNvSpPr/>
+          <p:nvPr/>
+        </p:nvSpPr>
+        <p:spPr>
+          <a:xfrm>
+            <a:off x="1267606" y="3463609"/>
+            <a:ext cx="1270001" cy="406400"/>
+          </a:xfrm>
+          <a:prstGeom prst="rect">
+            <a:avLst/>
+          </a:prstGeom>
+        </p:spPr>
+        <p:style>
+          <a:lnRef idx="2">
+            <a:schemeClr val="accent2"/>
+          </a:lnRef>
+          <a:fillRef idx="1">
+            <a:schemeClr val="lt1"/>
+          </a:fillRef>
+          <a:effectRef idx="0">
+            <a:schemeClr val="accent2"/>
+          </a:effectRef>
+          <a:fontRef idx="minor">
+            <a:schemeClr val="dk1"/>
+          </a:fontRef>
+        </p:style>
+        <p:txBody>
+          <a:bodyPr rtlCol="0" anchor="ctr"/>
+          <a:lstStyle/>
+          <a:p>
+            <a:pPr algn="ctr"/>
+            <a:r>
+              <a:rPr lang="en-GB" dirty="0" smtClean="0"/>
+              <a:t>12:00</a:t>
+            </a:r>
+            <a:endParaRPr lang="en-GB" dirty="0"/>
+          </a:p>
+        </p:txBody>
+      </p:sp>
+      <p:sp>
+        <p:nvSpPr>
+          <p:cNvPr id="45" name="Rectangle 44"/>
+          <p:cNvSpPr/>
+          <p:nvPr/>
+        </p:nvSpPr>
+        <p:spPr>
+          <a:xfrm>
+            <a:off x="3949700" y="3130684"/>
+            <a:ext cx="1408049" cy="325925"/>
+          </a:xfrm>
+          <a:prstGeom prst="rect">
+            <a:avLst/>
+          </a:prstGeom>
+        </p:spPr>
+        <p:style>
+          <a:lnRef idx="2">
+            <a:schemeClr val="accent6">
+              <a:shade val="50000"/>
+            </a:schemeClr>
+          </a:lnRef>
+          <a:fillRef idx="1">
+            <a:schemeClr val="accent6"/>
+          </a:fillRef>
+          <a:effectRef idx="0">
+            <a:schemeClr val="accent6"/>
+          </a:effectRef>
+          <a:fontRef idx="minor">
+            <a:schemeClr val="lt1"/>
+          </a:fontRef>
+        </p:style>
+        <p:txBody>
+          <a:bodyPr rtlCol="0" anchor="ctr"/>
+          <a:lstStyle/>
+          <a:p>
+            <a:pPr algn="ctr"/>
+            <a:r>
+              <a:rPr lang="en-GB" dirty="0"/>
+              <a:t>Staff Name</a:t>
+            </a:r>
+          </a:p>
+        </p:txBody>
+      </p:sp>
+      <p:sp>
+        <p:nvSpPr>
+          <p:cNvPr id="46" name="Rectangle 45"/>
+          <p:cNvSpPr/>
+          <p:nvPr/>
+        </p:nvSpPr>
+        <p:spPr>
+          <a:xfrm>
+            <a:off x="2537607" y="3477724"/>
+            <a:ext cx="1270001" cy="406400"/>
+          </a:xfrm>
+          <a:prstGeom prst="rect">
+            <a:avLst/>
+          </a:prstGeom>
+        </p:spPr>
+        <p:style>
+          <a:lnRef idx="2">
+            <a:schemeClr val="accent2">
+              <a:shade val="50000"/>
+            </a:schemeClr>
+          </a:lnRef>
+          <a:fillRef idx="1">
+            <a:schemeClr val="accent2"/>
+          </a:fillRef>
+          <a:effectRef idx="0">
+            <a:schemeClr val="accent2"/>
+          </a:effectRef>
+          <a:fontRef idx="minor">
+            <a:schemeClr val="lt1"/>
+          </a:fontRef>
+        </p:style>
+        <p:txBody>
+          <a:bodyPr rtlCol="0" anchor="ctr"/>
+          <a:lstStyle/>
+          <a:p>
+            <a:pPr algn="ctr"/>
+            <a:r>
+              <a:rPr lang="en-GB" sz="1400" dirty="0" smtClean="0"/>
+              <a:t>12:00 – 13:00 Walk In</a:t>
+            </a:r>
+            <a:endParaRPr lang="en-GB" sz="1400" dirty="0"/>
+          </a:p>
+        </p:txBody>
+      </p:sp>
+      <p:sp>
+        <p:nvSpPr>
+          <p:cNvPr id="48" name="Rectangle 47"/>
+          <p:cNvSpPr/>
+          <p:nvPr/>
+        </p:nvSpPr>
+        <p:spPr>
+          <a:xfrm>
+            <a:off x="2537607" y="4034279"/>
+            <a:ext cx="1270001" cy="406400"/>
+          </a:xfrm>
+          <a:prstGeom prst="rect">
+            <a:avLst/>
+          </a:prstGeom>
+        </p:spPr>
+        <p:style>
+          <a:lnRef idx="2">
+            <a:schemeClr val="accent2">
+              <a:shade val="50000"/>
+            </a:schemeClr>
+          </a:lnRef>
+          <a:fillRef idx="1">
+            <a:schemeClr val="accent2"/>
+          </a:fillRef>
+          <a:effectRef idx="0">
+            <a:schemeClr val="accent2"/>
+          </a:effectRef>
+          <a:fontRef idx="minor">
+            <a:schemeClr val="lt1"/>
+          </a:fontRef>
+        </p:style>
+        <p:txBody>
+          <a:bodyPr rtlCol="0" anchor="ctr"/>
+          <a:lstStyle/>
+          <a:p>
+            <a:pPr algn="ctr"/>
+            <a:r>
+              <a:rPr lang="en-GB" sz="1400" dirty="0" smtClean="0"/>
+              <a:t>13</a:t>
+            </a:r>
+            <a:r>
+              <a:rPr lang="en-GB" sz="1400" dirty="0" smtClean="0"/>
+              <a:t>:30 </a:t>
+            </a:r>
+            <a:r>
+              <a:rPr lang="en-GB" sz="1400" dirty="0"/>
+              <a:t>– </a:t>
+            </a:r>
+            <a:r>
+              <a:rPr lang="en-GB" sz="1400" dirty="0" smtClean="0"/>
+              <a:t>14:30</a:t>
+            </a:r>
+          </a:p>
+          <a:p>
+            <a:pPr algn="ctr"/>
+            <a:r>
+              <a:rPr lang="en-GB" sz="1400" dirty="0" smtClean="0"/>
+              <a:t>Client</a:t>
+            </a:r>
+            <a:endParaRPr lang="en-GB" sz="1400" dirty="0"/>
+          </a:p>
+        </p:txBody>
+      </p:sp>
+      <p:sp>
+        <p:nvSpPr>
+          <p:cNvPr id="49" name="Rectangle 48"/>
+          <p:cNvSpPr/>
+          <p:nvPr/>
+        </p:nvSpPr>
+        <p:spPr>
+          <a:xfrm>
+            <a:off x="5354730" y="3477724"/>
+            <a:ext cx="1270001" cy="406400"/>
+          </a:xfrm>
+          <a:prstGeom prst="rect">
+            <a:avLst/>
+          </a:prstGeom>
+        </p:spPr>
+        <p:style>
+          <a:lnRef idx="2">
+            <a:schemeClr val="accent2">
+              <a:shade val="50000"/>
+            </a:schemeClr>
+          </a:lnRef>
+          <a:fillRef idx="1">
+            <a:schemeClr val="accent2"/>
+          </a:fillRef>
+          <a:effectRef idx="0">
+            <a:schemeClr val="accent2"/>
+          </a:effectRef>
+          <a:fontRef idx="minor">
+            <a:schemeClr val="lt1"/>
+          </a:fontRef>
+        </p:style>
+        <p:txBody>
+          <a:bodyPr rtlCol="0" anchor="ctr"/>
+          <a:lstStyle/>
+          <a:p>
+            <a:pPr algn="ctr"/>
+            <a:r>
+              <a:rPr lang="en-GB" sz="1400" dirty="0" smtClean="0"/>
+              <a:t>12</a:t>
+            </a:r>
+            <a:r>
+              <a:rPr lang="en-GB" sz="1400" dirty="0" smtClean="0"/>
+              <a:t>:00 </a:t>
+            </a:r>
+            <a:r>
+              <a:rPr lang="en-GB" sz="1400" dirty="0"/>
+              <a:t>– </a:t>
+            </a:r>
+            <a:r>
+              <a:rPr lang="en-GB" sz="1400" dirty="0" smtClean="0"/>
+              <a:t>13:00</a:t>
+            </a:r>
+          </a:p>
+          <a:p>
+            <a:pPr algn="ctr"/>
+            <a:r>
+              <a:rPr lang="en-GB" sz="1400" dirty="0" smtClean="0"/>
+              <a:t>Client</a:t>
+            </a:r>
+            <a:endParaRPr lang="en-GB" sz="1400" dirty="0"/>
+          </a:p>
+        </p:txBody>
+      </p:sp>
+      <p:sp>
+        <p:nvSpPr>
+          <p:cNvPr id="52" name="Rectangle 51"/>
+          <p:cNvSpPr/>
+          <p:nvPr/>
+        </p:nvSpPr>
+        <p:spPr>
+          <a:xfrm>
+            <a:off x="3952719" y="4726724"/>
+            <a:ext cx="1270001" cy="406400"/>
+          </a:xfrm>
+          <a:prstGeom prst="rect">
+            <a:avLst/>
+          </a:prstGeom>
+        </p:spPr>
+        <p:style>
+          <a:lnRef idx="2">
+            <a:schemeClr val="accent2">
+              <a:shade val="50000"/>
+            </a:schemeClr>
+          </a:lnRef>
+          <a:fillRef idx="1">
+            <a:schemeClr val="accent2"/>
+          </a:fillRef>
+          <a:effectRef idx="0">
+            <a:schemeClr val="accent2"/>
+          </a:effectRef>
+          <a:fontRef idx="minor">
+            <a:schemeClr val="lt1"/>
+          </a:fontRef>
+        </p:style>
+        <p:txBody>
+          <a:bodyPr rtlCol="0" anchor="ctr"/>
+          <a:lstStyle/>
+          <a:p>
+            <a:pPr algn="ctr"/>
+            <a:r>
+              <a:rPr lang="en-GB" sz="1400" dirty="0" smtClean="0"/>
+              <a:t>15</a:t>
+            </a:r>
+            <a:r>
+              <a:rPr lang="en-GB" sz="1400" dirty="0" smtClean="0"/>
+              <a:t>:00 </a:t>
+            </a:r>
+            <a:r>
+              <a:rPr lang="en-GB" sz="1400" dirty="0"/>
+              <a:t>– </a:t>
+            </a:r>
+            <a:r>
+              <a:rPr lang="en-GB" sz="1400" dirty="0" smtClean="0"/>
+              <a:t>16:00</a:t>
+            </a:r>
+            <a:endParaRPr lang="en-GB" sz="1400" dirty="0"/>
+          </a:p>
+        </p:txBody>
+      </p:sp>
+      <p:sp>
+        <p:nvSpPr>
+          <p:cNvPr id="53" name="Rectangle 52"/>
+          <p:cNvSpPr/>
+          <p:nvPr/>
+        </p:nvSpPr>
+        <p:spPr>
+          <a:xfrm>
+            <a:off x="3952718" y="5141272"/>
+            <a:ext cx="1270001" cy="406400"/>
+          </a:xfrm>
+          <a:prstGeom prst="rect">
+            <a:avLst/>
+          </a:prstGeom>
+        </p:spPr>
+        <p:style>
+          <a:lnRef idx="2">
+            <a:schemeClr val="accent2">
+              <a:shade val="50000"/>
+            </a:schemeClr>
+          </a:lnRef>
+          <a:fillRef idx="1">
+            <a:schemeClr val="accent2"/>
+          </a:fillRef>
+          <a:effectRef idx="0">
+            <a:schemeClr val="accent2"/>
+          </a:effectRef>
+          <a:fontRef idx="minor">
+            <a:schemeClr val="lt1"/>
+          </a:fontRef>
+        </p:style>
+        <p:txBody>
+          <a:bodyPr rtlCol="0" anchor="ctr"/>
+          <a:lstStyle/>
+          <a:p>
+            <a:pPr algn="ctr"/>
+            <a:r>
+              <a:rPr lang="en-GB" sz="1400" dirty="0" smtClean="0"/>
+              <a:t>16</a:t>
+            </a:r>
+            <a:r>
+              <a:rPr lang="en-GB" sz="1400" dirty="0" smtClean="0"/>
+              <a:t>:00 </a:t>
+            </a:r>
+            <a:r>
+              <a:rPr lang="en-GB" sz="1400" dirty="0"/>
+              <a:t>– 17:00</a:t>
+            </a:r>
+          </a:p>
+        </p:txBody>
+      </p:sp>
+      <p:sp>
+        <p:nvSpPr>
+          <p:cNvPr id="57" name="Rectangle 56"/>
+          <p:cNvSpPr/>
+          <p:nvPr/>
+        </p:nvSpPr>
+        <p:spPr>
+          <a:xfrm>
+            <a:off x="5354730" y="4532313"/>
+            <a:ext cx="1270001" cy="406400"/>
+          </a:xfrm>
+          <a:prstGeom prst="rect">
+            <a:avLst/>
+          </a:prstGeom>
+        </p:spPr>
+        <p:style>
+          <a:lnRef idx="2">
+            <a:schemeClr val="accent2">
+              <a:shade val="50000"/>
+            </a:schemeClr>
+          </a:lnRef>
+          <a:fillRef idx="1">
+            <a:schemeClr val="accent2"/>
+          </a:fillRef>
+          <a:effectRef idx="0">
+            <a:schemeClr val="accent2"/>
+          </a:effectRef>
+          <a:fontRef idx="minor">
+            <a:schemeClr val="lt1"/>
+          </a:fontRef>
+        </p:style>
+        <p:txBody>
+          <a:bodyPr rtlCol="0" anchor="ctr"/>
+          <a:lstStyle/>
+          <a:p>
+            <a:pPr algn="ctr"/>
+            <a:r>
+              <a:rPr lang="en-GB" sz="1400" dirty="0" smtClean="0"/>
+              <a:t>14</a:t>
+            </a:r>
+            <a:r>
+              <a:rPr lang="en-GB" sz="1400" dirty="0" smtClean="0"/>
+              <a:t>:30 </a:t>
+            </a:r>
+            <a:r>
+              <a:rPr lang="en-GB" sz="1400" dirty="0"/>
+              <a:t>– </a:t>
+            </a:r>
+            <a:r>
+              <a:rPr lang="en-GB" sz="1400" dirty="0" smtClean="0"/>
+              <a:t>15:00</a:t>
+            </a:r>
+            <a:endParaRPr lang="en-GB" sz="1400" dirty="0"/>
+          </a:p>
+        </p:txBody>
+      </p:sp>
+      <p:sp>
+        <p:nvSpPr>
+          <p:cNvPr id="81" name="Rectangle 80"/>
+          <p:cNvSpPr/>
+          <p:nvPr/>
+        </p:nvSpPr>
+        <p:spPr>
+          <a:xfrm>
+            <a:off x="5354730" y="3130683"/>
+            <a:ext cx="1408049" cy="325925"/>
+          </a:xfrm>
+          <a:prstGeom prst="rect">
+            <a:avLst/>
+          </a:prstGeom>
+        </p:spPr>
+        <p:style>
+          <a:lnRef idx="2">
+            <a:schemeClr val="accent6">
+              <a:shade val="50000"/>
+            </a:schemeClr>
+          </a:lnRef>
+          <a:fillRef idx="1">
+            <a:schemeClr val="accent6"/>
+          </a:fillRef>
+          <a:effectRef idx="0">
+            <a:schemeClr val="accent6"/>
+          </a:effectRef>
+          <a:fontRef idx="minor">
+            <a:schemeClr val="lt1"/>
+          </a:fontRef>
+        </p:style>
+        <p:txBody>
+          <a:bodyPr rtlCol="0" anchor="ctr"/>
+          <a:lstStyle/>
+          <a:p>
+            <a:pPr algn="ctr"/>
+            <a:r>
+              <a:rPr lang="en-GB" dirty="0"/>
+              <a:t>Staff Name</a:t>
+            </a:r>
+          </a:p>
+        </p:txBody>
+      </p:sp>
+      <p:sp>
+        <p:nvSpPr>
+          <p:cNvPr id="82" name="Rectangle 81"/>
+          <p:cNvSpPr/>
+          <p:nvPr/>
+        </p:nvSpPr>
+        <p:spPr>
+          <a:xfrm>
+            <a:off x="1229506" y="2129286"/>
+            <a:ext cx="1308100" cy="406400"/>
+          </a:xfrm>
+          <a:prstGeom prst="rect">
+            <a:avLst/>
+          </a:prstGeom>
+        </p:spPr>
+        <p:style>
+          <a:lnRef idx="2">
+            <a:schemeClr val="accent2">
+              <a:shade val="50000"/>
+            </a:schemeClr>
+          </a:lnRef>
+          <a:fillRef idx="1">
+            <a:schemeClr val="accent2"/>
+          </a:fillRef>
+          <a:effectRef idx="0">
+            <a:schemeClr val="accent2"/>
+          </a:effectRef>
+          <a:fontRef idx="minor">
+            <a:schemeClr val="lt1"/>
+          </a:fontRef>
+        </p:style>
+        <p:txBody>
+          <a:bodyPr rtlCol="0" anchor="ctr"/>
+          <a:lstStyle/>
+          <a:p>
+            <a:pPr algn="ctr"/>
+            <a:r>
+              <a:rPr lang="en-GB" dirty="0" smtClean="0"/>
+              <a:t>Shop</a:t>
+            </a:r>
+            <a:endParaRPr lang="en-GB" dirty="0"/>
+          </a:p>
+        </p:txBody>
+      </p:sp>
+      <p:sp>
+        <p:nvSpPr>
+          <p:cNvPr id="83" name="Rectangle 82"/>
+          <p:cNvSpPr/>
+          <p:nvPr/>
+        </p:nvSpPr>
+        <p:spPr>
+          <a:xfrm>
+            <a:off x="3949700" y="2132806"/>
+            <a:ext cx="3547630" cy="406400"/>
+          </a:xfrm>
+          <a:prstGeom prst="rect">
+            <a:avLst/>
+          </a:prstGeom>
+        </p:spPr>
+        <p:style>
+          <a:lnRef idx="2">
+            <a:schemeClr val="accent2">
+              <a:shade val="50000"/>
+            </a:schemeClr>
+          </a:lnRef>
+          <a:fillRef idx="1">
+            <a:schemeClr val="accent2"/>
+          </a:fillRef>
+          <a:effectRef idx="0">
+            <a:schemeClr val="accent2"/>
+          </a:effectRef>
+          <a:fontRef idx="minor">
+            <a:schemeClr val="lt1"/>
+          </a:fontRef>
+        </p:style>
+        <p:txBody>
+          <a:bodyPr rtlCol="0" anchor="ctr"/>
+          <a:lstStyle/>
+          <a:p>
+            <a:pPr algn="ctr"/>
+            <a:r>
+              <a:rPr lang="en-GB" dirty="0" smtClean="0"/>
+              <a:t>Process All unchecked (Admin only)</a:t>
+            </a:r>
+            <a:endParaRPr lang="en-GB" dirty="0"/>
+          </a:p>
+        </p:txBody>
+      </p:sp>
+    </p:spTree>
+    <p:extLst>
+      <p:ext uri="{BB962C8B-B14F-4D97-AF65-F5344CB8AC3E}">
+        <p14:creationId xmlns:p14="http://schemas.microsoft.com/office/powerpoint/2010/main" val="2783498069"/>
+      </p:ext>
+    </p:extLst>
+  </p:cSld>
+  <p:clrMapOvr>
+    <a:masterClrMapping/>
+  </p:clrMapOvr>
+</p:sld>
+</file>
+
+<file path=ppt/slides/slide14.xml><?xml version="1.0" encoding="utf-8"?>
+<p:sld xmlns:a="http://schemas.openxmlformats.org/drawingml/2006/main" xmlns:r="http://schemas.openxmlformats.org/officeDocument/2006/relationships" xmlns:p="http://schemas.openxmlformats.org/presentationml/2006/main">
+  <p:cSld>
+    <p:spTree>
+      <p:nvGrpSpPr>
+        <p:cNvPr id="1" name=""/>
+        <p:cNvGrpSpPr/>
+        <p:nvPr/>
+      </p:nvGrpSpPr>
+      <p:grpSpPr>
+        <a:xfrm>
+          <a:off x="0" y="0"/>
+          <a:ext cx="0" cy="0"/>
+          <a:chOff x="0" y="0"/>
+          <a:chExt cx="0" cy="0"/>
+        </a:xfrm>
+      </p:grpSpPr>
+      <p:sp>
+        <p:nvSpPr>
+          <p:cNvPr id="2" name="Title 1"/>
+          <p:cNvSpPr>
+            <a:spLocks noGrp="1"/>
+          </p:cNvSpPr>
+          <p:nvPr>
+            <p:ph type="title"/>
+          </p:nvPr>
+        </p:nvSpPr>
+        <p:spPr>
+          <a:xfrm>
+            <a:off x="778741" y="311030"/>
+            <a:ext cx="10515600" cy="824960"/>
+          </a:xfrm>
+        </p:spPr>
+        <p:txBody>
+          <a:bodyPr/>
+          <a:lstStyle/>
+          <a:p>
+            <a:r>
+              <a:rPr lang="en-US" dirty="0" smtClean="0"/>
+              <a:t>Appointment</a:t>
+            </a:r>
+            <a:r>
+              <a:rPr lang="en-GB" dirty="0" smtClean="0"/>
+              <a:t> </a:t>
+            </a:r>
+            <a:r>
+              <a:rPr lang="en-GB" dirty="0"/>
+              <a:t>Management </a:t>
+            </a:r>
+            <a:r>
+              <a:rPr lang="en-US" altLang="zh-CN" dirty="0"/>
+              <a:t>Part </a:t>
+            </a:r>
+            <a:r>
+              <a:rPr lang="en-US" altLang="zh-CN" dirty="0" smtClean="0"/>
+              <a:t>2</a:t>
+            </a:r>
+            <a:endParaRPr lang="en-GB" dirty="0"/>
+          </a:p>
+        </p:txBody>
+      </p:sp>
+      <p:sp>
+        <p:nvSpPr>
+          <p:cNvPr id="43" name="Rectangle 42"/>
+          <p:cNvSpPr/>
+          <p:nvPr/>
+        </p:nvSpPr>
+        <p:spPr>
+          <a:xfrm>
+            <a:off x="778741" y="1690687"/>
+            <a:ext cx="7252122" cy="4913313"/>
+          </a:xfrm>
+          <a:prstGeom prst="rect">
+            <a:avLst/>
+          </a:prstGeom>
+        </p:spPr>
+        <p:style>
+          <a:lnRef idx="2">
+            <a:schemeClr val="accent1">
+              <a:shade val="50000"/>
+            </a:schemeClr>
+          </a:lnRef>
+          <a:fillRef idx="1">
+            <a:schemeClr val="accent1"/>
+          </a:fillRef>
+          <a:effectRef idx="0">
+            <a:schemeClr val="accent1"/>
+          </a:effectRef>
+          <a:fontRef idx="minor">
+            <a:schemeClr val="lt1"/>
+          </a:fontRef>
+        </p:style>
+        <p:txBody>
+          <a:bodyPr rtlCol="0" anchor="ctr"/>
+          <a:lstStyle/>
+          <a:p>
+            <a:pPr algn="ctr"/>
+            <a:endParaRPr lang="en-GB"/>
+          </a:p>
+        </p:txBody>
+      </p:sp>
+      <p:sp>
+        <p:nvSpPr>
+          <p:cNvPr id="44" name="TextBox 43"/>
+          <p:cNvSpPr txBox="1"/>
+          <p:nvPr/>
+        </p:nvSpPr>
+        <p:spPr>
+          <a:xfrm>
+            <a:off x="959397" y="1809293"/>
+            <a:ext cx="1858779" cy="369332"/>
+          </a:xfrm>
+          <a:prstGeom prst="rect">
+            <a:avLst/>
+          </a:prstGeom>
+          <a:noFill/>
+        </p:spPr>
+        <p:txBody>
+          <a:bodyPr wrap="none" rtlCol="0">
+            <a:spAutoFit/>
+          </a:bodyPr>
+          <a:lstStyle/>
+          <a:p>
+            <a:r>
+              <a:rPr lang="en-GB" dirty="0"/>
+              <a:t>Add </a:t>
+            </a:r>
+            <a:r>
+              <a:rPr lang="en-GB" dirty="0" smtClean="0"/>
+              <a:t>Appointment</a:t>
+            </a:r>
+            <a:endParaRPr lang="en-GB" dirty="0"/>
+          </a:p>
+        </p:txBody>
+      </p:sp>
+      <p:sp>
+        <p:nvSpPr>
+          <p:cNvPr id="46" name="Rectangle 45"/>
+          <p:cNvSpPr/>
+          <p:nvPr/>
+        </p:nvSpPr>
+        <p:spPr>
+          <a:xfrm>
+            <a:off x="5115977" y="2275802"/>
+            <a:ext cx="2163779" cy="325925"/>
+          </a:xfrm>
+          <a:prstGeom prst="rect">
+            <a:avLst/>
+          </a:prstGeom>
+        </p:spPr>
+        <p:style>
+          <a:lnRef idx="2">
+            <a:schemeClr val="accent6">
+              <a:shade val="50000"/>
+            </a:schemeClr>
+          </a:lnRef>
+          <a:fillRef idx="1">
+            <a:schemeClr val="accent6"/>
+          </a:fillRef>
+          <a:effectRef idx="0">
+            <a:schemeClr val="accent6"/>
+          </a:effectRef>
+          <a:fontRef idx="minor">
+            <a:schemeClr val="lt1"/>
+          </a:fontRef>
+        </p:style>
+        <p:txBody>
+          <a:bodyPr rtlCol="0" anchor="ctr"/>
+          <a:lstStyle/>
+          <a:p>
+            <a:pPr algn="ctr"/>
+            <a:r>
+              <a:rPr lang="en-US" dirty="0" smtClean="0"/>
+              <a:t>Date</a:t>
+            </a:r>
+            <a:endParaRPr lang="en-GB" dirty="0"/>
+          </a:p>
+        </p:txBody>
+      </p:sp>
+      <p:sp>
+        <p:nvSpPr>
+          <p:cNvPr id="48" name="Rectangle 47"/>
+          <p:cNvSpPr/>
+          <p:nvPr/>
+        </p:nvSpPr>
+        <p:spPr>
+          <a:xfrm>
+            <a:off x="1077379" y="2295973"/>
+            <a:ext cx="2163779" cy="325925"/>
+          </a:xfrm>
+          <a:prstGeom prst="rect">
+            <a:avLst/>
+          </a:prstGeom>
+        </p:spPr>
+        <p:style>
+          <a:lnRef idx="2">
+            <a:schemeClr val="accent6">
+              <a:shade val="50000"/>
+            </a:schemeClr>
+          </a:lnRef>
+          <a:fillRef idx="1">
+            <a:schemeClr val="accent6"/>
+          </a:fillRef>
+          <a:effectRef idx="0">
+            <a:schemeClr val="accent6"/>
+          </a:effectRef>
+          <a:fontRef idx="minor">
+            <a:schemeClr val="lt1"/>
+          </a:fontRef>
+        </p:style>
+        <p:txBody>
+          <a:bodyPr rtlCol="0" anchor="ctr"/>
+          <a:lstStyle/>
+          <a:p>
+            <a:pPr algn="ctr"/>
+            <a:r>
+              <a:rPr lang="en-GB" dirty="0" smtClean="0"/>
+              <a:t>Client</a:t>
+            </a:r>
+            <a:endParaRPr lang="en-GB" dirty="0"/>
+          </a:p>
+        </p:txBody>
+      </p:sp>
+      <p:sp>
+        <p:nvSpPr>
+          <p:cNvPr id="49" name="Rectangle 48"/>
+          <p:cNvSpPr/>
+          <p:nvPr/>
+        </p:nvSpPr>
+        <p:spPr>
+          <a:xfrm>
+            <a:off x="5146078" y="3453715"/>
+            <a:ext cx="2163779" cy="325925"/>
+          </a:xfrm>
+          <a:prstGeom prst="rect">
+            <a:avLst/>
+          </a:prstGeom>
+        </p:spPr>
+        <p:style>
+          <a:lnRef idx="2">
+            <a:schemeClr val="accent6">
+              <a:shade val="50000"/>
+            </a:schemeClr>
+          </a:lnRef>
+          <a:fillRef idx="1">
+            <a:schemeClr val="accent6"/>
+          </a:fillRef>
+          <a:effectRef idx="0">
+            <a:schemeClr val="accent6"/>
+          </a:effectRef>
+          <a:fontRef idx="minor">
+            <a:schemeClr val="lt1"/>
+          </a:fontRef>
+        </p:style>
+        <p:txBody>
+          <a:bodyPr rtlCol="0" anchor="ctr"/>
+          <a:lstStyle/>
+          <a:p>
+            <a:pPr algn="ctr"/>
+            <a:r>
+              <a:rPr lang="en-US" dirty="0" smtClean="0"/>
+              <a:t>Service</a:t>
+            </a:r>
+            <a:endParaRPr lang="en-GB" dirty="0"/>
+          </a:p>
+        </p:txBody>
+      </p:sp>
+      <p:sp>
+        <p:nvSpPr>
+          <p:cNvPr id="50" name="Rectangle 49"/>
+          <p:cNvSpPr/>
+          <p:nvPr/>
+        </p:nvSpPr>
+        <p:spPr>
+          <a:xfrm>
+            <a:off x="6416565" y="5835971"/>
+            <a:ext cx="863192" cy="192704"/>
+          </a:xfrm>
+          <a:prstGeom prst="rect">
+            <a:avLst/>
+          </a:prstGeom>
+        </p:spPr>
+        <p:style>
+          <a:lnRef idx="1">
+            <a:schemeClr val="accent2"/>
+          </a:lnRef>
+          <a:fillRef idx="2">
+            <a:schemeClr val="accent2"/>
+          </a:fillRef>
+          <a:effectRef idx="1">
+            <a:schemeClr val="accent2"/>
+          </a:effectRef>
+          <a:fontRef idx="minor">
+            <a:schemeClr val="dk1"/>
+          </a:fontRef>
+        </p:style>
+        <p:txBody>
+          <a:bodyPr rtlCol="0" anchor="ctr"/>
+          <a:lstStyle/>
+          <a:p>
+            <a:pPr algn="ctr"/>
+            <a:r>
+              <a:rPr lang="en-GB" dirty="0"/>
+              <a:t>Create</a:t>
+            </a:r>
+          </a:p>
+        </p:txBody>
+      </p:sp>
+      <p:sp>
+        <p:nvSpPr>
+          <p:cNvPr id="51" name="Rectangle 50"/>
+          <p:cNvSpPr/>
+          <p:nvPr/>
+        </p:nvSpPr>
+        <p:spPr>
+          <a:xfrm>
+            <a:off x="5115978" y="5826314"/>
+            <a:ext cx="863192" cy="192704"/>
+          </a:xfrm>
+          <a:prstGeom prst="rect">
+            <a:avLst/>
+          </a:prstGeom>
+        </p:spPr>
+        <p:style>
+          <a:lnRef idx="1">
+            <a:schemeClr val="accent2"/>
+          </a:lnRef>
+          <a:fillRef idx="2">
+            <a:schemeClr val="accent2"/>
+          </a:fillRef>
+          <a:effectRef idx="1">
+            <a:schemeClr val="accent2"/>
+          </a:effectRef>
+          <a:fontRef idx="minor">
+            <a:schemeClr val="dk1"/>
+          </a:fontRef>
+        </p:style>
+        <p:txBody>
+          <a:bodyPr rtlCol="0" anchor="ctr"/>
+          <a:lstStyle/>
+          <a:p>
+            <a:pPr algn="ctr"/>
+            <a:r>
+              <a:rPr lang="en-GB" dirty="0"/>
+              <a:t>Cancel</a:t>
+            </a:r>
+          </a:p>
+        </p:txBody>
+      </p:sp>
+      <p:sp>
+        <p:nvSpPr>
+          <p:cNvPr id="52" name="Rectangle 51"/>
+          <p:cNvSpPr/>
+          <p:nvPr/>
+        </p:nvSpPr>
+        <p:spPr>
+          <a:xfrm>
+            <a:off x="8276802" y="1690687"/>
+            <a:ext cx="3657600" cy="4913313"/>
+          </a:xfrm>
+          <a:prstGeom prst="rect">
+            <a:avLst/>
+          </a:prstGeom>
+        </p:spPr>
+        <p:style>
+          <a:lnRef idx="2">
+            <a:schemeClr val="accent1">
+              <a:shade val="50000"/>
+            </a:schemeClr>
+          </a:lnRef>
+          <a:fillRef idx="1">
+            <a:schemeClr val="accent1"/>
+          </a:fillRef>
+          <a:effectRef idx="0">
+            <a:schemeClr val="accent1"/>
+          </a:effectRef>
+          <a:fontRef idx="minor">
+            <a:schemeClr val="lt1"/>
+          </a:fontRef>
+        </p:style>
+        <p:txBody>
+          <a:bodyPr rtlCol="0" anchor="ctr"/>
+          <a:lstStyle/>
+          <a:p>
+            <a:pPr algn="ctr"/>
+            <a:endParaRPr lang="en-GB"/>
+          </a:p>
+        </p:txBody>
+      </p:sp>
+      <p:sp>
+        <p:nvSpPr>
+          <p:cNvPr id="53" name="TextBox 52"/>
+          <p:cNvSpPr txBox="1"/>
+          <p:nvPr/>
+        </p:nvSpPr>
+        <p:spPr>
+          <a:xfrm>
+            <a:off x="8393536" y="1750860"/>
+            <a:ext cx="1842556" cy="369332"/>
+          </a:xfrm>
+          <a:prstGeom prst="rect">
+            <a:avLst/>
+          </a:prstGeom>
+          <a:noFill/>
+        </p:spPr>
+        <p:txBody>
+          <a:bodyPr wrap="none" rtlCol="0">
+            <a:spAutoFit/>
+          </a:bodyPr>
+          <a:lstStyle/>
+          <a:p>
+            <a:r>
+              <a:rPr lang="en-GB" dirty="0"/>
+              <a:t>Edit </a:t>
+            </a:r>
+            <a:r>
+              <a:rPr lang="en-US" altLang="zh-CN" dirty="0" smtClean="0"/>
+              <a:t>Appointment</a:t>
+            </a:r>
+            <a:endParaRPr lang="en-GB" dirty="0"/>
+          </a:p>
+        </p:txBody>
+      </p:sp>
+      <p:sp>
+        <p:nvSpPr>
+          <p:cNvPr id="61" name="Rectangle 60"/>
+          <p:cNvSpPr/>
+          <p:nvPr/>
+        </p:nvSpPr>
+        <p:spPr>
+          <a:xfrm>
+            <a:off x="5146078" y="3842928"/>
+            <a:ext cx="2163779" cy="325925"/>
+          </a:xfrm>
+          <a:prstGeom prst="rect">
+            <a:avLst/>
+          </a:prstGeom>
+        </p:spPr>
+        <p:style>
+          <a:lnRef idx="2">
+            <a:schemeClr val="accent6">
+              <a:shade val="50000"/>
+            </a:schemeClr>
+          </a:lnRef>
+          <a:fillRef idx="1">
+            <a:schemeClr val="accent6"/>
+          </a:fillRef>
+          <a:effectRef idx="0">
+            <a:schemeClr val="accent6"/>
+          </a:effectRef>
+          <a:fontRef idx="minor">
+            <a:schemeClr val="lt1"/>
+          </a:fontRef>
+        </p:style>
+        <p:txBody>
+          <a:bodyPr rtlCol="0" anchor="ctr"/>
+          <a:lstStyle/>
+          <a:p>
+            <a:pPr algn="ctr"/>
+            <a:r>
+              <a:rPr lang="en-GB" dirty="0" smtClean="0"/>
+              <a:t>Start Time</a:t>
+            </a:r>
+            <a:endParaRPr lang="en-GB" dirty="0"/>
+          </a:p>
+        </p:txBody>
+      </p:sp>
+      <p:sp>
+        <p:nvSpPr>
+          <p:cNvPr id="3" name="TextBox 2"/>
+          <p:cNvSpPr txBox="1"/>
+          <p:nvPr/>
+        </p:nvSpPr>
+        <p:spPr>
+          <a:xfrm>
+            <a:off x="8972111" y="2149463"/>
+            <a:ext cx="1786964" cy="369332"/>
+          </a:xfrm>
+          <a:prstGeom prst="rect">
+            <a:avLst/>
+          </a:prstGeom>
+          <a:noFill/>
+        </p:spPr>
+        <p:txBody>
+          <a:bodyPr wrap="none" rtlCol="0">
+            <a:spAutoFit/>
+          </a:bodyPr>
+          <a:lstStyle/>
+          <a:p>
+            <a:r>
+              <a:rPr lang="en-GB" dirty="0" smtClean="0"/>
+              <a:t>Appointment Ref</a:t>
+            </a:r>
+          </a:p>
+        </p:txBody>
+      </p:sp>
+      <p:sp>
+        <p:nvSpPr>
+          <p:cNvPr id="32" name="Rectangle 31"/>
+          <p:cNvSpPr/>
+          <p:nvPr/>
+        </p:nvSpPr>
+        <p:spPr>
+          <a:xfrm>
+            <a:off x="5146078" y="4214813"/>
+            <a:ext cx="2163779" cy="325925"/>
+          </a:xfrm>
+          <a:prstGeom prst="rect">
+            <a:avLst/>
+          </a:prstGeom>
+        </p:spPr>
+        <p:style>
+          <a:lnRef idx="2">
+            <a:schemeClr val="accent6">
+              <a:shade val="50000"/>
+            </a:schemeClr>
+          </a:lnRef>
+          <a:fillRef idx="1">
+            <a:schemeClr val="accent6"/>
+          </a:fillRef>
+          <a:effectRef idx="0">
+            <a:schemeClr val="accent6"/>
+          </a:effectRef>
+          <a:fontRef idx="minor">
+            <a:schemeClr val="lt1"/>
+          </a:fontRef>
+        </p:style>
+        <p:txBody>
+          <a:bodyPr rtlCol="0" anchor="ctr"/>
+          <a:lstStyle/>
+          <a:p>
+            <a:pPr algn="ctr"/>
+            <a:r>
+              <a:rPr lang="en-US" dirty="0" smtClean="0"/>
+              <a:t>End Time</a:t>
+            </a:r>
+            <a:endParaRPr lang="en-GB" dirty="0"/>
+          </a:p>
+        </p:txBody>
+      </p:sp>
+      <p:sp>
+        <p:nvSpPr>
+          <p:cNvPr id="35" name="Rectangle 34"/>
+          <p:cNvSpPr/>
+          <p:nvPr/>
+        </p:nvSpPr>
+        <p:spPr>
+          <a:xfrm>
+            <a:off x="9025887" y="4844356"/>
+            <a:ext cx="2163779" cy="325925"/>
+          </a:xfrm>
+          <a:prstGeom prst="rect">
+            <a:avLst/>
+          </a:prstGeom>
+        </p:spPr>
+        <p:style>
+          <a:lnRef idx="2">
+            <a:schemeClr val="accent6">
+              <a:shade val="50000"/>
+            </a:schemeClr>
+          </a:lnRef>
+          <a:fillRef idx="1">
+            <a:schemeClr val="accent6"/>
+          </a:fillRef>
+          <a:effectRef idx="0">
+            <a:schemeClr val="accent6"/>
+          </a:effectRef>
+          <a:fontRef idx="minor">
+            <a:schemeClr val="lt1"/>
+          </a:fontRef>
+        </p:style>
+        <p:txBody>
+          <a:bodyPr rtlCol="0" anchor="ctr"/>
+          <a:lstStyle/>
+          <a:p>
+            <a:pPr algn="ctr"/>
+            <a:r>
+              <a:rPr lang="en-US" dirty="0" smtClean="0"/>
+              <a:t>Cancel</a:t>
+            </a:r>
+            <a:endParaRPr lang="en-GB" dirty="0"/>
+          </a:p>
+        </p:txBody>
+      </p:sp>
+      <p:sp>
+        <p:nvSpPr>
+          <p:cNvPr id="36" name="Rectangle 35"/>
+          <p:cNvSpPr/>
+          <p:nvPr/>
+        </p:nvSpPr>
+        <p:spPr>
+          <a:xfrm>
+            <a:off x="9025888" y="4480526"/>
+            <a:ext cx="2163779" cy="325925"/>
+          </a:xfrm>
+          <a:prstGeom prst="rect">
+            <a:avLst/>
+          </a:prstGeom>
+        </p:spPr>
+        <p:style>
+          <a:lnRef idx="2">
+            <a:schemeClr val="accent6">
+              <a:shade val="50000"/>
+            </a:schemeClr>
+          </a:lnRef>
+          <a:fillRef idx="1">
+            <a:schemeClr val="accent6"/>
+          </a:fillRef>
+          <a:effectRef idx="0">
+            <a:schemeClr val="accent6"/>
+          </a:effectRef>
+          <a:fontRef idx="minor">
+            <a:schemeClr val="lt1"/>
+          </a:fontRef>
+        </p:style>
+        <p:txBody>
+          <a:bodyPr rtlCol="0" anchor="ctr"/>
+          <a:lstStyle/>
+          <a:p>
+            <a:pPr algn="ctr"/>
+            <a:r>
+              <a:rPr lang="en-GB" dirty="0" smtClean="0"/>
+              <a:t>Confirmed</a:t>
+            </a:r>
+            <a:endParaRPr lang="en-GB" dirty="0"/>
+          </a:p>
+        </p:txBody>
+      </p:sp>
+      <p:sp>
+        <p:nvSpPr>
+          <p:cNvPr id="37" name="Rectangle 36"/>
+          <p:cNvSpPr/>
+          <p:nvPr/>
+        </p:nvSpPr>
+        <p:spPr>
+          <a:xfrm>
+            <a:off x="9023712" y="5712135"/>
+            <a:ext cx="2163779" cy="325925"/>
+          </a:xfrm>
+          <a:prstGeom prst="rect">
+            <a:avLst/>
+          </a:prstGeom>
+        </p:spPr>
+        <p:style>
+          <a:lnRef idx="2">
+            <a:schemeClr val="accent6">
+              <a:shade val="50000"/>
+            </a:schemeClr>
+          </a:lnRef>
+          <a:fillRef idx="1">
+            <a:schemeClr val="accent6"/>
+          </a:fillRef>
+          <a:effectRef idx="0">
+            <a:schemeClr val="accent6"/>
+          </a:effectRef>
+          <a:fontRef idx="minor">
+            <a:schemeClr val="lt1"/>
+          </a:fontRef>
+        </p:style>
+        <p:txBody>
+          <a:bodyPr rtlCol="0" anchor="ctr"/>
+          <a:lstStyle/>
+          <a:p>
+            <a:pPr algn="ctr"/>
+            <a:r>
+              <a:rPr lang="en-US" dirty="0" smtClean="0"/>
+              <a:t>Checkout</a:t>
+            </a:r>
+            <a:endParaRPr lang="en-GB" dirty="0"/>
+          </a:p>
+        </p:txBody>
+      </p:sp>
+      <p:sp>
+        <p:nvSpPr>
+          <p:cNvPr id="22" name="Rectangle 21"/>
+          <p:cNvSpPr/>
+          <p:nvPr/>
+        </p:nvSpPr>
+        <p:spPr>
+          <a:xfrm>
+            <a:off x="5115976" y="2638626"/>
+            <a:ext cx="2163779" cy="325925"/>
+          </a:xfrm>
+          <a:prstGeom prst="rect">
+            <a:avLst/>
+          </a:prstGeom>
+        </p:spPr>
+        <p:style>
+          <a:lnRef idx="2">
+            <a:schemeClr val="accent6">
+              <a:shade val="50000"/>
+            </a:schemeClr>
+          </a:lnRef>
+          <a:fillRef idx="1">
+            <a:schemeClr val="accent6"/>
+          </a:fillRef>
+          <a:effectRef idx="0">
+            <a:schemeClr val="accent6"/>
+          </a:effectRef>
+          <a:fontRef idx="minor">
+            <a:schemeClr val="lt1"/>
+          </a:fontRef>
+        </p:style>
+        <p:txBody>
+          <a:bodyPr rtlCol="0" anchor="ctr"/>
+          <a:lstStyle/>
+          <a:p>
+            <a:pPr algn="ctr"/>
+            <a:r>
+              <a:rPr lang="en-US" dirty="0" smtClean="0"/>
+              <a:t>Repeat ?</a:t>
+            </a:r>
+            <a:endParaRPr lang="en-GB" dirty="0"/>
+          </a:p>
+        </p:txBody>
+      </p:sp>
+      <p:sp>
+        <p:nvSpPr>
+          <p:cNvPr id="23" name="Rectangle 22"/>
+          <p:cNvSpPr/>
+          <p:nvPr/>
+        </p:nvSpPr>
+        <p:spPr>
+          <a:xfrm>
+            <a:off x="1077378" y="2700042"/>
+            <a:ext cx="1030821" cy="233801"/>
+          </a:xfrm>
+          <a:prstGeom prst="rect">
+            <a:avLst/>
+          </a:prstGeom>
+        </p:spPr>
+        <p:style>
+          <a:lnRef idx="1">
+            <a:schemeClr val="accent2"/>
+          </a:lnRef>
+          <a:fillRef idx="2">
+            <a:schemeClr val="accent2"/>
+          </a:fillRef>
+          <a:effectRef idx="1">
+            <a:schemeClr val="accent2"/>
+          </a:effectRef>
+          <a:fontRef idx="minor">
+            <a:schemeClr val="dk1"/>
+          </a:fontRef>
+        </p:style>
+        <p:txBody>
+          <a:bodyPr rtlCol="0" anchor="ctr"/>
+          <a:lstStyle/>
+          <a:p>
+            <a:pPr algn="ctr"/>
+            <a:r>
+              <a:rPr lang="en-GB" dirty="0" smtClean="0"/>
+              <a:t>Walk-In</a:t>
+            </a:r>
+            <a:endParaRPr lang="en-GB" dirty="0"/>
+          </a:p>
+        </p:txBody>
+      </p:sp>
+      <p:sp>
+        <p:nvSpPr>
+          <p:cNvPr id="24" name="Rectangle 23"/>
+          <p:cNvSpPr/>
+          <p:nvPr/>
+        </p:nvSpPr>
+        <p:spPr>
+          <a:xfrm>
+            <a:off x="1077378" y="3455260"/>
+            <a:ext cx="2923122" cy="1523140"/>
+          </a:xfrm>
+          <a:prstGeom prst="rect">
+            <a:avLst/>
+          </a:prstGeom>
+        </p:spPr>
+        <p:style>
+          <a:lnRef idx="2">
+            <a:schemeClr val="accent6">
+              <a:shade val="50000"/>
+            </a:schemeClr>
+          </a:lnRef>
+          <a:fillRef idx="1">
+            <a:schemeClr val="accent6"/>
+          </a:fillRef>
+          <a:effectRef idx="0">
+            <a:schemeClr val="accent6"/>
+          </a:effectRef>
+          <a:fontRef idx="minor">
+            <a:schemeClr val="lt1"/>
+          </a:fontRef>
+        </p:style>
+        <p:txBody>
+          <a:bodyPr rtlCol="0" anchor="ctr"/>
+          <a:lstStyle/>
+          <a:p>
+            <a:pPr algn="ctr"/>
+            <a:r>
+              <a:rPr lang="en-US" dirty="0" smtClean="0"/>
+              <a:t>Notes</a:t>
+            </a:r>
+            <a:endParaRPr lang="en-GB" dirty="0"/>
+          </a:p>
+        </p:txBody>
+      </p:sp>
+      <p:sp>
+        <p:nvSpPr>
+          <p:cNvPr id="25" name="Rectangle 24"/>
+          <p:cNvSpPr/>
+          <p:nvPr/>
+        </p:nvSpPr>
+        <p:spPr>
+          <a:xfrm>
+            <a:off x="5115975" y="3010511"/>
+            <a:ext cx="2163779" cy="325925"/>
+          </a:xfrm>
+          <a:prstGeom prst="rect">
+            <a:avLst/>
+          </a:prstGeom>
+        </p:spPr>
+        <p:style>
+          <a:lnRef idx="2">
+            <a:schemeClr val="accent6">
+              <a:shade val="50000"/>
+            </a:schemeClr>
+          </a:lnRef>
+          <a:fillRef idx="1">
+            <a:schemeClr val="accent6"/>
+          </a:fillRef>
+          <a:effectRef idx="0">
+            <a:schemeClr val="accent6"/>
+          </a:effectRef>
+          <a:fontRef idx="minor">
+            <a:schemeClr val="lt1"/>
+          </a:fontRef>
+        </p:style>
+        <p:txBody>
+          <a:bodyPr rtlCol="0" anchor="ctr"/>
+          <a:lstStyle/>
+          <a:p>
+            <a:pPr algn="ctr"/>
+            <a:r>
+              <a:rPr lang="en-US" dirty="0" smtClean="0"/>
+              <a:t>End Date</a:t>
+            </a:r>
+            <a:endParaRPr lang="en-GB" dirty="0"/>
+          </a:p>
+        </p:txBody>
+      </p:sp>
+      <p:sp>
+        <p:nvSpPr>
+          <p:cNvPr id="26" name="Rectangle 25"/>
+          <p:cNvSpPr/>
+          <p:nvPr/>
+        </p:nvSpPr>
+        <p:spPr>
+          <a:xfrm>
+            <a:off x="9023711" y="5286620"/>
+            <a:ext cx="2163779" cy="325925"/>
+          </a:xfrm>
+          <a:prstGeom prst="rect">
+            <a:avLst/>
+          </a:prstGeom>
+        </p:spPr>
+        <p:style>
+          <a:lnRef idx="2">
+            <a:schemeClr val="accent6">
+              <a:shade val="50000"/>
+            </a:schemeClr>
+          </a:lnRef>
+          <a:fillRef idx="1">
+            <a:schemeClr val="accent6"/>
+          </a:fillRef>
+          <a:effectRef idx="0">
+            <a:schemeClr val="accent6"/>
+          </a:effectRef>
+          <a:fontRef idx="minor">
+            <a:schemeClr val="lt1"/>
+          </a:fontRef>
+        </p:style>
+        <p:txBody>
+          <a:bodyPr rtlCol="0" anchor="ctr"/>
+          <a:lstStyle/>
+          <a:p>
+            <a:pPr algn="ctr"/>
+            <a:r>
+              <a:rPr lang="en-GB" dirty="0" smtClean="0"/>
+              <a:t>Delete</a:t>
+            </a:r>
+            <a:endParaRPr lang="en-GB" dirty="0"/>
+          </a:p>
+        </p:txBody>
+      </p:sp>
+      <p:sp>
+        <p:nvSpPr>
+          <p:cNvPr id="27" name="Rectangle 26"/>
+          <p:cNvSpPr/>
+          <p:nvPr/>
+        </p:nvSpPr>
+        <p:spPr>
+          <a:xfrm>
+            <a:off x="9023711" y="3339477"/>
+            <a:ext cx="2163779" cy="325925"/>
+          </a:xfrm>
+          <a:prstGeom prst="rect">
+            <a:avLst/>
+          </a:prstGeom>
+        </p:spPr>
+        <p:style>
+          <a:lnRef idx="2">
+            <a:schemeClr val="accent6">
+              <a:shade val="50000"/>
+            </a:schemeClr>
+          </a:lnRef>
+          <a:fillRef idx="1">
+            <a:schemeClr val="accent6"/>
+          </a:fillRef>
+          <a:effectRef idx="0">
+            <a:schemeClr val="accent6"/>
+          </a:effectRef>
+          <a:fontRef idx="minor">
+            <a:schemeClr val="lt1"/>
+          </a:fontRef>
+        </p:style>
+        <p:txBody>
+          <a:bodyPr rtlCol="0" anchor="ctr"/>
+          <a:lstStyle/>
+          <a:p>
+            <a:pPr algn="ctr"/>
+            <a:r>
+              <a:rPr lang="en-US" dirty="0" smtClean="0"/>
+              <a:t>Service</a:t>
+            </a:r>
+            <a:endParaRPr lang="en-GB" dirty="0"/>
+          </a:p>
+        </p:txBody>
+      </p:sp>
+      <p:sp>
+        <p:nvSpPr>
+          <p:cNvPr id="28" name="Rectangle 27"/>
+          <p:cNvSpPr/>
+          <p:nvPr/>
+        </p:nvSpPr>
+        <p:spPr>
+          <a:xfrm>
+            <a:off x="9023711" y="3728690"/>
+            <a:ext cx="2163779" cy="325925"/>
+          </a:xfrm>
+          <a:prstGeom prst="rect">
+            <a:avLst/>
+          </a:prstGeom>
+        </p:spPr>
+        <p:style>
+          <a:lnRef idx="2">
+            <a:schemeClr val="accent6">
+              <a:shade val="50000"/>
+            </a:schemeClr>
+          </a:lnRef>
+          <a:fillRef idx="1">
+            <a:schemeClr val="accent6"/>
+          </a:fillRef>
+          <a:effectRef idx="0">
+            <a:schemeClr val="accent6"/>
+          </a:effectRef>
+          <a:fontRef idx="minor">
+            <a:schemeClr val="lt1"/>
+          </a:fontRef>
+        </p:style>
+        <p:txBody>
+          <a:bodyPr rtlCol="0" anchor="ctr"/>
+          <a:lstStyle/>
+          <a:p>
+            <a:pPr algn="ctr"/>
+            <a:r>
+              <a:rPr lang="en-GB" dirty="0" smtClean="0"/>
+              <a:t>Start Time</a:t>
+            </a:r>
+            <a:endParaRPr lang="en-GB" dirty="0"/>
+          </a:p>
+        </p:txBody>
+      </p:sp>
+      <p:sp>
+        <p:nvSpPr>
+          <p:cNvPr id="29" name="Rectangle 28"/>
+          <p:cNvSpPr/>
+          <p:nvPr/>
+        </p:nvSpPr>
+        <p:spPr>
+          <a:xfrm>
+            <a:off x="9023711" y="4100575"/>
+            <a:ext cx="2163779" cy="325925"/>
+          </a:xfrm>
+          <a:prstGeom prst="rect">
+            <a:avLst/>
+          </a:prstGeom>
+        </p:spPr>
+        <p:style>
+          <a:lnRef idx="2">
+            <a:schemeClr val="accent6">
+              <a:shade val="50000"/>
+            </a:schemeClr>
+          </a:lnRef>
+          <a:fillRef idx="1">
+            <a:schemeClr val="accent6"/>
+          </a:fillRef>
+          <a:effectRef idx="0">
+            <a:schemeClr val="accent6"/>
+          </a:effectRef>
+          <a:fontRef idx="minor">
+            <a:schemeClr val="lt1"/>
+          </a:fontRef>
+        </p:style>
+        <p:txBody>
+          <a:bodyPr rtlCol="0" anchor="ctr"/>
+          <a:lstStyle/>
+          <a:p>
+            <a:pPr algn="ctr"/>
+            <a:r>
+              <a:rPr lang="en-US" dirty="0" smtClean="0"/>
+              <a:t>End Time</a:t>
+            </a:r>
+            <a:endParaRPr lang="en-GB" dirty="0"/>
+          </a:p>
+        </p:txBody>
+      </p:sp>
+      <p:sp>
+        <p:nvSpPr>
+          <p:cNvPr id="30" name="Rectangle 29"/>
+          <p:cNvSpPr/>
+          <p:nvPr/>
+        </p:nvSpPr>
+        <p:spPr>
+          <a:xfrm>
+            <a:off x="9023711" y="2959526"/>
+            <a:ext cx="2163779" cy="325925"/>
+          </a:xfrm>
+          <a:prstGeom prst="rect">
+            <a:avLst/>
+          </a:prstGeom>
+        </p:spPr>
+        <p:style>
+          <a:lnRef idx="2">
+            <a:schemeClr val="accent6">
+              <a:shade val="50000"/>
+            </a:schemeClr>
+          </a:lnRef>
+          <a:fillRef idx="1">
+            <a:schemeClr val="accent6"/>
+          </a:fillRef>
+          <a:effectRef idx="0">
+            <a:schemeClr val="accent6"/>
+          </a:effectRef>
+          <a:fontRef idx="minor">
+            <a:schemeClr val="lt1"/>
+          </a:fontRef>
+        </p:style>
+        <p:txBody>
+          <a:bodyPr rtlCol="0" anchor="ctr"/>
+          <a:lstStyle/>
+          <a:p>
+            <a:pPr algn="ctr"/>
+            <a:r>
+              <a:rPr lang="en-GB" dirty="0" smtClean="0"/>
+              <a:t>Staff</a:t>
+            </a:r>
+            <a:endParaRPr lang="en-GB" dirty="0"/>
+          </a:p>
+        </p:txBody>
+      </p:sp>
+      <p:sp>
+        <p:nvSpPr>
+          <p:cNvPr id="31" name="Rectangle 30"/>
+          <p:cNvSpPr/>
+          <p:nvPr/>
+        </p:nvSpPr>
+        <p:spPr>
+          <a:xfrm>
+            <a:off x="9023711" y="2563311"/>
+            <a:ext cx="2163779" cy="325925"/>
+          </a:xfrm>
+          <a:prstGeom prst="rect">
+            <a:avLst/>
+          </a:prstGeom>
+        </p:spPr>
+        <p:style>
+          <a:lnRef idx="2">
+            <a:schemeClr val="accent6">
+              <a:shade val="50000"/>
+            </a:schemeClr>
+          </a:lnRef>
+          <a:fillRef idx="1">
+            <a:schemeClr val="accent6"/>
+          </a:fillRef>
+          <a:effectRef idx="0">
+            <a:schemeClr val="accent6"/>
+          </a:effectRef>
+          <a:fontRef idx="minor">
+            <a:schemeClr val="lt1"/>
+          </a:fontRef>
+        </p:style>
+        <p:txBody>
+          <a:bodyPr rtlCol="0" anchor="ctr"/>
+          <a:lstStyle/>
+          <a:p>
+            <a:pPr algn="ctr"/>
+            <a:r>
+              <a:rPr lang="en-GB" dirty="0" smtClean="0"/>
+              <a:t>Client</a:t>
+            </a:r>
+            <a:endParaRPr lang="en-GB" dirty="0"/>
+          </a:p>
+        </p:txBody>
+      </p:sp>
+    </p:spTree>
+    <p:extLst>
+      <p:ext uri="{BB962C8B-B14F-4D97-AF65-F5344CB8AC3E}">
+        <p14:creationId xmlns:p14="http://schemas.microsoft.com/office/powerpoint/2010/main" val="3751551091"/>
+      </p:ext>
+    </p:extLst>
+  </p:cSld>
+  <p:clrMapOvr>
+    <a:masterClrMapping/>
+  </p:clrMapOvr>
+</p:sld>
+</file>
+
 <file path=ppt/slides/slide2.xml><?xml version="1.0" encoding="utf-8"?>
 <p:sld xmlns:a="http://schemas.openxmlformats.org/drawingml/2006/main" xmlns:r="http://schemas.openxmlformats.org/officeDocument/2006/relationships" xmlns:p="http://schemas.openxmlformats.org/presentationml/2006/main">
   <p:cSld>
@@ -5534,9 +10446,10 @@
               <a:p>
                 <a:pPr algn="ctr"/>
                 <a:r>
-                  <a:rPr lang="en-GB" dirty="0"/>
-                  <a:t>Schedule</a:t>
+                  <a:rPr lang="en-GB" sz="1200" dirty="0" smtClean="0"/>
+                  <a:t>Appointment</a:t>
                 </a:r>
+                <a:endParaRPr lang="en-GB" sz="1200" dirty="0"/>
               </a:p>
             </p:txBody>
           </p:sp>
@@ -5980,9 +10893,10 @@
               <a:p>
                 <a:pPr algn="ctr"/>
                 <a:r>
-                  <a:rPr lang="en-GB" dirty="0"/>
-                  <a:t>Schedule</a:t>
+                  <a:rPr lang="en-GB" sz="1200" dirty="0" smtClean="0"/>
+                  <a:t>Appointment</a:t>
                 </a:r>
+                <a:endParaRPr lang="en-GB" sz="1200" dirty="0"/>
               </a:p>
             </p:txBody>
           </p:sp>
@@ -6426,9 +11340,10 @@
               <a:p>
                 <a:pPr algn="ctr"/>
                 <a:r>
-                  <a:rPr lang="en-GB" dirty="0"/>
-                  <a:t>Schedule</a:t>
+                  <a:rPr lang="en-GB" sz="1200" dirty="0" smtClean="0"/>
+                  <a:t>Appointment</a:t>
                 </a:r>
+                <a:endParaRPr lang="en-GB" sz="1200" dirty="0"/>
               </a:p>
             </p:txBody>
           </p:sp>
@@ -6672,8 +11587,12 @@
               <a:p>
                 <a:pPr algn="ctr"/>
                 <a:r>
+                  <a:rPr lang="en-GB" dirty="0" smtClean="0"/>
+                  <a:t>Appointment </a:t>
+                </a:r>
+                <a:r>
                   <a:rPr lang="en-GB" dirty="0"/>
-                  <a:t>Schedule Per Shop</a:t>
+                  <a:t>Per Shop</a:t>
                 </a:r>
               </a:p>
               <a:p>
@@ -6884,9 +11803,10 @@
             <a:p>
               <a:pPr algn="ctr"/>
               <a:r>
-                <a:rPr lang="en-GB" dirty="0"/>
-                <a:t>Schedule</a:t>
+                <a:rPr lang="en-GB" sz="1200" dirty="0" smtClean="0"/>
+                <a:t>Appointment</a:t>
               </a:r>
+              <a:endParaRPr lang="en-GB" sz="1200" dirty="0"/>
             </a:p>
           </p:txBody>
         </p:sp>
@@ -7255,9 +12175,10 @@
             <a:p>
               <a:pPr algn="ctr"/>
               <a:r>
-                <a:rPr lang="en-GB" dirty="0"/>
-                <a:t>Schedule</a:t>
+                <a:rPr lang="en-GB" sz="1200" dirty="0" smtClean="0"/>
+                <a:t>Appointment</a:t>
               </a:r>
+              <a:endParaRPr lang="en-GB" sz="1200" dirty="0"/>
             </a:p>
           </p:txBody>
         </p:sp>
@@ -7489,9 +12410,10 @@
           <a:p>
             <a:pPr algn="ctr"/>
             <a:r>
-              <a:rPr lang="en-GB" dirty="0"/>
-              <a:t>Schedule</a:t>
-            </a:r>
+              <a:rPr lang="en-GB" sz="1200" dirty="0" smtClean="0"/>
+              <a:t>Appointment</a:t>
+            </a:r>
+            <a:endParaRPr lang="en-GB" sz="1200" dirty="0"/>
           </a:p>
         </p:txBody>
       </p:sp>
@@ -7868,9 +12790,10 @@
           <a:p>
             <a:pPr algn="ctr"/>
             <a:r>
-              <a:rPr lang="en-GB" dirty="0"/>
-              <a:t>Schedule</a:t>
-            </a:r>
+              <a:rPr lang="en-GB" sz="1200" dirty="0" smtClean="0"/>
+              <a:t>Appointment</a:t>
+            </a:r>
+            <a:endParaRPr lang="en-GB" sz="1200" dirty="0"/>
           </a:p>
         </p:txBody>
       </p:sp>
@@ -9184,9 +14107,10 @@
           <a:p>
             <a:pPr algn="ctr"/>
             <a:r>
-              <a:rPr lang="en-GB" dirty="0"/>
-              <a:t>Schedule</a:t>
-            </a:r>
+              <a:rPr lang="en-GB" sz="1200" dirty="0" smtClean="0"/>
+              <a:t>Appointment</a:t>
+            </a:r>
+            <a:endParaRPr lang="en-GB" sz="1200" dirty="0"/>
           </a:p>
         </p:txBody>
       </p:sp>
@@ -10386,9 +15310,10 @@
           <a:p>
             <a:pPr algn="ctr"/>
             <a:r>
-              <a:rPr lang="en-GB" dirty="0"/>
-              <a:t>Schedule</a:t>
-            </a:r>
+              <a:rPr lang="en-GB" dirty="0" smtClean="0"/>
+              <a:t>Appointment</a:t>
+            </a:r>
+            <a:endParaRPr lang="en-GB" dirty="0"/>
           </a:p>
         </p:txBody>
       </p:sp>
@@ -10888,9 +15813,10 @@
           <a:p>
             <a:pPr algn="ctr"/>
             <a:r>
-              <a:rPr lang="en-GB" dirty="0"/>
-              <a:t>Schedule</a:t>
-            </a:r>
+              <a:rPr lang="en-GB" sz="1200" dirty="0" smtClean="0"/>
+              <a:t>Appointment</a:t>
+            </a:r>
+            <a:endParaRPr lang="en-GB" sz="1200" dirty="0"/>
           </a:p>
         </p:txBody>
       </p:sp>
@@ -12017,9 +16943,10 @@
           <a:p>
             <a:pPr algn="ctr"/>
             <a:r>
-              <a:rPr lang="en-GB" dirty="0"/>
-              <a:t>Schedule</a:t>
-            </a:r>
+              <a:rPr lang="en-GB" dirty="0" smtClean="0"/>
+              <a:t>Appointment</a:t>
+            </a:r>
+            <a:endParaRPr lang="en-GB" dirty="0"/>
           </a:p>
         </p:txBody>
       </p:sp>
@@ -13541,9 +18468,10 @@
           <a:p>
             <a:pPr algn="ctr"/>
             <a:r>
-              <a:rPr lang="en-GB" dirty="0"/>
-              <a:t>Schedule</a:t>
-            </a:r>
+              <a:rPr lang="en-GB" sz="1200" dirty="0" smtClean="0"/>
+              <a:t>Appointment</a:t>
+            </a:r>
+            <a:endParaRPr lang="en-GB" sz="1200" dirty="0"/>
           </a:p>
         </p:txBody>
       </p:sp>

--- a/SupportFiles/Documents/SketchFlow.pptx
+++ b/SupportFiles/Documents/SketchFlow.pptx
@@ -256,7 +256,7 @@
           <a:p>
             <a:fld id="{B3A60D50-D8A2-4FF0-BC35-14BFC20D9FA3}" type="datetimeFigureOut">
               <a:rPr lang="en-GB" smtClean="0"/>
-              <a:t>16/02/2018</a:t>
+              <a:t>20/02/2018</a:t>
             </a:fld>
             <a:endParaRPr lang="en-GB"/>
           </a:p>
@@ -426,7 +426,7 @@
           <a:p>
             <a:fld id="{B3A60D50-D8A2-4FF0-BC35-14BFC20D9FA3}" type="datetimeFigureOut">
               <a:rPr lang="en-GB" smtClean="0"/>
-              <a:t>16/02/2018</a:t>
+              <a:t>20/02/2018</a:t>
             </a:fld>
             <a:endParaRPr lang="en-GB"/>
           </a:p>
@@ -606,7 +606,7 @@
           <a:p>
             <a:fld id="{B3A60D50-D8A2-4FF0-BC35-14BFC20D9FA3}" type="datetimeFigureOut">
               <a:rPr lang="en-GB" smtClean="0"/>
-              <a:t>16/02/2018</a:t>
+              <a:t>20/02/2018</a:t>
             </a:fld>
             <a:endParaRPr lang="en-GB"/>
           </a:p>
@@ -776,7 +776,7 @@
           <a:p>
             <a:fld id="{B3A60D50-D8A2-4FF0-BC35-14BFC20D9FA3}" type="datetimeFigureOut">
               <a:rPr lang="en-GB" smtClean="0"/>
-              <a:t>16/02/2018</a:t>
+              <a:t>20/02/2018</a:t>
             </a:fld>
             <a:endParaRPr lang="en-GB"/>
           </a:p>
@@ -1022,7 +1022,7 @@
           <a:p>
             <a:fld id="{B3A60D50-D8A2-4FF0-BC35-14BFC20D9FA3}" type="datetimeFigureOut">
               <a:rPr lang="en-GB" smtClean="0"/>
-              <a:t>16/02/2018</a:t>
+              <a:t>20/02/2018</a:t>
             </a:fld>
             <a:endParaRPr lang="en-GB"/>
           </a:p>
@@ -1254,7 +1254,7 @@
           <a:p>
             <a:fld id="{B3A60D50-D8A2-4FF0-BC35-14BFC20D9FA3}" type="datetimeFigureOut">
               <a:rPr lang="en-GB" smtClean="0"/>
-              <a:t>16/02/2018</a:t>
+              <a:t>20/02/2018</a:t>
             </a:fld>
             <a:endParaRPr lang="en-GB"/>
           </a:p>
@@ -1621,7 +1621,7 @@
           <a:p>
             <a:fld id="{B3A60D50-D8A2-4FF0-BC35-14BFC20D9FA3}" type="datetimeFigureOut">
               <a:rPr lang="en-GB" smtClean="0"/>
-              <a:t>16/02/2018</a:t>
+              <a:t>20/02/2018</a:t>
             </a:fld>
             <a:endParaRPr lang="en-GB"/>
           </a:p>
@@ -1739,7 +1739,7 @@
           <a:p>
             <a:fld id="{B3A60D50-D8A2-4FF0-BC35-14BFC20D9FA3}" type="datetimeFigureOut">
               <a:rPr lang="en-GB" smtClean="0"/>
-              <a:t>16/02/2018</a:t>
+              <a:t>20/02/2018</a:t>
             </a:fld>
             <a:endParaRPr lang="en-GB"/>
           </a:p>
@@ -1834,7 +1834,7 @@
           <a:p>
             <a:fld id="{B3A60D50-D8A2-4FF0-BC35-14BFC20D9FA3}" type="datetimeFigureOut">
               <a:rPr lang="en-GB" smtClean="0"/>
-              <a:t>16/02/2018</a:t>
+              <a:t>20/02/2018</a:t>
             </a:fld>
             <a:endParaRPr lang="en-GB"/>
           </a:p>
@@ -2111,7 +2111,7 @@
           <a:p>
             <a:fld id="{B3A60D50-D8A2-4FF0-BC35-14BFC20D9FA3}" type="datetimeFigureOut">
               <a:rPr lang="en-GB" smtClean="0"/>
-              <a:t>16/02/2018</a:t>
+              <a:t>20/02/2018</a:t>
             </a:fld>
             <a:endParaRPr lang="en-GB"/>
           </a:p>
@@ -2364,7 +2364,7 @@
           <a:p>
             <a:fld id="{B3A60D50-D8A2-4FF0-BC35-14BFC20D9FA3}" type="datetimeFigureOut">
               <a:rPr lang="en-GB" smtClean="0"/>
-              <a:t>16/02/2018</a:t>
+              <a:t>20/02/2018</a:t>
             </a:fld>
             <a:endParaRPr lang="en-GB"/>
           </a:p>
@@ -2577,7 +2577,7 @@
           <a:p>
             <a:fld id="{B3A60D50-D8A2-4FF0-BC35-14BFC20D9FA3}" type="datetimeFigureOut">
               <a:rPr lang="en-GB" smtClean="0"/>
-              <a:t>16/02/2018</a:t>
+              <a:t>20/02/2018</a:t>
             </a:fld>
             <a:endParaRPr lang="en-GB"/>
           </a:p>
@@ -8757,11 +8757,7 @@
             <a:pPr algn="ctr"/>
             <a:r>
               <a:rPr lang="en-GB" sz="1400" dirty="0" smtClean="0"/>
-              <a:t>13</a:t>
-            </a:r>
-            <a:r>
-              <a:rPr lang="en-GB" sz="1400" dirty="0" smtClean="0"/>
-              <a:t>:30 </a:t>
+              <a:t>13:30 </a:t>
             </a:r>
             <a:r>
               <a:rPr lang="en-GB" sz="1400" dirty="0"/>
@@ -8820,11 +8816,7 @@
             <a:pPr algn="ctr"/>
             <a:r>
               <a:rPr lang="en-GB" sz="1400" dirty="0" smtClean="0"/>
-              <a:t>12</a:t>
-            </a:r>
-            <a:r>
-              <a:rPr lang="en-GB" sz="1400" dirty="0" smtClean="0"/>
-              <a:t>:00 </a:t>
+              <a:t>12:00 </a:t>
             </a:r>
             <a:r>
               <a:rPr lang="en-GB" sz="1400" dirty="0"/>
@@ -8883,11 +8875,7 @@
             <a:pPr algn="ctr"/>
             <a:r>
               <a:rPr lang="en-GB" sz="1400" dirty="0" smtClean="0"/>
-              <a:t>15</a:t>
-            </a:r>
-            <a:r>
-              <a:rPr lang="en-GB" sz="1400" dirty="0" smtClean="0"/>
-              <a:t>:00 </a:t>
+              <a:t>15:00 </a:t>
             </a:r>
             <a:r>
               <a:rPr lang="en-GB" sz="1400" dirty="0"/>
@@ -8939,11 +8927,7 @@
             <a:pPr algn="ctr"/>
             <a:r>
               <a:rPr lang="en-GB" sz="1400" dirty="0" smtClean="0"/>
-              <a:t>16</a:t>
-            </a:r>
-            <a:r>
-              <a:rPr lang="en-GB" sz="1400" dirty="0" smtClean="0"/>
-              <a:t>:00 </a:t>
+              <a:t>16:00 </a:t>
             </a:r>
             <a:r>
               <a:rPr lang="en-GB" sz="1400" dirty="0"/>
@@ -8990,11 +8974,7 @@
             <a:pPr algn="ctr"/>
             <a:r>
               <a:rPr lang="en-GB" sz="1400" dirty="0" smtClean="0"/>
-              <a:t>14</a:t>
-            </a:r>
-            <a:r>
-              <a:rPr lang="en-GB" sz="1400" dirty="0" smtClean="0"/>
-              <a:t>:30 </a:t>
+              <a:t>14:30 </a:t>
             </a:r>
             <a:r>
               <a:rPr lang="en-GB" sz="1400" dirty="0"/>
@@ -15310,10 +15290,10 @@
           <a:p>
             <a:pPr algn="ctr"/>
             <a:r>
-              <a:rPr lang="en-GB" dirty="0" smtClean="0"/>
+              <a:rPr lang="en-GB" sz="1200" dirty="0" smtClean="0"/>
               <a:t>Appointment</a:t>
             </a:r>
-            <a:endParaRPr lang="en-GB" dirty="0"/>
+            <a:endParaRPr lang="en-GB" sz="1200" dirty="0"/>
           </a:p>
         </p:txBody>
       </p:sp>
@@ -16943,10 +16923,10 @@
           <a:p>
             <a:pPr algn="ctr"/>
             <a:r>
-              <a:rPr lang="en-GB" dirty="0" smtClean="0"/>
+              <a:rPr lang="en-GB" sz="1200" dirty="0" smtClean="0"/>
               <a:t>Appointment</a:t>
             </a:r>
-            <a:endParaRPr lang="en-GB" dirty="0"/>
+            <a:endParaRPr lang="en-GB" sz="1200" dirty="0"/>
           </a:p>
         </p:txBody>
       </p:sp>

--- a/SupportFiles/Documents/SketchFlow.pptx
+++ b/SupportFiles/Documents/SketchFlow.pptx
@@ -9980,13 +9980,13 @@
       </p:sp>
       <p:sp>
         <p:nvSpPr>
-          <p:cNvPr id="26" name="Rectangle 25"/>
-          <p:cNvSpPr/>
-          <p:nvPr/>
-        </p:nvSpPr>
-        <p:spPr>
-          <a:xfrm>
-            <a:off x="9023711" y="5286620"/>
+          <p:cNvPr id="27" name="Rectangle 26"/>
+          <p:cNvSpPr/>
+          <p:nvPr/>
+        </p:nvSpPr>
+        <p:spPr>
+          <a:xfrm>
+            <a:off x="9023711" y="3339477"/>
             <a:ext cx="2163779" cy="325925"/>
           </a:xfrm>
           <a:prstGeom prst="rect">
@@ -10015,8 +10015,8 @@
           <a:p>
             <a:pPr algn="ctr"/>
             <a:r>
-              <a:rPr lang="en-GB" dirty="0" smtClean="0"/>
-              <a:t>Delete</a:t>
+              <a:rPr lang="en-US" dirty="0" smtClean="0"/>
+              <a:t>Service</a:t>
             </a:r>
             <a:endParaRPr lang="en-GB" dirty="0"/>
           </a:p>
@@ -10024,13 +10024,13 @@
       </p:sp>
       <p:sp>
         <p:nvSpPr>
-          <p:cNvPr id="27" name="Rectangle 26"/>
-          <p:cNvSpPr/>
-          <p:nvPr/>
-        </p:nvSpPr>
-        <p:spPr>
-          <a:xfrm>
-            <a:off x="9023711" y="3339477"/>
+          <p:cNvPr id="28" name="Rectangle 27"/>
+          <p:cNvSpPr/>
+          <p:nvPr/>
+        </p:nvSpPr>
+        <p:spPr>
+          <a:xfrm>
+            <a:off x="9023711" y="3728690"/>
             <a:ext cx="2163779" cy="325925"/>
           </a:xfrm>
           <a:prstGeom prst="rect">
@@ -10059,8 +10059,8 @@
           <a:p>
             <a:pPr algn="ctr"/>
             <a:r>
-              <a:rPr lang="en-US" dirty="0" smtClean="0"/>
-              <a:t>Service</a:t>
+              <a:rPr lang="en-GB" dirty="0" smtClean="0"/>
+              <a:t>Start Time</a:t>
             </a:r>
             <a:endParaRPr lang="en-GB" dirty="0"/>
           </a:p>
@@ -10068,13 +10068,13 @@
       </p:sp>
       <p:sp>
         <p:nvSpPr>
-          <p:cNvPr id="28" name="Rectangle 27"/>
-          <p:cNvSpPr/>
-          <p:nvPr/>
-        </p:nvSpPr>
-        <p:spPr>
-          <a:xfrm>
-            <a:off x="9023711" y="3728690"/>
+          <p:cNvPr id="29" name="Rectangle 28"/>
+          <p:cNvSpPr/>
+          <p:nvPr/>
+        </p:nvSpPr>
+        <p:spPr>
+          <a:xfrm>
+            <a:off x="9023711" y="4100575"/>
             <a:ext cx="2163779" cy="325925"/>
           </a:xfrm>
           <a:prstGeom prst="rect">
@@ -10103,8 +10103,8 @@
           <a:p>
             <a:pPr algn="ctr"/>
             <a:r>
-              <a:rPr lang="en-GB" dirty="0" smtClean="0"/>
-              <a:t>Start Time</a:t>
+              <a:rPr lang="en-US" dirty="0" smtClean="0"/>
+              <a:t>End Time</a:t>
             </a:r>
             <a:endParaRPr lang="en-GB" dirty="0"/>
           </a:p>
@@ -10112,13 +10112,13 @@
       </p:sp>
       <p:sp>
         <p:nvSpPr>
-          <p:cNvPr id="29" name="Rectangle 28"/>
-          <p:cNvSpPr/>
-          <p:nvPr/>
-        </p:nvSpPr>
-        <p:spPr>
-          <a:xfrm>
-            <a:off x="9023711" y="4100575"/>
+          <p:cNvPr id="30" name="Rectangle 29"/>
+          <p:cNvSpPr/>
+          <p:nvPr/>
+        </p:nvSpPr>
+        <p:spPr>
+          <a:xfrm>
+            <a:off x="9023711" y="2959526"/>
             <a:ext cx="2163779" cy="325925"/>
           </a:xfrm>
           <a:prstGeom prst="rect">
@@ -10147,8 +10147,8 @@
           <a:p>
             <a:pPr algn="ctr"/>
             <a:r>
-              <a:rPr lang="en-US" dirty="0" smtClean="0"/>
-              <a:t>End Time</a:t>
+              <a:rPr lang="en-GB" dirty="0" smtClean="0"/>
+              <a:t>Staff</a:t>
             </a:r>
             <a:endParaRPr lang="en-GB" dirty="0"/>
           </a:p>
@@ -10156,13 +10156,13 @@
       </p:sp>
       <p:sp>
         <p:nvSpPr>
-          <p:cNvPr id="30" name="Rectangle 29"/>
-          <p:cNvSpPr/>
-          <p:nvPr/>
-        </p:nvSpPr>
-        <p:spPr>
-          <a:xfrm>
-            <a:off x="9023711" y="2959526"/>
+          <p:cNvPr id="31" name="Rectangle 30"/>
+          <p:cNvSpPr/>
+          <p:nvPr/>
+        </p:nvSpPr>
+        <p:spPr>
+          <a:xfrm>
+            <a:off x="9023711" y="2563311"/>
             <a:ext cx="2163779" cy="325925"/>
           </a:xfrm>
           <a:prstGeom prst="rect">
@@ -10192,7 +10192,7 @@
             <a:pPr algn="ctr"/>
             <a:r>
               <a:rPr lang="en-GB" dirty="0" smtClean="0"/>
-              <a:t>Staff</a:t>
+              <a:t>Client</a:t>
             </a:r>
             <a:endParaRPr lang="en-GB" dirty="0"/>
           </a:p>
@@ -10200,43 +10200,113 @@
       </p:sp>
       <p:sp>
         <p:nvSpPr>
-          <p:cNvPr id="31" name="Rectangle 30"/>
-          <p:cNvSpPr/>
-          <p:nvPr/>
-        </p:nvSpPr>
-        <p:spPr>
-          <a:xfrm>
-            <a:off x="9023711" y="2563311"/>
-            <a:ext cx="2163779" cy="325925"/>
-          </a:xfrm>
-          <a:prstGeom prst="rect">
-            <a:avLst/>
-          </a:prstGeom>
-        </p:spPr>
-        <p:style>
-          <a:lnRef idx="2">
-            <a:schemeClr val="accent6">
-              <a:shade val="50000"/>
-            </a:schemeClr>
-          </a:lnRef>
-          <a:fillRef idx="1">
-            <a:schemeClr val="accent6"/>
-          </a:fillRef>
-          <a:effectRef idx="0">
-            <a:schemeClr val="accent6"/>
-          </a:effectRef>
-          <a:fontRef idx="minor">
-            <a:schemeClr val="lt1"/>
-          </a:fontRef>
-        </p:style>
-        <p:txBody>
-          <a:bodyPr rtlCol="0" anchor="ctr"/>
-          <a:lstStyle/>
-          <a:p>
-            <a:pPr algn="ctr"/>
-            <a:r>
-              <a:rPr lang="en-GB" dirty="0" smtClean="0"/>
-              <a:t>Client</a:t>
+          <p:cNvPr id="4" name="Rectangle 3"/>
+          <p:cNvSpPr/>
+          <p:nvPr/>
+        </p:nvSpPr>
+        <p:spPr>
+          <a:xfrm>
+            <a:off x="9314814" y="159333"/>
+            <a:ext cx="2619588" cy="1477328"/>
+          </a:xfrm>
+          <a:prstGeom prst="rect">
+            <a:avLst/>
+          </a:prstGeom>
+        </p:spPr>
+        <p:txBody>
+          <a:bodyPr wrap="square">
+            <a:spAutoFit/>
+          </a:bodyPr>
+          <a:lstStyle/>
+          <a:p>
+            <a:r>
+              <a:rPr lang="en-GB" b="1" dirty="0" smtClean="0">
+                <a:solidFill>
+                  <a:srgbClr val="000000"/>
+                </a:solidFill>
+                <a:latin typeface="Consolas" panose="020B0609020204030204" pitchFamily="49" charset="0"/>
+              </a:rPr>
+              <a:t>Status</a:t>
+            </a:r>
+          </a:p>
+          <a:p>
+            <a:r>
+              <a:rPr lang="en-GB" dirty="0" smtClean="0">
+                <a:solidFill>
+                  <a:srgbClr val="000000"/>
+                </a:solidFill>
+                <a:latin typeface="Consolas" panose="020B0609020204030204" pitchFamily="49" charset="0"/>
+              </a:rPr>
+              <a:t>Book </a:t>
+            </a:r>
+            <a:r>
+              <a:rPr lang="en-GB" dirty="0">
+                <a:solidFill>
+                  <a:srgbClr val="000000"/>
+                </a:solidFill>
+                <a:latin typeface="Consolas" panose="020B0609020204030204" pitchFamily="49" charset="0"/>
+              </a:rPr>
+              <a:t>= 1,</a:t>
+            </a:r>
+          </a:p>
+          <a:p>
+            <a:r>
+              <a:rPr lang="en-GB" dirty="0" smtClean="0">
+                <a:solidFill>
+                  <a:srgbClr val="000000"/>
+                </a:solidFill>
+                <a:latin typeface="Consolas" panose="020B0609020204030204" pitchFamily="49" charset="0"/>
+              </a:rPr>
+              <a:t>Confirmed </a:t>
+            </a:r>
+            <a:r>
+              <a:rPr lang="en-GB" dirty="0">
+                <a:solidFill>
+                  <a:srgbClr val="000000"/>
+                </a:solidFill>
+                <a:latin typeface="Consolas" panose="020B0609020204030204" pitchFamily="49" charset="0"/>
+              </a:rPr>
+              <a:t>= 2,</a:t>
+            </a:r>
+          </a:p>
+          <a:p>
+            <a:r>
+              <a:rPr lang="en-GB" dirty="0" smtClean="0">
+                <a:solidFill>
+                  <a:srgbClr val="000000"/>
+                </a:solidFill>
+                <a:latin typeface="Consolas" panose="020B0609020204030204" pitchFamily="49" charset="0"/>
+              </a:rPr>
+              <a:t>Checkout </a:t>
+            </a:r>
+            <a:r>
+              <a:rPr lang="en-GB" dirty="0">
+                <a:solidFill>
+                  <a:srgbClr val="000000"/>
+                </a:solidFill>
+                <a:latin typeface="Consolas" panose="020B0609020204030204" pitchFamily="49" charset="0"/>
+              </a:rPr>
+              <a:t>= 3,</a:t>
+            </a:r>
+          </a:p>
+          <a:p>
+            <a:r>
+              <a:rPr lang="en-GB" dirty="0" smtClean="0">
+                <a:solidFill>
+                  <a:srgbClr val="000000"/>
+                </a:solidFill>
+                <a:latin typeface="Consolas" panose="020B0609020204030204" pitchFamily="49" charset="0"/>
+              </a:rPr>
+              <a:t>Cancel </a:t>
+            </a:r>
+            <a:r>
+              <a:rPr lang="en-GB" dirty="0">
+                <a:solidFill>
+                  <a:srgbClr val="000000"/>
+                </a:solidFill>
+                <a:latin typeface="Consolas" panose="020B0609020204030204" pitchFamily="49" charset="0"/>
+              </a:rPr>
+              <a:t>= 4,</a:t>
             </a:r>
             <a:endParaRPr lang="en-GB" dirty="0"/>
           </a:p>
@@ -16702,9 +16772,10 @@
           <a:p>
             <a:pPr algn="ctr"/>
             <a:r>
-              <a:rPr lang="en-GB" dirty="0"/>
-              <a:t>Time Duration</a:t>
-            </a:r>
+              <a:rPr lang="en-GB" dirty="0" err="1" smtClean="0"/>
+              <a:t>DurationMinute</a:t>
+            </a:r>
+            <a:endParaRPr lang="en-GB" dirty="0"/>
           </a:p>
         </p:txBody>
       </p:sp>
@@ -17616,9 +17687,10 @@
           <a:p>
             <a:pPr algn="ctr"/>
             <a:r>
-              <a:rPr lang="en-GB" dirty="0"/>
-              <a:t>Time Duration</a:t>
-            </a:r>
+              <a:rPr lang="en-GB" dirty="0" err="1" smtClean="0"/>
+              <a:t>DurationMinute</a:t>
+            </a:r>
+            <a:endParaRPr lang="en-GB" dirty="0"/>
           </a:p>
         </p:txBody>
       </p:sp>
@@ -18243,6 +18315,50 @@
         <p:spPr>
           <a:xfrm>
             <a:off x="1508512" y="3948714"/>
+            <a:ext cx="2163779" cy="325925"/>
+          </a:xfrm>
+          <a:prstGeom prst="rect">
+            <a:avLst/>
+          </a:prstGeom>
+        </p:spPr>
+        <p:style>
+          <a:lnRef idx="2">
+            <a:schemeClr val="accent6">
+              <a:shade val="50000"/>
+            </a:schemeClr>
+          </a:lnRef>
+          <a:fillRef idx="1">
+            <a:schemeClr val="accent6"/>
+          </a:fillRef>
+          <a:effectRef idx="0">
+            <a:schemeClr val="accent6"/>
+          </a:effectRef>
+          <a:fontRef idx="minor">
+            <a:schemeClr val="lt1"/>
+          </a:fontRef>
+        </p:style>
+        <p:txBody>
+          <a:bodyPr rtlCol="0" anchor="ctr"/>
+          <a:lstStyle/>
+          <a:p>
+            <a:pPr algn="ctr"/>
+            <a:r>
+              <a:rPr lang="en-US" dirty="0" err="1" smtClean="0"/>
+              <a:t>DurationMinute</a:t>
+            </a:r>
+            <a:endParaRPr lang="en-GB" dirty="0"/>
+          </a:p>
+        </p:txBody>
+      </p:sp>
+      <p:sp>
+        <p:nvSpPr>
+          <p:cNvPr id="15" name="Rectangle 14"/>
+          <p:cNvSpPr/>
+          <p:nvPr/>
+        </p:nvSpPr>
+        <p:spPr>
+          <a:xfrm>
+            <a:off x="1508512" y="4357051"/>
             <a:ext cx="2163779" cy="325925"/>
           </a:xfrm>
           <a:prstGeom prst="rect">
